--- a/src/intro.pptx
+++ b/src/intro.pptx
@@ -5,7 +5,7 @@
     <p:sldMasterId id="2147483648" r:id="rId1"/>
   </p:sldMasterIdLst>
   <p:notesMasterIdLst>
-    <p:NotesMasterId r:id="rId49"/>
+    <p:NotesMasterId r:id="rId61"/>
   </p:notesMasterIdLst>
   <p:sldIdLst>
     <p:sldId id="256" r:id="rId2"/>
@@ -55,6 +55,18 @@
     <p:sldId id="300" r:id="rId46"/>
     <p:sldId id="301" r:id="rId47"/>
     <p:sldId id="302" r:id="rId48"/>
+    <p:sldId id="303" r:id="rId49"/>
+    <p:sldId id="304" r:id="rId50"/>
+    <p:sldId id="305" r:id="rId51"/>
+    <p:sldId id="306" r:id="rId52"/>
+    <p:sldId id="307" r:id="rId53"/>
+    <p:sldId id="308" r:id="rId54"/>
+    <p:sldId id="309" r:id="rId55"/>
+    <p:sldId id="310" r:id="rId56"/>
+    <p:sldId id="311" r:id="rId57"/>
+    <p:sldId id="312" r:id="rId58"/>
+    <p:sldId id="313" r:id="rId59"/>
+    <p:sldId id="314" r:id="rId60"/>
   </p:sldIdLst>
   <p:sldSz cx="9144000" cy="6858000" type="screen4x3"/>
   <p:notesSz cx="6858000" cy="9144000"/>
@@ -10629,6 +10641,22 @@
             </a:r>
             <a:r>
               <a:rPr/>
+              <a:t>approximated</a:t>
+            </a:r>
+            <a:r>
+              <a:rPr/>
+              <a:t> </a:t>
+            </a:r>
+            <a:r>
+              <a:rPr/>
+              <a:t>by</a:t>
+            </a:r>
+            <a:r>
+              <a:rPr/>
+              <a:t> </a:t>
+            </a:r>
+            <a:r>
+              <a:rPr/>
               <a:t>a</a:t>
             </a:r>
             <a:r>
@@ -10717,7 +10745,167 @@
             </a:r>
             <a:r>
               <a:rPr/>
-              <a:t>control.</a:t>
+              <a:t>control</a:t>
+            </a:r>
+            <a:r>
+              <a:rPr/>
+              <a:t> </a:t>
+            </a:r>
+            <a:r>
+              <a:rPr/>
+              <a:t>for</a:t>
+            </a:r>
+            <a:r>
+              <a:rPr/>
+              <a:t> </a:t>
+            </a:r>
+            <a:r>
+              <a:rPr/>
+              <a:t>the</a:t>
+            </a:r>
+            <a:r>
+              <a:rPr/>
+              <a:t> </a:t>
+            </a:r>
+            <a:r>
+              <a:rPr/>
+              <a:t>standardized</a:t>
+            </a:r>
+            <a:r>
+              <a:rPr/>
+              <a:t> </a:t>
+            </a:r>
+            <a:r>
+              <a:rPr/>
+              <a:t>mean</a:t>
+            </a:r>
+            <a:r>
+              <a:rPr/>
+              <a:t> </a:t>
+            </a:r>
+            <a:r>
+              <a:rPr/>
+              <a:t>difference</a:t>
+            </a:r>
+            <a:r>
+              <a:rPr/>
+              <a:t> </a:t>
+            </a:r>
+            <a:r>
+              <a:rPr/>
+              <a:t>and</a:t>
+            </a:r>
+            <a:r>
+              <a:rPr/>
+              <a:t> </a:t>
+            </a:r>
+            <a:r>
+              <a:rPr/>
+              <a:t>by</a:t>
+            </a:r>
+            <a:r>
+              <a:rPr/>
+              <a:t> </a:t>
+            </a:r>
+            <a:r>
+              <a:rPr/>
+              <a:t>a</a:t>
+            </a:r>
+            <a:r>
+              <a:rPr/>
+              <a:t> </a:t>
+            </a:r>
+            <a:r>
+              <a:rPr/>
+              <a:t>simple</a:t>
+            </a:r>
+            <a:r>
+              <a:rPr/>
+              <a:t> </a:t>
+            </a:r>
+            <a:r>
+              <a:rPr/>
+              <a:t>function</a:t>
+            </a:r>
+            <a:r>
+              <a:rPr/>
+              <a:t> </a:t>
+            </a:r>
+            <a:r>
+              <a:rPr/>
+              <a:t>of</a:t>
+            </a:r>
+            <a:r>
+              <a:rPr/>
+              <a:t> </a:t>
+            </a:r>
+            <a:r>
+              <a:rPr/>
+              <a:t>the</a:t>
+            </a:r>
+            <a:r>
+              <a:rPr/>
+              <a:t> </a:t>
+            </a:r>
+            <a:r>
+              <a:rPr/>
+              <a:t>four</a:t>
+            </a:r>
+            <a:r>
+              <a:rPr/>
+              <a:t> </a:t>
+            </a:r>
+            <a:r>
+              <a:rPr/>
+              <a:t>cell</a:t>
+            </a:r>
+            <a:r>
+              <a:rPr/>
+              <a:t> </a:t>
+            </a:r>
+            <a:r>
+              <a:rPr/>
+              <a:t>counts</a:t>
+            </a:r>
+            <a:r>
+              <a:rPr/>
+              <a:t> </a:t>
+            </a:r>
+            <a:r>
+              <a:rPr/>
+              <a:t>for</a:t>
+            </a:r>
+            <a:r>
+              <a:rPr/>
+              <a:t> </a:t>
+            </a:r>
+            <a:r>
+              <a:rPr/>
+              <a:t>the</a:t>
+            </a:r>
+            <a:r>
+              <a:rPr/>
+              <a:t> </a:t>
+            </a:r>
+            <a:r>
+              <a:rPr/>
+              <a:t>log</a:t>
+            </a:r>
+            <a:r>
+              <a:rPr/>
+              <a:t> </a:t>
+            </a:r>
+            <a:r>
+              <a:rPr/>
+              <a:t>odds</a:t>
+            </a:r>
+            <a:r>
+              <a:rPr/>
+              <a:t> </a:t>
+            </a:r>
+            <a:r>
+              <a:rPr/>
+              <a:t>ratio.</a:t>
             </a:r>
             <a:r>
               <a:rPr/>
@@ -10966,498 +11154,6 @@
             <a:r>
               <a:rPr/>
               <a:t>heavily.</a:t>
-            </a:r>
-          </a:p>
-          <a:p>
-            <a:pPr lvl="0" marL="0" indent="0">
-              <a:buNone/>
-            </a:pPr>
-          </a:p>
-          <a:p>
-            <a:pPr lvl="0" marL="0" indent="0">
-              <a:buNone/>
-            </a:pPr>
-            <a:r>
-              <a:rPr/>
-              <a:t>The</a:t>
-            </a:r>
-            <a:r>
-              <a:rPr/>
-              <a:t> </a:t>
-            </a:r>
-            <a:r>
-              <a:rPr/>
-              <a:t>overall</a:t>
-            </a:r>
-            <a:r>
-              <a:rPr/>
-              <a:t> </a:t>
-            </a:r>
-            <a:r>
-              <a:rPr/>
-              <a:t>estimate,</a:t>
-            </a:r>
-            <a:r>
-              <a:rPr/>
-              <a:t> </a:t>
-            </a:r>
-            <a:r>
-              <a:rPr/>
-              <a:t>theta-hat</a:t>
-            </a:r>
-            <a:r>
-              <a:rPr/>
-              <a:t> </a:t>
-            </a:r>
-            <a:r>
-              <a:rPr/>
-              <a:t>is</a:t>
-            </a:r>
-            <a:r>
-              <a:rPr/>
-              <a:t> </a:t>
-            </a:r>
-            <a:r>
-              <a:rPr/>
-              <a:t>a</a:t>
-            </a:r>
-            <a:r>
-              <a:rPr/>
-              <a:t> </a:t>
-            </a:r>
-            <a:r>
-              <a:rPr/>
-              <a:t>weighted</a:t>
-            </a:r>
-            <a:r>
-              <a:rPr/>
-              <a:t> </a:t>
-            </a:r>
-            <a:r>
-              <a:rPr/>
-              <a:t>average</a:t>
-            </a:r>
-            <a:r>
-              <a:rPr/>
-              <a:t> </a:t>
-            </a:r>
-            <a:r>
-              <a:rPr/>
-              <a:t>of</a:t>
-            </a:r>
-            <a:r>
-              <a:rPr/>
-              <a:t> </a:t>
-            </a:r>
-            <a:r>
-              <a:rPr/>
-              <a:t>the</a:t>
-            </a:r>
-            <a:r>
-              <a:rPr/>
-              <a:t> </a:t>
-            </a:r>
-            <a:r>
-              <a:rPr/>
-              <a:t>individual</a:t>
-            </a:r>
-            <a:r>
-              <a:rPr/>
-              <a:t> </a:t>
-            </a:r>
-            <a:r>
-              <a:rPr/>
-              <a:t>study</a:t>
-            </a:r>
-            <a:r>
-              <a:rPr/>
-              <a:t> </a:t>
-            </a:r>
-            <a:r>
-              <a:rPr/>
-              <a:t>estimates.</a:t>
-            </a:r>
-            <a:r>
-              <a:rPr/>
-              <a:t> </a:t>
-            </a:r>
-            <a:r>
-              <a:rPr/>
-              <a:t>If</a:t>
-            </a:r>
-            <a:r>
-              <a:rPr/>
-              <a:t> </a:t>
-            </a:r>
-            <a:r>
-              <a:rPr/>
-              <a:t>you</a:t>
-            </a:r>
-            <a:r>
-              <a:rPr/>
-              <a:t> </a:t>
-            </a:r>
-            <a:r>
-              <a:rPr/>
-              <a:t>take</a:t>
-            </a:r>
-            <a:r>
-              <a:rPr/>
-              <a:t> </a:t>
-            </a:r>
-            <a:r>
-              <a:rPr/>
-              <a:t>the</a:t>
-            </a:r>
-            <a:r>
-              <a:rPr/>
-              <a:t> </a:t>
-            </a:r>
-            <a:r>
-              <a:rPr/>
-              <a:t>square</a:t>
-            </a:r>
-            <a:r>
-              <a:rPr/>
-              <a:t> </a:t>
-            </a:r>
-            <a:r>
-              <a:rPr/>
-              <a:t>of</a:t>
-            </a:r>
-            <a:r>
-              <a:rPr/>
-              <a:t> </a:t>
-            </a:r>
-            <a:r>
-              <a:rPr/>
-              <a:t>the</a:t>
-            </a:r>
-            <a:r>
-              <a:rPr/>
-              <a:t> </a:t>
-            </a:r>
-            <a:r>
-              <a:rPr/>
-              <a:t>overall</a:t>
-            </a:r>
-            <a:r>
-              <a:rPr/>
-              <a:t> </a:t>
-            </a:r>
-            <a:r>
-              <a:rPr/>
-              <a:t>estimate</a:t>
-            </a:r>
-            <a:r>
-              <a:rPr/>
-              <a:t> </a:t>
-            </a:r>
-            <a:r>
-              <a:rPr/>
-              <a:t>and</a:t>
-            </a:r>
-            <a:r>
-              <a:rPr/>
-              <a:t> </a:t>
-            </a:r>
-            <a:r>
-              <a:rPr/>
-              <a:t>divide</a:t>
-            </a:r>
-            <a:r>
-              <a:rPr/>
-              <a:t> </a:t>
-            </a:r>
-            <a:r>
-              <a:rPr/>
-              <a:t>by</a:t>
-            </a:r>
-            <a:r>
-              <a:rPr/>
-              <a:t> </a:t>
-            </a:r>
-            <a:r>
-              <a:rPr/>
-              <a:t>the</a:t>
-            </a:r>
-            <a:r>
-              <a:rPr/>
-              <a:t> </a:t>
-            </a:r>
-            <a:r>
-              <a:rPr/>
-              <a:t>estimated</a:t>
-            </a:r>
-            <a:r>
-              <a:rPr/>
-              <a:t> </a:t>
-            </a:r>
-            <a:r>
-              <a:rPr/>
-              <a:t>variance</a:t>
-            </a:r>
-            <a:r>
-              <a:rPr/>
-              <a:t> </a:t>
-            </a:r>
-            <a:r>
-              <a:rPr/>
-              <a:t>of</a:t>
-            </a:r>
-            <a:r>
-              <a:rPr/>
-              <a:t> </a:t>
-            </a:r>
-            <a:r>
-              <a:rPr/>
-              <a:t>the</a:t>
-            </a:r>
-            <a:r>
-              <a:rPr/>
-              <a:t> </a:t>
-            </a:r>
-            <a:r>
-              <a:rPr/>
-              <a:t>overall</a:t>
-            </a:r>
-            <a:r>
-              <a:rPr/>
-              <a:t> </a:t>
-            </a:r>
-            <a:r>
-              <a:rPr/>
-              <a:t>estimate,</a:t>
-            </a:r>
-            <a:r>
-              <a:rPr/>
-              <a:t> </a:t>
-            </a:r>
-            <a:r>
-              <a:rPr/>
-              <a:t>you</a:t>
-            </a:r>
-            <a:r>
-              <a:rPr/>
-              <a:t> </a:t>
-            </a:r>
-            <a:r>
-              <a:rPr/>
-              <a:t>get</a:t>
-            </a:r>
-            <a:r>
-              <a:rPr/>
-              <a:t> </a:t>
-            </a:r>
-            <a:r>
-              <a:rPr/>
-              <a:t>a</a:t>
-            </a:r>
-            <a:r>
-              <a:rPr/>
-              <a:t> </a:t>
-            </a:r>
-            <a:r>
-              <a:rPr/>
-              <a:t>statistic</a:t>
-            </a:r>
-            <a:r>
-              <a:rPr/>
-              <a:t> </a:t>
-            </a:r>
-            <a:r>
-              <a:rPr/>
-              <a:t>for</a:t>
-            </a:r>
-            <a:r>
-              <a:rPr/>
-              <a:t> </a:t>
-            </a:r>
-            <a:r>
-              <a:rPr/>
-              <a:t>testing</a:t>
-            </a:r>
-            <a:r>
-              <a:rPr/>
-              <a:t> </a:t>
-            </a:r>
-            <a:r>
-              <a:rPr/>
-              <a:t>the</a:t>
-            </a:r>
-            <a:r>
-              <a:rPr/>
-              <a:t> </a:t>
-            </a:r>
-            <a:r>
-              <a:rPr/>
-              <a:t>hypothesis</a:t>
-            </a:r>
-            <a:r>
-              <a:rPr/>
-              <a:t> </a:t>
-            </a:r>
-            <a:r>
-              <a:rPr/>
-              <a:t>that</a:t>
-            </a:r>
-            <a:r>
-              <a:rPr/>
-              <a:t> </a:t>
-            </a:r>
-            <a:r>
-              <a:rPr/>
-              <a:t>the</a:t>
-            </a:r>
-            <a:r>
-              <a:rPr/>
-              <a:t> </a:t>
-            </a:r>
-            <a:r>
-              <a:rPr/>
-              <a:t>overall</a:t>
-            </a:r>
-            <a:r>
-              <a:rPr/>
-              <a:t> </a:t>
-            </a:r>
-            <a:r>
-              <a:rPr/>
-              <a:t>mean</a:t>
-            </a:r>
-            <a:r>
-              <a:rPr/>
-              <a:t> </a:t>
-            </a:r>
-            <a:r>
-              <a:rPr/>
-              <a:t>difference</a:t>
-            </a:r>
-            <a:r>
-              <a:rPr/>
-              <a:t> </a:t>
-            </a:r>
-            <a:r>
-              <a:rPr/>
-              <a:t>is</a:t>
-            </a:r>
-            <a:r>
-              <a:rPr/>
-              <a:t> </a:t>
-            </a:r>
-            <a:r>
-              <a:rPr/>
-              <a:t>zero.</a:t>
-            </a:r>
-          </a:p>
-          <a:p>
-            <a:pPr lvl="0" marL="0" indent="0">
-              <a:buNone/>
-            </a:pPr>
-          </a:p>
-          <a:p>
-            <a:pPr lvl="0" marL="0" indent="0">
-              <a:buNone/>
-            </a:pPr>
-            <a:r>
-              <a:rPr/>
-              <a:t>Compare</a:t>
-            </a:r>
-            <a:r>
-              <a:rPr/>
-              <a:t> </a:t>
-            </a:r>
-            <a:r>
-              <a:rPr/>
-              <a:t>this</a:t>
-            </a:r>
-            <a:r>
-              <a:rPr/>
-              <a:t> </a:t>
-            </a:r>
-            <a:r>
-              <a:rPr/>
-              <a:t>test</a:t>
-            </a:r>
-            <a:r>
-              <a:rPr/>
-              <a:t> </a:t>
-            </a:r>
-            <a:r>
-              <a:rPr/>
-              <a:t>statistic</a:t>
-            </a:r>
-            <a:r>
-              <a:rPr/>
-              <a:t> </a:t>
-            </a:r>
-            <a:r>
-              <a:rPr/>
-              <a:t>to</a:t>
-            </a:r>
-            <a:r>
-              <a:rPr/>
-              <a:t> </a:t>
-            </a:r>
-            <a:r>
-              <a:rPr/>
-              <a:t>a</a:t>
-            </a:r>
-            <a:r>
-              <a:rPr/>
-              <a:t> </a:t>
-            </a:r>
-            <a:r>
-              <a:rPr/>
-              <a:t>chi-squared</a:t>
-            </a:r>
-            <a:r>
-              <a:rPr/>
-              <a:t> </a:t>
-            </a:r>
-            <a:r>
-              <a:rPr/>
-              <a:t>distribution</a:t>
-            </a:r>
-            <a:r>
-              <a:rPr/>
-              <a:t> </a:t>
-            </a:r>
-            <a:r>
-              <a:rPr/>
-              <a:t>with</a:t>
-            </a:r>
-            <a:r>
-              <a:rPr/>
-              <a:t> </a:t>
-            </a:r>
-            <a:r>
-              <a:rPr/>
-              <a:t>1</a:t>
-            </a:r>
-            <a:r>
-              <a:rPr/>
-              <a:t> </a:t>
-            </a:r>
-            <a:r>
-              <a:rPr/>
-              <a:t>degree</a:t>
-            </a:r>
-            <a:r>
-              <a:rPr/>
-              <a:t> </a:t>
-            </a:r>
-            <a:r>
-              <a:rPr/>
-              <a:t>of</a:t>
-            </a:r>
-            <a:r>
-              <a:rPr/>
-              <a:t> </a:t>
-            </a:r>
-            <a:r>
-              <a:rPr/>
-              <a:t>freedom.</a:t>
             </a:r>
           </a:p>
         </p:txBody>
@@ -11539,39 +11235,39 @@
             </a:pPr>
             <a:r>
               <a:rPr/>
-              <a:t>Heterogeneity</a:t>
-            </a:r>
-            <a:r>
-              <a:rPr/>
-              <a:t> </a:t>
-            </a:r>
-            <a:r>
-              <a:rPr/>
-              <a:t>will</a:t>
-            </a:r>
-            <a:r>
-              <a:rPr/>
-              <a:t> </a:t>
-            </a:r>
-            <a:r>
-              <a:rPr/>
-              <a:t>manifest</a:t>
-            </a:r>
-            <a:r>
-              <a:rPr/>
-              <a:t> </a:t>
-            </a:r>
-            <a:r>
-              <a:rPr/>
-              <a:t>itself</a:t>
-            </a:r>
-            <a:r>
-              <a:rPr/>
-              <a:t> </a:t>
-            </a:r>
-            <a:r>
-              <a:rPr/>
-              <a:t>with</a:t>
+              <a:t>The</a:t>
+            </a:r>
+            <a:r>
+              <a:rPr/>
+              <a:t> </a:t>
+            </a:r>
+            <a:r>
+              <a:rPr/>
+              <a:t>overall</a:t>
+            </a:r>
+            <a:r>
+              <a:rPr/>
+              <a:t> </a:t>
+            </a:r>
+            <a:r>
+              <a:rPr/>
+              <a:t>estimate,</a:t>
+            </a:r>
+            <a:r>
+              <a:rPr/>
+              <a:t> </a:t>
+            </a:r>
+            <a:r>
+              <a:rPr/>
+              <a:t>theta-hat</a:t>
+            </a:r>
+            <a:r>
+              <a:rPr/>
+              <a:t> </a:t>
+            </a:r>
+            <a:r>
+              <a:rPr/>
+              <a:t>is</a:t>
             </a:r>
             <a:r>
               <a:rPr/>
@@ -11587,15 +11283,15 @@
             </a:r>
             <a:r>
               <a:rPr/>
-              <a:t>greater</a:t>
-            </a:r>
-            <a:r>
-              <a:rPr/>
-              <a:t> </a:t>
-            </a:r>
-            <a:r>
-              <a:rPr/>
-              <a:t>degree</a:t>
+              <a:t>weighted</a:t>
+            </a:r>
+            <a:r>
+              <a:rPr/>
+              <a:t> </a:t>
+            </a:r>
+            <a:r>
+              <a:rPr/>
+              <a:t>average</a:t>
             </a:r>
             <a:r>
               <a:rPr/>
@@ -11611,23 +11307,15 @@
             </a:r>
             <a:r>
               <a:rPr/>
-              <a:t>variation</a:t>
-            </a:r>
-            <a:r>
-              <a:rPr/>
-              <a:t> </a:t>
-            </a:r>
-            <a:r>
-              <a:rPr/>
-              <a:t>from</a:t>
-            </a:r>
-            <a:r>
-              <a:rPr/>
-              <a:t> </a:t>
-            </a:r>
-            <a:r>
-              <a:rPr/>
-              <a:t>one</a:t>
+              <a:t>the</a:t>
+            </a:r>
+            <a:r>
+              <a:rPr/>
+              <a:t> </a:t>
+            </a:r>
+            <a:r>
+              <a:rPr/>
+              <a:t>individual</a:t>
             </a:r>
             <a:r>
               <a:rPr/>
@@ -11643,23 +11331,31 @@
             </a:r>
             <a:r>
               <a:rPr/>
-              <a:t>to</a:t>
-            </a:r>
-            <a:r>
-              <a:rPr/>
-              <a:t> </a:t>
-            </a:r>
-            <a:r>
-              <a:rPr/>
-              <a:t>another</a:t>
-            </a:r>
-            <a:r>
-              <a:rPr/>
-              <a:t> </a:t>
-            </a:r>
-            <a:r>
-              <a:rPr/>
-              <a:t>than</a:t>
+              <a:t>estimates.</a:t>
+            </a:r>
+            <a:r>
+              <a:rPr/>
+              <a:t> </a:t>
+            </a:r>
+            <a:r>
+              <a:rPr/>
+              <a:t>If</a:t>
+            </a:r>
+            <a:r>
+              <a:rPr/>
+              <a:t> </a:t>
+            </a:r>
+            <a:r>
+              <a:rPr/>
+              <a:t>you</a:t>
+            </a:r>
+            <a:r>
+              <a:rPr/>
+              <a:t> </a:t>
+            </a:r>
+            <a:r>
+              <a:rPr/>
+              <a:t>take</a:t>
             </a:r>
             <a:r>
               <a:rPr/>
@@ -11675,39 +11371,15 @@
             </a:r>
             <a:r>
               <a:rPr/>
-              <a:t>amount</a:t>
-            </a:r>
-            <a:r>
-              <a:rPr/>
-              <a:t> </a:t>
-            </a:r>
-            <a:r>
-              <a:rPr/>
-              <a:t>you’d</a:t>
-            </a:r>
-            <a:r>
-              <a:rPr/>
-              <a:t> </a:t>
-            </a:r>
-            <a:r>
-              <a:rPr/>
-              <a:t>expect</a:t>
-            </a:r>
-            <a:r>
-              <a:rPr/>
-              <a:t> </a:t>
-            </a:r>
-            <a:r>
-              <a:rPr/>
-              <a:t>due</a:t>
-            </a:r>
-            <a:r>
-              <a:rPr/>
-              <a:t> </a:t>
-            </a:r>
-            <a:r>
-              <a:rPr/>
-              <a:t>to</a:t>
+              <a:t>square</a:t>
+            </a:r>
+            <a:r>
+              <a:rPr/>
+              <a:t> </a:t>
+            </a:r>
+            <a:r>
+              <a:rPr/>
+              <a:t>of</a:t>
             </a:r>
             <a:r>
               <a:rPr/>
@@ -11723,39 +11395,215 @@
             </a:r>
             <a:r>
               <a:rPr/>
-              <a:t>sample</a:t>
-            </a:r>
-            <a:r>
-              <a:rPr/>
-              <a:t> </a:t>
-            </a:r>
-            <a:r>
-              <a:rPr/>
-              <a:t>sizes</a:t>
-            </a:r>
-            <a:r>
-              <a:rPr/>
-              <a:t> </a:t>
-            </a:r>
-            <a:r>
-              <a:rPr/>
-              <a:t>in</a:t>
-            </a:r>
-            <a:r>
-              <a:rPr/>
-              <a:t> </a:t>
-            </a:r>
-            <a:r>
-              <a:rPr/>
-              <a:t>each</a:t>
-            </a:r>
-            <a:r>
-              <a:rPr/>
-              <a:t> </a:t>
-            </a:r>
-            <a:r>
-              <a:rPr/>
-              <a:t>study.</a:t>
+              <a:t>overall</a:t>
+            </a:r>
+            <a:r>
+              <a:rPr/>
+              <a:t> </a:t>
+            </a:r>
+            <a:r>
+              <a:rPr/>
+              <a:t>estimate</a:t>
+            </a:r>
+            <a:r>
+              <a:rPr/>
+              <a:t> </a:t>
+            </a:r>
+            <a:r>
+              <a:rPr/>
+              <a:t>and</a:t>
+            </a:r>
+            <a:r>
+              <a:rPr/>
+              <a:t> </a:t>
+            </a:r>
+            <a:r>
+              <a:rPr/>
+              <a:t>divide</a:t>
+            </a:r>
+            <a:r>
+              <a:rPr/>
+              <a:t> </a:t>
+            </a:r>
+            <a:r>
+              <a:rPr/>
+              <a:t>by</a:t>
+            </a:r>
+            <a:r>
+              <a:rPr/>
+              <a:t> </a:t>
+            </a:r>
+            <a:r>
+              <a:rPr/>
+              <a:t>the</a:t>
+            </a:r>
+            <a:r>
+              <a:rPr/>
+              <a:t> </a:t>
+            </a:r>
+            <a:r>
+              <a:rPr/>
+              <a:t>estimated</a:t>
+            </a:r>
+            <a:r>
+              <a:rPr/>
+              <a:t> </a:t>
+            </a:r>
+            <a:r>
+              <a:rPr/>
+              <a:t>variance</a:t>
+            </a:r>
+            <a:r>
+              <a:rPr/>
+              <a:t> </a:t>
+            </a:r>
+            <a:r>
+              <a:rPr/>
+              <a:t>of</a:t>
+            </a:r>
+            <a:r>
+              <a:rPr/>
+              <a:t> </a:t>
+            </a:r>
+            <a:r>
+              <a:rPr/>
+              <a:t>the</a:t>
+            </a:r>
+            <a:r>
+              <a:rPr/>
+              <a:t> </a:t>
+            </a:r>
+            <a:r>
+              <a:rPr/>
+              <a:t>overall</a:t>
+            </a:r>
+            <a:r>
+              <a:rPr/>
+              <a:t> </a:t>
+            </a:r>
+            <a:r>
+              <a:rPr/>
+              <a:t>estimate,</a:t>
+            </a:r>
+            <a:r>
+              <a:rPr/>
+              <a:t> </a:t>
+            </a:r>
+            <a:r>
+              <a:rPr/>
+              <a:t>you</a:t>
+            </a:r>
+            <a:r>
+              <a:rPr/>
+              <a:t> </a:t>
+            </a:r>
+            <a:r>
+              <a:rPr/>
+              <a:t>get</a:t>
+            </a:r>
+            <a:r>
+              <a:rPr/>
+              <a:t> </a:t>
+            </a:r>
+            <a:r>
+              <a:rPr/>
+              <a:t>a</a:t>
+            </a:r>
+            <a:r>
+              <a:rPr/>
+              <a:t> </a:t>
+            </a:r>
+            <a:r>
+              <a:rPr/>
+              <a:t>statistic</a:t>
+            </a:r>
+            <a:r>
+              <a:rPr/>
+              <a:t> </a:t>
+            </a:r>
+            <a:r>
+              <a:rPr/>
+              <a:t>for</a:t>
+            </a:r>
+            <a:r>
+              <a:rPr/>
+              <a:t> </a:t>
+            </a:r>
+            <a:r>
+              <a:rPr/>
+              <a:t>testing</a:t>
+            </a:r>
+            <a:r>
+              <a:rPr/>
+              <a:t> </a:t>
+            </a:r>
+            <a:r>
+              <a:rPr/>
+              <a:t>the</a:t>
+            </a:r>
+            <a:r>
+              <a:rPr/>
+              <a:t> </a:t>
+            </a:r>
+            <a:r>
+              <a:rPr/>
+              <a:t>hypothesis</a:t>
+            </a:r>
+            <a:r>
+              <a:rPr/>
+              <a:t> </a:t>
+            </a:r>
+            <a:r>
+              <a:rPr/>
+              <a:t>that</a:t>
+            </a:r>
+            <a:r>
+              <a:rPr/>
+              <a:t> </a:t>
+            </a:r>
+            <a:r>
+              <a:rPr/>
+              <a:t>the</a:t>
+            </a:r>
+            <a:r>
+              <a:rPr/>
+              <a:t> </a:t>
+            </a:r>
+            <a:r>
+              <a:rPr/>
+              <a:t>overall</a:t>
+            </a:r>
+            <a:r>
+              <a:rPr/>
+              <a:t> </a:t>
+            </a:r>
+            <a:r>
+              <a:rPr/>
+              <a:t>mean</a:t>
+            </a:r>
+            <a:r>
+              <a:rPr/>
+              <a:t> </a:t>
+            </a:r>
+            <a:r>
+              <a:rPr/>
+              <a:t>difference</a:t>
+            </a:r>
+            <a:r>
+              <a:rPr/>
+              <a:t> </a:t>
+            </a:r>
+            <a:r>
+              <a:rPr/>
+              <a:t>is</a:t>
+            </a:r>
+            <a:r>
+              <a:rPr/>
+              <a:t> </a:t>
+            </a:r>
+            <a:r>
+              <a:rPr/>
+              <a:t>zero.</a:t>
             </a:r>
           </a:p>
           <a:p>
@@ -11769,23 +11617,87 @@
             </a:pPr>
             <a:r>
               <a:rPr/>
-              <a:t>If</a:t>
-            </a:r>
-            <a:r>
-              <a:rPr/>
-              <a:t> </a:t>
-            </a:r>
-            <a:r>
-              <a:rPr/>
-              <a:t>the</a:t>
-            </a:r>
-            <a:r>
-              <a:rPr/>
-              <a:t> </a:t>
-            </a:r>
-            <a:r>
-              <a:rPr/>
-              <a:t>value</a:t>
+              <a:t>Compare</a:t>
+            </a:r>
+            <a:r>
+              <a:rPr/>
+              <a:t> </a:t>
+            </a:r>
+            <a:r>
+              <a:rPr/>
+              <a:t>this</a:t>
+            </a:r>
+            <a:r>
+              <a:rPr/>
+              <a:t> </a:t>
+            </a:r>
+            <a:r>
+              <a:rPr/>
+              <a:t>test</a:t>
+            </a:r>
+            <a:r>
+              <a:rPr/>
+              <a:t> </a:t>
+            </a:r>
+            <a:r>
+              <a:rPr/>
+              <a:t>statistic</a:t>
+            </a:r>
+            <a:r>
+              <a:rPr/>
+              <a:t> </a:t>
+            </a:r>
+            <a:r>
+              <a:rPr/>
+              <a:t>to</a:t>
+            </a:r>
+            <a:r>
+              <a:rPr/>
+              <a:t> </a:t>
+            </a:r>
+            <a:r>
+              <a:rPr/>
+              <a:t>a</a:t>
+            </a:r>
+            <a:r>
+              <a:rPr/>
+              <a:t> </a:t>
+            </a:r>
+            <a:r>
+              <a:rPr/>
+              <a:t>chi-squared</a:t>
+            </a:r>
+            <a:r>
+              <a:rPr/>
+              <a:t> </a:t>
+            </a:r>
+            <a:r>
+              <a:rPr/>
+              <a:t>distribution</a:t>
+            </a:r>
+            <a:r>
+              <a:rPr/>
+              <a:t> </a:t>
+            </a:r>
+            <a:r>
+              <a:rPr/>
+              <a:t>with</a:t>
+            </a:r>
+            <a:r>
+              <a:rPr/>
+              <a:t> </a:t>
+            </a:r>
+            <a:r>
+              <a:rPr/>
+              <a:t>1</a:t>
+            </a:r>
+            <a:r>
+              <a:rPr/>
+              <a:t> </a:t>
+            </a:r>
+            <a:r>
+              <a:rPr/>
+              <a:t>degree</a:t>
             </a:r>
             <a:r>
               <a:rPr/>
@@ -11801,421 +11713,7 @@
             </a:r>
             <a:r>
               <a:rPr/>
-              <a:t>Q</a:t>
-            </a:r>
-            <a:r>
-              <a:rPr/>
-              <a:t> </a:t>
-            </a:r>
-            <a:r>
-              <a:rPr/>
-              <a:t>is</a:t>
-            </a:r>
-            <a:r>
-              <a:rPr/>
-              <a:t> </a:t>
-            </a:r>
-            <a:r>
-              <a:rPr/>
-              <a:t>close</a:t>
-            </a:r>
-            <a:r>
-              <a:rPr/>
-              <a:t> </a:t>
-            </a:r>
-            <a:r>
-              <a:rPr/>
-              <a:t>to</a:t>
-            </a:r>
-            <a:r>
-              <a:rPr/>
-              <a:t> </a:t>
-            </a:r>
-            <a:r>
-              <a:rPr/>
-              <a:t>its</a:t>
-            </a:r>
-            <a:r>
-              <a:rPr/>
-              <a:t> </a:t>
-            </a:r>
-            <a:r>
-              <a:rPr/>
-              <a:t>degrees</a:t>
-            </a:r>
-            <a:r>
-              <a:rPr/>
-              <a:t> </a:t>
-            </a:r>
-            <a:r>
-              <a:rPr/>
-              <a:t>of</a:t>
-            </a:r>
-            <a:r>
-              <a:rPr/>
-              <a:t> </a:t>
-            </a:r>
-            <a:r>
-              <a:rPr/>
-              <a:t>freedom</a:t>
-            </a:r>
-            <a:r>
-              <a:rPr/>
-              <a:t> </a:t>
-            </a:r>
-            <a:r>
-              <a:rPr/>
-              <a:t>(k-1),</a:t>
-            </a:r>
-            <a:r>
-              <a:rPr/>
-              <a:t> </a:t>
-            </a:r>
-            <a:r>
-              <a:rPr/>
-              <a:t>then</a:t>
-            </a:r>
-            <a:r>
-              <a:rPr/>
-              <a:t> </a:t>
-            </a:r>
-            <a:r>
-              <a:rPr/>
-              <a:t>you</a:t>
-            </a:r>
-            <a:r>
-              <a:rPr/>
-              <a:t> </a:t>
-            </a:r>
-            <a:r>
-              <a:rPr/>
-              <a:t>have</a:t>
-            </a:r>
-            <a:r>
-              <a:rPr/>
-              <a:t> </a:t>
-            </a:r>
-            <a:r>
-              <a:rPr/>
-              <a:t>evidence</a:t>
-            </a:r>
-            <a:r>
-              <a:rPr/>
-              <a:t> </a:t>
-            </a:r>
-            <a:r>
-              <a:rPr/>
-              <a:t>that</a:t>
-            </a:r>
-            <a:r>
-              <a:rPr/>
-              <a:t> </a:t>
-            </a:r>
-            <a:r>
-              <a:rPr/>
-              <a:t>the</a:t>
-            </a:r>
-            <a:r>
-              <a:rPr/>
-              <a:t> </a:t>
-            </a:r>
-            <a:r>
-              <a:rPr/>
-              <a:t>studies</a:t>
-            </a:r>
-            <a:r>
-              <a:rPr/>
-              <a:t> </a:t>
-            </a:r>
-            <a:r>
-              <a:rPr/>
-              <a:t>are</a:t>
-            </a:r>
-            <a:r>
-              <a:rPr/>
-              <a:t> </a:t>
-            </a:r>
-            <a:r>
-              <a:rPr/>
-              <a:t>homogenous.</a:t>
-            </a:r>
-            <a:r>
-              <a:rPr/>
-              <a:t> </a:t>
-            </a:r>
-            <a:r>
-              <a:rPr/>
-              <a:t>If</a:t>
-            </a:r>
-            <a:r>
-              <a:rPr/>
-              <a:t> </a:t>
-            </a:r>
-            <a:r>
-              <a:rPr/>
-              <a:t>the</a:t>
-            </a:r>
-            <a:r>
-              <a:rPr/>
-              <a:t> </a:t>
-            </a:r>
-            <a:r>
-              <a:rPr/>
-              <a:t>value</a:t>
-            </a:r>
-            <a:r>
-              <a:rPr/>
-              <a:t> </a:t>
-            </a:r>
-            <a:r>
-              <a:rPr/>
-              <a:t>of</a:t>
-            </a:r>
-            <a:r>
-              <a:rPr/>
-              <a:t> </a:t>
-            </a:r>
-            <a:r>
-              <a:rPr/>
-              <a:t>Q</a:t>
-            </a:r>
-            <a:r>
-              <a:rPr/>
-              <a:t> </a:t>
-            </a:r>
-            <a:r>
-              <a:rPr/>
-              <a:t>is</a:t>
-            </a:r>
-            <a:r>
-              <a:rPr/>
-              <a:t> </a:t>
-            </a:r>
-            <a:r>
-              <a:rPr/>
-              <a:t>much</a:t>
-            </a:r>
-            <a:r>
-              <a:rPr/>
-              <a:t> </a:t>
-            </a:r>
-            <a:r>
-              <a:rPr/>
-              <a:t>larger</a:t>
-            </a:r>
-            <a:r>
-              <a:rPr/>
-              <a:t> </a:t>
-            </a:r>
-            <a:r>
-              <a:rPr/>
-              <a:t>than</a:t>
-            </a:r>
-            <a:r>
-              <a:rPr/>
-              <a:t> </a:t>
-            </a:r>
-            <a:r>
-              <a:rPr/>
-              <a:t>the</a:t>
-            </a:r>
-            <a:r>
-              <a:rPr/>
-              <a:t> </a:t>
-            </a:r>
-            <a:r>
-              <a:rPr/>
-              <a:t>degrees</a:t>
-            </a:r>
-            <a:r>
-              <a:rPr/>
-              <a:t> </a:t>
-            </a:r>
-            <a:r>
-              <a:rPr/>
-              <a:t>of</a:t>
-            </a:r>
-            <a:r>
-              <a:rPr/>
-              <a:t> </a:t>
-            </a:r>
-            <a:r>
-              <a:rPr/>
-              <a:t>freedom,</a:t>
-            </a:r>
-            <a:r>
-              <a:rPr/>
-              <a:t> </a:t>
-            </a:r>
-            <a:r>
-              <a:rPr/>
-              <a:t>then</a:t>
-            </a:r>
-            <a:r>
-              <a:rPr/>
-              <a:t> </a:t>
-            </a:r>
-            <a:r>
-              <a:rPr/>
-              <a:t>you</a:t>
-            </a:r>
-            <a:r>
-              <a:rPr/>
-              <a:t> </a:t>
-            </a:r>
-            <a:r>
-              <a:rPr/>
-              <a:t>have</a:t>
-            </a:r>
-            <a:r>
-              <a:rPr/>
-              <a:t> </a:t>
-            </a:r>
-            <a:r>
-              <a:rPr/>
-              <a:t>evidence</a:t>
-            </a:r>
-            <a:r>
-              <a:rPr/>
-              <a:t> </a:t>
-            </a:r>
-            <a:r>
-              <a:rPr/>
-              <a:t>of</a:t>
-            </a:r>
-            <a:r>
-              <a:rPr/>
-              <a:t> </a:t>
-            </a:r>
-            <a:r>
-              <a:rPr/>
-              <a:t>heterogeneity.</a:t>
-            </a:r>
-          </a:p>
-          <a:p>
-            <a:pPr lvl="0" marL="0" indent="0">
-              <a:buNone/>
-            </a:pPr>
-          </a:p>
-          <a:p>
-            <a:pPr lvl="0" marL="0" indent="0">
-              <a:buNone/>
-            </a:pPr>
-            <a:r>
-              <a:rPr/>
-              <a:t>I-squared</a:t>
-            </a:r>
-            <a:r>
-              <a:rPr/>
-              <a:t> </a:t>
-            </a:r>
-            <a:r>
-              <a:rPr/>
-              <a:t>is</a:t>
-            </a:r>
-            <a:r>
-              <a:rPr/>
-              <a:t> </a:t>
-            </a:r>
-            <a:r>
-              <a:rPr/>
-              <a:t>a</a:t>
-            </a:r>
-            <a:r>
-              <a:rPr/>
-              <a:t> </a:t>
-            </a:r>
-            <a:r>
-              <a:rPr/>
-              <a:t>measure</a:t>
-            </a:r>
-            <a:r>
-              <a:rPr/>
-              <a:t> </a:t>
-            </a:r>
-            <a:r>
-              <a:rPr/>
-              <a:t>of</a:t>
-            </a:r>
-            <a:r>
-              <a:rPr/>
-              <a:t> </a:t>
-            </a:r>
-            <a:r>
-              <a:rPr/>
-              <a:t>the</a:t>
-            </a:r>
-            <a:r>
-              <a:rPr/>
-              <a:t> </a:t>
-            </a:r>
-            <a:r>
-              <a:rPr/>
-              <a:t>degree</a:t>
-            </a:r>
-            <a:r>
-              <a:rPr/>
-              <a:t> </a:t>
-            </a:r>
-            <a:r>
-              <a:rPr/>
-              <a:t>of</a:t>
-            </a:r>
-            <a:r>
-              <a:rPr/>
-              <a:t> </a:t>
-            </a:r>
-            <a:r>
-              <a:rPr/>
-              <a:t>heterogeneity</a:t>
-            </a:r>
-            <a:r>
-              <a:rPr/>
-              <a:t> </a:t>
-            </a:r>
-            <a:r>
-              <a:rPr/>
-              <a:t>that</a:t>
-            </a:r>
-            <a:r>
-              <a:rPr/>
-              <a:t> </a:t>
-            </a:r>
-            <a:r>
-              <a:rPr/>
-              <a:t>ranges</a:t>
-            </a:r>
-            <a:r>
-              <a:rPr/>
-              <a:t> </a:t>
-            </a:r>
-            <a:r>
-              <a:rPr/>
-              <a:t>between</a:t>
-            </a:r>
-            <a:r>
-              <a:rPr/>
-              <a:t> </a:t>
-            </a:r>
-            <a:r>
-              <a:rPr/>
-              <a:t>0</a:t>
-            </a:r>
-            <a:r>
-              <a:rPr/>
-              <a:t> </a:t>
-            </a:r>
-            <a:r>
-              <a:rPr/>
-              <a:t>and</a:t>
-            </a:r>
-            <a:r>
-              <a:rPr/>
-              <a:t> </a:t>
-            </a:r>
-            <a:r>
-              <a:rPr/>
-              <a:t>100.</a:t>
+              <a:t>freedom.</a:t>
             </a:r>
           </a:p>
         </p:txBody>
@@ -12297,23 +11795,39 @@
             </a:pPr>
             <a:r>
               <a:rPr/>
-              <a:t>You</a:t>
-            </a:r>
-            <a:r>
-              <a:rPr/>
-              <a:t> </a:t>
-            </a:r>
-            <a:r>
-              <a:rPr/>
-              <a:t>can</a:t>
-            </a:r>
-            <a:r>
-              <a:rPr/>
-              <a:t> </a:t>
-            </a:r>
-            <a:r>
-              <a:rPr/>
-              <a:t>fit</a:t>
+              <a:t>Heterogeneity</a:t>
+            </a:r>
+            <a:r>
+              <a:rPr/>
+              <a:t> </a:t>
+            </a:r>
+            <a:r>
+              <a:rPr/>
+              <a:t>will</a:t>
+            </a:r>
+            <a:r>
+              <a:rPr/>
+              <a:t> </a:t>
+            </a:r>
+            <a:r>
+              <a:rPr/>
+              <a:t>manifest</a:t>
+            </a:r>
+            <a:r>
+              <a:rPr/>
+              <a:t> </a:t>
+            </a:r>
+            <a:r>
+              <a:rPr/>
+              <a:t>itself</a:t>
+            </a:r>
+            <a:r>
+              <a:rPr/>
+              <a:t> </a:t>
+            </a:r>
+            <a:r>
+              <a:rPr/>
+              <a:t>with</a:t>
             </a:r>
             <a:r>
               <a:rPr/>
@@ -12329,71 +11843,151 @@
             </a:r>
             <a:r>
               <a:rPr/>
-              <a:t>random</a:t>
-            </a:r>
-            <a:r>
-              <a:rPr/>
-              <a:t> </a:t>
-            </a:r>
-            <a:r>
-              <a:rPr/>
-              <a:t>effects</a:t>
-            </a:r>
-            <a:r>
-              <a:rPr/>
-              <a:t> </a:t>
-            </a:r>
-            <a:r>
-              <a:rPr/>
-              <a:t>model</a:t>
-            </a:r>
-            <a:r>
-              <a:rPr/>
-              <a:t> </a:t>
-            </a:r>
-            <a:r>
-              <a:rPr/>
-              <a:t>using</a:t>
-            </a:r>
-            <a:r>
-              <a:rPr/>
-              <a:t> </a:t>
-            </a:r>
-            <a:r>
-              <a:rPr/>
-              <a:t>standard</a:t>
-            </a:r>
-            <a:r>
-              <a:rPr/>
-              <a:t> </a:t>
-            </a:r>
-            <a:r>
-              <a:rPr/>
-              <a:t>software</a:t>
-            </a:r>
-            <a:r>
-              <a:rPr/>
-              <a:t> </a:t>
-            </a:r>
-            <a:r>
-              <a:rPr/>
-              <a:t>like</a:t>
-            </a:r>
-            <a:r>
-              <a:rPr/>
-              <a:t> </a:t>
-            </a:r>
-            <a:r>
-              <a:rPr/>
-              <a:t>PROC</a:t>
-            </a:r>
-            <a:r>
-              <a:rPr/>
-              <a:t> </a:t>
-            </a:r>
-            <a:r>
-              <a:rPr/>
-              <a:t>MIXED</a:t>
+              <a:t>greater</a:t>
+            </a:r>
+            <a:r>
+              <a:rPr/>
+              <a:t> </a:t>
+            </a:r>
+            <a:r>
+              <a:rPr/>
+              <a:t>degree</a:t>
+            </a:r>
+            <a:r>
+              <a:rPr/>
+              <a:t> </a:t>
+            </a:r>
+            <a:r>
+              <a:rPr/>
+              <a:t>of</a:t>
+            </a:r>
+            <a:r>
+              <a:rPr/>
+              <a:t> </a:t>
+            </a:r>
+            <a:r>
+              <a:rPr/>
+              <a:t>variation</a:t>
+            </a:r>
+            <a:r>
+              <a:rPr/>
+              <a:t> </a:t>
+            </a:r>
+            <a:r>
+              <a:rPr/>
+              <a:t>from</a:t>
+            </a:r>
+            <a:r>
+              <a:rPr/>
+              <a:t> </a:t>
+            </a:r>
+            <a:r>
+              <a:rPr/>
+              <a:t>one</a:t>
+            </a:r>
+            <a:r>
+              <a:rPr/>
+              <a:t> </a:t>
+            </a:r>
+            <a:r>
+              <a:rPr/>
+              <a:t>study</a:t>
+            </a:r>
+            <a:r>
+              <a:rPr/>
+              <a:t> </a:t>
+            </a:r>
+            <a:r>
+              <a:rPr/>
+              <a:t>to</a:t>
+            </a:r>
+            <a:r>
+              <a:rPr/>
+              <a:t> </a:t>
+            </a:r>
+            <a:r>
+              <a:rPr/>
+              <a:t>another</a:t>
+            </a:r>
+            <a:r>
+              <a:rPr/>
+              <a:t> </a:t>
+            </a:r>
+            <a:r>
+              <a:rPr/>
+              <a:t>than</a:t>
+            </a:r>
+            <a:r>
+              <a:rPr/>
+              <a:t> </a:t>
+            </a:r>
+            <a:r>
+              <a:rPr/>
+              <a:t>the</a:t>
+            </a:r>
+            <a:r>
+              <a:rPr/>
+              <a:t> </a:t>
+            </a:r>
+            <a:r>
+              <a:rPr/>
+              <a:t>amount</a:t>
+            </a:r>
+            <a:r>
+              <a:rPr/>
+              <a:t> </a:t>
+            </a:r>
+            <a:r>
+              <a:rPr/>
+              <a:t>you’d</a:t>
+            </a:r>
+            <a:r>
+              <a:rPr/>
+              <a:t> </a:t>
+            </a:r>
+            <a:r>
+              <a:rPr/>
+              <a:t>expect</a:t>
+            </a:r>
+            <a:r>
+              <a:rPr/>
+              <a:t> </a:t>
+            </a:r>
+            <a:r>
+              <a:rPr/>
+              <a:t>due</a:t>
+            </a:r>
+            <a:r>
+              <a:rPr/>
+              <a:t> </a:t>
+            </a:r>
+            <a:r>
+              <a:rPr/>
+              <a:t>to</a:t>
+            </a:r>
+            <a:r>
+              <a:rPr/>
+              <a:t> </a:t>
+            </a:r>
+            <a:r>
+              <a:rPr/>
+              <a:t>the</a:t>
+            </a:r>
+            <a:r>
+              <a:rPr/>
+              <a:t> </a:t>
+            </a:r>
+            <a:r>
+              <a:rPr/>
+              <a:t>sample</a:t>
+            </a:r>
+            <a:r>
+              <a:rPr/>
+              <a:t> </a:t>
+            </a:r>
+            <a:r>
+              <a:rPr/>
+              <a:t>sizes</a:t>
             </a:r>
             <a:r>
               <a:rPr/>
@@ -12409,47 +12003,157 @@
             </a:r>
             <a:r>
               <a:rPr/>
-              <a:t>SAS.</a:t>
-            </a:r>
-            <a:r>
-              <a:rPr/>
-              <a:t> </a:t>
-            </a:r>
-            <a:r>
-              <a:rPr/>
-              <a:t>The</a:t>
-            </a:r>
-            <a:r>
-              <a:rPr/>
-              <a:t> </a:t>
-            </a:r>
-            <a:r>
-              <a:rPr/>
-              <a:t>random</a:t>
-            </a:r>
-            <a:r>
-              <a:rPr/>
-              <a:t> </a:t>
-            </a:r>
-            <a:r>
-              <a:rPr/>
-              <a:t>effects</a:t>
-            </a:r>
-            <a:r>
-              <a:rPr/>
-              <a:t> </a:t>
-            </a:r>
-            <a:r>
-              <a:rPr/>
-              <a:t>model</a:t>
-            </a:r>
-            <a:r>
-              <a:rPr/>
-              <a:t> </a:t>
-            </a:r>
-            <a:r>
-              <a:rPr/>
-              <a:t>assumes</a:t>
+              <a:t>each</a:t>
+            </a:r>
+            <a:r>
+              <a:rPr/>
+              <a:t> </a:t>
+            </a:r>
+            <a:r>
+              <a:rPr/>
+              <a:t>study.</a:t>
+            </a:r>
+          </a:p>
+          <a:p>
+            <a:pPr lvl="0" marL="0" indent="0">
+              <a:buNone/>
+            </a:pPr>
+          </a:p>
+          <a:p>
+            <a:pPr lvl="0" marL="0" indent="0">
+              <a:buNone/>
+            </a:pPr>
+            <a:r>
+              <a:rPr/>
+              <a:t>If</a:t>
+            </a:r>
+            <a:r>
+              <a:rPr/>
+              <a:t> </a:t>
+            </a:r>
+            <a:r>
+              <a:rPr/>
+              <a:t>the</a:t>
+            </a:r>
+            <a:r>
+              <a:rPr/>
+              <a:t> </a:t>
+            </a:r>
+            <a:r>
+              <a:rPr/>
+              <a:t>value</a:t>
+            </a:r>
+            <a:r>
+              <a:rPr/>
+              <a:t> </a:t>
+            </a:r>
+            <a:r>
+              <a:rPr/>
+              <a:t>of</a:t>
+            </a:r>
+            <a:r>
+              <a:rPr/>
+              <a:t> </a:t>
+            </a:r>
+            <a:r>
+              <a:rPr/>
+              <a:t>Q</a:t>
+            </a:r>
+            <a:r>
+              <a:rPr/>
+              <a:t> </a:t>
+            </a:r>
+            <a:r>
+              <a:rPr/>
+              <a:t>is</a:t>
+            </a:r>
+            <a:r>
+              <a:rPr/>
+              <a:t> </a:t>
+            </a:r>
+            <a:r>
+              <a:rPr/>
+              <a:t>close</a:t>
+            </a:r>
+            <a:r>
+              <a:rPr/>
+              <a:t> </a:t>
+            </a:r>
+            <a:r>
+              <a:rPr/>
+              <a:t>to</a:t>
+            </a:r>
+            <a:r>
+              <a:rPr/>
+              <a:t> </a:t>
+            </a:r>
+            <a:r>
+              <a:rPr/>
+              <a:t>its</a:t>
+            </a:r>
+            <a:r>
+              <a:rPr/>
+              <a:t> </a:t>
+            </a:r>
+            <a:r>
+              <a:rPr/>
+              <a:t>degrees</a:t>
+            </a:r>
+            <a:r>
+              <a:rPr/>
+              <a:t> </a:t>
+            </a:r>
+            <a:r>
+              <a:rPr/>
+              <a:t>of</a:t>
+            </a:r>
+            <a:r>
+              <a:rPr/>
+              <a:t> </a:t>
+            </a:r>
+            <a:r>
+              <a:rPr/>
+              <a:t>freedom</a:t>
+            </a:r>
+            <a:r>
+              <a:rPr/>
+              <a:t> </a:t>
+            </a:r>
+            <a:r>
+              <a:rPr/>
+              <a:t>(k-1),</a:t>
+            </a:r>
+            <a:r>
+              <a:rPr/>
+              <a:t> </a:t>
+            </a:r>
+            <a:r>
+              <a:rPr/>
+              <a:t>then</a:t>
+            </a:r>
+            <a:r>
+              <a:rPr/>
+              <a:t> </a:t>
+            </a:r>
+            <a:r>
+              <a:rPr/>
+              <a:t>you</a:t>
+            </a:r>
+            <a:r>
+              <a:rPr/>
+              <a:t> </a:t>
+            </a:r>
+            <a:r>
+              <a:rPr/>
+              <a:t>have</a:t>
+            </a:r>
+            <a:r>
+              <a:rPr/>
+              <a:t> </a:t>
+            </a:r>
+            <a:r>
+              <a:rPr/>
+              <a:t>evidence</a:t>
             </a:r>
             <a:r>
               <a:rPr/>
@@ -12465,47 +12169,55 @@
             </a:r>
             <a:r>
               <a:rPr/>
-              <a:t>each</a:t>
-            </a:r>
-            <a:r>
-              <a:rPr/>
-              <a:t> </a:t>
-            </a:r>
-            <a:r>
-              <a:rPr/>
-              <a:t>study</a:t>
-            </a:r>
-            <a:r>
-              <a:rPr/>
-              <a:t> </a:t>
-            </a:r>
-            <a:r>
-              <a:rPr/>
-              <a:t>has</a:t>
-            </a:r>
-            <a:r>
-              <a:rPr/>
-              <a:t> </a:t>
-            </a:r>
-            <a:r>
-              <a:rPr/>
-              <a:t>an</a:t>
-            </a:r>
-            <a:r>
-              <a:rPr/>
-              <a:t> </a:t>
-            </a:r>
-            <a:r>
-              <a:rPr/>
-              <a:t>extra</a:t>
-            </a:r>
-            <a:r>
-              <a:rPr/>
-              <a:t> </a:t>
-            </a:r>
-            <a:r>
-              <a:rPr/>
-              <a:t>source</a:t>
+              <a:t>the</a:t>
+            </a:r>
+            <a:r>
+              <a:rPr/>
+              <a:t> </a:t>
+            </a:r>
+            <a:r>
+              <a:rPr/>
+              <a:t>studies</a:t>
+            </a:r>
+            <a:r>
+              <a:rPr/>
+              <a:t> </a:t>
+            </a:r>
+            <a:r>
+              <a:rPr/>
+              <a:t>are</a:t>
+            </a:r>
+            <a:r>
+              <a:rPr/>
+              <a:t> </a:t>
+            </a:r>
+            <a:r>
+              <a:rPr/>
+              <a:t>homogenous.</a:t>
+            </a:r>
+            <a:r>
+              <a:rPr/>
+              <a:t> </a:t>
+            </a:r>
+            <a:r>
+              <a:rPr/>
+              <a:t>If</a:t>
+            </a:r>
+            <a:r>
+              <a:rPr/>
+              <a:t> </a:t>
+            </a:r>
+            <a:r>
+              <a:rPr/>
+              <a:t>the</a:t>
+            </a:r>
+            <a:r>
+              <a:rPr/>
+              <a:t> </a:t>
+            </a:r>
+            <a:r>
+              <a:rPr/>
+              <a:t>value</a:t>
             </a:r>
             <a:r>
               <a:rPr/>
@@ -12521,31 +12233,39 @@
             </a:r>
             <a:r>
               <a:rPr/>
-              <a:t>random</a:t>
-            </a:r>
-            <a:r>
-              <a:rPr/>
-              <a:t> </a:t>
-            </a:r>
-            <a:r>
-              <a:rPr/>
-              <a:t>variation,</a:t>
-            </a:r>
-            <a:r>
-              <a:rPr/>
-              <a:t> </a:t>
-            </a:r>
-            <a:r>
-              <a:rPr/>
-              <a:t>caused</a:t>
-            </a:r>
-            <a:r>
-              <a:rPr/>
-              <a:t> </a:t>
-            </a:r>
-            <a:r>
-              <a:rPr/>
-              <a:t>by</a:t>
+              <a:t>Q</a:t>
+            </a:r>
+            <a:r>
+              <a:rPr/>
+              <a:t> </a:t>
+            </a:r>
+            <a:r>
+              <a:rPr/>
+              <a:t>is</a:t>
+            </a:r>
+            <a:r>
+              <a:rPr/>
+              <a:t> </a:t>
+            </a:r>
+            <a:r>
+              <a:rPr/>
+              <a:t>much</a:t>
+            </a:r>
+            <a:r>
+              <a:rPr/>
+              <a:t> </a:t>
+            </a:r>
+            <a:r>
+              <a:rPr/>
+              <a:t>larger</a:t>
+            </a:r>
+            <a:r>
+              <a:rPr/>
+              <a:t> </a:t>
+            </a:r>
+            <a:r>
+              <a:rPr/>
+              <a:t>than</a:t>
             </a:r>
             <a:r>
               <a:rPr/>
@@ -12561,23 +12281,149 @@
             </a:r>
             <a:r>
               <a:rPr/>
-              <a:t>numerous</a:t>
-            </a:r>
-            <a:r>
-              <a:rPr/>
-              <a:t> </a:t>
-            </a:r>
-            <a:r>
-              <a:rPr/>
-              <a:t>small</a:t>
-            </a:r>
-            <a:r>
-              <a:rPr/>
-              <a:t> </a:t>
-            </a:r>
-            <a:r>
-              <a:rPr/>
-              <a:t>differences</a:t>
+              <a:t>degrees</a:t>
+            </a:r>
+            <a:r>
+              <a:rPr/>
+              <a:t> </a:t>
+            </a:r>
+            <a:r>
+              <a:rPr/>
+              <a:t>of</a:t>
+            </a:r>
+            <a:r>
+              <a:rPr/>
+              <a:t> </a:t>
+            </a:r>
+            <a:r>
+              <a:rPr/>
+              <a:t>freedom,</a:t>
+            </a:r>
+            <a:r>
+              <a:rPr/>
+              <a:t> </a:t>
+            </a:r>
+            <a:r>
+              <a:rPr/>
+              <a:t>then</a:t>
+            </a:r>
+            <a:r>
+              <a:rPr/>
+              <a:t> </a:t>
+            </a:r>
+            <a:r>
+              <a:rPr/>
+              <a:t>you</a:t>
+            </a:r>
+            <a:r>
+              <a:rPr/>
+              <a:t> </a:t>
+            </a:r>
+            <a:r>
+              <a:rPr/>
+              <a:t>have</a:t>
+            </a:r>
+            <a:r>
+              <a:rPr/>
+              <a:t> </a:t>
+            </a:r>
+            <a:r>
+              <a:rPr/>
+              <a:t>evidence</a:t>
+            </a:r>
+            <a:r>
+              <a:rPr/>
+              <a:t> </a:t>
+            </a:r>
+            <a:r>
+              <a:rPr/>
+              <a:t>of</a:t>
+            </a:r>
+            <a:r>
+              <a:rPr/>
+              <a:t> </a:t>
+            </a:r>
+            <a:r>
+              <a:rPr/>
+              <a:t>heterogeneity.</a:t>
+            </a:r>
+          </a:p>
+          <a:p>
+            <a:pPr lvl="0" marL="0" indent="0">
+              <a:buNone/>
+            </a:pPr>
+          </a:p>
+          <a:p>
+            <a:pPr lvl="0" marL="0" indent="0">
+              <a:buNone/>
+            </a:pPr>
+            <a:r>
+              <a:rPr/>
+              <a:t>I-squared</a:t>
+            </a:r>
+            <a:r>
+              <a:rPr/>
+              <a:t> </a:t>
+            </a:r>
+            <a:r>
+              <a:rPr/>
+              <a:t>is</a:t>
+            </a:r>
+            <a:r>
+              <a:rPr/>
+              <a:t> </a:t>
+            </a:r>
+            <a:r>
+              <a:rPr/>
+              <a:t>a</a:t>
+            </a:r>
+            <a:r>
+              <a:rPr/>
+              <a:t> </a:t>
+            </a:r>
+            <a:r>
+              <a:rPr/>
+              <a:t>measure</a:t>
+            </a:r>
+            <a:r>
+              <a:rPr/>
+              <a:t> </a:t>
+            </a:r>
+            <a:r>
+              <a:rPr/>
+              <a:t>of</a:t>
+            </a:r>
+            <a:r>
+              <a:rPr/>
+              <a:t> </a:t>
+            </a:r>
+            <a:r>
+              <a:rPr/>
+              <a:t>the</a:t>
+            </a:r>
+            <a:r>
+              <a:rPr/>
+              <a:t> </a:t>
+            </a:r>
+            <a:r>
+              <a:rPr/>
+              <a:t>degree</a:t>
+            </a:r>
+            <a:r>
+              <a:rPr/>
+              <a:t> </a:t>
+            </a:r>
+            <a:r>
+              <a:rPr/>
+              <a:t>of</a:t>
+            </a:r>
+            <a:r>
+              <a:rPr/>
+              <a:t> </a:t>
+            </a:r>
+            <a:r>
+              <a:rPr/>
+              <a:t>heterogeneity</a:t>
             </a:r>
             <a:r>
               <a:rPr/>
@@ -12593,247 +12439,39 @@
             </a:r>
             <a:r>
               <a:rPr/>
-              <a:t>occur</a:t>
-            </a:r>
-            <a:r>
-              <a:rPr/>
-              <a:t> </a:t>
-            </a:r>
-            <a:r>
-              <a:rPr/>
-              <a:t>from</a:t>
-            </a:r>
-            <a:r>
-              <a:rPr/>
-              <a:t> </a:t>
-            </a:r>
-            <a:r>
-              <a:rPr/>
-              <a:t>one</a:t>
-            </a:r>
-            <a:r>
-              <a:rPr/>
-              <a:t> </a:t>
-            </a:r>
-            <a:r>
-              <a:rPr/>
-              <a:t>study</a:t>
-            </a:r>
-            <a:r>
-              <a:rPr/>
-              <a:t> </a:t>
-            </a:r>
-            <a:r>
-              <a:rPr/>
-              <a:t>to</a:t>
-            </a:r>
-            <a:r>
-              <a:rPr/>
-              <a:t> </a:t>
-            </a:r>
-            <a:r>
-              <a:rPr/>
-              <a:t>another.</a:t>
-            </a:r>
-            <a:r>
-              <a:rPr/>
-              <a:t> </a:t>
-            </a:r>
-            <a:r>
-              <a:rPr/>
-              <a:t>The</a:t>
-            </a:r>
-            <a:r>
-              <a:rPr/>
-              <a:t> </a:t>
-            </a:r>
-            <a:r>
-              <a:rPr/>
-              <a:t>weights</a:t>
-            </a:r>
-            <a:r>
-              <a:rPr/>
-              <a:t> </a:t>
-            </a:r>
-            <a:r>
-              <a:rPr/>
-              <a:t>in</a:t>
-            </a:r>
-            <a:r>
-              <a:rPr/>
-              <a:t> </a:t>
-            </a:r>
-            <a:r>
-              <a:rPr/>
-              <a:t>a</a:t>
-            </a:r>
-            <a:r>
-              <a:rPr/>
-              <a:t> </a:t>
-            </a:r>
-            <a:r>
-              <a:rPr/>
-              <a:t>random</a:t>
-            </a:r>
-            <a:r>
-              <a:rPr/>
-              <a:t> </a:t>
-            </a:r>
-            <a:r>
-              <a:rPr/>
-              <a:t>effects</a:t>
-            </a:r>
-            <a:r>
-              <a:rPr/>
-              <a:t> </a:t>
-            </a:r>
-            <a:r>
-              <a:rPr/>
-              <a:t>meta-analysis</a:t>
-            </a:r>
-            <a:r>
-              <a:rPr/>
-              <a:t> </a:t>
-            </a:r>
-            <a:r>
-              <a:rPr/>
-              <a:t>are</a:t>
-            </a:r>
-            <a:r>
-              <a:rPr/>
-              <a:t> </a:t>
-            </a:r>
-            <a:r>
-              <a:rPr/>
-              <a:t>closer</a:t>
-            </a:r>
-            <a:r>
-              <a:rPr/>
-              <a:t> </a:t>
-            </a:r>
-            <a:r>
-              <a:rPr/>
-              <a:t>to</a:t>
-            </a:r>
-            <a:r>
-              <a:rPr/>
-              <a:t> </a:t>
-            </a:r>
-            <a:r>
-              <a:rPr/>
-              <a:t>one</a:t>
-            </a:r>
-            <a:r>
-              <a:rPr/>
-              <a:t> </a:t>
-            </a:r>
-            <a:r>
-              <a:rPr/>
-              <a:t>another,</a:t>
-            </a:r>
-            <a:r>
-              <a:rPr/>
-              <a:t> </a:t>
-            </a:r>
-            <a:r>
-              <a:rPr/>
-              <a:t>much</a:t>
-            </a:r>
-            <a:r>
-              <a:rPr/>
-              <a:t> </a:t>
-            </a:r>
-            <a:r>
-              <a:rPr/>
-              <a:t>closer</a:t>
-            </a:r>
-            <a:r>
-              <a:rPr/>
-              <a:t> </a:t>
-            </a:r>
-            <a:r>
-              <a:rPr/>
-              <a:t>to</a:t>
-            </a:r>
-            <a:r>
-              <a:rPr/>
-              <a:t> </a:t>
-            </a:r>
-            <a:r>
-              <a:rPr/>
-              <a:t>one</a:t>
-            </a:r>
-            <a:r>
-              <a:rPr/>
-              <a:t> </a:t>
-            </a:r>
-            <a:r>
-              <a:rPr/>
-              <a:t>another</a:t>
-            </a:r>
-            <a:r>
-              <a:rPr/>
-              <a:t> </a:t>
-            </a:r>
-            <a:r>
-              <a:rPr/>
-              <a:t>when</a:t>
-            </a:r>
-            <a:r>
-              <a:rPr/>
-              <a:t> </a:t>
-            </a:r>
-            <a:r>
-              <a:rPr/>
-              <a:t>the</a:t>
-            </a:r>
-            <a:r>
-              <a:rPr/>
-              <a:t> </a:t>
-            </a:r>
-            <a:r>
-              <a:rPr/>
-              <a:t>variance</a:t>
-            </a:r>
-            <a:r>
-              <a:rPr/>
-              <a:t> </a:t>
-            </a:r>
-            <a:r>
-              <a:rPr/>
-              <a:t>componet</a:t>
-            </a:r>
-            <a:r>
-              <a:rPr/>
-              <a:t> </a:t>
-            </a:r>
-            <a:r>
-              <a:rPr/>
-              <a:t>(tau-hat</a:t>
-            </a:r>
-            <a:r>
-              <a:rPr/>
-              <a:t> </a:t>
-            </a:r>
-            <a:r>
-              <a:rPr/>
-              <a:t>squared)</a:t>
-            </a:r>
-            <a:r>
-              <a:rPr/>
-              <a:t> </a:t>
-            </a:r>
-            <a:r>
-              <a:rPr/>
-              <a:t>is</a:t>
-            </a:r>
-            <a:r>
-              <a:rPr/>
-              <a:t> </a:t>
-            </a:r>
-            <a:r>
-              <a:rPr/>
-              <a:t>large.</a:t>
+              <a:t>ranges</a:t>
+            </a:r>
+            <a:r>
+              <a:rPr/>
+              <a:t> </a:t>
+            </a:r>
+            <a:r>
+              <a:rPr/>
+              <a:t>between</a:t>
+            </a:r>
+            <a:r>
+              <a:rPr/>
+              <a:t> </a:t>
+            </a:r>
+            <a:r>
+              <a:rPr/>
+              <a:t>0</a:t>
+            </a:r>
+            <a:r>
+              <a:rPr/>
+              <a:t> </a:t>
+            </a:r>
+            <a:r>
+              <a:rPr/>
+              <a:t>and</a:t>
+            </a:r>
+            <a:r>
+              <a:rPr/>
+              <a:t> </a:t>
+            </a:r>
+            <a:r>
+              <a:rPr/>
+              <a:t>100.</a:t>
             </a:r>
           </a:p>
         </p:txBody>
@@ -13266,6 +12904,624 @@
             <a:fld id="{18BDFEC3-8487-43E8-A154-7C12CBC1FFF2}" type="slidenum">
               <a:rPr lang="en-US"/>
               <a:t>4</a:t>
+            </a:fld>
+            <a:endParaRPr lang="en-US"/>
+          </a:p>
+        </p:txBody>
+      </p:sp>
+    </p:spTree>
+  </p:cSld>
+</p:notes>
+</file>
+
+<file path=ppt/notesSlides/notesSlide30.xml><?xml version="1.0" encoding="utf-8"?>
+<p:notes xmlns:a="http://schemas.openxmlformats.org/drawingml/2006/main" xmlns:r="http://schemas.openxmlformats.org/officeDocument/2006/relationships" xmlns:p="http://schemas.openxmlformats.org/presentationml/2006/main">
+  <p:cSld>
+    <p:spTree>
+      <p:nvGrpSpPr>
+        <p:cNvPr id="1" name=""/>
+        <p:cNvGrpSpPr/>
+        <p:nvPr/>
+      </p:nvGrpSpPr>
+      <p:grpSpPr>
+        <a:xfrm>
+          <a:off x="0" y="0"/>
+          <a:ext cx="0" cy="0"/>
+          <a:chOff x="0" y="0"/>
+          <a:chExt cx="0" cy="0"/>
+        </a:xfrm>
+      </p:grpSpPr>
+      <p:sp>
+        <p:nvSpPr>
+          <p:cNvPr id="2" name="Slide Image Placeholder 1"/>
+          <p:cNvSpPr>
+            <a:spLocks noGrp="1" noRot="1" noChangeAspect="1"/>
+          </p:cNvSpPr>
+          <p:nvPr>
+            <p:ph type="sldImg"/>
+          </p:nvPr>
+        </p:nvSpPr>
+        <p:spPr/>
+      </p:sp>
+      <p:sp>
+        <p:nvSpPr>
+          <p:cNvPr id="3" name="Notes Placeholder 2"/>
+          <p:cNvSpPr>
+            <a:spLocks noGrp="1"/>
+          </p:cNvSpPr>
+          <p:nvPr>
+            <p:ph type="body" idx="1"/>
+          </p:nvPr>
+        </p:nvSpPr>
+        <p:spPr/>
+        <p:txBody>
+          <a:bodyPr/>
+          <a:lstStyle/>
+          <a:p>
+            <a:pPr lvl="0" marL="0" indent="0">
+              <a:buNone/>
+            </a:pPr>
+            <a:r>
+              <a:rPr/>
+              <a:t>You</a:t>
+            </a:r>
+            <a:r>
+              <a:rPr/>
+              <a:t> </a:t>
+            </a:r>
+            <a:r>
+              <a:rPr/>
+              <a:t>can</a:t>
+            </a:r>
+            <a:r>
+              <a:rPr/>
+              <a:t> </a:t>
+            </a:r>
+            <a:r>
+              <a:rPr/>
+              <a:t>fit</a:t>
+            </a:r>
+            <a:r>
+              <a:rPr/>
+              <a:t> </a:t>
+            </a:r>
+            <a:r>
+              <a:rPr/>
+              <a:t>a</a:t>
+            </a:r>
+            <a:r>
+              <a:rPr/>
+              <a:t> </a:t>
+            </a:r>
+            <a:r>
+              <a:rPr/>
+              <a:t>random</a:t>
+            </a:r>
+            <a:r>
+              <a:rPr/>
+              <a:t> </a:t>
+            </a:r>
+            <a:r>
+              <a:rPr/>
+              <a:t>effects</a:t>
+            </a:r>
+            <a:r>
+              <a:rPr/>
+              <a:t> </a:t>
+            </a:r>
+            <a:r>
+              <a:rPr/>
+              <a:t>model</a:t>
+            </a:r>
+            <a:r>
+              <a:rPr/>
+              <a:t> </a:t>
+            </a:r>
+            <a:r>
+              <a:rPr/>
+              <a:t>using</a:t>
+            </a:r>
+            <a:r>
+              <a:rPr/>
+              <a:t> </a:t>
+            </a:r>
+            <a:r>
+              <a:rPr/>
+              <a:t>standard</a:t>
+            </a:r>
+            <a:r>
+              <a:rPr/>
+              <a:t> </a:t>
+            </a:r>
+            <a:r>
+              <a:rPr/>
+              <a:t>software</a:t>
+            </a:r>
+            <a:r>
+              <a:rPr/>
+              <a:t> </a:t>
+            </a:r>
+            <a:r>
+              <a:rPr/>
+              <a:t>like</a:t>
+            </a:r>
+            <a:r>
+              <a:rPr/>
+              <a:t> </a:t>
+            </a:r>
+            <a:r>
+              <a:rPr/>
+              <a:t>PROC</a:t>
+            </a:r>
+            <a:r>
+              <a:rPr/>
+              <a:t> </a:t>
+            </a:r>
+            <a:r>
+              <a:rPr/>
+              <a:t>MIXED</a:t>
+            </a:r>
+            <a:r>
+              <a:rPr/>
+              <a:t> </a:t>
+            </a:r>
+            <a:r>
+              <a:rPr/>
+              <a:t>in</a:t>
+            </a:r>
+            <a:r>
+              <a:rPr/>
+              <a:t> </a:t>
+            </a:r>
+            <a:r>
+              <a:rPr/>
+              <a:t>SAS.</a:t>
+            </a:r>
+            <a:r>
+              <a:rPr/>
+              <a:t> </a:t>
+            </a:r>
+            <a:r>
+              <a:rPr/>
+              <a:t>The</a:t>
+            </a:r>
+            <a:r>
+              <a:rPr/>
+              <a:t> </a:t>
+            </a:r>
+            <a:r>
+              <a:rPr/>
+              <a:t>random</a:t>
+            </a:r>
+            <a:r>
+              <a:rPr/>
+              <a:t> </a:t>
+            </a:r>
+            <a:r>
+              <a:rPr/>
+              <a:t>effects</a:t>
+            </a:r>
+            <a:r>
+              <a:rPr/>
+              <a:t> </a:t>
+            </a:r>
+            <a:r>
+              <a:rPr/>
+              <a:t>model</a:t>
+            </a:r>
+            <a:r>
+              <a:rPr/>
+              <a:t> </a:t>
+            </a:r>
+            <a:r>
+              <a:rPr/>
+              <a:t>assumes</a:t>
+            </a:r>
+            <a:r>
+              <a:rPr/>
+              <a:t> </a:t>
+            </a:r>
+            <a:r>
+              <a:rPr/>
+              <a:t>that</a:t>
+            </a:r>
+            <a:r>
+              <a:rPr/>
+              <a:t> </a:t>
+            </a:r>
+            <a:r>
+              <a:rPr/>
+              <a:t>each</a:t>
+            </a:r>
+            <a:r>
+              <a:rPr/>
+              <a:t> </a:t>
+            </a:r>
+            <a:r>
+              <a:rPr/>
+              <a:t>study</a:t>
+            </a:r>
+            <a:r>
+              <a:rPr/>
+              <a:t> </a:t>
+            </a:r>
+            <a:r>
+              <a:rPr/>
+              <a:t>has</a:t>
+            </a:r>
+            <a:r>
+              <a:rPr/>
+              <a:t> </a:t>
+            </a:r>
+            <a:r>
+              <a:rPr/>
+              <a:t>an</a:t>
+            </a:r>
+            <a:r>
+              <a:rPr/>
+              <a:t> </a:t>
+            </a:r>
+            <a:r>
+              <a:rPr/>
+              <a:t>extra</a:t>
+            </a:r>
+            <a:r>
+              <a:rPr/>
+              <a:t> </a:t>
+            </a:r>
+            <a:r>
+              <a:rPr/>
+              <a:t>source</a:t>
+            </a:r>
+            <a:r>
+              <a:rPr/>
+              <a:t> </a:t>
+            </a:r>
+            <a:r>
+              <a:rPr/>
+              <a:t>of</a:t>
+            </a:r>
+            <a:r>
+              <a:rPr/>
+              <a:t> </a:t>
+            </a:r>
+            <a:r>
+              <a:rPr/>
+              <a:t>random</a:t>
+            </a:r>
+            <a:r>
+              <a:rPr/>
+              <a:t> </a:t>
+            </a:r>
+            <a:r>
+              <a:rPr/>
+              <a:t>variation,</a:t>
+            </a:r>
+            <a:r>
+              <a:rPr/>
+              <a:t> </a:t>
+            </a:r>
+            <a:r>
+              <a:rPr/>
+              <a:t>caused</a:t>
+            </a:r>
+            <a:r>
+              <a:rPr/>
+              <a:t> </a:t>
+            </a:r>
+            <a:r>
+              <a:rPr/>
+              <a:t>by</a:t>
+            </a:r>
+            <a:r>
+              <a:rPr/>
+              <a:t> </a:t>
+            </a:r>
+            <a:r>
+              <a:rPr/>
+              <a:t>the</a:t>
+            </a:r>
+            <a:r>
+              <a:rPr/>
+              <a:t> </a:t>
+            </a:r>
+            <a:r>
+              <a:rPr/>
+              <a:t>numerous</a:t>
+            </a:r>
+            <a:r>
+              <a:rPr/>
+              <a:t> </a:t>
+            </a:r>
+            <a:r>
+              <a:rPr/>
+              <a:t>small</a:t>
+            </a:r>
+            <a:r>
+              <a:rPr/>
+              <a:t> </a:t>
+            </a:r>
+            <a:r>
+              <a:rPr/>
+              <a:t>differences</a:t>
+            </a:r>
+            <a:r>
+              <a:rPr/>
+              <a:t> </a:t>
+            </a:r>
+            <a:r>
+              <a:rPr/>
+              <a:t>that</a:t>
+            </a:r>
+            <a:r>
+              <a:rPr/>
+              <a:t> </a:t>
+            </a:r>
+            <a:r>
+              <a:rPr/>
+              <a:t>occur</a:t>
+            </a:r>
+            <a:r>
+              <a:rPr/>
+              <a:t> </a:t>
+            </a:r>
+            <a:r>
+              <a:rPr/>
+              <a:t>from</a:t>
+            </a:r>
+            <a:r>
+              <a:rPr/>
+              <a:t> </a:t>
+            </a:r>
+            <a:r>
+              <a:rPr/>
+              <a:t>one</a:t>
+            </a:r>
+            <a:r>
+              <a:rPr/>
+              <a:t> </a:t>
+            </a:r>
+            <a:r>
+              <a:rPr/>
+              <a:t>study</a:t>
+            </a:r>
+            <a:r>
+              <a:rPr/>
+              <a:t> </a:t>
+            </a:r>
+            <a:r>
+              <a:rPr/>
+              <a:t>to</a:t>
+            </a:r>
+            <a:r>
+              <a:rPr/>
+              <a:t> </a:t>
+            </a:r>
+            <a:r>
+              <a:rPr/>
+              <a:t>another.</a:t>
+            </a:r>
+            <a:r>
+              <a:rPr/>
+              <a:t> </a:t>
+            </a:r>
+            <a:r>
+              <a:rPr/>
+              <a:t>The</a:t>
+            </a:r>
+            <a:r>
+              <a:rPr/>
+              <a:t> </a:t>
+            </a:r>
+            <a:r>
+              <a:rPr/>
+              <a:t>weights</a:t>
+            </a:r>
+            <a:r>
+              <a:rPr/>
+              <a:t> </a:t>
+            </a:r>
+            <a:r>
+              <a:rPr/>
+              <a:t>in</a:t>
+            </a:r>
+            <a:r>
+              <a:rPr/>
+              <a:t> </a:t>
+            </a:r>
+            <a:r>
+              <a:rPr/>
+              <a:t>a</a:t>
+            </a:r>
+            <a:r>
+              <a:rPr/>
+              <a:t> </a:t>
+            </a:r>
+            <a:r>
+              <a:rPr/>
+              <a:t>random</a:t>
+            </a:r>
+            <a:r>
+              <a:rPr/>
+              <a:t> </a:t>
+            </a:r>
+            <a:r>
+              <a:rPr/>
+              <a:t>effects</a:t>
+            </a:r>
+            <a:r>
+              <a:rPr/>
+              <a:t> </a:t>
+            </a:r>
+            <a:r>
+              <a:rPr/>
+              <a:t>meta-analysis</a:t>
+            </a:r>
+            <a:r>
+              <a:rPr/>
+              <a:t> </a:t>
+            </a:r>
+            <a:r>
+              <a:rPr/>
+              <a:t>are</a:t>
+            </a:r>
+            <a:r>
+              <a:rPr/>
+              <a:t> </a:t>
+            </a:r>
+            <a:r>
+              <a:rPr/>
+              <a:t>closer</a:t>
+            </a:r>
+            <a:r>
+              <a:rPr/>
+              <a:t> </a:t>
+            </a:r>
+            <a:r>
+              <a:rPr/>
+              <a:t>to</a:t>
+            </a:r>
+            <a:r>
+              <a:rPr/>
+              <a:t> </a:t>
+            </a:r>
+            <a:r>
+              <a:rPr/>
+              <a:t>one</a:t>
+            </a:r>
+            <a:r>
+              <a:rPr/>
+              <a:t> </a:t>
+            </a:r>
+            <a:r>
+              <a:rPr/>
+              <a:t>another,</a:t>
+            </a:r>
+            <a:r>
+              <a:rPr/>
+              <a:t> </a:t>
+            </a:r>
+            <a:r>
+              <a:rPr/>
+              <a:t>much</a:t>
+            </a:r>
+            <a:r>
+              <a:rPr/>
+              <a:t> </a:t>
+            </a:r>
+            <a:r>
+              <a:rPr/>
+              <a:t>closer</a:t>
+            </a:r>
+            <a:r>
+              <a:rPr/>
+              <a:t> </a:t>
+            </a:r>
+            <a:r>
+              <a:rPr/>
+              <a:t>to</a:t>
+            </a:r>
+            <a:r>
+              <a:rPr/>
+              <a:t> </a:t>
+            </a:r>
+            <a:r>
+              <a:rPr/>
+              <a:t>one</a:t>
+            </a:r>
+            <a:r>
+              <a:rPr/>
+              <a:t> </a:t>
+            </a:r>
+            <a:r>
+              <a:rPr/>
+              <a:t>another</a:t>
+            </a:r>
+            <a:r>
+              <a:rPr/>
+              <a:t> </a:t>
+            </a:r>
+            <a:r>
+              <a:rPr/>
+              <a:t>when</a:t>
+            </a:r>
+            <a:r>
+              <a:rPr/>
+              <a:t> </a:t>
+            </a:r>
+            <a:r>
+              <a:rPr/>
+              <a:t>the</a:t>
+            </a:r>
+            <a:r>
+              <a:rPr/>
+              <a:t> </a:t>
+            </a:r>
+            <a:r>
+              <a:rPr/>
+              <a:t>variance</a:t>
+            </a:r>
+            <a:r>
+              <a:rPr/>
+              <a:t> </a:t>
+            </a:r>
+            <a:r>
+              <a:rPr/>
+              <a:t>componet</a:t>
+            </a:r>
+            <a:r>
+              <a:rPr/>
+              <a:t> </a:t>
+            </a:r>
+            <a:r>
+              <a:rPr/>
+              <a:t>(tau-hat</a:t>
+            </a:r>
+            <a:r>
+              <a:rPr/>
+              <a:t> </a:t>
+            </a:r>
+            <a:r>
+              <a:rPr/>
+              <a:t>squared)</a:t>
+            </a:r>
+            <a:r>
+              <a:rPr/>
+              <a:t> </a:t>
+            </a:r>
+            <a:r>
+              <a:rPr/>
+              <a:t>is</a:t>
+            </a:r>
+            <a:r>
+              <a:rPr/>
+              <a:t> </a:t>
+            </a:r>
+            <a:r>
+              <a:rPr/>
+              <a:t>large.</a:t>
+            </a:r>
+          </a:p>
+        </p:txBody>
+      </p:sp>
+      <p:sp>
+        <p:nvSpPr>
+          <p:cNvPr id="4" name="Slide Number Placeholder 3"/>
+          <p:cNvSpPr>
+            <a:spLocks noGrp="1"/>
+          </p:cNvSpPr>
+          <p:nvPr>
+            <p:ph type="sldNum" sz="quarter" idx="10"/>
+          </p:nvPr>
+        </p:nvSpPr>
+        <p:spPr/>
+        <p:txBody>
+          <a:bodyPr/>
+          <a:lstStyle/>
+          <a:p>
+            <a:fld id="{18BDFEC3-8487-43E8-A154-7C12CBC1FFF2}" type="slidenum">
+              <a:rPr lang="en-US"/>
+              <a:t>39</a:t>
             </a:fld>
             <a:endParaRPr lang="en-US"/>
           </a:p>
@@ -22206,16 +22462,18 @@
                   <m:oMath xmlns:m="http://schemas.openxmlformats.org/officeDocument/2006/math">
                     <m:sSub>
                       <m:e>
-                        <m:acc>
-                          <m:accPr>
+                        <m:groupChr>
+                          <m:groupChrPr>
                             <m:chr m:val="̂"/>
-                          </m:accPr>
+                            <m:pos m:val="top"/>
+                            <m:vertJc m:val="bot"/>
+                          </m:groupChrPr>
                           <m:e>
                             <m:r>
                               <m:t>θ</m:t>
                             </m:r>
                           </m:e>
-                        </m:acc>
+                        </m:groupChr>
                       </m:e>
                       <m:sub>
                         <m:r>
@@ -22380,16 +22638,18 @@
                   <m:oMath xmlns:m="http://schemas.openxmlformats.org/officeDocument/2006/math">
                     <m:sSub>
                       <m:e>
-                        <m:acc>
-                          <m:accPr>
+                        <m:groupChr>
+                          <m:groupChrPr>
                             <m:chr m:val="̂"/>
-                          </m:accPr>
+                            <m:pos m:val="top"/>
+                            <m:vertJc m:val="bot"/>
+                          </m:groupChrPr>
                           <m:e>
                             <m:r>
                               <m:t>θ</m:t>
                             </m:r>
                           </m:e>
-                        </m:acc>
+                        </m:groupChr>
                       </m:e>
                       <m:sub>
                         <m:r>
@@ -23370,16 +23630,18 @@
                         <m:r>
                           <m:t>2</m:t>
                         </m:r>
-                        <m:acc>
-                          <m:accPr>
+                        <m:groupChr>
+                          <m:groupChrPr>
                             <m:chr m:val="̂"/>
-                          </m:accPr>
+                            <m:pos m:val="top"/>
+                            <m:vertJc m:val="bot"/>
+                          </m:groupChrPr>
                           <m:e>
                             <m:r>
                               <m:t>ρ</m:t>
                             </m:r>
                           </m:e>
-                        </m:acc>
+                        </m:groupChr>
                         <m:sSub>
                           <m:e>
                             <m:r>
@@ -24461,102 +24723,26 @@
                 <a:pPr lvl="0" marL="0" indent="0">
                   <a:buNone/>
                 </a:pPr>
+                <a:r>
+                  <a:rPr/>
+                  <a:t>$V(_i) +;(SMD)</a:t>
+                </a:r>
+              </a:p>
+              <a:p>
+                <a:pPr lvl="0" marL="0" indent="0">
+                  <a:buNone/>
+                </a:pPr>
+                <a:r>
+                  <a:rPr/>
+                  <a:t>$  +  +  + ;(log;OR)$</a:t>
+                </a:r>
+              </a:p>
+              <a:p>
+                <a:pPr lvl="0" marL="0" indent="0">
+                  <a:buNone/>
+                </a:pPr>
                 <a14:m>
                   <m:oMath xmlns:m="http://schemas.openxmlformats.org/officeDocument/2006/math">
-                    <m:r>
-                      <m:t>V</m:t>
-                    </m:r>
-                    <m:r>
-                      <m:t>(</m:t>
-                    </m:r>
-                    <m:sSub>
-                      <m:e>
-                        <m:acc>
-                          <m:accPr>
-                            <m:chr m:val="̂"/>
-                          </m:accPr>
-                          <m:e>
-                            <m:r>
-                              <m:t>θ</m:t>
-                            </m:r>
-                          </m:e>
-                        </m:acc>
-                      </m:e>
-                      <m:sub>
-                        <m:r>
-                          <m:t>i</m:t>
-                        </m:r>
-                      </m:sub>
-                    </m:sSub>
-                    <m:r>
-                      <m:t>)</m:t>
-                    </m:r>
-                    <m:r>
-                      <m:t>≈</m:t>
-                    </m:r>
-                    <m:f>
-                      <m:fPr>
-                        <m:type m:val="bar"/>
-                      </m:fPr>
-                      <m:num>
-                        <m:r>
-                          <m:t>1</m:t>
-                        </m:r>
-                      </m:num>
-                      <m:den>
-                        <m:sSub>
-                          <m:e>
-                            <m:r>
-                              <m:t>n</m:t>
-                            </m:r>
-                          </m:e>
-                          <m:sub>
-                            <m:r>
-                              <m:t>T</m:t>
-                            </m:r>
-                          </m:sub>
-                        </m:sSub>
-                      </m:den>
-                    </m:f>
-                    <m:r>
-                      <m:t>+</m:t>
-                    </m:r>
-                    <m:f>
-                      <m:fPr>
-                        <m:type m:val="bar"/>
-                      </m:fPr>
-                      <m:num>
-                        <m:r>
-                          <m:t>1</m:t>
-                        </m:r>
-                      </m:num>
-                      <m:den>
-                        <m:sSub>
-                          <m:e>
-                            <m:r>
-                              <m:t>n</m:t>
-                            </m:r>
-                          </m:e>
-                          <m:sub>
-                            <m:r>
-                              <m:t>C</m:t>
-                            </m:r>
-                          </m:sub>
-                        </m:sSub>
-                      </m:den>
-                    </m:f>
-                    <m:r>
-                      <m:t>;</m:t>
-                    </m:r>
-                    <m:r>
-                      <m:t> </m:t>
-                    </m:r>
-                    <m:r>
-                      <m:t> </m:t>
-                    </m:r>
-                    <m:r>
-                      <m:t> </m:t>
-                    </m:r>
                     <m:sSub>
                       <m:e>
                         <m:r>
@@ -24590,16 +24776,18 @@
                         </m:r>
                         <m:sSub>
                           <m:e>
-                            <m:acc>
-                              <m:accPr>
+                            <m:groupChr>
+                              <m:groupChrPr>
                                 <m:chr m:val="̂"/>
-                              </m:accPr>
+                                <m:pos m:val="top"/>
+                                <m:vertJc m:val="bot"/>
+                              </m:groupChrPr>
                               <m:e>
                                 <m:r>
                                   <m:t>θ</m:t>
                                 </m:r>
                               </m:e>
-                            </m:acc>
+                            </m:groupChr>
                           </m:e>
                           <m:sub>
                             <m:r>
@@ -24615,22 +24803,115 @@
                   </m:oMath>
                 </a14:m>
               </a:p>
+            </p:txBody>
+          </p:sp>
+        </mc:Choice>
+      </mc:AlternateContent>
+    </p:spTree>
+  </p:cSld>
+</p:sld>
+</file>
+
+<file path=ppt/slides/slide37.xml><?xml version="1.0" encoding="utf-8"?>
+<p:sld xmlns:a="http://schemas.openxmlformats.org/drawingml/2006/main" xmlns:r="http://schemas.openxmlformats.org/officeDocument/2006/relationships" xmlns:p="http://schemas.openxmlformats.org/presentationml/2006/main">
+  <p:cSld>
+    <p:spTree>
+      <p:nvGrpSpPr>
+        <p:cNvPr id="1" name=""/>
+        <p:cNvGrpSpPr/>
+        <p:nvPr/>
+      </p:nvGrpSpPr>
+      <p:grpSpPr>
+        <a:xfrm>
+          <a:off x="0" y="0"/>
+          <a:ext cx="0" cy="0"/>
+          <a:chOff x="0" y="0"/>
+          <a:chExt cx="0" cy="0"/>
+        </a:xfrm>
+      </p:grpSpPr>
+      <p:sp>
+        <p:nvSpPr>
+          <p:cNvPr id="2" name="Title 1"/>
+          <p:cNvSpPr>
+            <a:spLocks noGrp="1"/>
+          </p:cNvSpPr>
+          <p:nvPr>
+            <p:ph type="title"/>
+          </p:nvPr>
+        </p:nvSpPr>
+        <p:spPr/>
+        <p:txBody>
+          <a:bodyPr/>
+          <a:lstStyle/>
+          <a:p>
+            <a:pPr lvl="0" marL="0" indent="0">
+              <a:buNone/>
+            </a:pPr>
+            <a:r>
+              <a:rPr/>
+              <a:t>Fixed</a:t>
+            </a:r>
+            <a:r>
+              <a:rPr/>
+              <a:t> </a:t>
+            </a:r>
+            <a:r>
+              <a:rPr/>
+              <a:t>effects</a:t>
+            </a:r>
+            <a:r>
+              <a:rPr/>
+              <a:t> </a:t>
+            </a:r>
+            <a:r>
+              <a:rPr/>
+              <a:t>model</a:t>
+            </a:r>
+            <a:r>
+              <a:rPr/>
+              <a:t> </a:t>
+            </a:r>
+            <a:r>
+              <a:rPr/>
+              <a:t>(cont’d)</a:t>
+            </a:r>
+          </a:p>
+        </p:txBody>
+      </p:sp>
+      <mc:AlternateContent xmlns:mc="http://schemas.openxmlformats.org/markup-compatibility/2006">
+        <mc:Choice xmlns:a14="http://schemas.microsoft.com/office/drawing/2010/main" Requires="a14">
+          <p:sp>
+            <p:nvSpPr>
+              <p:cNvPr id="3" name="Content Placeholder 2"/>
+              <p:cNvSpPr>
+                <a:spLocks noGrp="1"/>
+              </p:cNvSpPr>
+              <p:nvPr>
+                <p:ph idx="1"/>
+              </p:nvPr>
+            </p:nvSpPr>
+            <p:spPr/>
+            <p:txBody>
+              <a:bodyPr/>
+              <a:lstStyle/>
               <a:p>
                 <a:pPr lvl="0" marL="0" indent="0">
                   <a:buNone/>
                 </a:pPr>
                 <a14:m>
                   <m:oMath xmlns:m="http://schemas.openxmlformats.org/officeDocument/2006/math">
-                    <m:acc>
-                      <m:accPr>
+                    <m:groupChr>
+                      <m:groupChrPr>
                         <m:chr m:val="̂"/>
-                      </m:accPr>
+                        <m:pos m:val="top"/>
+                        <m:vertJc m:val="bot"/>
+                      </m:groupChrPr>
                       <m:e>
                         <m:r>
                           <m:t>θ</m:t>
                         </m:r>
                       </m:e>
-                    </m:acc>
+                    </m:groupChr>
                     <m:r>
                       <m:t>=</m:t>
                     </m:r>
@@ -24656,16 +24937,18 @@
                         </m:sSub>
                         <m:sSub>
                           <m:e>
-                            <m:acc>
-                              <m:accPr>
+                            <m:groupChr>
+                              <m:groupChrPr>
                                 <m:chr m:val="̂"/>
-                              </m:accPr>
+                                <m:pos m:val="top"/>
+                                <m:vertJc m:val="bot"/>
+                              </m:groupChrPr>
                               <m:e>
                                 <m:r>
                                   <m:t>θ</m:t>
                                 </m:r>
                               </m:e>
-                            </m:acc>
+                            </m:groupChr>
                           </m:e>
                           <m:sub>
                             <m:r>
@@ -24692,34 +24975,33 @@
                         </m:sSub>
                       </m:den>
                     </m:f>
-                    <m:r>
-                      <m:t>;</m:t>
-                    </m:r>
-                    <m:r>
-                      <m:t> </m:t>
-                    </m:r>
-                    <m:r>
-                      <m:t> </m:t>
-                    </m:r>
-                    <m:r>
-                      <m:t> </m:t>
-                    </m:r>
+                  </m:oMath>
+                </a14:m>
+              </a:p>
+              <a:p>
+                <a:pPr lvl="0" marL="0" indent="0">
+                  <a:buNone/>
+                </a:pPr>
+                <a14:m>
+                  <m:oMath xmlns:m="http://schemas.openxmlformats.org/officeDocument/2006/math">
                     <m:r>
                       <m:t>V</m:t>
                     </m:r>
                     <m:r>
                       <m:t>(</m:t>
                     </m:r>
-                    <m:acc>
-                      <m:accPr>
+                    <m:groupChr>
+                      <m:groupChrPr>
                         <m:chr m:val="̂"/>
-                      </m:accPr>
+                        <m:pos m:val="top"/>
+                        <m:vertJc m:val="bot"/>
+                      </m:groupChrPr>
                       <m:e>
                         <m:r>
                           <m:t>θ</m:t>
                         </m:r>
                       </m:e>
-                    </m:acc>
+                    </m:groupChr>
                     <m:r>
                       <m:t>)</m:t>
                     </m:r>
@@ -24769,16 +25051,18 @@
                       <m:num>
                         <m:sSup>
                           <m:e>
-                            <m:acc>
-                              <m:accPr>
+                            <m:groupChr>
+                              <m:groupChrPr>
                                 <m:chr m:val="̂"/>
-                              </m:accPr>
+                                <m:pos m:val="top"/>
+                                <m:vertJc m:val="bot"/>
+                              </m:groupChrPr>
                               <m:e>
                                 <m:r>
                                   <m:t>θ</m:t>
                                 </m:r>
                               </m:e>
-                            </m:acc>
+                            </m:groupChr>
                           </m:e>
                           <m:sup>
                             <m:r>
@@ -24794,16 +25078,18 @@
                         <m:r>
                           <m:t>(</m:t>
                         </m:r>
-                        <m:acc>
-                          <m:accPr>
+                        <m:groupChr>
+                          <m:groupChrPr>
                             <m:chr m:val="̂"/>
-                          </m:accPr>
+                            <m:pos m:val="top"/>
+                            <m:vertJc m:val="bot"/>
+                          </m:groupChrPr>
                           <m:e>
                             <m:r>
                               <m:t>θ</m:t>
                             </m:r>
                           </m:e>
-                        </m:acc>
+                        </m:groupChr>
                         <m:r>
                           <m:t>)</m:t>
                         </m:r>
@@ -24845,7 +25131,7 @@
 </p:sld>
 </file>
 
-<file path=ppt/slides/slide37.xml><?xml version="1.0" encoding="utf-8"?>
+<file path=ppt/slides/slide38.xml><?xml version="1.0" encoding="utf-8"?>
 <p:sld xmlns:a="http://schemas.openxmlformats.org/drawingml/2006/main" xmlns:r="http://schemas.openxmlformats.org/officeDocument/2006/relationships" xmlns:p="http://schemas.openxmlformats.org/presentationml/2006/main">
   <p:cSld>
     <p:spTree>
@@ -24952,16 +25238,18 @@
                     </m:r>
                     <m:sSub>
                       <m:e>
-                        <m:acc>
-                          <m:accPr>
+                        <m:groupChr>
+                          <m:groupChrPr>
                             <m:chr m:val="̂"/>
-                          </m:accPr>
+                            <m:pos m:val="top"/>
+                            <m:vertJc m:val="bot"/>
+                          </m:groupChrPr>
                           <m:e>
                             <m:r>
                               <m:t>θ</m:t>
                             </m:r>
                           </m:e>
-                        </m:acc>
+                        </m:groupChr>
                       </m:e>
                       <m:sub>
                         <m:r>
@@ -24972,16 +25260,18 @@
                     <m:r>
                       <m:t>−</m:t>
                     </m:r>
-                    <m:acc>
-                      <m:accPr>
+                    <m:groupChr>
+                      <m:groupChrPr>
                         <m:chr m:val="̂"/>
-                      </m:accPr>
+                        <m:pos m:val="top"/>
+                        <m:vertJc m:val="bot"/>
+                      </m:groupChrPr>
                       <m:e>
                         <m:r>
                           <m:t>θ</m:t>
                         </m:r>
                       </m:e>
-                    </m:acc>
+                    </m:groupChr>
                     <m:sSup>
                       <m:e>
                         <m:r>
@@ -25108,7 +25398,7 @@
 </p:sld>
 </file>
 
-<file path=ppt/slides/slide38.xml><?xml version="1.0" encoding="utf-8"?>
+<file path=ppt/slides/slide39.xml><?xml version="1.0" encoding="utf-8"?>
 <p:sld xmlns:a="http://schemas.openxmlformats.org/drawingml/2006/main" xmlns:r="http://schemas.openxmlformats.org/officeDocument/2006/relationships" xmlns:p="http://schemas.openxmlformats.org/presentationml/2006/main">
   <p:cSld>
     <p:spTree>
@@ -25199,16 +25489,18 @@
                   <m:oMath xmlns:m="http://schemas.openxmlformats.org/officeDocument/2006/math">
                     <m:sSup>
                       <m:e>
-                        <m:acc>
-                          <m:accPr>
+                        <m:groupChr>
+                          <m:groupChrPr>
                             <m:chr m:val="̂"/>
-                          </m:accPr>
+                            <m:pos m:val="top"/>
+                            <m:vertJc m:val="bot"/>
+                          </m:groupChrPr>
                           <m:e>
                             <m:r>
                               <m:t>τ</m:t>
                             </m:r>
                           </m:e>
-                        </m:acc>
+                        </m:groupChr>
                       </m:e>
                       <m:sup>
                         <m:r>
@@ -25308,16 +25600,18 @@
                         </m:r>
                         <m:sSub>
                           <m:e>
-                            <m:acc>
-                              <m:accPr>
+                            <m:groupChr>
+                              <m:groupChrPr>
                                 <m:chr m:val="̂"/>
-                              </m:accPr>
+                                <m:pos m:val="top"/>
+                                <m:vertJc m:val="bot"/>
+                              </m:groupChrPr>
                               <m:e>
                                 <m:r>
                                   <m:t>θ</m:t>
                                 </m:r>
                               </m:e>
-                            </m:acc>
+                            </m:groupChr>
                           </m:e>
                           <m:sub>
                             <m:r>
@@ -25333,16 +25627,18 @@
                         </m:r>
                         <m:sSup>
                           <m:e>
-                            <m:acc>
-                              <m:accPr>
+                            <m:groupChr>
+                              <m:groupChrPr>
                                 <m:chr m:val="̂"/>
-                              </m:accPr>
+                                <m:pos m:val="top"/>
+                                <m:vertJc m:val="bot"/>
+                              </m:groupChrPr>
                               <m:e>
                                 <m:r>
                                   <m:t>τ</m:t>
                                 </m:r>
                               </m:e>
-                            </m:acc>
+                            </m:groupChr>
                           </m:e>
                           <m:sup>
                             <m:r>
@@ -25359,93 +25655,6 @@
           </p:sp>
         </mc:Choice>
       </mc:AlternateContent>
-    </p:spTree>
-  </p:cSld>
-</p:sld>
-</file>
-
-<file path=ppt/slides/slide39.xml><?xml version="1.0" encoding="utf-8"?>
-<p:sld xmlns:a="http://schemas.openxmlformats.org/drawingml/2006/main" xmlns:r="http://schemas.openxmlformats.org/officeDocument/2006/relationships" xmlns:p="http://schemas.openxmlformats.org/presentationml/2006/main">
-  <p:cSld>
-    <p:spTree>
-      <p:nvGrpSpPr>
-        <p:cNvPr id="1" name=""/>
-        <p:cNvGrpSpPr/>
-        <p:nvPr/>
-      </p:nvGrpSpPr>
-      <p:grpSpPr>
-        <a:xfrm>
-          <a:off x="0" y="0"/>
-          <a:ext cx="0" cy="0"/>
-          <a:chOff x="0" y="0"/>
-          <a:chExt cx="0" cy="0"/>
-        </a:xfrm>
-      </p:grpSpPr>
-      <p:sp>
-        <p:nvSpPr>
-          <p:cNvPr id="2" name="Title 1"/>
-          <p:cNvSpPr>
-            <a:spLocks noGrp="1"/>
-          </p:cNvSpPr>
-          <p:nvPr>
-            <p:ph type="title"/>
-          </p:nvPr>
-        </p:nvSpPr>
-        <p:spPr/>
-        <p:txBody>
-          <a:bodyPr/>
-          <a:lstStyle/>
-          <a:p>
-            <a:pPr lvl="0" marL="0" indent="0">
-              <a:buNone/>
-            </a:pPr>
-            <a:r>
-              <a:rPr/>
-              <a:t>Fixed</a:t>
-            </a:r>
-            <a:r>
-              <a:rPr/>
-              <a:t> </a:t>
-            </a:r>
-            <a:r>
-              <a:rPr/>
-              <a:t>effects</a:t>
-            </a:r>
-            <a:r>
-              <a:rPr/>
-              <a:t> </a:t>
-            </a:r>
-            <a:r>
-              <a:rPr/>
-              <a:t>model</a:t>
-            </a:r>
-            <a:r>
-              <a:rPr/>
-              <a:t> </a:t>
-            </a:r>
-            <a:r>
-              <a:rPr/>
-              <a:t>for</a:t>
-            </a:r>
-            <a:r>
-              <a:rPr/>
-              <a:t> </a:t>
-            </a:r>
-            <a:r>
-              <a:rPr/>
-              <a:t>LOS</a:t>
-            </a:r>
-            <a:r>
-              <a:rPr/>
-              <a:t> </a:t>
-            </a:r>
-            <a:r>
-              <a:rPr/>
-              <a:t>data</a:t>
-            </a:r>
-          </a:p>
-        </p:txBody>
-      </p:sp>
     </p:spTree>
   </p:cSld>
 </p:sld>
@@ -25718,10 +25927,9 @@
               <a:rPr sz="1800">
                 <a:latin typeface="Courier"/>
               </a:rPr>
-              <a:t>NA
-NA
-NA
-NA</a:t>
+              <a:t>Model Results:
+estimate      se     zval    pval    ci.lb   ci.ub   
+ -0.5371  0.3087  -1.7401  0.0818  -1.1421  0.0679  .</a:t>
             </a:r>
           </a:p>
         </p:txBody>
@@ -25768,23 +25976,23 @@
             </a:pPr>
             <a:r>
               <a:rPr/>
-              <a:t>Test</a:t>
-            </a:r>
-            <a:r>
-              <a:rPr/>
-              <a:t> </a:t>
-            </a:r>
-            <a:r>
-              <a:rPr/>
-              <a:t>of</a:t>
-            </a:r>
-            <a:r>
-              <a:rPr/>
-              <a:t> </a:t>
-            </a:r>
-            <a:r>
-              <a:rPr/>
-              <a:t>homogeneity</a:t>
+              <a:t>Random</a:t>
+            </a:r>
+            <a:r>
+              <a:rPr/>
+              <a:t> </a:t>
+            </a:r>
+            <a:r>
+              <a:rPr/>
+              <a:t>effects</a:t>
+            </a:r>
+            <a:r>
+              <a:rPr/>
+              <a:t> </a:t>
+            </a:r>
+            <a:r>
+              <a:rPr/>
+              <a:t>model</a:t>
             </a:r>
             <a:r>
               <a:rPr/>
@@ -25800,15 +26008,7 @@
             </a:r>
             <a:r>
               <a:rPr/>
-              <a:t>the</a:t>
-            </a:r>
-            <a:r>
-              <a:rPr/>
-              <a:t> </a:t>
-            </a:r>
-            <a:r>
-              <a:rPr/>
-              <a:t>LOS</a:t>
+              <a:t>BCG</a:t>
             </a:r>
             <a:r>
               <a:rPr/>
@@ -25843,13 +26043,9 @@
               <a:rPr sz="1800">
                 <a:latin typeface="Courier"/>
               </a:rPr>
-              <a:t>## NA
-## NA
-## NA
-## NA
-## NA
-## NA
-## NA</a:t>
+              <a:t>Model Results:
+estimate      se     zval    pval    ci.lb    ci.ub     
+ -0.7452  0.1860  -4.0057  &lt;.0001  -1.1098  -0.3806  ***</a:t>
             </a:r>
           </a:p>
         </p:txBody>
@@ -25896,49 +26092,91 @@
             </a:pPr>
             <a:r>
               <a:rPr/>
-              <a:t>Forest</a:t>
-            </a:r>
-            <a:r>
-              <a:rPr/>
-              <a:t> </a:t>
-            </a:r>
-            <a:r>
-              <a:rPr/>
-              <a:t>plot</a:t>
+              <a:t>Test</a:t>
+            </a:r>
+            <a:r>
+              <a:rPr/>
+              <a:t> </a:t>
+            </a:r>
+            <a:r>
+              <a:rPr/>
+              <a:t>of</a:t>
+            </a:r>
+            <a:r>
+              <a:rPr/>
+              <a:t> </a:t>
+            </a:r>
+            <a:r>
+              <a:rPr/>
+              <a:t>homogeneity</a:t>
+            </a:r>
+            <a:r>
+              <a:rPr/>
+              <a:t> </a:t>
+            </a:r>
+            <a:r>
+              <a:rPr/>
+              <a:t>for</a:t>
+            </a:r>
+            <a:r>
+              <a:rPr/>
+              <a:t> </a:t>
+            </a:r>
+            <a:r>
+              <a:rPr/>
+              <a:t>the</a:t>
+            </a:r>
+            <a:r>
+              <a:rPr/>
+              <a:t> </a:t>
+            </a:r>
+            <a:r>
+              <a:rPr/>
+              <a:t>LOS</a:t>
+            </a:r>
+            <a:r>
+              <a:rPr/>
+              <a:t> </a:t>
+            </a:r>
+            <a:r>
+              <a:rPr/>
+              <a:t>data</a:t>
             </a:r>
           </a:p>
         </p:txBody>
       </p:sp>
-      <p:pic>
-        <p:nvPicPr>
-          <p:cNvPr descr="intro_files/figure-pptx/forest-1.png" id="0" name="Picture 1"/>
-          <p:cNvPicPr>
-            <a:picLocks noGrp="1" noChangeAspect="1"/>
-          </p:cNvPicPr>
-          <p:nvPr/>
-        </p:nvPicPr>
-        <p:blipFill>
-          <a:blip r:embed="rId2"/>
-          <a:stretch>
-            <a:fillRect/>
-          </a:stretch>
-        </p:blipFill>
-        <p:spPr bwMode="auto">
-          <a:xfrm>
-            <a:off x="2311400" y="1600200"/>
-            <a:ext cx="4521200" cy="4521200"/>
-          </a:xfrm>
-          <a:prstGeom prst="rect">
-            <a:avLst/>
-          </a:prstGeom>
-          <a:noFill/>
-          <a:ln w="9525">
-            <a:noFill/>
-            <a:headEnd/>
-            <a:tailEnd/>
-          </a:ln>
-        </p:spPr>
-      </p:pic>
+      <p:sp>
+        <p:nvSpPr>
+          <p:cNvPr id="3" name="Content Placeholder 2"/>
+          <p:cNvSpPr>
+            <a:spLocks noGrp="1"/>
+          </p:cNvSpPr>
+          <p:nvPr>
+            <p:ph idx="1"/>
+          </p:nvPr>
+        </p:nvSpPr>
+        <p:spPr/>
+        <p:txBody>
+          <a:bodyPr/>
+          <a:lstStyle/>
+          <a:p>
+            <a:pPr lvl="0" marL="1270000" indent="0">
+              <a:buNone/>
+            </a:pPr>
+            <a:r>
+              <a:rPr sz="1800">
+                <a:latin typeface="Courier"/>
+              </a:rPr>
+              <a:t>tau^2 (estimated amount of total heterogeneity): 0.7908 (SE = 0.4281)
+tau (square root of estimated tau^2 value):      0.8893
+I^2 (total heterogeneity / total variability):   95.49%
+H^2 (total variability / sampling variability):  22.20
+Test for Heterogeneity: 
+Q(df = 8) = 123.7293, p-val &lt; .0001</a:t>
+            </a:r>
+          </a:p>
+        </p:txBody>
+      </p:sp>
     </p:spTree>
   </p:cSld>
 </p:sld>
@@ -25981,6 +26219,367 @@
             </a:pPr>
             <a:r>
               <a:rPr/>
+              <a:t>Test</a:t>
+            </a:r>
+            <a:r>
+              <a:rPr/>
+              <a:t> </a:t>
+            </a:r>
+            <a:r>
+              <a:rPr/>
+              <a:t>of</a:t>
+            </a:r>
+            <a:r>
+              <a:rPr/>
+              <a:t> </a:t>
+            </a:r>
+            <a:r>
+              <a:rPr/>
+              <a:t>homogeneity</a:t>
+            </a:r>
+            <a:r>
+              <a:rPr/>
+              <a:t> </a:t>
+            </a:r>
+            <a:r>
+              <a:rPr/>
+              <a:t>for</a:t>
+            </a:r>
+            <a:r>
+              <a:rPr/>
+              <a:t> </a:t>
+            </a:r>
+            <a:r>
+              <a:rPr/>
+              <a:t>the</a:t>
+            </a:r>
+            <a:r>
+              <a:rPr/>
+              <a:t> </a:t>
+            </a:r>
+            <a:r>
+              <a:rPr/>
+              <a:t>BCG</a:t>
+            </a:r>
+            <a:r>
+              <a:rPr/>
+              <a:t> </a:t>
+            </a:r>
+            <a:r>
+              <a:rPr/>
+              <a:t>data</a:t>
+            </a:r>
+          </a:p>
+        </p:txBody>
+      </p:sp>
+      <p:sp>
+        <p:nvSpPr>
+          <p:cNvPr id="3" name="Content Placeholder 2"/>
+          <p:cNvSpPr>
+            <a:spLocks noGrp="1"/>
+          </p:cNvSpPr>
+          <p:nvPr>
+            <p:ph idx="1"/>
+          </p:nvPr>
+        </p:nvSpPr>
+        <p:spPr/>
+        <p:txBody>
+          <a:bodyPr/>
+          <a:lstStyle/>
+          <a:p>
+            <a:pPr lvl="0" marL="1270000" indent="0">
+              <a:buNone/>
+            </a:pPr>
+            <a:r>
+              <a:rPr sz="1800">
+                <a:latin typeface="Courier"/>
+              </a:rPr>
+              <a:t>tau^2 (estimated amount of total heterogeneity): 0.3378 (SE = 0.1784)
+tau (square root of estimated tau^2 value):      0.5812
+I^2 (total heterogeneity / total variability):   92.07%
+H^2 (total variability / sampling variability):  12.61
+Test for Heterogeneity: 
+Q(df = 12) = 163.1649, p-val &lt; .0001</a:t>
+            </a:r>
+          </a:p>
+        </p:txBody>
+      </p:sp>
+    </p:spTree>
+  </p:cSld>
+</p:sld>
+</file>
+
+<file path=ppt/slides/slide44.xml><?xml version="1.0" encoding="utf-8"?>
+<p:sld xmlns:a="http://schemas.openxmlformats.org/drawingml/2006/main" xmlns:r="http://schemas.openxmlformats.org/officeDocument/2006/relationships" xmlns:p="http://schemas.openxmlformats.org/presentationml/2006/main">
+  <p:cSld>
+    <p:spTree>
+      <p:nvGrpSpPr>
+        <p:cNvPr id="1" name=""/>
+        <p:cNvGrpSpPr/>
+        <p:nvPr/>
+      </p:nvGrpSpPr>
+      <p:grpSpPr>
+        <a:xfrm>
+          <a:off x="0" y="0"/>
+          <a:ext cx="0" cy="0"/>
+          <a:chOff x="0" y="0"/>
+          <a:chExt cx="0" cy="0"/>
+        </a:xfrm>
+      </p:grpSpPr>
+      <p:sp>
+        <p:nvSpPr>
+          <p:cNvPr id="2" name="Title 1"/>
+          <p:cNvSpPr>
+            <a:spLocks noGrp="1"/>
+          </p:cNvSpPr>
+          <p:nvPr>
+            <p:ph type="title"/>
+          </p:nvPr>
+        </p:nvSpPr>
+        <p:spPr/>
+        <p:txBody>
+          <a:bodyPr/>
+          <a:lstStyle/>
+          <a:p>
+            <a:pPr lvl="0" marL="0" indent="0">
+              <a:buNone/>
+            </a:pPr>
+            <a:r>
+              <a:rPr/>
+              <a:t>Forest</a:t>
+            </a:r>
+            <a:r>
+              <a:rPr/>
+              <a:t> </a:t>
+            </a:r>
+            <a:r>
+              <a:rPr/>
+              <a:t>plot</a:t>
+            </a:r>
+            <a:r>
+              <a:rPr/>
+              <a:t> </a:t>
+            </a:r>
+            <a:r>
+              <a:rPr/>
+              <a:t>for</a:t>
+            </a:r>
+            <a:r>
+              <a:rPr/>
+              <a:t> </a:t>
+            </a:r>
+            <a:r>
+              <a:rPr/>
+              <a:t>the</a:t>
+            </a:r>
+            <a:r>
+              <a:rPr/>
+              <a:t> </a:t>
+            </a:r>
+            <a:r>
+              <a:rPr/>
+              <a:t>LOS</a:t>
+            </a:r>
+            <a:r>
+              <a:rPr/>
+              <a:t> </a:t>
+            </a:r>
+            <a:r>
+              <a:rPr/>
+              <a:t>data</a:t>
+            </a:r>
+          </a:p>
+        </p:txBody>
+      </p:sp>
+      <p:pic>
+        <p:nvPicPr>
+          <p:cNvPr descr="intro_files/figure-pptx/forest_los-1.png" id="0" name="Picture 1"/>
+          <p:cNvPicPr>
+            <a:picLocks noGrp="1" noChangeAspect="1"/>
+          </p:cNvPicPr>
+          <p:nvPr/>
+        </p:nvPicPr>
+        <p:blipFill>
+          <a:blip r:embed="rId2"/>
+          <a:stretch>
+            <a:fillRect/>
+          </a:stretch>
+        </p:blipFill>
+        <p:spPr bwMode="auto">
+          <a:xfrm>
+            <a:off x="2311400" y="1600200"/>
+            <a:ext cx="4521200" cy="4521200"/>
+          </a:xfrm>
+          <a:prstGeom prst="rect">
+            <a:avLst/>
+          </a:prstGeom>
+          <a:noFill/>
+          <a:ln w="9525">
+            <a:noFill/>
+            <a:headEnd/>
+            <a:tailEnd/>
+          </a:ln>
+        </p:spPr>
+      </p:pic>
+    </p:spTree>
+  </p:cSld>
+</p:sld>
+</file>
+
+<file path=ppt/slides/slide45.xml><?xml version="1.0" encoding="utf-8"?>
+<p:sld xmlns:a="http://schemas.openxmlformats.org/drawingml/2006/main" xmlns:r="http://schemas.openxmlformats.org/officeDocument/2006/relationships" xmlns:p="http://schemas.openxmlformats.org/presentationml/2006/main">
+  <p:cSld>
+    <p:spTree>
+      <p:nvGrpSpPr>
+        <p:cNvPr id="1" name=""/>
+        <p:cNvGrpSpPr/>
+        <p:nvPr/>
+      </p:nvGrpSpPr>
+      <p:grpSpPr>
+        <a:xfrm>
+          <a:off x="0" y="0"/>
+          <a:ext cx="0" cy="0"/>
+          <a:chOff x="0" y="0"/>
+          <a:chExt cx="0" cy="0"/>
+        </a:xfrm>
+      </p:grpSpPr>
+      <p:sp>
+        <p:nvSpPr>
+          <p:cNvPr id="2" name="Title 1"/>
+          <p:cNvSpPr>
+            <a:spLocks noGrp="1"/>
+          </p:cNvSpPr>
+          <p:nvPr>
+            <p:ph type="title"/>
+          </p:nvPr>
+        </p:nvSpPr>
+        <p:spPr/>
+        <p:txBody>
+          <a:bodyPr/>
+          <a:lstStyle/>
+          <a:p>
+            <a:pPr lvl="0" marL="0" indent="0">
+              <a:buNone/>
+            </a:pPr>
+            <a:r>
+              <a:rPr/>
+              <a:t>Forest</a:t>
+            </a:r>
+            <a:r>
+              <a:rPr/>
+              <a:t> </a:t>
+            </a:r>
+            <a:r>
+              <a:rPr/>
+              <a:t>plot</a:t>
+            </a:r>
+            <a:r>
+              <a:rPr/>
+              <a:t> </a:t>
+            </a:r>
+            <a:r>
+              <a:rPr/>
+              <a:t>for</a:t>
+            </a:r>
+            <a:r>
+              <a:rPr/>
+              <a:t> </a:t>
+            </a:r>
+            <a:r>
+              <a:rPr/>
+              <a:t>the</a:t>
+            </a:r>
+            <a:r>
+              <a:rPr/>
+              <a:t> </a:t>
+            </a:r>
+            <a:r>
+              <a:rPr/>
+              <a:t>BCG</a:t>
+            </a:r>
+            <a:r>
+              <a:rPr/>
+              <a:t> </a:t>
+            </a:r>
+            <a:r>
+              <a:rPr/>
+              <a:t>data</a:t>
+            </a:r>
+          </a:p>
+        </p:txBody>
+      </p:sp>
+      <p:pic>
+        <p:nvPicPr>
+          <p:cNvPr descr="intro_files/figure-pptx/forest_bcg-1.png" id="0" name="Picture 1"/>
+          <p:cNvPicPr>
+            <a:picLocks noGrp="1" noChangeAspect="1"/>
+          </p:cNvPicPr>
+          <p:nvPr/>
+        </p:nvPicPr>
+        <p:blipFill>
+          <a:blip r:embed="rId2"/>
+          <a:stretch>
+            <a:fillRect/>
+          </a:stretch>
+        </p:blipFill>
+        <p:spPr bwMode="auto">
+          <a:xfrm>
+            <a:off x="2311400" y="1600200"/>
+            <a:ext cx="4521200" cy="4521200"/>
+          </a:xfrm>
+          <a:prstGeom prst="rect">
+            <a:avLst/>
+          </a:prstGeom>
+          <a:noFill/>
+          <a:ln w="9525">
+            <a:noFill/>
+            <a:headEnd/>
+            <a:tailEnd/>
+          </a:ln>
+        </p:spPr>
+      </p:pic>
+    </p:spTree>
+  </p:cSld>
+</p:sld>
+</file>
+
+<file path=ppt/slides/slide46.xml><?xml version="1.0" encoding="utf-8"?>
+<p:sld xmlns:a="http://schemas.openxmlformats.org/drawingml/2006/main" xmlns:r="http://schemas.openxmlformats.org/officeDocument/2006/relationships" xmlns:p="http://schemas.openxmlformats.org/presentationml/2006/main">
+  <p:cSld>
+    <p:spTree>
+      <p:nvGrpSpPr>
+        <p:cNvPr id="1" name=""/>
+        <p:cNvGrpSpPr/>
+        <p:nvPr/>
+      </p:nvGrpSpPr>
+      <p:grpSpPr>
+        <a:xfrm>
+          <a:off x="0" y="0"/>
+          <a:ext cx="0" cy="0"/>
+          <a:chOff x="0" y="0"/>
+          <a:chExt cx="0" cy="0"/>
+        </a:xfrm>
+      </p:grpSpPr>
+      <p:sp>
+        <p:nvSpPr>
+          <p:cNvPr id="2" name="Title 1"/>
+          <p:cNvSpPr>
+            <a:spLocks noGrp="1"/>
+          </p:cNvSpPr>
+          <p:nvPr>
+            <p:ph type="title"/>
+          </p:nvPr>
+        </p:nvSpPr>
+        <p:spPr/>
+        <p:txBody>
+          <a:bodyPr/>
+          <a:lstStyle/>
+          <a:p>
+            <a:pPr lvl="0" marL="0" indent="0">
+              <a:buNone/>
+            </a:pPr>
+            <a:r>
+              <a:rPr/>
               <a:t>Funnel</a:t>
             </a:r>
             <a:r>
@@ -25990,6 +26589,38 @@
             <a:r>
               <a:rPr/>
               <a:t>plot</a:t>
+            </a:r>
+            <a:r>
+              <a:rPr/>
+              <a:t> </a:t>
+            </a:r>
+            <a:r>
+              <a:rPr/>
+              <a:t>for</a:t>
+            </a:r>
+            <a:r>
+              <a:rPr/>
+              <a:t> </a:t>
+            </a:r>
+            <a:r>
+              <a:rPr/>
+              <a:t>the</a:t>
+            </a:r>
+            <a:r>
+              <a:rPr/>
+              <a:t> </a:t>
+            </a:r>
+            <a:r>
+              <a:rPr/>
+              <a:t>LOS</a:t>
+            </a:r>
+            <a:r>
+              <a:rPr/>
+              <a:t> </a:t>
+            </a:r>
+            <a:r>
+              <a:rPr/>
+              <a:t>data</a:t>
             </a:r>
           </a:p>
         </p:txBody>
@@ -26029,215 +26660,6 @@
 </p:sld>
 </file>
 
-<file path=ppt/slides/slide44.xml><?xml version="1.0" encoding="utf-8"?>
-<p:sld xmlns:a="http://schemas.openxmlformats.org/drawingml/2006/main" xmlns:r="http://schemas.openxmlformats.org/officeDocument/2006/relationships" xmlns:p="http://schemas.openxmlformats.org/presentationml/2006/main">
-  <p:cSld>
-    <p:spTree>
-      <p:nvGrpSpPr>
-        <p:cNvPr id="1" name=""/>
-        <p:cNvGrpSpPr/>
-        <p:nvPr/>
-      </p:nvGrpSpPr>
-      <p:grpSpPr>
-        <a:xfrm>
-          <a:off x="0" y="0"/>
-          <a:ext cx="0" cy="0"/>
-          <a:chOff x="0" y="0"/>
-          <a:chExt cx="0" cy="0"/>
-        </a:xfrm>
-      </p:grpSpPr>
-      <p:sp>
-        <p:nvSpPr>
-          <p:cNvPr id="2" name="Title 1"/>
-          <p:cNvSpPr>
-            <a:spLocks noGrp="1"/>
-          </p:cNvSpPr>
-          <p:nvPr>
-            <p:ph type="title"/>
-          </p:nvPr>
-        </p:nvSpPr>
-        <p:spPr/>
-        <p:txBody>
-          <a:bodyPr/>
-          <a:lstStyle/>
-          <a:p>
-            <a:pPr lvl="0" marL="0" indent="0">
-              <a:buNone/>
-            </a:pPr>
-            <a:r>
-              <a:rPr/>
-              <a:t>L’Abbe</a:t>
-            </a:r>
-            <a:r>
-              <a:rPr/>
-              <a:t> </a:t>
-            </a:r>
-            <a:r>
-              <a:rPr/>
-              <a:t>plot</a:t>
-            </a:r>
-          </a:p>
-        </p:txBody>
-      </p:sp>
-    </p:spTree>
-  </p:cSld>
-</p:sld>
-</file>
-
-<file path=ppt/slides/slide45.xml><?xml version="1.0" encoding="utf-8"?>
-<p:sld xmlns:a="http://schemas.openxmlformats.org/drawingml/2006/main" xmlns:r="http://schemas.openxmlformats.org/officeDocument/2006/relationships" xmlns:p="http://schemas.openxmlformats.org/presentationml/2006/main">
-  <p:cSld>
-    <p:spTree>
-      <p:nvGrpSpPr>
-        <p:cNvPr id="1" name=""/>
-        <p:cNvGrpSpPr/>
-        <p:nvPr/>
-      </p:nvGrpSpPr>
-      <p:grpSpPr>
-        <a:xfrm>
-          <a:off x="0" y="0"/>
-          <a:ext cx="0" cy="0"/>
-          <a:chOff x="0" y="0"/>
-          <a:chExt cx="0" cy="0"/>
-        </a:xfrm>
-      </p:grpSpPr>
-      <p:sp>
-        <p:nvSpPr>
-          <p:cNvPr id="2" name="Title 1"/>
-          <p:cNvSpPr>
-            <a:spLocks noGrp="1"/>
-          </p:cNvSpPr>
-          <p:nvPr>
-            <p:ph type="title"/>
-          </p:nvPr>
-        </p:nvSpPr>
-        <p:spPr/>
-        <p:txBody>
-          <a:bodyPr/>
-          <a:lstStyle/>
-          <a:p>
-            <a:pPr lvl="0" marL="0" indent="0">
-              <a:buNone/>
-            </a:pPr>
-            <a:r>
-              <a:rPr/>
-              <a:t>Meta</a:t>
-            </a:r>
-            <a:r>
-              <a:rPr/>
-              <a:t> </a:t>
-            </a:r>
-            <a:r>
-              <a:rPr/>
-              <a:t>regression</a:t>
-            </a:r>
-          </a:p>
-        </p:txBody>
-      </p:sp>
-    </p:spTree>
-  </p:cSld>
-</p:sld>
-</file>
-
-<file path=ppt/slides/slide46.xml><?xml version="1.0" encoding="utf-8"?>
-<p:sld xmlns:a="http://schemas.openxmlformats.org/drawingml/2006/main" xmlns:r="http://schemas.openxmlformats.org/officeDocument/2006/relationships" xmlns:p="http://schemas.openxmlformats.org/presentationml/2006/main">
-  <p:cSld>
-    <p:spTree>
-      <p:nvGrpSpPr>
-        <p:cNvPr id="1" name=""/>
-        <p:cNvGrpSpPr/>
-        <p:nvPr/>
-      </p:nvGrpSpPr>
-      <p:grpSpPr>
-        <a:xfrm>
-          <a:off x="0" y="0"/>
-          <a:ext cx="0" cy="0"/>
-          <a:chOff x="0" y="0"/>
-          <a:chExt cx="0" cy="0"/>
-        </a:xfrm>
-      </p:grpSpPr>
-      <p:sp>
-        <p:nvSpPr>
-          <p:cNvPr id="2" name="Title 1"/>
-          <p:cNvSpPr>
-            <a:spLocks noGrp="1"/>
-          </p:cNvSpPr>
-          <p:nvPr>
-            <p:ph type="title"/>
-          </p:nvPr>
-        </p:nvSpPr>
-        <p:spPr/>
-        <p:txBody>
-          <a:bodyPr/>
-          <a:lstStyle/>
-          <a:p>
-            <a:pPr lvl="0" marL="0" indent="0">
-              <a:buNone/>
-            </a:pPr>
-            <a:r>
-              <a:rPr/>
-              <a:t>Publication</a:t>
-            </a:r>
-            <a:r>
-              <a:rPr/>
-              <a:t> </a:t>
-            </a:r>
-            <a:r>
-              <a:rPr/>
-              <a:t>guidelines</a:t>
-            </a:r>
-          </a:p>
-        </p:txBody>
-      </p:sp>
-      <p:sp>
-        <p:nvSpPr>
-          <p:cNvPr id="3" name="Content Placeholder 2"/>
-          <p:cNvSpPr>
-            <a:spLocks noGrp="1"/>
-          </p:cNvSpPr>
-          <p:nvPr>
-            <p:ph idx="1"/>
-          </p:nvPr>
-        </p:nvSpPr>
-        <p:spPr/>
-        <p:txBody>
-          <a:bodyPr/>
-          <a:lstStyle/>
-          <a:p>
-            <a:pPr lvl="1"/>
-            <a:r>
-              <a:rPr/>
-              <a:t>PRISMA</a:t>
-            </a:r>
-          </a:p>
-          <a:p>
-            <a:pPr lvl="2"/>
-            <a:r>
-              <a:rPr/>
-              <a:t>Preferred Reporting Items for Systematic Reviews and Meta-Analyses</a:t>
-            </a:r>
-          </a:p>
-          <a:p>
-            <a:pPr lvl="1"/>
-            <a:r>
-              <a:rPr/>
-              <a:t>QUOROM</a:t>
-            </a:r>
-          </a:p>
-          <a:p>
-            <a:pPr lvl="2"/>
-            <a:r>
-              <a:rPr/>
-              <a:t>QUality Of Reporting Of Meta-analysis</a:t>
-            </a:r>
-          </a:p>
-        </p:txBody>
-      </p:sp>
-    </p:spTree>
-  </p:cSld>
-</p:sld>
-</file>
-
 <file path=ppt/slides/slide47.xml><?xml version="1.0" encoding="utf-8"?>
 <p:sld xmlns:a="http://schemas.openxmlformats.org/drawingml/2006/main" xmlns:r="http://schemas.openxmlformats.org/officeDocument/2006/relationships" xmlns:p="http://schemas.openxmlformats.org/presentationml/2006/main">
   <p:cSld>
@@ -26275,11 +26697,283 @@
             </a:pPr>
             <a:r>
               <a:rPr/>
-              <a:t>Conclusion</a:t>
+              <a:t>Funnel</a:t>
+            </a:r>
+            <a:r>
+              <a:rPr/>
+              <a:t> </a:t>
+            </a:r>
+            <a:r>
+              <a:rPr/>
+              <a:t>plot</a:t>
+            </a:r>
+            <a:r>
+              <a:rPr/>
+              <a:t> </a:t>
+            </a:r>
+            <a:r>
+              <a:rPr/>
+              <a:t>for</a:t>
+            </a:r>
+            <a:r>
+              <a:rPr/>
+              <a:t> </a:t>
+            </a:r>
+            <a:r>
+              <a:rPr/>
+              <a:t>the</a:t>
+            </a:r>
+            <a:r>
+              <a:rPr/>
+              <a:t> </a:t>
+            </a:r>
+            <a:r>
+              <a:rPr/>
+              <a:t>BCG</a:t>
+            </a:r>
+            <a:r>
+              <a:rPr/>
+              <a:t> </a:t>
+            </a:r>
+            <a:r>
+              <a:rPr/>
+              <a:t>data</a:t>
             </a:r>
           </a:p>
         </p:txBody>
       </p:sp>
+      <p:pic>
+        <p:nvPicPr>
+          <p:cNvPr descr="intro_files/figure-pptx/funnel_bcg-1.png" id="0" name="Picture 1"/>
+          <p:cNvPicPr>
+            <a:picLocks noGrp="1" noChangeAspect="1"/>
+          </p:cNvPicPr>
+          <p:nvPr/>
+        </p:nvPicPr>
+        <p:blipFill>
+          <a:blip r:embed="rId2"/>
+          <a:stretch>
+            <a:fillRect/>
+          </a:stretch>
+        </p:blipFill>
+        <p:spPr bwMode="auto">
+          <a:xfrm>
+            <a:off x="2311400" y="1600200"/>
+            <a:ext cx="4521200" cy="4521200"/>
+          </a:xfrm>
+          <a:prstGeom prst="rect">
+            <a:avLst/>
+          </a:prstGeom>
+          <a:noFill/>
+          <a:ln w="9525">
+            <a:noFill/>
+            <a:headEnd/>
+            <a:tailEnd/>
+          </a:ln>
+        </p:spPr>
+      </p:pic>
+    </p:spTree>
+  </p:cSld>
+</p:sld>
+</file>
+
+<file path=ppt/slides/slide48.xml><?xml version="1.0" encoding="utf-8"?>
+<p:sld xmlns:a="http://schemas.openxmlformats.org/drawingml/2006/main" xmlns:r="http://schemas.openxmlformats.org/officeDocument/2006/relationships" xmlns:p="http://schemas.openxmlformats.org/presentationml/2006/main">
+  <p:cSld>
+    <p:spTree>
+      <p:nvGrpSpPr>
+        <p:cNvPr id="1" name=""/>
+        <p:cNvGrpSpPr/>
+        <p:nvPr/>
+      </p:nvGrpSpPr>
+      <p:grpSpPr>
+        <a:xfrm>
+          <a:off x="0" y="0"/>
+          <a:ext cx="0" cy="0"/>
+          <a:chOff x="0" y="0"/>
+          <a:chExt cx="0" cy="0"/>
+        </a:xfrm>
+      </p:grpSpPr>
+      <p:sp>
+        <p:nvSpPr>
+          <p:cNvPr id="2" name="Title 1"/>
+          <p:cNvSpPr>
+            <a:spLocks noGrp="1"/>
+          </p:cNvSpPr>
+          <p:nvPr>
+            <p:ph type="title"/>
+          </p:nvPr>
+        </p:nvSpPr>
+        <p:spPr/>
+        <p:txBody>
+          <a:bodyPr/>
+          <a:lstStyle/>
+          <a:p>
+            <a:pPr lvl="0" marL="0" indent="0">
+              <a:buNone/>
+            </a:pPr>
+            <a:r>
+              <a:rPr/>
+              <a:t>L’Abbe</a:t>
+            </a:r>
+            <a:r>
+              <a:rPr/>
+              <a:t> </a:t>
+            </a:r>
+            <a:r>
+              <a:rPr/>
+              <a:t>plot</a:t>
+            </a:r>
+          </a:p>
+        </p:txBody>
+      </p:sp>
+      <p:pic>
+        <p:nvPicPr>
+          <p:cNvPr descr="intro_files/figure-pptx/labbe-plot-1.png" id="0" name="Picture 1"/>
+          <p:cNvPicPr>
+            <a:picLocks noGrp="1" noChangeAspect="1"/>
+          </p:cNvPicPr>
+          <p:nvPr/>
+        </p:nvPicPr>
+        <p:blipFill>
+          <a:blip r:embed="rId2"/>
+          <a:stretch>
+            <a:fillRect/>
+          </a:stretch>
+        </p:blipFill>
+        <p:spPr bwMode="auto">
+          <a:xfrm>
+            <a:off x="2311400" y="1600200"/>
+            <a:ext cx="4521200" cy="4521200"/>
+          </a:xfrm>
+          <a:prstGeom prst="rect">
+            <a:avLst/>
+          </a:prstGeom>
+          <a:noFill/>
+          <a:ln w="9525">
+            <a:noFill/>
+            <a:headEnd/>
+            <a:tailEnd/>
+          </a:ln>
+        </p:spPr>
+      </p:pic>
+    </p:spTree>
+  </p:cSld>
+</p:sld>
+</file>
+
+<file path=ppt/slides/slide49.xml><?xml version="1.0" encoding="utf-8"?>
+<p:sld xmlns:a="http://schemas.openxmlformats.org/drawingml/2006/main" xmlns:r="http://schemas.openxmlformats.org/officeDocument/2006/relationships" xmlns:p="http://schemas.openxmlformats.org/presentationml/2006/main">
+  <p:cSld>
+    <p:spTree>
+      <p:nvGrpSpPr>
+        <p:cNvPr id="1" name=""/>
+        <p:cNvGrpSpPr/>
+        <p:nvPr/>
+      </p:nvGrpSpPr>
+      <p:grpSpPr>
+        <a:xfrm>
+          <a:off x="0" y="0"/>
+          <a:ext cx="0" cy="0"/>
+          <a:chOff x="0" y="0"/>
+          <a:chExt cx="0" cy="0"/>
+        </a:xfrm>
+      </p:grpSpPr>
+      <p:sp>
+        <p:nvSpPr>
+          <p:cNvPr id="2" name="Title 1"/>
+          <p:cNvSpPr>
+            <a:spLocks noGrp="1"/>
+          </p:cNvSpPr>
+          <p:nvPr>
+            <p:ph type="title"/>
+          </p:nvPr>
+        </p:nvSpPr>
+        <p:spPr/>
+        <p:txBody>
+          <a:bodyPr/>
+          <a:lstStyle/>
+          <a:p>
+            <a:pPr lvl="0" marL="0" indent="0">
+              <a:buNone/>
+            </a:pPr>
+            <a:r>
+              <a:rPr/>
+              <a:t>L’Abbe</a:t>
+            </a:r>
+            <a:r>
+              <a:rPr/>
+              <a:t> </a:t>
+            </a:r>
+            <a:r>
+              <a:rPr/>
+              <a:t>plot</a:t>
+            </a:r>
+            <a:r>
+              <a:rPr/>
+              <a:t> </a:t>
+            </a:r>
+            <a:r>
+              <a:rPr/>
+              <a:t>on</a:t>
+            </a:r>
+            <a:r>
+              <a:rPr/>
+              <a:t> </a:t>
+            </a:r>
+            <a:r>
+              <a:rPr/>
+              <a:t>log</a:t>
+            </a:r>
+            <a:r>
+              <a:rPr/>
+              <a:t> </a:t>
+            </a:r>
+            <a:r>
+              <a:rPr/>
+              <a:t>odds</a:t>
+            </a:r>
+            <a:r>
+              <a:rPr/>
+              <a:t> </a:t>
+            </a:r>
+            <a:r>
+              <a:rPr/>
+              <a:t>scale</a:t>
+            </a:r>
+          </a:p>
+        </p:txBody>
+      </p:sp>
+      <p:pic>
+        <p:nvPicPr>
+          <p:cNvPr descr="intro_files/figure-pptx/labbe-plot-log-1.png" id="0" name="Picture 1"/>
+          <p:cNvPicPr>
+            <a:picLocks noGrp="1" noChangeAspect="1"/>
+          </p:cNvPicPr>
+          <p:nvPr/>
+        </p:nvPicPr>
+        <p:blipFill>
+          <a:blip r:embed="rId2"/>
+          <a:stretch>
+            <a:fillRect/>
+          </a:stretch>
+        </p:blipFill>
+        <p:spPr bwMode="auto">
+          <a:xfrm>
+            <a:off x="2311400" y="1600200"/>
+            <a:ext cx="4521200" cy="4521200"/>
+          </a:xfrm>
+          <a:prstGeom prst="rect">
+            <a:avLst/>
+          </a:prstGeom>
+          <a:noFill/>
+          <a:ln w="9525">
+            <a:noFill/>
+            <a:headEnd/>
+            <a:tailEnd/>
+          </a:ln>
+        </p:spPr>
+      </p:pic>
     </p:spTree>
   </p:cSld>
 </p:sld>
@@ -26455,6 +27149,1361 @@
             <a:r>
               <a:rPr/>
               <a:t>time</a:t>
+            </a:r>
+          </a:p>
+        </p:txBody>
+      </p:sp>
+    </p:spTree>
+  </p:cSld>
+</p:sld>
+</file>
+
+<file path=ppt/slides/slide50.xml><?xml version="1.0" encoding="utf-8"?>
+<p:sld xmlns:a="http://schemas.openxmlformats.org/drawingml/2006/main" xmlns:r="http://schemas.openxmlformats.org/officeDocument/2006/relationships" xmlns:p="http://schemas.openxmlformats.org/presentationml/2006/main">
+  <p:cSld>
+    <p:spTree>
+      <p:nvGrpSpPr>
+        <p:cNvPr id="1" name=""/>
+        <p:cNvGrpSpPr/>
+        <p:nvPr/>
+      </p:nvGrpSpPr>
+      <p:grpSpPr>
+        <a:xfrm>
+          <a:off x="0" y="0"/>
+          <a:ext cx="0" cy="0"/>
+          <a:chOff x="0" y="0"/>
+          <a:chExt cx="0" cy="0"/>
+        </a:xfrm>
+      </p:grpSpPr>
+      <p:sp>
+        <p:nvSpPr>
+          <p:cNvPr id="2" name="Title 1"/>
+          <p:cNvSpPr>
+            <a:spLocks noGrp="1"/>
+          </p:cNvSpPr>
+          <p:nvPr>
+            <p:ph type="title"/>
+          </p:nvPr>
+        </p:nvSpPr>
+        <p:spPr/>
+        <p:txBody>
+          <a:bodyPr/>
+          <a:lstStyle/>
+          <a:p>
+            <a:pPr lvl="0" marL="0" indent="0">
+              <a:buNone/>
+            </a:pPr>
+            <a:r>
+              <a:rPr/>
+              <a:t>Meta</a:t>
+            </a:r>
+            <a:r>
+              <a:rPr/>
+              <a:t> </a:t>
+            </a:r>
+            <a:r>
+              <a:rPr/>
+              <a:t>regression</a:t>
+            </a:r>
+          </a:p>
+        </p:txBody>
+      </p:sp>
+      <p:sp>
+        <p:nvSpPr>
+          <p:cNvPr id="3" name="Content Placeholder 2"/>
+          <p:cNvSpPr>
+            <a:spLocks noGrp="1"/>
+          </p:cNvSpPr>
+          <p:nvPr>
+            <p:ph idx="1"/>
+          </p:nvPr>
+        </p:nvSpPr>
+        <p:spPr/>
+        <p:txBody>
+          <a:bodyPr/>
+          <a:lstStyle/>
+          <a:p>
+            <a:pPr lvl="0" marL="1270000" indent="0">
+              <a:buNone/>
+            </a:pPr>
+            <a:r>
+              <a:rPr sz="1800">
+                <a:latin typeface="Courier"/>
+              </a:rPr>
+              <a:t>Test of Moderators (coefficient(s) 2:3): 
+QM(df = 2) = 16.2533, p-val = 0.0003
+Model Results:
+         estimate       se     zval    pval     ci.lb    ci.ub    
+intrcpt  -10.5347  27.3739  -0.3848  0.7004  -64.1865  43.1172    
+ablat     -0.0288   0.0095  -3.0311  0.0024   -0.0475  -0.0102  **
+year       0.0055   0.0138   0.3949  0.6929   -0.0216   0.0325    </a:t>
+            </a:r>
+          </a:p>
+        </p:txBody>
+      </p:sp>
+    </p:spTree>
+  </p:cSld>
+</p:sld>
+</file>
+
+<file path=ppt/slides/slide51.xml><?xml version="1.0" encoding="utf-8"?>
+<p:sld xmlns:a="http://schemas.openxmlformats.org/drawingml/2006/main" xmlns:r="http://schemas.openxmlformats.org/officeDocument/2006/relationships" xmlns:p="http://schemas.openxmlformats.org/presentationml/2006/main">
+  <p:cSld>
+    <p:spTree>
+      <p:nvGrpSpPr>
+        <p:cNvPr id="1" name=""/>
+        <p:cNvGrpSpPr/>
+        <p:nvPr/>
+      </p:nvGrpSpPr>
+      <p:grpSpPr>
+        <a:xfrm>
+          <a:off x="0" y="0"/>
+          <a:ext cx="0" cy="0"/>
+          <a:chOff x="0" y="0"/>
+          <a:chExt cx="0" cy="0"/>
+        </a:xfrm>
+      </p:grpSpPr>
+      <p:sp>
+        <p:nvSpPr>
+          <p:cNvPr id="2" name="Title 1"/>
+          <p:cNvSpPr>
+            <a:spLocks noGrp="1"/>
+          </p:cNvSpPr>
+          <p:nvPr>
+            <p:ph type="title"/>
+          </p:nvPr>
+        </p:nvSpPr>
+        <p:spPr/>
+        <p:txBody>
+          <a:bodyPr/>
+          <a:lstStyle/>
+          <a:p>
+            <a:pPr lvl="0" marL="0" indent="0">
+              <a:buNone/>
+            </a:pPr>
+            <a:r>
+              <a:rPr/>
+              <a:t>Change</a:t>
+            </a:r>
+            <a:r>
+              <a:rPr/>
+              <a:t> </a:t>
+            </a:r>
+            <a:r>
+              <a:rPr/>
+              <a:t>in</a:t>
+            </a:r>
+            <a:r>
+              <a:rPr/>
+              <a:t> </a:t>
+            </a:r>
+            <a:r>
+              <a:rPr/>
+              <a:t>heterogeneity</a:t>
+            </a:r>
+            <a:r>
+              <a:rPr/>
+              <a:t> </a:t>
+            </a:r>
+            <a:r>
+              <a:rPr/>
+              <a:t>for</a:t>
+            </a:r>
+            <a:r>
+              <a:rPr/>
+              <a:t> </a:t>
+            </a:r>
+            <a:r>
+              <a:rPr/>
+              <a:t>meta</a:t>
+            </a:r>
+            <a:r>
+              <a:rPr/>
+              <a:t> </a:t>
+            </a:r>
+            <a:r>
+              <a:rPr/>
+              <a:t>regression</a:t>
+            </a:r>
+            <a:r>
+              <a:rPr/>
+              <a:t> </a:t>
+            </a:r>
+            <a:r>
+              <a:rPr/>
+              <a:t>model</a:t>
+            </a:r>
+          </a:p>
+        </p:txBody>
+      </p:sp>
+      <p:sp>
+        <p:nvSpPr>
+          <p:cNvPr id="3" name="Content Placeholder 2"/>
+          <p:cNvSpPr>
+            <a:spLocks noGrp="1"/>
+          </p:cNvSpPr>
+          <p:nvPr>
+            <p:ph idx="1"/>
+          </p:nvPr>
+        </p:nvSpPr>
+        <p:spPr/>
+        <p:txBody>
+          <a:bodyPr/>
+          <a:lstStyle/>
+          <a:p>
+            <a:pPr lvl="0" marL="1270000" indent="0">
+              <a:buNone/>
+            </a:pPr>
+            <a:r>
+              <a:rPr sz="1800">
+                <a:latin typeface="Courier"/>
+              </a:rPr>
+              <a:t>tau^2 (estimated amount of residual heterogeneity):     0.0913 (SE = 0.0745)
+tau (square root of estimated tau^2 value):             0.3022
+I^2 (residual heterogeneity / unaccounted variability): 67.29%
+H^2 (unaccounted variability / sampling variability):   3.06
+R^2 (amount of heterogeneity accounted for):            72.96%
+Test for Residual Heterogeneity: 
+QE(df = 10) = 25.0121, p-val = 0.0053</a:t>
+            </a:r>
+          </a:p>
+        </p:txBody>
+      </p:sp>
+    </p:spTree>
+  </p:cSld>
+</p:sld>
+</file>
+
+<file path=ppt/slides/slide52.xml><?xml version="1.0" encoding="utf-8"?>
+<p:sld xmlns:a="http://schemas.openxmlformats.org/drawingml/2006/main" xmlns:r="http://schemas.openxmlformats.org/officeDocument/2006/relationships" xmlns:p="http://schemas.openxmlformats.org/presentationml/2006/main">
+  <p:cSld>
+    <p:spTree>
+      <p:nvGrpSpPr>
+        <p:cNvPr id="1" name=""/>
+        <p:cNvGrpSpPr/>
+        <p:nvPr/>
+      </p:nvGrpSpPr>
+      <p:grpSpPr>
+        <a:xfrm>
+          <a:off x="0" y="0"/>
+          <a:ext cx="0" cy="0"/>
+          <a:chOff x="0" y="0"/>
+          <a:chExt cx="0" cy="0"/>
+        </a:xfrm>
+      </p:grpSpPr>
+      <p:sp>
+        <p:nvSpPr>
+          <p:cNvPr id="2" name="Title 1"/>
+          <p:cNvSpPr>
+            <a:spLocks noGrp="1"/>
+          </p:cNvSpPr>
+          <p:nvPr>
+            <p:ph type="title"/>
+          </p:nvPr>
+        </p:nvSpPr>
+        <p:spPr/>
+        <p:txBody>
+          <a:bodyPr/>
+          <a:lstStyle/>
+          <a:p>
+            <a:pPr lvl="0" marL="0" indent="0">
+              <a:buNone/>
+            </a:pPr>
+            <a:r>
+              <a:rPr/>
+              <a:t>Publication</a:t>
+            </a:r>
+            <a:r>
+              <a:rPr/>
+              <a:t> </a:t>
+            </a:r>
+            <a:r>
+              <a:rPr/>
+              <a:t>guidelines</a:t>
+            </a:r>
+          </a:p>
+        </p:txBody>
+      </p:sp>
+      <p:sp>
+        <p:nvSpPr>
+          <p:cNvPr id="3" name="Content Placeholder 2"/>
+          <p:cNvSpPr>
+            <a:spLocks noGrp="1"/>
+          </p:cNvSpPr>
+          <p:nvPr>
+            <p:ph idx="1"/>
+          </p:nvPr>
+        </p:nvSpPr>
+        <p:spPr/>
+        <p:txBody>
+          <a:bodyPr/>
+          <a:lstStyle/>
+          <a:p>
+            <a:pPr lvl="1"/>
+            <a:r>
+              <a:rPr/>
+              <a:t>PRISMA (2009)</a:t>
+            </a:r>
+          </a:p>
+          <a:p>
+            <a:pPr lvl="2"/>
+            <a:r>
+              <a:rPr/>
+              <a:t>Preferred Reporting Items for Systematic Reviews and Meta-Analyses</a:t>
+            </a:r>
+          </a:p>
+          <a:p>
+            <a:pPr lvl="1"/>
+            <a:r>
+              <a:rPr/>
+              <a:t>QUOROM (1996)</a:t>
+            </a:r>
+          </a:p>
+          <a:p>
+            <a:pPr lvl="2"/>
+            <a:r>
+              <a:rPr/>
+              <a:t>QUality Of Reporting Of Meta-analysis</a:t>
+            </a:r>
+          </a:p>
+        </p:txBody>
+      </p:sp>
+    </p:spTree>
+  </p:cSld>
+</p:sld>
+</file>
+
+<file path=ppt/slides/slide53.xml><?xml version="1.0" encoding="utf-8"?>
+<p:sld xmlns:a="http://schemas.openxmlformats.org/drawingml/2006/main" xmlns:r="http://schemas.openxmlformats.org/officeDocument/2006/relationships" xmlns:p="http://schemas.openxmlformats.org/presentationml/2006/main">
+  <p:cSld>
+    <p:spTree>
+      <p:nvGrpSpPr>
+        <p:cNvPr id="1" name=""/>
+        <p:cNvGrpSpPr/>
+        <p:nvPr/>
+      </p:nvGrpSpPr>
+      <p:grpSpPr>
+        <a:xfrm>
+          <a:off x="0" y="0"/>
+          <a:ext cx="0" cy="0"/>
+          <a:chOff x="0" y="0"/>
+          <a:chExt cx="0" cy="0"/>
+        </a:xfrm>
+      </p:grpSpPr>
+      <p:sp>
+        <p:nvSpPr>
+          <p:cNvPr id="2" name="Title 1"/>
+          <p:cNvSpPr>
+            <a:spLocks noGrp="1"/>
+          </p:cNvSpPr>
+          <p:nvPr>
+            <p:ph type="title"/>
+          </p:nvPr>
+        </p:nvSpPr>
+        <p:spPr/>
+        <p:txBody>
+          <a:bodyPr/>
+          <a:lstStyle/>
+          <a:p>
+            <a:pPr lvl="0" marL="0" indent="0">
+              <a:buNone/>
+            </a:pPr>
+            <a:r>
+              <a:rPr/>
+              <a:t>PRISMA</a:t>
+            </a:r>
+            <a:r>
+              <a:rPr/>
+              <a:t> </a:t>
+            </a:r>
+            <a:r>
+              <a:rPr/>
+              <a:t>flow</a:t>
+            </a:r>
+            <a:r>
+              <a:rPr/>
+              <a:t> </a:t>
+            </a:r>
+            <a:r>
+              <a:rPr/>
+              <a:t>diagram</a:t>
+            </a:r>
+          </a:p>
+        </p:txBody>
+      </p:sp>
+      <p:pic>
+        <p:nvPicPr>
+          <p:cNvPr descr="../images/prisma_flow_top.png" id="0" name="Picture 1"/>
+          <p:cNvPicPr>
+            <a:picLocks noGrp="1" noChangeAspect="1"/>
+          </p:cNvPicPr>
+          <p:nvPr/>
+        </p:nvPicPr>
+        <p:blipFill>
+          <a:blip r:embed="rId2"/>
+          <a:stretch>
+            <a:fillRect/>
+          </a:stretch>
+        </p:blipFill>
+        <p:spPr bwMode="auto">
+          <a:xfrm>
+            <a:off x="1295400" y="1600200"/>
+            <a:ext cx="6553200" cy="4013200"/>
+          </a:xfrm>
+          <a:prstGeom prst="rect">
+            <a:avLst/>
+          </a:prstGeom>
+          <a:noFill/>
+          <a:ln w="9525">
+            <a:noFill/>
+            <a:headEnd/>
+            <a:tailEnd/>
+          </a:ln>
+        </p:spPr>
+      </p:pic>
+      <p:sp>
+        <p:nvSpPr>
+          <p:cNvPr id="1" name="TextBox 3"/>
+          <p:cNvSpPr txBox="1"/>
+          <p:nvPr/>
+        </p:nvSpPr>
+        <p:spPr>
+          <a:xfrm>
+            <a:off x="457200" y="5613400"/>
+            <a:ext cx="8229600" cy="508000"/>
+          </a:xfrm>
+          <a:prstGeom prst="rect">
+            <a:avLst/>
+          </a:prstGeom>
+          <a:noFill/>
+        </p:spPr>
+        <p:txBody>
+          <a:bodyPr/>
+          <a:lstStyle/>
+          <a:p>
+            <a:pPr lvl="0" marL="0" indent="0" algn="ctr">
+              <a:buNone/>
+            </a:pPr>
+            <a:r>
+              <a:rPr/>
+              <a:t>Top</a:t>
+            </a:r>
+            <a:r>
+              <a:rPr/>
+              <a:t> </a:t>
+            </a:r>
+            <a:r>
+              <a:rPr/>
+              <a:t>half</a:t>
+            </a:r>
+            <a:r>
+              <a:rPr/>
+              <a:t> </a:t>
+            </a:r>
+            <a:r>
+              <a:rPr/>
+              <a:t>of</a:t>
+            </a:r>
+            <a:r>
+              <a:rPr/>
+              <a:t> </a:t>
+            </a:r>
+            <a:r>
+              <a:rPr/>
+              <a:t>PRISMA</a:t>
+            </a:r>
+            <a:r>
+              <a:rPr/>
+              <a:t> </a:t>
+            </a:r>
+            <a:r>
+              <a:rPr/>
+              <a:t>flow</a:t>
+            </a:r>
+            <a:r>
+              <a:rPr/>
+              <a:t> </a:t>
+            </a:r>
+            <a:r>
+              <a:rPr/>
+              <a:t>diagram</a:t>
+            </a:r>
+          </a:p>
+        </p:txBody>
+      </p:sp>
+    </p:spTree>
+  </p:cSld>
+</p:sld>
+</file>
+
+<file path=ppt/slides/slide54.xml><?xml version="1.0" encoding="utf-8"?>
+<p:sld xmlns:a="http://schemas.openxmlformats.org/drawingml/2006/main" xmlns:r="http://schemas.openxmlformats.org/officeDocument/2006/relationships" xmlns:p="http://schemas.openxmlformats.org/presentationml/2006/main">
+  <p:cSld>
+    <p:spTree>
+      <p:nvGrpSpPr>
+        <p:cNvPr id="1" name=""/>
+        <p:cNvGrpSpPr/>
+        <p:nvPr/>
+      </p:nvGrpSpPr>
+      <p:grpSpPr>
+        <a:xfrm>
+          <a:off x="0" y="0"/>
+          <a:ext cx="0" cy="0"/>
+          <a:chOff x="0" y="0"/>
+          <a:chExt cx="0" cy="0"/>
+        </a:xfrm>
+      </p:grpSpPr>
+      <p:sp>
+        <p:nvSpPr>
+          <p:cNvPr id="2" name="Title 1"/>
+          <p:cNvSpPr>
+            <a:spLocks noGrp="1"/>
+          </p:cNvSpPr>
+          <p:nvPr>
+            <p:ph type="title"/>
+          </p:nvPr>
+        </p:nvSpPr>
+        <p:spPr/>
+        <p:txBody>
+          <a:bodyPr/>
+          <a:lstStyle/>
+          <a:p>
+            <a:pPr lvl="0" marL="0" indent="0">
+              <a:buNone/>
+            </a:pPr>
+            <a:r>
+              <a:rPr/>
+              <a:t>PRISMA</a:t>
+            </a:r>
+            <a:r>
+              <a:rPr/>
+              <a:t> </a:t>
+            </a:r>
+            <a:r>
+              <a:rPr/>
+              <a:t>flow</a:t>
+            </a:r>
+            <a:r>
+              <a:rPr/>
+              <a:t> </a:t>
+            </a:r>
+            <a:r>
+              <a:rPr/>
+              <a:t>diagram</a:t>
+            </a:r>
+          </a:p>
+        </p:txBody>
+      </p:sp>
+      <p:pic>
+        <p:nvPicPr>
+          <p:cNvPr descr="../images/prisma_flow_bottom.png" id="0" name="Picture 1"/>
+          <p:cNvPicPr>
+            <a:picLocks noGrp="1" noChangeAspect="1"/>
+          </p:cNvPicPr>
+          <p:nvPr/>
+        </p:nvPicPr>
+        <p:blipFill>
+          <a:blip r:embed="rId2"/>
+          <a:stretch>
+            <a:fillRect/>
+          </a:stretch>
+        </p:blipFill>
+        <p:spPr bwMode="auto">
+          <a:xfrm>
+            <a:off x="1701800" y="1600200"/>
+            <a:ext cx="5740400" cy="4013200"/>
+          </a:xfrm>
+          <a:prstGeom prst="rect">
+            <a:avLst/>
+          </a:prstGeom>
+          <a:noFill/>
+          <a:ln w="9525">
+            <a:noFill/>
+            <a:headEnd/>
+            <a:tailEnd/>
+          </a:ln>
+        </p:spPr>
+      </p:pic>
+      <p:sp>
+        <p:nvSpPr>
+          <p:cNvPr id="1" name="TextBox 3"/>
+          <p:cNvSpPr txBox="1"/>
+          <p:nvPr/>
+        </p:nvSpPr>
+        <p:spPr>
+          <a:xfrm>
+            <a:off x="457200" y="5613400"/>
+            <a:ext cx="8229600" cy="508000"/>
+          </a:xfrm>
+          <a:prstGeom prst="rect">
+            <a:avLst/>
+          </a:prstGeom>
+          <a:noFill/>
+        </p:spPr>
+        <p:txBody>
+          <a:bodyPr/>
+          <a:lstStyle/>
+          <a:p>
+            <a:pPr lvl="0" marL="0" indent="0" algn="ctr">
+              <a:buNone/>
+            </a:pPr>
+            <a:r>
+              <a:rPr/>
+              <a:t>Bottom</a:t>
+            </a:r>
+            <a:r>
+              <a:rPr/>
+              <a:t> </a:t>
+            </a:r>
+            <a:r>
+              <a:rPr/>
+              <a:t>half</a:t>
+            </a:r>
+            <a:r>
+              <a:rPr/>
+              <a:t> </a:t>
+            </a:r>
+            <a:r>
+              <a:rPr/>
+              <a:t>of</a:t>
+            </a:r>
+            <a:r>
+              <a:rPr/>
+              <a:t> </a:t>
+            </a:r>
+            <a:r>
+              <a:rPr/>
+              <a:t>PRISMA</a:t>
+            </a:r>
+            <a:r>
+              <a:rPr/>
+              <a:t> </a:t>
+            </a:r>
+            <a:r>
+              <a:rPr/>
+              <a:t>flow</a:t>
+            </a:r>
+            <a:r>
+              <a:rPr/>
+              <a:t> </a:t>
+            </a:r>
+            <a:r>
+              <a:rPr/>
+              <a:t>diagram</a:t>
+            </a:r>
+          </a:p>
+        </p:txBody>
+      </p:sp>
+    </p:spTree>
+  </p:cSld>
+</p:sld>
+</file>
+
+<file path=ppt/slides/slide55.xml><?xml version="1.0" encoding="utf-8"?>
+<p:sld xmlns:a="http://schemas.openxmlformats.org/drawingml/2006/main" xmlns:r="http://schemas.openxmlformats.org/officeDocument/2006/relationships" xmlns:p="http://schemas.openxmlformats.org/presentationml/2006/main">
+  <p:cSld>
+    <p:spTree>
+      <p:nvGrpSpPr>
+        <p:cNvPr id="1" name=""/>
+        <p:cNvGrpSpPr/>
+        <p:nvPr/>
+      </p:nvGrpSpPr>
+      <p:grpSpPr>
+        <a:xfrm>
+          <a:off x="0" y="0"/>
+          <a:ext cx="0" cy="0"/>
+          <a:chOff x="0" y="0"/>
+          <a:chExt cx="0" cy="0"/>
+        </a:xfrm>
+      </p:grpSpPr>
+      <p:sp>
+        <p:nvSpPr>
+          <p:cNvPr id="2" name="Title 1"/>
+          <p:cNvSpPr>
+            <a:spLocks noGrp="1"/>
+          </p:cNvSpPr>
+          <p:nvPr>
+            <p:ph type="title"/>
+          </p:nvPr>
+        </p:nvSpPr>
+        <p:spPr/>
+        <p:txBody>
+          <a:bodyPr/>
+          <a:lstStyle/>
+          <a:p>
+            <a:pPr lvl="0" marL="0" indent="0">
+              <a:buNone/>
+            </a:pPr>
+            <a:r>
+              <a:rPr/>
+              <a:t>PRISMA</a:t>
+            </a:r>
+            <a:r>
+              <a:rPr/>
+              <a:t> </a:t>
+            </a:r>
+            <a:r>
+              <a:rPr/>
+              <a:t>checklist,</a:t>
+            </a:r>
+            <a:r>
+              <a:rPr/>
+              <a:t> </a:t>
+            </a:r>
+            <a:r>
+              <a:rPr/>
+              <a:t>part</a:t>
+            </a:r>
+            <a:r>
+              <a:rPr/>
+              <a:t> </a:t>
+            </a:r>
+            <a:r>
+              <a:rPr/>
+              <a:t>1</a:t>
+            </a:r>
+          </a:p>
+        </p:txBody>
+      </p:sp>
+      <p:pic>
+        <p:nvPicPr>
+          <p:cNvPr descr="../images/prisma_checklist_1.png" id="0" name="Picture 1"/>
+          <p:cNvPicPr>
+            <a:picLocks noGrp="1" noChangeAspect="1"/>
+          </p:cNvPicPr>
+          <p:nvPr/>
+        </p:nvPicPr>
+        <p:blipFill>
+          <a:blip r:embed="rId2"/>
+          <a:stretch>
+            <a:fillRect/>
+          </a:stretch>
+        </p:blipFill>
+        <p:spPr bwMode="auto">
+          <a:xfrm>
+            <a:off x="457200" y="2006600"/>
+            <a:ext cx="8229600" cy="3213100"/>
+          </a:xfrm>
+          <a:prstGeom prst="rect">
+            <a:avLst/>
+          </a:prstGeom>
+          <a:noFill/>
+          <a:ln w="9525">
+            <a:noFill/>
+            <a:headEnd/>
+            <a:tailEnd/>
+          </a:ln>
+        </p:spPr>
+      </p:pic>
+      <p:sp>
+        <p:nvSpPr>
+          <p:cNvPr id="1" name="TextBox 3"/>
+          <p:cNvSpPr txBox="1"/>
+          <p:nvPr/>
+        </p:nvSpPr>
+        <p:spPr>
+          <a:xfrm>
+            <a:off x="457200" y="5613400"/>
+            <a:ext cx="8229600" cy="508000"/>
+          </a:xfrm>
+          <a:prstGeom prst="rect">
+            <a:avLst/>
+          </a:prstGeom>
+          <a:noFill/>
+        </p:spPr>
+        <p:txBody>
+          <a:bodyPr/>
+          <a:lstStyle/>
+          <a:p>
+            <a:pPr lvl="0" marL="0" indent="0" algn="ctr">
+              <a:buNone/>
+            </a:pPr>
+            <a:r>
+              <a:rPr/>
+              <a:t>Checklist</a:t>
+            </a:r>
+            <a:r>
+              <a:rPr/>
+              <a:t> </a:t>
+            </a:r>
+            <a:r>
+              <a:rPr/>
+              <a:t>for</a:t>
+            </a:r>
+            <a:r>
+              <a:rPr/>
+              <a:t> </a:t>
+            </a:r>
+            <a:r>
+              <a:rPr/>
+              <a:t>PRISMA</a:t>
+            </a:r>
+          </a:p>
+        </p:txBody>
+      </p:sp>
+    </p:spTree>
+  </p:cSld>
+</p:sld>
+</file>
+
+<file path=ppt/slides/slide56.xml><?xml version="1.0" encoding="utf-8"?>
+<p:sld xmlns:a="http://schemas.openxmlformats.org/drawingml/2006/main" xmlns:r="http://schemas.openxmlformats.org/officeDocument/2006/relationships" xmlns:p="http://schemas.openxmlformats.org/presentationml/2006/main">
+  <p:cSld>
+    <p:spTree>
+      <p:nvGrpSpPr>
+        <p:cNvPr id="1" name=""/>
+        <p:cNvGrpSpPr/>
+        <p:nvPr/>
+      </p:nvGrpSpPr>
+      <p:grpSpPr>
+        <a:xfrm>
+          <a:off x="0" y="0"/>
+          <a:ext cx="0" cy="0"/>
+          <a:chOff x="0" y="0"/>
+          <a:chExt cx="0" cy="0"/>
+        </a:xfrm>
+      </p:grpSpPr>
+      <p:sp>
+        <p:nvSpPr>
+          <p:cNvPr id="2" name="Title 1"/>
+          <p:cNvSpPr>
+            <a:spLocks noGrp="1"/>
+          </p:cNvSpPr>
+          <p:nvPr>
+            <p:ph type="title"/>
+          </p:nvPr>
+        </p:nvSpPr>
+        <p:spPr/>
+        <p:txBody>
+          <a:bodyPr/>
+          <a:lstStyle/>
+          <a:p>
+            <a:pPr lvl="0" marL="0" indent="0">
+              <a:buNone/>
+            </a:pPr>
+            <a:r>
+              <a:rPr/>
+              <a:t>PRISMA</a:t>
+            </a:r>
+            <a:r>
+              <a:rPr/>
+              <a:t> </a:t>
+            </a:r>
+            <a:r>
+              <a:rPr/>
+              <a:t>checklist,</a:t>
+            </a:r>
+            <a:r>
+              <a:rPr/>
+              <a:t> </a:t>
+            </a:r>
+            <a:r>
+              <a:rPr/>
+              <a:t>part</a:t>
+            </a:r>
+            <a:r>
+              <a:rPr/>
+              <a:t> </a:t>
+            </a:r>
+            <a:r>
+              <a:rPr/>
+              <a:t>2</a:t>
+            </a:r>
+          </a:p>
+        </p:txBody>
+      </p:sp>
+      <p:pic>
+        <p:nvPicPr>
+          <p:cNvPr descr="../images/prisma_checklist_2.png" id="0" name="Picture 1"/>
+          <p:cNvPicPr>
+            <a:picLocks noGrp="1" noChangeAspect="1"/>
+          </p:cNvPicPr>
+          <p:nvPr/>
+        </p:nvPicPr>
+        <p:blipFill>
+          <a:blip r:embed="rId2"/>
+          <a:stretch>
+            <a:fillRect/>
+          </a:stretch>
+        </p:blipFill>
+        <p:spPr bwMode="auto">
+          <a:xfrm>
+            <a:off x="457200" y="2298700"/>
+            <a:ext cx="8229600" cy="2628900"/>
+          </a:xfrm>
+          <a:prstGeom prst="rect">
+            <a:avLst/>
+          </a:prstGeom>
+          <a:noFill/>
+          <a:ln w="9525">
+            <a:noFill/>
+            <a:headEnd/>
+            <a:tailEnd/>
+          </a:ln>
+        </p:spPr>
+      </p:pic>
+      <p:sp>
+        <p:nvSpPr>
+          <p:cNvPr id="1" name="TextBox 3"/>
+          <p:cNvSpPr txBox="1"/>
+          <p:nvPr/>
+        </p:nvSpPr>
+        <p:spPr>
+          <a:xfrm>
+            <a:off x="457200" y="5613400"/>
+            <a:ext cx="8229600" cy="508000"/>
+          </a:xfrm>
+          <a:prstGeom prst="rect">
+            <a:avLst/>
+          </a:prstGeom>
+          <a:noFill/>
+        </p:spPr>
+        <p:txBody>
+          <a:bodyPr/>
+          <a:lstStyle/>
+          <a:p>
+            <a:pPr lvl="0" marL="0" indent="0" algn="ctr">
+              <a:buNone/>
+            </a:pPr>
+            <a:r>
+              <a:rPr/>
+              <a:t>Checklist</a:t>
+            </a:r>
+            <a:r>
+              <a:rPr/>
+              <a:t> </a:t>
+            </a:r>
+            <a:r>
+              <a:rPr/>
+              <a:t>for</a:t>
+            </a:r>
+            <a:r>
+              <a:rPr/>
+              <a:t> </a:t>
+            </a:r>
+            <a:r>
+              <a:rPr/>
+              <a:t>PRISMA</a:t>
+            </a:r>
+          </a:p>
+        </p:txBody>
+      </p:sp>
+    </p:spTree>
+  </p:cSld>
+</p:sld>
+</file>
+
+<file path=ppt/slides/slide57.xml><?xml version="1.0" encoding="utf-8"?>
+<p:sld xmlns:a="http://schemas.openxmlformats.org/drawingml/2006/main" xmlns:r="http://schemas.openxmlformats.org/officeDocument/2006/relationships" xmlns:p="http://schemas.openxmlformats.org/presentationml/2006/main">
+  <p:cSld>
+    <p:spTree>
+      <p:nvGrpSpPr>
+        <p:cNvPr id="1" name=""/>
+        <p:cNvGrpSpPr/>
+        <p:nvPr/>
+      </p:nvGrpSpPr>
+      <p:grpSpPr>
+        <a:xfrm>
+          <a:off x="0" y="0"/>
+          <a:ext cx="0" cy="0"/>
+          <a:chOff x="0" y="0"/>
+          <a:chExt cx="0" cy="0"/>
+        </a:xfrm>
+      </p:grpSpPr>
+      <p:sp>
+        <p:nvSpPr>
+          <p:cNvPr id="2" name="Title 1"/>
+          <p:cNvSpPr>
+            <a:spLocks noGrp="1"/>
+          </p:cNvSpPr>
+          <p:nvPr>
+            <p:ph type="title"/>
+          </p:nvPr>
+        </p:nvSpPr>
+        <p:spPr/>
+        <p:txBody>
+          <a:bodyPr/>
+          <a:lstStyle/>
+          <a:p>
+            <a:pPr lvl="0" marL="0" indent="0">
+              <a:buNone/>
+            </a:pPr>
+            <a:r>
+              <a:rPr/>
+              <a:t>PRISMA</a:t>
+            </a:r>
+            <a:r>
+              <a:rPr/>
+              <a:t> </a:t>
+            </a:r>
+            <a:r>
+              <a:rPr/>
+              <a:t>checklist,</a:t>
+            </a:r>
+            <a:r>
+              <a:rPr/>
+              <a:t> </a:t>
+            </a:r>
+            <a:r>
+              <a:rPr/>
+              <a:t>part</a:t>
+            </a:r>
+            <a:r>
+              <a:rPr/>
+              <a:t> </a:t>
+            </a:r>
+            <a:r>
+              <a:rPr/>
+              <a:t>3</a:t>
+            </a:r>
+          </a:p>
+        </p:txBody>
+      </p:sp>
+      <p:pic>
+        <p:nvPicPr>
+          <p:cNvPr descr="../images/prisma_checklist_3.png" id="0" name="Picture 1"/>
+          <p:cNvPicPr>
+            <a:picLocks noGrp="1" noChangeAspect="1"/>
+          </p:cNvPicPr>
+          <p:nvPr/>
+        </p:nvPicPr>
+        <p:blipFill>
+          <a:blip r:embed="rId2"/>
+          <a:stretch>
+            <a:fillRect/>
+          </a:stretch>
+        </p:blipFill>
+        <p:spPr bwMode="auto">
+          <a:xfrm>
+            <a:off x="457200" y="2222500"/>
+            <a:ext cx="8229600" cy="2768600"/>
+          </a:xfrm>
+          <a:prstGeom prst="rect">
+            <a:avLst/>
+          </a:prstGeom>
+          <a:noFill/>
+          <a:ln w="9525">
+            <a:noFill/>
+            <a:headEnd/>
+            <a:tailEnd/>
+          </a:ln>
+        </p:spPr>
+      </p:pic>
+      <p:sp>
+        <p:nvSpPr>
+          <p:cNvPr id="1" name="TextBox 3"/>
+          <p:cNvSpPr txBox="1"/>
+          <p:nvPr/>
+        </p:nvSpPr>
+        <p:spPr>
+          <a:xfrm>
+            <a:off x="457200" y="5613400"/>
+            <a:ext cx="8229600" cy="508000"/>
+          </a:xfrm>
+          <a:prstGeom prst="rect">
+            <a:avLst/>
+          </a:prstGeom>
+          <a:noFill/>
+        </p:spPr>
+        <p:txBody>
+          <a:bodyPr/>
+          <a:lstStyle/>
+          <a:p>
+            <a:pPr lvl="0" marL="0" indent="0" algn="ctr">
+              <a:buNone/>
+            </a:pPr>
+            <a:r>
+              <a:rPr/>
+              <a:t>Checklist</a:t>
+            </a:r>
+            <a:r>
+              <a:rPr/>
+              <a:t> </a:t>
+            </a:r>
+            <a:r>
+              <a:rPr/>
+              <a:t>for</a:t>
+            </a:r>
+            <a:r>
+              <a:rPr/>
+              <a:t> </a:t>
+            </a:r>
+            <a:r>
+              <a:rPr/>
+              <a:t>PRISMA</a:t>
+            </a:r>
+          </a:p>
+        </p:txBody>
+      </p:sp>
+    </p:spTree>
+  </p:cSld>
+</p:sld>
+</file>
+
+<file path=ppt/slides/slide58.xml><?xml version="1.0" encoding="utf-8"?>
+<p:sld xmlns:a="http://schemas.openxmlformats.org/drawingml/2006/main" xmlns:r="http://schemas.openxmlformats.org/officeDocument/2006/relationships" xmlns:p="http://schemas.openxmlformats.org/presentationml/2006/main">
+  <p:cSld>
+    <p:spTree>
+      <p:nvGrpSpPr>
+        <p:cNvPr id="1" name=""/>
+        <p:cNvGrpSpPr/>
+        <p:nvPr/>
+      </p:nvGrpSpPr>
+      <p:grpSpPr>
+        <a:xfrm>
+          <a:off x="0" y="0"/>
+          <a:ext cx="0" cy="0"/>
+          <a:chOff x="0" y="0"/>
+          <a:chExt cx="0" cy="0"/>
+        </a:xfrm>
+      </p:grpSpPr>
+      <p:sp>
+        <p:nvSpPr>
+          <p:cNvPr id="2" name="Title 1"/>
+          <p:cNvSpPr>
+            <a:spLocks noGrp="1"/>
+          </p:cNvSpPr>
+          <p:nvPr>
+            <p:ph type="title"/>
+          </p:nvPr>
+        </p:nvSpPr>
+        <p:spPr/>
+        <p:txBody>
+          <a:bodyPr/>
+          <a:lstStyle/>
+          <a:p>
+            <a:pPr lvl="0" marL="0" indent="0">
+              <a:buNone/>
+            </a:pPr>
+            <a:r>
+              <a:rPr/>
+              <a:t>PRISMA</a:t>
+            </a:r>
+            <a:r>
+              <a:rPr/>
+              <a:t> </a:t>
+            </a:r>
+            <a:r>
+              <a:rPr/>
+              <a:t>checklist,</a:t>
+            </a:r>
+            <a:r>
+              <a:rPr/>
+              <a:t> </a:t>
+            </a:r>
+            <a:r>
+              <a:rPr/>
+              <a:t>part</a:t>
+            </a:r>
+            <a:r>
+              <a:rPr/>
+              <a:t> </a:t>
+            </a:r>
+            <a:r>
+              <a:rPr/>
+              <a:t>4</a:t>
+            </a:r>
+          </a:p>
+        </p:txBody>
+      </p:sp>
+      <p:pic>
+        <p:nvPicPr>
+          <p:cNvPr descr="../images/prisma_checklist_4.png" id="0" name="Picture 1"/>
+          <p:cNvPicPr>
+            <a:picLocks noGrp="1" noChangeAspect="1"/>
+          </p:cNvPicPr>
+          <p:nvPr/>
+        </p:nvPicPr>
+        <p:blipFill>
+          <a:blip r:embed="rId2"/>
+          <a:stretch>
+            <a:fillRect/>
+          </a:stretch>
+        </p:blipFill>
+        <p:spPr bwMode="auto">
+          <a:xfrm>
+            <a:off x="457200" y="2146300"/>
+            <a:ext cx="8229600" cy="2921000"/>
+          </a:xfrm>
+          <a:prstGeom prst="rect">
+            <a:avLst/>
+          </a:prstGeom>
+          <a:noFill/>
+          <a:ln w="9525">
+            <a:noFill/>
+            <a:headEnd/>
+            <a:tailEnd/>
+          </a:ln>
+        </p:spPr>
+      </p:pic>
+      <p:sp>
+        <p:nvSpPr>
+          <p:cNvPr id="1" name="TextBox 3"/>
+          <p:cNvSpPr txBox="1"/>
+          <p:nvPr/>
+        </p:nvSpPr>
+        <p:spPr>
+          <a:xfrm>
+            <a:off x="457200" y="5613400"/>
+            <a:ext cx="8229600" cy="508000"/>
+          </a:xfrm>
+          <a:prstGeom prst="rect">
+            <a:avLst/>
+          </a:prstGeom>
+          <a:noFill/>
+        </p:spPr>
+        <p:txBody>
+          <a:bodyPr/>
+          <a:lstStyle/>
+          <a:p>
+            <a:pPr lvl="0" marL="0" indent="0" algn="ctr">
+              <a:buNone/>
+            </a:pPr>
+            <a:r>
+              <a:rPr/>
+              <a:t>Checklist</a:t>
+            </a:r>
+            <a:r>
+              <a:rPr/>
+              <a:t> </a:t>
+            </a:r>
+            <a:r>
+              <a:rPr/>
+              <a:t>for</a:t>
+            </a:r>
+            <a:r>
+              <a:rPr/>
+              <a:t> </a:t>
+            </a:r>
+            <a:r>
+              <a:rPr/>
+              <a:t>PRISMA</a:t>
+            </a:r>
+          </a:p>
+        </p:txBody>
+      </p:sp>
+    </p:spTree>
+  </p:cSld>
+</p:sld>
+</file>
+
+<file path=ppt/slides/slide59.xml><?xml version="1.0" encoding="utf-8"?>
+<p:sld xmlns:a="http://schemas.openxmlformats.org/drawingml/2006/main" xmlns:r="http://schemas.openxmlformats.org/officeDocument/2006/relationships" xmlns:p="http://schemas.openxmlformats.org/presentationml/2006/main">
+  <p:cSld>
+    <p:spTree>
+      <p:nvGrpSpPr>
+        <p:cNvPr id="1" name=""/>
+        <p:cNvGrpSpPr/>
+        <p:nvPr/>
+      </p:nvGrpSpPr>
+      <p:grpSpPr>
+        <a:xfrm>
+          <a:off x="0" y="0"/>
+          <a:ext cx="0" cy="0"/>
+          <a:chOff x="0" y="0"/>
+          <a:chExt cx="0" cy="0"/>
+        </a:xfrm>
+      </p:grpSpPr>
+      <p:sp>
+        <p:nvSpPr>
+          <p:cNvPr id="2" name="Title 1"/>
+          <p:cNvSpPr>
+            <a:spLocks noGrp="1"/>
+          </p:cNvSpPr>
+          <p:nvPr>
+            <p:ph type="title"/>
+          </p:nvPr>
+        </p:nvSpPr>
+        <p:spPr/>
+        <p:txBody>
+          <a:bodyPr/>
+          <a:lstStyle/>
+          <a:p>
+            <a:pPr lvl="0" marL="0" indent="0">
+              <a:buNone/>
+            </a:pPr>
+            <a:r>
+              <a:rPr/>
+              <a:t>Conclusion</a:t>
+            </a:r>
+          </a:p>
+        </p:txBody>
+      </p:sp>
+      <p:sp>
+        <p:nvSpPr>
+          <p:cNvPr id="3" name="Content Placeholder 2"/>
+          <p:cNvSpPr>
+            <a:spLocks noGrp="1"/>
+          </p:cNvSpPr>
+          <p:nvPr>
+            <p:ph idx="1"/>
+          </p:nvPr>
+        </p:nvSpPr>
+        <p:spPr/>
+        <p:txBody>
+          <a:bodyPr/>
+          <a:lstStyle/>
+          <a:p>
+            <a:pPr lvl="1"/>
+            <a:r>
+              <a:rPr/>
+              <a:t>Design of meta-analysis</a:t>
+            </a:r>
+          </a:p>
+          <a:p>
+            <a:pPr lvl="2"/>
+            <a:r>
+              <a:rPr/>
+              <a:t>Include a librarian</a:t>
+            </a:r>
+          </a:p>
+          <a:p>
+            <a:pPr lvl="2"/>
+            <a:r>
+              <a:rPr/>
+              <a:t>Aggressive search strategy</a:t>
+            </a:r>
+          </a:p>
+          <a:p>
+            <a:pPr lvl="1"/>
+            <a:r>
+              <a:rPr/>
+              <a:t>Statistical summary</a:t>
+            </a:r>
+          </a:p>
+          <a:p>
+            <a:pPr lvl="2"/>
+            <a:r>
+              <a:rPr/>
+              <a:t>Random versus fixed effects versus meta regression</a:t>
+            </a:r>
+          </a:p>
+          <a:p>
+            <a:pPr lvl="2"/>
+            <a:r>
+              <a:rPr/>
+              <a:t>Forest, funnel, L’Abbe plots</a:t>
+            </a:r>
+          </a:p>
+          <a:p>
+            <a:pPr lvl="2"/>
+            <a:r>
+              <a:rPr/>
+              <a:t>Cochrane’s Q and I-squared</a:t>
+            </a:r>
+          </a:p>
+          <a:p>
+            <a:pPr lvl="1"/>
+            <a:r>
+              <a:rPr/>
+              <a:t>Reporting</a:t>
+            </a:r>
+          </a:p>
+          <a:p>
+            <a:pPr lvl="2"/>
+            <a:r>
+              <a:rPr/>
+              <a:t>PRISMA flow diagram and checklist</a:t>
             </a:r>
           </a:p>
         </p:txBody>

--- a/src/intro.pptx
+++ b/src/intro.pptx
@@ -22462,18 +22462,16 @@
                   <m:oMath xmlns:m="http://schemas.openxmlformats.org/officeDocument/2006/math">
                     <m:sSub>
                       <m:e>
-                        <m:groupChr>
-                          <m:groupChrPr>
+                        <m:acc>
+                          <m:accPr>
                             <m:chr m:val="̂"/>
-                            <m:pos m:val="top"/>
-                            <m:vertJc m:val="bot"/>
-                          </m:groupChrPr>
+                          </m:accPr>
                           <m:e>
                             <m:r>
                               <m:t>θ</m:t>
                             </m:r>
                           </m:e>
-                        </m:groupChr>
+                        </m:acc>
                       </m:e>
                       <m:sub>
                         <m:r>
@@ -22638,18 +22636,16 @@
                   <m:oMath xmlns:m="http://schemas.openxmlformats.org/officeDocument/2006/math">
                     <m:sSub>
                       <m:e>
-                        <m:groupChr>
-                          <m:groupChrPr>
+                        <m:acc>
+                          <m:accPr>
                             <m:chr m:val="̂"/>
-                            <m:pos m:val="top"/>
-                            <m:vertJc m:val="bot"/>
-                          </m:groupChrPr>
+                          </m:accPr>
                           <m:e>
                             <m:r>
                               <m:t>θ</m:t>
                             </m:r>
                           </m:e>
-                        </m:groupChr>
+                        </m:acc>
                       </m:e>
                       <m:sub>
                         <m:r>
@@ -23630,18 +23626,16 @@
                         <m:r>
                           <m:t>2</m:t>
                         </m:r>
-                        <m:groupChr>
-                          <m:groupChrPr>
+                        <m:acc>
+                          <m:accPr>
                             <m:chr m:val="̂"/>
-                            <m:pos m:val="top"/>
-                            <m:vertJc m:val="bot"/>
-                          </m:groupChrPr>
+                          </m:accPr>
                           <m:e>
                             <m:r>
                               <m:t>ρ</m:t>
                             </m:r>
                           </m:e>
-                        </m:groupChr>
+                        </m:acc>
                         <m:sSub>
                           <m:e>
                             <m:r>
@@ -24723,10 +24717,110 @@
                 <a:pPr lvl="0" marL="0" indent="0">
                   <a:buNone/>
                 </a:pPr>
-                <a:r>
-                  <a:rPr/>
-                  <a:t>$V(_i) +;(SMD)</a:t>
-                </a:r>
+                <a14:m>
+                  <m:oMath xmlns:m="http://schemas.openxmlformats.org/officeDocument/2006/math">
+                    <m:r>
+                      <m:t>V</m:t>
+                    </m:r>
+                    <m:r>
+                      <m:t>(</m:t>
+                    </m:r>
+                    <m:sSub>
+                      <m:e>
+                        <m:acc>
+                          <m:accPr>
+                            <m:chr m:val="̂"/>
+                          </m:accPr>
+                          <m:e>
+                            <m:r>
+                              <m:t>θ</m:t>
+                            </m:r>
+                          </m:e>
+                        </m:acc>
+                      </m:e>
+                      <m:sub>
+                        <m:r>
+                          <m:t>i</m:t>
+                        </m:r>
+                      </m:sub>
+                    </m:sSub>
+                    <m:r>
+                      <m:t>)</m:t>
+                    </m:r>
+                    <m:r>
+                      <m:t>≈</m:t>
+                    </m:r>
+                    <m:f>
+                      <m:fPr>
+                        <m:type m:val="bar"/>
+                      </m:fPr>
+                      <m:num>
+                        <m:r>
+                          <m:t>1</m:t>
+                        </m:r>
+                      </m:num>
+                      <m:den>
+                        <m:sSub>
+                          <m:e>
+                            <m:r>
+                              <m:t>n</m:t>
+                            </m:r>
+                          </m:e>
+                          <m:sub>
+                            <m:r>
+                              <m:t>T</m:t>
+                            </m:r>
+                          </m:sub>
+                        </m:sSub>
+                      </m:den>
+                    </m:f>
+                    <m:r>
+                      <m:t>+</m:t>
+                    </m:r>
+                    <m:f>
+                      <m:fPr>
+                        <m:type m:val="bar"/>
+                      </m:fPr>
+                      <m:num>
+                        <m:r>
+                          <m:t>1</m:t>
+                        </m:r>
+                      </m:num>
+                      <m:den>
+                        <m:sSub>
+                          <m:e>
+                            <m:r>
+                              <m:t>n</m:t>
+                            </m:r>
+                          </m:e>
+                          <m:sub>
+                            <m:r>
+                              <m:t>C</m:t>
+                            </m:r>
+                          </m:sub>
+                        </m:sSub>
+                      </m:den>
+                    </m:f>
+                    <m:r>
+                      <m:t> </m:t>
+                    </m:r>
+                    <m:r>
+                      <m:t>(</m:t>
+                    </m:r>
+                    <m:r>
+                      <m:t>S</m:t>
+                    </m:r>
+                    <m:r>
+                      <m:t>M</m:t>
+                    </m:r>
+                    <m:r>
+                      <m:t>D</m:t>
+                    </m:r>
+                    <m:r>
+                      <m:t>)</m:t>
+                    </m:r>
+                  </m:oMath>
+                </a14:m>
               </a:p>
               <a:p>
                 <a:pPr lvl="0" marL="0" indent="0">
@@ -24776,18 +24870,16 @@
                         </m:r>
                         <m:sSub>
                           <m:e>
-                            <m:groupChr>
-                              <m:groupChrPr>
+                            <m:acc>
+                              <m:accPr>
                                 <m:chr m:val="̂"/>
-                                <m:pos m:val="top"/>
-                                <m:vertJc m:val="bot"/>
-                              </m:groupChrPr>
+                              </m:accPr>
                               <m:e>
                                 <m:r>
                                   <m:t>θ</m:t>
                                 </m:r>
                               </m:e>
-                            </m:groupChr>
+                            </m:acc>
                           </m:e>
                           <m:sub>
                             <m:r>
@@ -24900,18 +24992,16 @@
                 </a:pPr>
                 <a14:m>
                   <m:oMath xmlns:m="http://schemas.openxmlformats.org/officeDocument/2006/math">
-                    <m:groupChr>
-                      <m:groupChrPr>
+                    <m:acc>
+                      <m:accPr>
                         <m:chr m:val="̂"/>
-                        <m:pos m:val="top"/>
-                        <m:vertJc m:val="bot"/>
-                      </m:groupChrPr>
+                      </m:accPr>
                       <m:e>
                         <m:r>
                           <m:t>θ</m:t>
                         </m:r>
                       </m:e>
-                    </m:groupChr>
+                    </m:acc>
                     <m:r>
                       <m:t>=</m:t>
                     </m:r>
@@ -24937,18 +25027,16 @@
                         </m:sSub>
                         <m:sSub>
                           <m:e>
-                            <m:groupChr>
-                              <m:groupChrPr>
+                            <m:acc>
+                              <m:accPr>
                                 <m:chr m:val="̂"/>
-                                <m:pos m:val="top"/>
-                                <m:vertJc m:val="bot"/>
-                              </m:groupChrPr>
+                              </m:accPr>
                               <m:e>
                                 <m:r>
                                   <m:t>θ</m:t>
                                 </m:r>
                               </m:e>
-                            </m:groupChr>
+                            </m:acc>
                           </m:e>
                           <m:sub>
                             <m:r>
@@ -24990,18 +25078,16 @@
                     <m:r>
                       <m:t>(</m:t>
                     </m:r>
-                    <m:groupChr>
-                      <m:groupChrPr>
+                    <m:acc>
+                      <m:accPr>
                         <m:chr m:val="̂"/>
-                        <m:pos m:val="top"/>
-                        <m:vertJc m:val="bot"/>
-                      </m:groupChrPr>
+                      </m:accPr>
                       <m:e>
                         <m:r>
                           <m:t>θ</m:t>
                         </m:r>
                       </m:e>
-                    </m:groupChr>
+                    </m:acc>
                     <m:r>
                       <m:t>)</m:t>
                     </m:r>
@@ -25051,18 +25137,16 @@
                       <m:num>
                         <m:sSup>
                           <m:e>
-                            <m:groupChr>
-                              <m:groupChrPr>
+                            <m:acc>
+                              <m:accPr>
                                 <m:chr m:val="̂"/>
-                                <m:pos m:val="top"/>
-                                <m:vertJc m:val="bot"/>
-                              </m:groupChrPr>
+                              </m:accPr>
                               <m:e>
                                 <m:r>
                                   <m:t>θ</m:t>
                                 </m:r>
                               </m:e>
-                            </m:groupChr>
+                            </m:acc>
                           </m:e>
                           <m:sup>
                             <m:r>
@@ -25078,18 +25162,16 @@
                         <m:r>
                           <m:t>(</m:t>
                         </m:r>
-                        <m:groupChr>
-                          <m:groupChrPr>
+                        <m:acc>
+                          <m:accPr>
                             <m:chr m:val="̂"/>
-                            <m:pos m:val="top"/>
-                            <m:vertJc m:val="bot"/>
-                          </m:groupChrPr>
+                          </m:accPr>
                           <m:e>
                             <m:r>
                               <m:t>θ</m:t>
                             </m:r>
                           </m:e>
-                        </m:groupChr>
+                        </m:acc>
                         <m:r>
                           <m:t>)</m:t>
                         </m:r>
@@ -25238,18 +25320,16 @@
                     </m:r>
                     <m:sSub>
                       <m:e>
-                        <m:groupChr>
-                          <m:groupChrPr>
+                        <m:acc>
+                          <m:accPr>
                             <m:chr m:val="̂"/>
-                            <m:pos m:val="top"/>
-                            <m:vertJc m:val="bot"/>
-                          </m:groupChrPr>
+                          </m:accPr>
                           <m:e>
                             <m:r>
                               <m:t>θ</m:t>
                             </m:r>
                           </m:e>
-                        </m:groupChr>
+                        </m:acc>
                       </m:e>
                       <m:sub>
                         <m:r>
@@ -25260,18 +25340,16 @@
                     <m:r>
                       <m:t>−</m:t>
                     </m:r>
-                    <m:groupChr>
-                      <m:groupChrPr>
+                    <m:acc>
+                      <m:accPr>
                         <m:chr m:val="̂"/>
-                        <m:pos m:val="top"/>
-                        <m:vertJc m:val="bot"/>
-                      </m:groupChrPr>
+                      </m:accPr>
                       <m:e>
                         <m:r>
                           <m:t>θ</m:t>
                         </m:r>
                       </m:e>
-                    </m:groupChr>
+                    </m:acc>
                     <m:sSup>
                       <m:e>
                         <m:r>
@@ -25489,18 +25567,16 @@
                   <m:oMath xmlns:m="http://schemas.openxmlformats.org/officeDocument/2006/math">
                     <m:sSup>
                       <m:e>
-                        <m:groupChr>
-                          <m:groupChrPr>
+                        <m:acc>
+                          <m:accPr>
                             <m:chr m:val="̂"/>
-                            <m:pos m:val="top"/>
-                            <m:vertJc m:val="bot"/>
-                          </m:groupChrPr>
+                          </m:accPr>
                           <m:e>
                             <m:r>
                               <m:t>τ</m:t>
                             </m:r>
                           </m:e>
-                        </m:groupChr>
+                        </m:acc>
                       </m:e>
                       <m:sup>
                         <m:r>
@@ -25600,18 +25676,16 @@
                         </m:r>
                         <m:sSub>
                           <m:e>
-                            <m:groupChr>
-                              <m:groupChrPr>
+                            <m:acc>
+                              <m:accPr>
                                 <m:chr m:val="̂"/>
-                                <m:pos m:val="top"/>
-                                <m:vertJc m:val="bot"/>
-                              </m:groupChrPr>
+                              </m:accPr>
                               <m:e>
                                 <m:r>
                                   <m:t>θ</m:t>
                                 </m:r>
                               </m:e>
-                            </m:groupChr>
+                            </m:acc>
                           </m:e>
                           <m:sub>
                             <m:r>
@@ -25627,18 +25701,16 @@
                         </m:r>
                         <m:sSup>
                           <m:e>
-                            <m:groupChr>
-                              <m:groupChrPr>
+                            <m:acc>
+                              <m:accPr>
                                 <m:chr m:val="̂"/>
-                                <m:pos m:val="top"/>
-                                <m:vertJc m:val="bot"/>
-                              </m:groupChrPr>
+                              </m:accPr>
                               <m:e>
                                 <m:r>
                                   <m:t>τ</m:t>
                                 </m:r>
                               </m:e>
-                            </m:groupChr>
+                            </m:acc>
                           </m:e>
                           <m:sup>
                             <m:r>

--- a/src/intro.pptx
+++ b/src/intro.pptx
@@ -2638,548 +2638,8 @@
 </p:notes>
 </file>
 
-<file path=ppt/notesSlides/notesSlide13.xml><?xml version="1.0" encoding="utf-8"?>
-<p:notes xmlns:a="http://schemas.openxmlformats.org/drawingml/2006/main" xmlns:r="http://schemas.openxmlformats.org/officeDocument/2006/relationships" xmlns:p="http://schemas.openxmlformats.org/presentationml/2006/main">
-  <p:cSld>
-    <p:spTree>
-      <p:nvGrpSpPr>
-        <p:cNvPr id="1" name=""/>
-        <p:cNvGrpSpPr/>
-        <p:nvPr/>
-      </p:nvGrpSpPr>
-      <p:grpSpPr>
-        <a:xfrm>
-          <a:off x="0" y="0"/>
-          <a:ext cx="0" cy="0"/>
-          <a:chOff x="0" y="0"/>
-          <a:chExt cx="0" cy="0"/>
-        </a:xfrm>
-      </p:grpSpPr>
-      <p:sp>
-        <p:nvSpPr>
-          <p:cNvPr id="2" name="Slide Image Placeholder 1"/>
-          <p:cNvSpPr>
-            <a:spLocks noGrp="1" noRot="1" noChangeAspect="1"/>
-          </p:cNvSpPr>
-          <p:nvPr>
-            <p:ph type="sldImg"/>
-          </p:nvPr>
-        </p:nvSpPr>
-        <p:spPr/>
-      </p:sp>
-      <p:sp>
-        <p:nvSpPr>
-          <p:cNvPr id="3" name="Notes Placeholder 2"/>
-          <p:cNvSpPr>
-            <a:spLocks noGrp="1"/>
-          </p:cNvSpPr>
-          <p:nvPr>
-            <p:ph type="body" idx="1"/>
-          </p:nvPr>
-        </p:nvSpPr>
-        <p:spPr/>
-        <p:txBody>
-          <a:bodyPr/>
-          <a:lstStyle/>
-          <a:p>
-            <a:pPr lvl="0" marL="0" indent="0">
-              <a:buNone/>
-            </a:pPr>
-            <a:r>
-              <a:rPr/>
-              <a:t>Meta-analysis</a:t>
-            </a:r>
-            <a:r>
-              <a:rPr/>
-              <a:t> </a:t>
-            </a:r>
-            <a:r>
-              <a:rPr/>
-              <a:t>cannot</a:t>
-            </a:r>
-            <a:r>
-              <a:rPr/>
-              <a:t> </a:t>
-            </a:r>
-            <a:r>
-              <a:rPr/>
-              <a:t>remove</a:t>
-            </a:r>
-            <a:r>
-              <a:rPr/>
-              <a:t> </a:t>
-            </a:r>
-            <a:r>
-              <a:rPr/>
-              <a:t>the</a:t>
-            </a:r>
-            <a:r>
-              <a:rPr/>
-              <a:t> </a:t>
-            </a:r>
-            <a:r>
-              <a:rPr/>
-              <a:t>biases</a:t>
-            </a:r>
-            <a:r>
-              <a:rPr/>
-              <a:t> </a:t>
-            </a:r>
-            <a:r>
-              <a:rPr/>
-              <a:t>and</a:t>
-            </a:r>
-            <a:r>
-              <a:rPr/>
-              <a:t> </a:t>
-            </a:r>
-            <a:r>
-              <a:rPr/>
-              <a:t>imprecision</a:t>
-            </a:r>
-            <a:r>
-              <a:rPr/>
-              <a:t> </a:t>
-            </a:r>
-            <a:r>
-              <a:rPr/>
-              <a:t>associated</a:t>
-            </a:r>
-            <a:r>
-              <a:rPr/>
-              <a:t> </a:t>
-            </a:r>
-            <a:r>
-              <a:rPr/>
-              <a:t>with</a:t>
-            </a:r>
-            <a:r>
-              <a:rPr/>
-              <a:t> </a:t>
-            </a:r>
-            <a:r>
-              <a:rPr/>
-              <a:t>poor</a:t>
-            </a:r>
-            <a:r>
-              <a:rPr/>
-              <a:t> </a:t>
-            </a:r>
-            <a:r>
-              <a:rPr/>
-              <a:t>research</a:t>
-            </a:r>
-            <a:r>
-              <a:rPr/>
-              <a:t> </a:t>
-            </a:r>
-            <a:r>
-              <a:rPr/>
-              <a:t>methodologies.</a:t>
-            </a:r>
-            <a:r>
-              <a:rPr/>
-              <a:t> </a:t>
-            </a:r>
-            <a:r>
-              <a:rPr/>
-              <a:t>If</a:t>
-            </a:r>
-            <a:r>
-              <a:rPr/>
-              <a:t> </a:t>
-            </a:r>
-            <a:r>
-              <a:rPr/>
-              <a:t>all</a:t>
-            </a:r>
-            <a:r>
-              <a:rPr/>
-              <a:t> </a:t>
-            </a:r>
-            <a:r>
-              <a:rPr/>
-              <a:t>of</a:t>
-            </a:r>
-            <a:r>
-              <a:rPr/>
-              <a:t> </a:t>
-            </a:r>
-            <a:r>
-              <a:rPr/>
-              <a:t>the</a:t>
-            </a:r>
-            <a:r>
-              <a:rPr/>
-              <a:t> </a:t>
-            </a:r>
-            <a:r>
-              <a:rPr/>
-              <a:t>studies</a:t>
-            </a:r>
-            <a:r>
-              <a:rPr/>
-              <a:t> </a:t>
-            </a:r>
-            <a:r>
-              <a:rPr/>
-              <a:t>have</a:t>
-            </a:r>
-            <a:r>
-              <a:rPr/>
-              <a:t> </a:t>
-            </a:r>
-            <a:r>
-              <a:rPr/>
-              <a:t>“</a:t>
-            </a:r>
-            <a:r>
-              <a:rPr/>
-              <a:t>issues</a:t>
-            </a:r>
-            <a:r>
-              <a:rPr/>
-              <a:t>”</a:t>
-            </a:r>
-            <a:r>
-              <a:rPr/>
-              <a:t> </a:t>
-            </a:r>
-            <a:r>
-              <a:rPr/>
-              <a:t>then</a:t>
-            </a:r>
-            <a:r>
-              <a:rPr/>
-              <a:t> </a:t>
-            </a:r>
-            <a:r>
-              <a:rPr/>
-              <a:t>a</a:t>
-            </a:r>
-            <a:r>
-              <a:rPr/>
-              <a:t> </a:t>
-            </a:r>
-            <a:r>
-              <a:rPr/>
-              <a:t>meta-analysis</a:t>
-            </a:r>
-            <a:r>
-              <a:rPr/>
-              <a:t> </a:t>
-            </a:r>
-            <a:r>
-              <a:rPr/>
-              <a:t>will</a:t>
-            </a:r>
-            <a:r>
-              <a:rPr/>
-              <a:t> </a:t>
-            </a:r>
-            <a:r>
-              <a:rPr/>
-              <a:t>amplify</a:t>
-            </a:r>
-            <a:r>
-              <a:rPr/>
-              <a:t> </a:t>
-            </a:r>
-            <a:r>
-              <a:rPr/>
-              <a:t>those</a:t>
-            </a:r>
-            <a:r>
-              <a:rPr/>
-              <a:t> </a:t>
-            </a:r>
-            <a:r>
-              <a:rPr/>
-              <a:t>issues.</a:t>
-            </a:r>
-          </a:p>
-          <a:p>
-            <a:pPr lvl="0" marL="0" indent="0">
-              <a:buNone/>
-            </a:pPr>
-          </a:p>
-          <a:p>
-            <a:pPr lvl="0" marL="0" indent="0">
-              <a:buNone/>
-            </a:pPr>
-            <a:r>
-              <a:rPr/>
-              <a:t>You</a:t>
-            </a:r>
-            <a:r>
-              <a:rPr/>
-              <a:t> </a:t>
-            </a:r>
-            <a:r>
-              <a:rPr/>
-              <a:t>can</a:t>
-            </a:r>
-            <a:r>
-              <a:rPr/>
-              <a:t> </a:t>
-            </a:r>
-            <a:r>
-              <a:rPr/>
-              <a:t>assess</a:t>
-            </a:r>
-            <a:r>
-              <a:rPr/>
-              <a:t> </a:t>
-            </a:r>
-            <a:r>
-              <a:rPr/>
-              <a:t>quality</a:t>
-            </a:r>
-            <a:r>
-              <a:rPr/>
-              <a:t> </a:t>
-            </a:r>
-            <a:r>
-              <a:rPr/>
-              <a:t>issues</a:t>
-            </a:r>
-            <a:r>
-              <a:rPr/>
-              <a:t> </a:t>
-            </a:r>
-            <a:r>
-              <a:rPr/>
-              <a:t>by</a:t>
-            </a:r>
-            <a:r>
-              <a:rPr/>
-              <a:t> </a:t>
-            </a:r>
-            <a:r>
-              <a:rPr/>
-              <a:t>limiting</a:t>
-            </a:r>
-            <a:r>
-              <a:rPr/>
-              <a:t> </a:t>
-            </a:r>
-            <a:r>
-              <a:rPr/>
-              <a:t>studies</a:t>
-            </a:r>
-            <a:r>
-              <a:rPr/>
-              <a:t> </a:t>
-            </a:r>
-            <a:r>
-              <a:rPr/>
-              <a:t>based</a:t>
-            </a:r>
-            <a:r>
-              <a:rPr/>
-              <a:t> </a:t>
-            </a:r>
-            <a:r>
-              <a:rPr/>
-              <a:t>on</a:t>
-            </a:r>
-            <a:r>
-              <a:rPr/>
-              <a:t> </a:t>
-            </a:r>
-            <a:r>
-              <a:rPr/>
-              <a:t>scoring</a:t>
-            </a:r>
-            <a:r>
-              <a:rPr/>
-              <a:t> </a:t>
-            </a:r>
-            <a:r>
-              <a:rPr/>
-              <a:t>systems</a:t>
-            </a:r>
-            <a:r>
-              <a:rPr/>
-              <a:t> </a:t>
-            </a:r>
-            <a:r>
-              <a:rPr/>
-              <a:t>like</a:t>
-            </a:r>
-            <a:r>
-              <a:rPr/>
-              <a:t> </a:t>
-            </a:r>
-            <a:r>
-              <a:rPr/>
-              <a:t>Jadad</a:t>
-            </a:r>
-            <a:r>
-              <a:rPr/>
-              <a:t> </a:t>
-            </a:r>
-            <a:r>
-              <a:rPr/>
-              <a:t>or</a:t>
-            </a:r>
-            <a:r>
-              <a:rPr/>
-              <a:t> </a:t>
-            </a:r>
-            <a:r>
-              <a:rPr/>
-              <a:t>PEDro</a:t>
-            </a:r>
-            <a:r>
-              <a:rPr/>
-              <a:t> </a:t>
-            </a:r>
-            <a:r>
-              <a:rPr/>
-              <a:t>or</a:t>
-            </a:r>
-            <a:r>
-              <a:rPr/>
-              <a:t> </a:t>
-            </a:r>
-            <a:r>
-              <a:rPr/>
-              <a:t>by</a:t>
-            </a:r>
-            <a:r>
-              <a:rPr/>
-              <a:t> </a:t>
-            </a:r>
-            <a:r>
-              <a:rPr/>
-              <a:t>weighting</a:t>
-            </a:r>
-            <a:r>
-              <a:rPr/>
-              <a:t> </a:t>
-            </a:r>
-            <a:r>
-              <a:rPr/>
-              <a:t>studies</a:t>
-            </a:r>
-            <a:r>
-              <a:rPr/>
-              <a:t> </a:t>
-            </a:r>
-            <a:r>
-              <a:rPr/>
-              <a:t>based</a:t>
-            </a:r>
-            <a:r>
-              <a:rPr/>
-              <a:t> </a:t>
-            </a:r>
-            <a:r>
-              <a:rPr/>
-              <a:t>on</a:t>
-            </a:r>
-            <a:r>
-              <a:rPr/>
-              <a:t> </a:t>
-            </a:r>
-            <a:r>
-              <a:rPr/>
-              <a:t>these</a:t>
-            </a:r>
-            <a:r>
-              <a:rPr/>
-              <a:t> </a:t>
-            </a:r>
-            <a:r>
-              <a:rPr/>
-              <a:t>scores.</a:t>
-            </a:r>
-            <a:r>
-              <a:rPr/>
-              <a:t> </a:t>
-            </a:r>
-            <a:r>
-              <a:rPr/>
-              <a:t>We’ll</a:t>
-            </a:r>
-            <a:r>
-              <a:rPr/>
-              <a:t> </a:t>
-            </a:r>
-            <a:r>
-              <a:rPr/>
-              <a:t>talk</a:t>
-            </a:r>
-            <a:r>
-              <a:rPr/>
-              <a:t> </a:t>
-            </a:r>
-            <a:r>
-              <a:rPr/>
-              <a:t>about</a:t>
-            </a:r>
-            <a:r>
-              <a:rPr/>
-              <a:t> </a:t>
-            </a:r>
-            <a:r>
-              <a:rPr/>
-              <a:t>this</a:t>
-            </a:r>
-            <a:r>
-              <a:rPr/>
-              <a:t> </a:t>
-            </a:r>
-            <a:r>
-              <a:rPr/>
-              <a:t>a</a:t>
-            </a:r>
-            <a:r>
-              <a:rPr/>
-              <a:t> </a:t>
-            </a:r>
-            <a:r>
-              <a:rPr/>
-              <a:t>bit</a:t>
-            </a:r>
-            <a:r>
-              <a:rPr/>
-              <a:t> </a:t>
-            </a:r>
-            <a:r>
-              <a:rPr/>
-              <a:t>later.</a:t>
-            </a:r>
-          </a:p>
-        </p:txBody>
-      </p:sp>
-      <p:sp>
-        <p:nvSpPr>
-          <p:cNvPr id="4" name="Slide Number Placeholder 3"/>
-          <p:cNvSpPr>
-            <a:spLocks noGrp="1"/>
-          </p:cNvSpPr>
-          <p:nvPr>
-            <p:ph type="sldNum" sz="quarter" idx="10"/>
-          </p:nvPr>
-        </p:nvSpPr>
-        <p:spPr/>
-        <p:txBody>
-          <a:bodyPr/>
-          <a:lstStyle/>
-          <a:p>
-            <a:fld id="{18BDFEC3-8487-43E8-A154-7C12CBC1FFF2}" type="slidenum">
-              <a:rPr lang="en-US"/>
-              <a:t>14</a:t>
-            </a:fld>
-            <a:endParaRPr lang="en-US"/>
-          </a:p>
-        </p:txBody>
-      </p:sp>
-    </p:spTree>
-  </p:cSld>
-</p:notes>
+<file path=ppt/notesSlides/notesSlide13.xml><?xml version="1.0" encoding="UTF-8"?>
+<p:notes xmlns:a="http://schemas.openxmlformats.org/drawingml/2006/main" xmlns:r="http://schemas.openxmlformats.org/officeDocument/2006/relationships" xmlns:p="http://schemas.openxmlformats.org/presentationml/2006/main"><p:cSld><p:spTree><p:nvGrpSpPr><p:cNvPr id="1" name="" /><p:cNvGrpSpPr /><p:nvPr /></p:nvGrpSpPr><p:grpSpPr><a:xfrm><a:off x="0" y="0" /><a:ext cx="0" cy="0" /><a:chOff x="0" y="0" /><a:chExt cx="0" cy="0" /></a:xfrm></p:grpSpPr><p:sp><p:nvSpPr><p:cNvPr id="2" name="Slide Image Placeholder 1" /><p:cNvSpPr><a:spLocks noGrp="1" noRot="1" noChangeAspect="1" /></p:cNvSpPr><p:nvPr><p:ph type="sldImg" /></p:nvPr></p:nvSpPr><p:spPr /></p:sp><p:sp><p:nvSpPr><p:cNvPr id="3" name="Notes Placeholder 2" /><p:cNvSpPr><a:spLocks noGrp="1" /></p:cNvSpPr><p:nvPr><p:ph type="body" idx="1" /></p:nvPr></p:nvSpPr><p:spPr /><p:txBody><a:bodyPr /><a:lstStyle /><a:p><a:pPr lvl="0" marL="0" indent="0"><a:buNone /></a:pPr><a:r><a:rPr /><a:t>Meta-analysis</a:t></a:r><a:r><a:rPr /><a:t> </a:t></a:r><a:r><a:rPr /><a:t>cannot</a:t></a:r><a:r><a:rPr /><a:t> </a:t></a:r><a:r><a:rPr /><a:t>remove</a:t></a:r><a:r><a:rPr /><a:t> </a:t></a:r><a:r><a:rPr /><a:t>the</a:t></a:r><a:r><a:rPr /><a:t> </a:t></a:r><a:r><a:rPr /><a:t>biases</a:t></a:r><a:r><a:rPr /><a:t> </a:t></a:r><a:r><a:rPr /><a:t>and</a:t></a:r><a:r><a:rPr /><a:t> </a:t></a:r><a:r><a:rPr /><a:t>imprecision</a:t></a:r><a:r><a:rPr /><a:t> </a:t></a:r><a:r><a:rPr /><a:t>associated</a:t></a:r><a:r><a:rPr /><a:t> </a:t></a:r><a:r><a:rPr /><a:t>with</a:t></a:r><a:r><a:rPr /><a:t> </a:t></a:r><a:r><a:rPr /><a:t>poor</a:t></a:r><a:r><a:rPr /><a:t> </a:t></a:r><a:r><a:rPr /><a:t>research</a:t></a:r><a:r><a:rPr /><a:t> </a:t></a:r><a:r><a:rPr /><a:t>methodologies.</a:t></a:r><a:r><a:rPr /><a:t> </a:t></a:r><a:r><a:rPr /><a:t>If</a:t></a:r><a:r><a:rPr /><a:t> </a:t></a:r><a:r><a:rPr /><a:t>all</a:t></a:r><a:r><a:rPr /><a:t> </a:t></a:r><a:r><a:rPr /><a:t>of</a:t></a:r><a:r><a:rPr /><a:t> </a:t></a:r><a:r><a:rPr /><a:t>the</a:t></a:r><a:r><a:rPr /><a:t> </a:t></a:r><a:r><a:rPr /><a:t>studies</a:t></a:r><a:r><a:rPr /><a:t> </a:t></a:r><a:r><a:rPr /><a:t>have</a:t></a:r><a:r><a:rPr /><a:t> </a:t></a:r><a:r><a:rPr /><a:t>“</a:t></a:r><a:r><a:rPr /><a:t>issues</a:t></a:r><a:r><a:rPr /><a:t>”</a:t></a:r><a:r><a:rPr /><a:t> </a:t></a:r><a:r><a:rPr /><a:t>then</a:t></a:r><a:r><a:rPr /><a:t> </a:t></a:r><a:r><a:rPr /><a:t>a</a:t></a:r><a:r><a:rPr /><a:t> </a:t></a:r><a:r><a:rPr /><a:t>meta-analysis</a:t></a:r><a:r><a:rPr /><a:t> </a:t></a:r><a:r><a:rPr /><a:t>will</a:t></a:r><a:r><a:rPr /><a:t> </a:t></a:r><a:r><a:rPr /><a:t>amplify</a:t></a:r><a:r><a:rPr /><a:t> </a:t></a:r><a:r><a:rPr /><a:t>those</a:t></a:r><a:r><a:rPr /><a:t> </a:t></a:r><a:r><a:rPr /><a:t>issues.</a:t></a:r></a:p><a:p><a:pPr lvl="0" marL="0" indent="0"><a:buNone /></a:pPr></a:p><a:p><a:pPr lvl="0" marL="0" indent="0"><a:buNone /></a:pPr><a:r><a:rPr /><a:t>You</a:t></a:r><a:r><a:rPr /><a:t> </a:t></a:r><a:r><a:rPr /><a:t>can</a:t></a:r><a:r><a:rPr /><a:t> </a:t></a:r><a:r><a:rPr /><a:t>assess</a:t></a:r><a:r><a:rPr /><a:t> </a:t></a:r><a:r><a:rPr /><a:t>quality</a:t></a:r><a:r><a:rPr /><a:t> </a:t></a:r><a:r><a:rPr /><a:t>issues</a:t></a:r><a:r><a:rPr /><a:t> </a:t></a:r><a:r><a:rPr /><a:t>by</a:t></a:r><a:r><a:rPr /><a:t> </a:t></a:r><a:r><a:rPr /><a:t>limiting</a:t></a:r><a:r><a:rPr /><a:t> </a:t></a:r><a:r><a:rPr /><a:t>studies</a:t></a:r><a:r><a:rPr /><a:t> </a:t></a:r><a:r><a:rPr /><a:t>based</a:t></a:r><a:r><a:rPr /><a:t> </a:t></a:r><a:r><a:rPr /><a:t>on</a:t></a:r><a:r><a:rPr /><a:t> </a:t></a:r><a:r><a:rPr /><a:t>scoring</a:t></a:r><a:r><a:rPr /><a:t> </a:t></a:r><a:r><a:rPr /><a:t>systems</a:t></a:r><a:r><a:rPr /><a:t> </a:t></a:r><a:r><a:rPr /><a:t>like</a:t></a:r><a:r><a:rPr /><a:t> </a:t></a:r><a:r><a:rPr /><a:t>Jadad</a:t></a:r><a:r><a:rPr /><a:t> </a:t></a:r><a:r><a:rPr /><a:t>or</a:t></a:r><a:r><a:rPr /><a:t> </a:t></a:r><a:r><a:rPr /><a:t>PEDro</a:t></a:r><a:r><a:rPr /><a:t> </a:t></a:r><a:r><a:rPr /><a:t>or</a:t></a:r><a:r><a:rPr /><a:t> </a:t></a:r><a:r><a:rPr /><a:t>by</a:t></a:r><a:r><a:rPr /><a:t> </a:t></a:r><a:r><a:rPr /><a:t>weighting</a:t></a:r><a:r><a:rPr /><a:t> </a:t></a:r><a:r><a:rPr /><a:t>studies</a:t></a:r><a:r><a:rPr /><a:t> </a:t></a:r><a:r><a:rPr /><a:t>based</a:t></a:r><a:r><a:rPr /><a:t> </a:t></a:r><a:r><a:rPr /><a:t>on</a:t></a:r><a:r><a:rPr /><a:t> </a:t></a:r><a:r><a:rPr /><a:t>these</a:t></a:r><a:r><a:rPr /><a:t> </a:t></a:r><a:r><a:rPr /><a:t>scores.</a:t></a:r><a:r><a:rPr /><a:t> </a:t></a:r><a:r><a:rPr /><a:t>We’ll</a:t></a:r><a:r><a:rPr /><a:t> </a:t></a:r><a:r><a:rPr /><a:t>talk</a:t></a:r><a:r><a:rPr /><a:t> </a:t></a:r><a:r><a:rPr /><a:t>about</a:t></a:r><a:r><a:rPr /><a:t> </a:t></a:r><a:r><a:rPr /><a:t>this</a:t></a:r><a:r><a:rPr /><a:t> </a:t></a:r><a:r><a:rPr /><a:t>a</a:t></a:r><a:r><a:rPr /><a:t> </a:t></a:r><a:r><a:rPr /><a:t>bit</a:t></a:r><a:r><a:rPr /><a:t> </a:t></a:r><a:r><a:rPr /><a:t>later.</a:t></a:r></a:p><a:p><a:pPr lvl="0" marL="0" indent="0"><a:buNone /></a:pPr></a:p><a:p><a:pPr lvl="1"><a:buAutoNum type="arabicPeriod" /></a:pPr><a:r><a:rPr /><a:t>Was</a:t></a:r><a:r><a:rPr /><a:t> </a:t></a:r><a:r><a:rPr /><a:t>the</a:t></a:r><a:r><a:rPr /><a:t> </a:t></a:r><a:r><a:rPr /><a:t>study</a:t></a:r><a:r><a:rPr /><a:t> </a:t></a:r><a:r><a:rPr /><a:t>described</a:t></a:r><a:r><a:rPr /><a:t> </a:t></a:r><a:r><a:rPr /><a:t>as</a:t></a:r><a:r><a:rPr /><a:t> </a:t></a:r><a:r><a:rPr /><a:t>randomized</a:t></a:r><a:r><a:rPr /><a:t> </a:t></a:r><a:r><a:rPr /><a:t>(this</a:t></a:r><a:r><a:rPr /><a:t> </a:t></a:r><a:r><a:rPr /><a:t>includes</a:t></a:r><a:r><a:rPr /><a:t> </a:t></a:r><a:r><a:rPr /><a:t>words</a:t></a:r><a:r><a:rPr /><a:t> </a:t></a:r><a:r><a:rPr /><a:t>such</a:t></a:r><a:r><a:rPr /><a:t> </a:t></a:r><a:r><a:rPr /><a:t>as</a:t></a:r><a:r><a:rPr /><a:t> </a:t></a:r><a:r><a:rPr /><a:t>randomly,</a:t></a:r><a:r><a:rPr /><a:t> </a:t></a:r><a:r><a:rPr /><a:t>random,</a:t></a:r><a:r><a:rPr /><a:t> </a:t></a:r><a:r><a:rPr /><a:t>and</a:t></a:r><a:r><a:rPr /><a:t> </a:t></a:r><a:r><a:rPr /><a:t>randomisation)?</a:t></a:r><a:r><a:rPr /><a:t> </a:t></a:r><a:r><a:rPr /><a:t>(+1</a:t></a:r><a:r><a:rPr /><a:t> </a:t></a:r><a:r><a:rPr /><a:t>Point)</a:t></a:r></a:p><a:p><a:pPr lvl="0" marL="0" indent="0"><a:buNone /></a:pPr></a:p><a:p><a:pPr lvl="1"><a:buAutoNum type="arabicPeriod" /></a:pPr><a:r><a:rPr /><a:t>Was</a:t></a:r><a:r><a:rPr /><a:t> </a:t></a:r><a:r><a:rPr /><a:t>the</a:t></a:r><a:r><a:rPr /><a:t> </a:t></a:r><a:r><a:rPr /><a:t>method</a:t></a:r><a:r><a:rPr /><a:t> </a:t></a:r><a:r><a:rPr /><a:t>used</a:t></a:r><a:r><a:rPr /><a:t> </a:t></a:r><a:r><a:rPr /><a:t>to</a:t></a:r><a:r><a:rPr /><a:t> </a:t></a:r><a:r><a:rPr /><a:t>generate</a:t></a:r><a:r><a:rPr /><a:t> </a:t></a:r><a:r><a:rPr /><a:t>the</a:t></a:r><a:r><a:rPr /><a:t> </a:t></a:r><a:r><a:rPr /><a:t>sequence</a:t></a:r><a:r><a:rPr /><a:t> </a:t></a:r><a:r><a:rPr /><a:t>of</a:t></a:r><a:r><a:rPr /><a:t> </a:t></a:r><a:r><a:rPr /><a:t>randomisation</a:t></a:r><a:r><a:rPr /><a:t> </a:t></a:r><a:r><a:rPr /><a:t>described</a:t></a:r><a:r><a:rPr /><a:t> </a:t></a:r><a:r><a:rPr /><a:t>and</a:t></a:r><a:r><a:rPr /><a:t> </a:t></a:r><a:r><a:rPr /><a:t>appropriate</a:t></a:r><a:r><a:rPr /><a:t> </a:t></a:r><a:r><a:rPr /><a:t>(table</a:t></a:r><a:r><a:rPr /><a:t> </a:t></a:r><a:r><a:rPr /><a:t>of</a:t></a:r><a:r><a:rPr /><a:t> </a:t></a:r><a:r><a:rPr /><a:t>random</a:t></a:r><a:r><a:rPr /><a:t> </a:t></a:r><a:r><a:rPr /><a:t>numbers,</a:t></a:r><a:r><a:rPr /><a:t> </a:t></a:r><a:r><a:rPr /><a:t>computer-generated,</a:t></a:r><a:r><a:rPr /><a:t> </a:t></a:r><a:r><a:rPr /><a:t>etc)?</a:t></a:r><a:r><a:rPr /><a:t> </a:t></a:r><a:r><a:rPr /><a:t>(+1</a:t></a:r><a:r><a:rPr /><a:t> </a:t></a:r><a:r><a:rPr /><a:t>Point)</a:t></a:r></a:p><a:p><a:pPr lvl="0" marL="0" indent="0"><a:buNone /></a:pPr></a:p><a:p><a:pPr lvl="1"><a:buAutoNum type="arabicPeriod" /></a:pPr><a:r><a:rPr /><a:t>Was</a:t></a:r><a:r><a:rPr /><a:t> </a:t></a:r><a:r><a:rPr /><a:t>the</a:t></a:r><a:r><a:rPr /><a:t> </a:t></a:r><a:r><a:rPr /><a:t>study</a:t></a:r><a:r><a:rPr /><a:t> </a:t></a:r><a:r><a:rPr /><a:t>described</a:t></a:r><a:r><a:rPr /><a:t> </a:t></a:r><a:r><a:rPr /><a:t>as</a:t></a:r><a:r><a:rPr /><a:t> </a:t></a:r><a:r><a:rPr /><a:t>double</a:t></a:r><a:r><a:rPr /><a:t> </a:t></a:r><a:r><a:rPr /><a:t>blind?</a:t></a:r><a:r><a:rPr /><a:t> </a:t></a:r><a:r><a:rPr /><a:t>(+1</a:t></a:r><a:r><a:rPr /><a:t> </a:t></a:r><a:r><a:rPr /><a:t>Point)</a:t></a:r></a:p><a:p><a:pPr lvl="0" marL="0" indent="0"><a:buNone /></a:pPr></a:p><a:p><a:pPr lvl="1"><a:buAutoNum type="arabicPeriod" /></a:pPr><a:r><a:rPr /><a:t>Was</a:t></a:r><a:r><a:rPr /><a:t> </a:t></a:r><a:r><a:rPr /><a:t>the</a:t></a:r><a:r><a:rPr /><a:t> </a:t></a:r><a:r><a:rPr /><a:t>method</a:t></a:r><a:r><a:rPr /><a:t> </a:t></a:r><a:r><a:rPr /><a:t>of</a:t></a:r><a:r><a:rPr /><a:t> </a:t></a:r><a:r><a:rPr /><a:t>double</a:t></a:r><a:r><a:rPr /><a:t> </a:t></a:r><a:r><a:rPr /><a:t>blinding</a:t></a:r><a:r><a:rPr /><a:t> </a:t></a:r><a:r><a:rPr /><a:t>described</a:t></a:r><a:r><a:rPr /><a:t> </a:t></a:r><a:r><a:rPr /><a:t>and</a:t></a:r><a:r><a:rPr /><a:t> </a:t></a:r><a:r><a:rPr /><a:t>appropriate</a:t></a:r><a:r><a:rPr /><a:t> </a:t></a:r><a:r><a:rPr /><a:t>(identical</a:t></a:r><a:r><a:rPr /><a:t> </a:t></a:r><a:r><a:rPr /><a:t>placebo,</a:t></a:r><a:r><a:rPr /><a:t> </a:t></a:r><a:r><a:rPr /><a:t>active</a:t></a:r><a:r><a:rPr /><a:t> </a:t></a:r><a:r><a:rPr /><a:t>placebo,</a:t></a:r><a:r><a:rPr /><a:t> </a:t></a:r><a:r><a:rPr /><a:t>dummy,</a:t></a:r><a:r><a:rPr /><a:t> </a:t></a:r><a:r><a:rPr /><a:t>etc)?</a:t></a:r><a:r><a:rPr /><a:t> </a:t></a:r><a:r><a:rPr /><a:t>(+1</a:t></a:r><a:r><a:rPr /><a:t> </a:t></a:r><a:r><a:rPr /><a:t>Point)</a:t></a:r></a:p><a:p><a:pPr lvl="0" marL="0" indent="0"><a:buNone /></a:pPr></a:p><a:p><a:pPr lvl="1"><a:buAutoNum type="arabicPeriod" /></a:pPr><a:r><a:rPr /><a:t>Was</a:t></a:r><a:r><a:rPr /><a:t> </a:t></a:r><a:r><a:rPr /><a:t>there</a:t></a:r><a:r><a:rPr /><a:t> </a:t></a:r><a:r><a:rPr /><a:t>a</a:t></a:r><a:r><a:rPr /><a:t> </a:t></a:r><a:r><a:rPr /><a:t>description</a:t></a:r><a:r><a:rPr /><a:t> </a:t></a:r><a:r><a:rPr /><a:t>of</a:t></a:r><a:r><a:rPr /><a:t> </a:t></a:r><a:r><a:rPr /><a:t>withdrawals</a:t></a:r><a:r><a:rPr /><a:t> </a:t></a:r><a:r><a:rPr /><a:t>and</a:t></a:r><a:r><a:rPr /><a:t> </a:t></a:r><a:r><a:rPr /><a:t>dropouts?</a:t></a:r><a:r><a:rPr /><a:t> </a:t></a:r><a:r><a:rPr /><a:t>(+1</a:t></a:r><a:r><a:rPr /><a:t> </a:t></a:r><a:r><a:rPr /><a:t>Point)</a:t></a:r></a:p><a:p><a:pPr lvl="0" marL="0" indent="0"><a:buNone /></a:pPr></a:p><a:p><a:pPr lvl="1"><a:buAutoNum type="arabicPeriod" /></a:pPr><a:r><a:rPr /><a:t>Deduct</a:t></a:r><a:r><a:rPr /><a:t> </a:t></a:r><a:r><a:rPr /><a:t>one</a:t></a:r><a:r><a:rPr /><a:t> </a:t></a:r><a:r><a:rPr /><a:t>point</a:t></a:r><a:r><a:rPr /><a:t> </a:t></a:r><a:r><a:rPr /><a:t>if</a:t></a:r><a:r><a:rPr /><a:t> </a:t></a:r><a:r><a:rPr /><a:t>the</a:t></a:r><a:r><a:rPr /><a:t> </a:t></a:r><a:r><a:rPr /><a:t>method</a:t></a:r><a:r><a:rPr /><a:t> </a:t></a:r><a:r><a:rPr /><a:t>used</a:t></a:r><a:r><a:rPr /><a:t> </a:t></a:r><a:r><a:rPr /><a:t>to</a:t></a:r><a:r><a:rPr /><a:t> </a:t></a:r><a:r><a:rPr /><a:t>generate</a:t></a:r><a:r><a:rPr /><a:t> </a:t></a:r><a:r><a:rPr /><a:t>the</a:t></a:r><a:r><a:rPr /><a:t> </a:t></a:r><a:r><a:rPr /><a:t>sequence</a:t></a:r><a:r><a:rPr /><a:t> </a:t></a:r><a:r><a:rPr /><a:t>of</a:t></a:r><a:r><a:rPr /><a:t> </a:t></a:r><a:r><a:rPr /><a:t>randomisation</a:t></a:r><a:r><a:rPr /><a:t> </a:t></a:r><a:r><a:rPr /><a:t>was</a:t></a:r><a:r><a:rPr /><a:t> </a:t></a:r><a:r><a:rPr /><a:t>described</a:t></a:r><a:r><a:rPr /><a:t> </a:t></a:r><a:r><a:rPr /><a:t>and</a:t></a:r><a:r><a:rPr /><a:t> </a:t></a:r><a:r><a:rPr /><a:t>it</a:t></a:r><a:r><a:rPr /><a:t> </a:t></a:r><a:r><a:rPr /><a:t>was</a:t></a:r><a:r><a:rPr /><a:t> </a:t></a:r><a:r><a:rPr /><a:t>inappropriate</a:t></a:r><a:r><a:rPr /><a:t> </a:t></a:r><a:r><a:rPr /><a:t>(patients</a:t></a:r><a:r><a:rPr /><a:t> </a:t></a:r><a:r><a:rPr /><a:t>were</a:t></a:r><a:r><a:rPr /><a:t> </a:t></a:r><a:r><a:rPr /><a:t>allocated</a:t></a:r><a:r><a:rPr /><a:t> </a:t></a:r><a:r><a:rPr /><a:t>alternately,</a:t></a:r><a:r><a:rPr /><a:t> </a:t></a:r><a:r><a:rPr /><a:t>or</a:t></a:r><a:r><a:rPr /><a:t> </a:t></a:r><a:r><a:rPr /><a:t>according</a:t></a:r><a:r><a:rPr /><a:t> </a:t></a:r><a:r><a:rPr /><a:t>to</a:t></a:r><a:r><a:rPr /><a:t> </a:t></a:r><a:r><a:rPr /><a:t>date</a:t></a:r><a:r><a:rPr /><a:t> </a:t></a:r><a:r><a:rPr /><a:t>of</a:t></a:r><a:r><a:rPr /><a:t> </a:t></a:r><a:r><a:rPr /><a:t>birth,</a:t></a:r><a:r><a:rPr /><a:t> </a:t></a:r><a:r><a:rPr /><a:t>hospital</a:t></a:r><a:r><a:rPr /><a:t> </a:t></a:r><a:r><a:rPr /><a:t>number,</a:t></a:r><a:r><a:rPr /><a:t> </a:t></a:r><a:r><a:rPr /><a:t>etc)</a:t></a:r></a:p><a:p><a:pPr lvl="0" marL="0" indent="0"><a:buNone /></a:pPr></a:p><a:p><a:pPr lvl="1"><a:buAutoNum type="arabicPeriod" /></a:pPr><a:r><a:rPr /><a:t>Deduct</a:t></a:r><a:r><a:rPr /><a:t> </a:t></a:r><a:r><a:rPr /><a:t>one</a:t></a:r><a:r><a:rPr /><a:t> </a:t></a:r><a:r><a:rPr /><a:t>point</a:t></a:r><a:r><a:rPr /><a:t> </a:t></a:r><a:r><a:rPr /><a:t>if</a:t></a:r><a:r><a:rPr /><a:t> </a:t></a:r><a:r><a:rPr /><a:t>the</a:t></a:r><a:r><a:rPr /><a:t> </a:t></a:r><a:r><a:rPr /><a:t>study</a:t></a:r><a:r><a:rPr /><a:t> </a:t></a:r><a:r><a:rPr /><a:t>was</a:t></a:r><a:r><a:rPr /><a:t> </a:t></a:r><a:r><a:rPr /><a:t>described</a:t></a:r><a:r><a:rPr /><a:t> </a:t></a:r><a:r><a:rPr /><a:t>as</a:t></a:r><a:r><a:rPr /><a:t> </a:t></a:r><a:r><a:rPr /><a:t>double</a:t></a:r><a:r><a:rPr /><a:t> </a:t></a:r><a:r><a:rPr /><a:t>blind</a:t></a:r><a:r><a:rPr /><a:t> </a:t></a:r><a:r><a:rPr /><a:t>but</a:t></a:r><a:r><a:rPr /><a:t> </a:t></a:r><a:r><a:rPr /><a:t>the</a:t></a:r><a:r><a:rPr /><a:t> </a:t></a:r><a:r><a:rPr /><a:t>method</a:t></a:r><a:r><a:rPr /><a:t> </a:t></a:r><a:r><a:rPr /><a:t>of</a:t></a:r><a:r><a:rPr /><a:t> </a:t></a:r><a:r><a:rPr /><a:t>blinding</a:t></a:r><a:r><a:rPr /><a:t> </a:t></a:r><a:r><a:rPr /><a:t>was</a:t></a:r><a:r><a:rPr /><a:t> </a:t></a:r><a:r><a:rPr /><a:t>inappropriate</a:t></a:r><a:r><a:rPr /><a:t> </a:t></a:r><a:r><a:rPr /><a:t>(e.g.,</a:t></a:r><a:r><a:rPr /><a:t> </a:t></a:r><a:r><a:rPr /><a:t>comparison</a:t></a:r><a:r><a:rPr /><a:t> </a:t></a:r><a:r><a:rPr /><a:t>of</a:t></a:r><a:r><a:rPr /><a:t> </a:t></a:r><a:r><a:rPr /><a:t>tablet</a:t></a:r><a:r><a:rPr /><a:t> </a:t></a:r><a:r><a:rPr /><a:t>vs. injection</a:t></a:r><a:r><a:rPr /><a:t> </a:t></a:r><a:r><a:rPr /><a:t>with</a:t></a:r><a:r><a:rPr /><a:t> </a:t></a:r><a:r><a:rPr /><a:t>no</a:t></a:r><a:r><a:rPr /><a:t> </a:t></a:r><a:r><a:rPr /><a:t>double</a:t></a:r><a:r><a:rPr /><a:t> </a:t></a:r><a:r><a:rPr /><a:t>dummy).</a:t></a:r></a:p><a:p><a:pPr lvl="0" marL="0" indent="0"><a:buNone /></a:pPr></a:p><a:p><a:pPr lvl="1"><a:buAutoNum type="arabicPeriod" /></a:pPr><a:r><a:rPr /><a:t>eligibility</a:t></a:r><a:r><a:rPr /><a:t> </a:t></a:r><a:r><a:rPr /><a:t>criteria</a:t></a:r><a:r><a:rPr /><a:t> </a:t></a:r><a:r><a:rPr /><a:t>were</a:t></a:r><a:r><a:rPr /><a:t> </a:t></a:r><a:r><a:rPr /><a:t>specified</a:t></a:r><a:r><a:rPr /><a:t> </a:t></a:r><a:r><a:rPr /><a:t>no</a:t></a:r><a:r><a:rPr /><a:t> </a:t></a:r><a:r><a:rPr /><a:t>&#1;</a:t></a:r><a:r><a:rPr /><a:t> </a:t></a:r><a:r><a:rPr /><a:t>yes</a:t></a:r><a:r><a:rPr /><a:t> </a:t></a:r><a:r><a:rPr /><a:t>&#1;</a:t></a:r><a:r><a:rPr /><a:t> </a:t></a:r><a:r><a:rPr /><a:t>where:</a:t></a:r></a:p><a:p><a:pPr lvl="0" marL="0" indent="0"><a:buNone /></a:pPr></a:p><a:p><a:pPr lvl="1"><a:buAutoNum type="arabicPeriod" /></a:pPr><a:r><a:rPr /><a:t>subjects</a:t></a:r><a:r><a:rPr /><a:t> </a:t></a:r><a:r><a:rPr /><a:t>were</a:t></a:r><a:r><a:rPr /><a:t> </a:t></a:r><a:r><a:rPr /><a:t>randomly</a:t></a:r><a:r><a:rPr /><a:t> </a:t></a:r><a:r><a:rPr /><a:t>allocated</a:t></a:r><a:r><a:rPr /><a:t> </a:t></a:r><a:r><a:rPr /><a:t>to</a:t></a:r><a:r><a:rPr /><a:t> </a:t></a:r><a:r><a:rPr /><a:t>groups</a:t></a:r><a:r><a:rPr /><a:t> </a:t></a:r><a:r><a:rPr /><a:t>(in</a:t></a:r><a:r><a:rPr /><a:t> </a:t></a:r><a:r><a:rPr /><a:t>a</a:t></a:r><a:r><a:rPr /><a:t> </a:t></a:r><a:r><a:rPr /><a:t>crossover</a:t></a:r><a:r><a:rPr /><a:t> </a:t></a:r><a:r><a:rPr /><a:t>study,</a:t></a:r><a:r><a:rPr /><a:t> </a:t></a:r><a:r><a:rPr /><a:t>subjects</a:t></a:r><a:r><a:rPr /><a:t> </a:t></a:r><a:r><a:rPr /><a:t>were</a:t></a:r><a:r><a:rPr /><a:t> </a:t></a:r><a:r><a:rPr /><a:t>randomly</a:t></a:r><a:r><a:rPr /><a:t> </a:t></a:r><a:r><a:rPr /><a:t>allocated</a:t></a:r><a:r><a:rPr /><a:t> </a:t></a:r><a:r><a:rPr /><a:t>an</a:t></a:r><a:r><a:rPr /><a:t> </a:t></a:r><a:r><a:rPr /><a:t>order</a:t></a:r><a:r><a:rPr /><a:t> </a:t></a:r><a:r><a:rPr /><a:t>in</a:t></a:r><a:r><a:rPr /><a:t> </a:t></a:r><a:r><a:rPr /><a:t>which</a:t></a:r><a:r><a:rPr /><a:t> </a:t></a:r><a:r><a:rPr /><a:t>treatments</a:t></a:r><a:r><a:rPr /><a:t> </a:t></a:r><a:r><a:rPr /><a:t>were</a:t></a:r><a:r><a:rPr /><a:t> </a:t></a:r><a:r><a:rPr /><a:t>received)</a:t></a:r><a:r><a:rPr /><a:t> </a:t></a:r><a:r><a:rPr /><a:t>no</a:t></a:r><a:r><a:rPr /><a:t> </a:t></a:r><a:r><a:rPr /><a:t>&#1;</a:t></a:r><a:r><a:rPr /><a:t> </a:t></a:r><a:r><a:rPr /><a:t>yes</a:t></a:r><a:r><a:rPr /><a:t> </a:t></a:r><a:r><a:rPr /><a:t>&#1;</a:t></a:r><a:r><a:rPr /><a:t> </a:t></a:r><a:r><a:rPr /><a:t>where:</a:t></a:r></a:p><a:p><a:pPr lvl="0" marL="0" indent="0"><a:buNone /></a:pPr></a:p><a:p><a:pPr lvl="1"><a:buAutoNum type="arabicPeriod" /></a:pPr><a:r><a:rPr /><a:t>allocation</a:t></a:r><a:r><a:rPr /><a:t> </a:t></a:r><a:r><a:rPr /><a:t>was</a:t></a:r><a:r><a:rPr /><a:t> </a:t></a:r><a:r><a:rPr /><a:t>concealed</a:t></a:r><a:r><a:rPr /><a:t> </a:t></a:r><a:r><a:rPr /><a:t>no</a:t></a:r><a:r><a:rPr /><a:t> </a:t></a:r><a:r><a:rPr /><a:t>&#1;</a:t></a:r><a:r><a:rPr /><a:t> </a:t></a:r><a:r><a:rPr /><a:t>yes</a:t></a:r><a:r><a:rPr /><a:t> </a:t></a:r><a:r><a:rPr /><a:t>&#1;</a:t></a:r><a:r><a:rPr /><a:t> </a:t></a:r><a:r><a:rPr /><a:t>where:</a:t></a:r></a:p><a:p><a:pPr lvl="0" marL="0" indent="0"><a:buNone /></a:pPr></a:p><a:p><a:pPr lvl="1"><a:buAutoNum type="arabicPeriod" /></a:pPr><a:r><a:rPr /><a:t>the</a:t></a:r><a:r><a:rPr /><a:t> </a:t></a:r><a:r><a:rPr /><a:t>groups</a:t></a:r><a:r><a:rPr /><a:t> </a:t></a:r><a:r><a:rPr /><a:t>were</a:t></a:r><a:r><a:rPr /><a:t> </a:t></a:r><a:r><a:rPr /><a:t>similar</a:t></a:r><a:r><a:rPr /><a:t> </a:t></a:r><a:r><a:rPr /><a:t>at</a:t></a:r><a:r><a:rPr /><a:t> </a:t></a:r><a:r><a:rPr /><a:t>baseline</a:t></a:r><a:r><a:rPr /><a:t> </a:t></a:r><a:r><a:rPr /><a:t>regarding</a:t></a:r><a:r><a:rPr /><a:t> </a:t></a:r><a:r><a:rPr /><a:t>the</a:t></a:r><a:r><a:rPr /><a:t> </a:t></a:r><a:r><a:rPr /><a:t>most</a:t></a:r><a:r><a:rPr /><a:t> </a:t></a:r><a:r><a:rPr /><a:t>important</a:t></a:r><a:r><a:rPr /><a:t> </a:t></a:r><a:r><a:rPr /><a:t>prognostic</a:t></a:r><a:r><a:rPr /><a:t> </a:t></a:r><a:r><a:rPr /><a:t>indicators</a:t></a:r><a:r><a:rPr /><a:t> </a:t></a:r><a:r><a:rPr /><a:t>no</a:t></a:r><a:r><a:rPr /><a:t> </a:t></a:r><a:r><a:rPr /><a:t>&#1;</a:t></a:r><a:r><a:rPr /><a:t> </a:t></a:r><a:r><a:rPr /><a:t>yes</a:t></a:r><a:r><a:rPr /><a:t> </a:t></a:r><a:r><a:rPr /><a:t>&#1;</a:t></a:r><a:r><a:rPr /><a:t> </a:t></a:r><a:r><a:rPr /><a:t>where:</a:t></a:r></a:p><a:p><a:pPr lvl="0" marL="0" indent="0"><a:buNone /></a:pPr></a:p><a:p><a:pPr lvl="1"><a:buAutoNum type="arabicPeriod" /></a:pPr><a:r><a:rPr /><a:t>there</a:t></a:r><a:r><a:rPr /><a:t> </a:t></a:r><a:r><a:rPr /><a:t>was</a:t></a:r><a:r><a:rPr /><a:t> </a:t></a:r><a:r><a:rPr /><a:t>blinding</a:t></a:r><a:r><a:rPr /><a:t> </a:t></a:r><a:r><a:rPr /><a:t>of</a:t></a:r><a:r><a:rPr /><a:t> </a:t></a:r><a:r><a:rPr /><a:t>all</a:t></a:r><a:r><a:rPr /><a:t> </a:t></a:r><a:r><a:rPr /><a:t>subjects</a:t></a:r><a:r><a:rPr /><a:t> </a:t></a:r><a:r><a:rPr /><a:t>no</a:t></a:r><a:r><a:rPr /><a:t> </a:t></a:r><a:r><a:rPr /><a:t>&#1;</a:t></a:r><a:r><a:rPr /><a:t> </a:t></a:r><a:r><a:rPr /><a:t>yes</a:t></a:r><a:r><a:rPr /><a:t> </a:t></a:r><a:r><a:rPr /><a:t>&#1;</a:t></a:r><a:r><a:rPr /><a:t> </a:t></a:r><a:r><a:rPr /><a:t>where:</a:t></a:r></a:p><a:p><a:pPr lvl="0" marL="0" indent="0"><a:buNone /></a:pPr></a:p><a:p><a:pPr lvl="1"><a:buAutoNum type="arabicPeriod" /></a:pPr><a:r><a:rPr /><a:t>there</a:t></a:r><a:r><a:rPr /><a:t> </a:t></a:r><a:r><a:rPr /><a:t>was</a:t></a:r><a:r><a:rPr /><a:t> </a:t></a:r><a:r><a:rPr /><a:t>blinding</a:t></a:r><a:r><a:rPr /><a:t> </a:t></a:r><a:r><a:rPr /><a:t>of</a:t></a:r><a:r><a:rPr /><a:t> </a:t></a:r><a:r><a:rPr /><a:t>all</a:t></a:r><a:r><a:rPr /><a:t> </a:t></a:r><a:r><a:rPr /><a:t>therapists</a:t></a:r><a:r><a:rPr /><a:t> </a:t></a:r><a:r><a:rPr /><a:t>who</a:t></a:r><a:r><a:rPr /><a:t> </a:t></a:r><a:r><a:rPr /><a:t>administered</a:t></a:r><a:r><a:rPr /><a:t> </a:t></a:r><a:r><a:rPr /><a:t>the</a:t></a:r><a:r><a:rPr /><a:t> </a:t></a:r><a:r><a:rPr /><a:t>therapy</a:t></a:r><a:r><a:rPr /><a:t> </a:t></a:r><a:r><a:rPr /><a:t>no</a:t></a:r><a:r><a:rPr /><a:t> </a:t></a:r><a:r><a:rPr /><a:t>&#1;</a:t></a:r><a:r><a:rPr /><a:t> </a:t></a:r><a:r><a:rPr /><a:t>yes</a:t></a:r><a:r><a:rPr /><a:t> </a:t></a:r><a:r><a:rPr /><a:t>&#1;</a:t></a:r><a:r><a:rPr /><a:t> </a:t></a:r><a:r><a:rPr /><a:t>where:</a:t></a:r></a:p><a:p><a:pPr lvl="0" marL="0" indent="0"><a:buNone /></a:pPr></a:p><a:p><a:pPr lvl="1"><a:buAutoNum type="arabicPeriod" /></a:pPr><a:r><a:rPr /><a:t>there</a:t></a:r><a:r><a:rPr /><a:t> </a:t></a:r><a:r><a:rPr /><a:t>was</a:t></a:r><a:r><a:rPr /><a:t> </a:t></a:r><a:r><a:rPr /><a:t>blinding</a:t></a:r><a:r><a:rPr /><a:t> </a:t></a:r><a:r><a:rPr /><a:t>of</a:t></a:r><a:r><a:rPr /><a:t> </a:t></a:r><a:r><a:rPr /><a:t>all</a:t></a:r><a:r><a:rPr /><a:t> </a:t></a:r><a:r><a:rPr /><a:t>assessors</a:t></a:r><a:r><a:rPr /><a:t> </a:t></a:r><a:r><a:rPr /><a:t>who</a:t></a:r><a:r><a:rPr /><a:t> </a:t></a:r><a:r><a:rPr /><a:t>measured</a:t></a:r><a:r><a:rPr /><a:t> </a:t></a:r><a:r><a:rPr /><a:t>at</a:t></a:r><a:r><a:rPr /><a:t> </a:t></a:r><a:r><a:rPr /><a:t>least</a:t></a:r><a:r><a:rPr /><a:t> </a:t></a:r><a:r><a:rPr /><a:t>one</a:t></a:r><a:r><a:rPr /><a:t> </a:t></a:r><a:r><a:rPr /><a:t>key</a:t></a:r><a:r><a:rPr /><a:t> </a:t></a:r><a:r><a:rPr /><a:t>outcome</a:t></a:r><a:r><a:rPr /><a:t> </a:t></a:r><a:r><a:rPr /><a:t>no</a:t></a:r><a:r><a:rPr /><a:t> </a:t></a:r><a:r><a:rPr /><a:t>&#1;</a:t></a:r><a:r><a:rPr /><a:t> </a:t></a:r><a:r><a:rPr /><a:t>yes</a:t></a:r><a:r><a:rPr /><a:t> </a:t></a:r><a:r><a:rPr /><a:t>&#1;</a:t></a:r><a:r><a:rPr /><a:t> </a:t></a:r><a:r><a:rPr /><a:t>where:</a:t></a:r></a:p><a:p><a:pPr lvl="0" marL="0" indent="0"><a:buNone /></a:pPr></a:p><a:p><a:pPr lvl="1"><a:buAutoNum type="arabicPeriod" /></a:pPr><a:r><a:rPr /><a:t>measures</a:t></a:r><a:r><a:rPr /><a:t> </a:t></a:r><a:r><a:rPr /><a:t>of</a:t></a:r><a:r><a:rPr /><a:t> </a:t></a:r><a:r><a:rPr /><a:t>at</a:t></a:r><a:r><a:rPr /><a:t> </a:t></a:r><a:r><a:rPr /><a:t>least</a:t></a:r><a:r><a:rPr /><a:t> </a:t></a:r><a:r><a:rPr /><a:t>one</a:t></a:r><a:r><a:rPr /><a:t> </a:t></a:r><a:r><a:rPr /><a:t>key</a:t></a:r><a:r><a:rPr /><a:t> </a:t></a:r><a:r><a:rPr /><a:t>outcome</a:t></a:r><a:r><a:rPr /><a:t> </a:t></a:r><a:r><a:rPr /><a:t>were</a:t></a:r><a:r><a:rPr /><a:t> </a:t></a:r><a:r><a:rPr /><a:t>obtained</a:t></a:r><a:r><a:rPr /><a:t> </a:t></a:r><a:r><a:rPr /><a:t>from</a:t></a:r><a:r><a:rPr /><a:t> </a:t></a:r><a:r><a:rPr /><a:t>more</a:t></a:r><a:r><a:rPr /><a:t> </a:t></a:r><a:r><a:rPr /><a:t>than</a:t></a:r><a:r><a:rPr /><a:t> </a:t></a:r><a:r><a:rPr /><a:t>85%</a:t></a:r><a:r><a:rPr /><a:t> </a:t></a:r><a:r><a:rPr /><a:t>of</a:t></a:r><a:r><a:rPr /><a:t> </a:t></a:r><a:r><a:rPr /><a:t>the</a:t></a:r><a:r><a:rPr /><a:t> </a:t></a:r><a:r><a:rPr /><a:t>subjects</a:t></a:r><a:r><a:rPr /><a:t> </a:t></a:r><a:r><a:rPr /><a:t>initially</a:t></a:r><a:r><a:rPr /><a:t> </a:t></a:r><a:r><a:rPr /><a:t>allocated</a:t></a:r><a:r><a:rPr /><a:t> </a:t></a:r><a:r><a:rPr /><a:t>to</a:t></a:r><a:r><a:rPr /><a:t> </a:t></a:r><a:r><a:rPr /><a:t>groups</a:t></a:r><a:r><a:rPr /><a:t> </a:t></a:r><a:r><a:rPr /><a:t>no</a:t></a:r><a:r><a:rPr /><a:t> </a:t></a:r><a:r><a:rPr /><a:t>&#1;</a:t></a:r><a:r><a:rPr /><a:t> </a:t></a:r><a:r><a:rPr /><a:t>yes</a:t></a:r><a:r><a:rPr /><a:t> </a:t></a:r><a:r><a:rPr /><a:t>&#1;</a:t></a:r><a:r><a:rPr /><a:t> </a:t></a:r><a:r><a:rPr /><a:t>where:</a:t></a:r></a:p><a:p><a:pPr lvl="0" marL="0" indent="0"><a:buNone /></a:pPr></a:p><a:p><a:pPr lvl="1"><a:buAutoNum type="arabicPeriod" /></a:pPr><a:r><a:rPr /><a:t>all</a:t></a:r><a:r><a:rPr /><a:t> </a:t></a:r><a:r><a:rPr /><a:t>subjects</a:t></a:r><a:r><a:rPr /><a:t> </a:t></a:r><a:r><a:rPr /><a:t>for</a:t></a:r><a:r><a:rPr /><a:t> </a:t></a:r><a:r><a:rPr /><a:t>whom</a:t></a:r><a:r><a:rPr /><a:t> </a:t></a:r><a:r><a:rPr /><a:t>outcome</a:t></a:r><a:r><a:rPr /><a:t> </a:t></a:r><a:r><a:rPr /><a:t>measures</a:t></a:r><a:r><a:rPr /><a:t> </a:t></a:r><a:r><a:rPr /><a:t>were</a:t></a:r><a:r><a:rPr /><a:t> </a:t></a:r><a:r><a:rPr /><a:t>available</a:t></a:r><a:r><a:rPr /><a:t> </a:t></a:r><a:r><a:rPr /><a:t>received</a:t></a:r><a:r><a:rPr /><a:t> </a:t></a:r><a:r><a:rPr /><a:t>the</a:t></a:r><a:r><a:rPr /><a:t> </a:t></a:r><a:r><a:rPr /><a:t>treatment</a:t></a:r><a:r><a:rPr /><a:t> </a:t></a:r><a:r><a:rPr /><a:t>or</a:t></a:r><a:r><a:rPr /><a:t> </a:t></a:r><a:r><a:rPr /><a:t>control</a:t></a:r><a:r><a:rPr /><a:t> </a:t></a:r><a:r><a:rPr /><a:t>condition</a:t></a:r><a:r><a:rPr /><a:t> </a:t></a:r><a:r><a:rPr /><a:t>as</a:t></a:r><a:r><a:rPr /><a:t> </a:t></a:r><a:r><a:rPr /><a:t>allocated</a:t></a:r><a:r><a:rPr /><a:t> </a:t></a:r><a:r><a:rPr /><a:t>or,</a:t></a:r><a:r><a:rPr /><a:t> </a:t></a:r><a:r><a:rPr /><a:t>where</a:t></a:r><a:r><a:rPr /><a:t> </a:t></a:r><a:r><a:rPr /><a:t>this</a:t></a:r><a:r><a:rPr /><a:t> </a:t></a:r><a:r><a:rPr /><a:t>was</a:t></a:r><a:r><a:rPr /><a:t> </a:t></a:r><a:r><a:rPr /><a:t>not</a:t></a:r><a:r><a:rPr /><a:t> </a:t></a:r><a:r><a:rPr /><a:t>the</a:t></a:r><a:r><a:rPr /><a:t> </a:t></a:r><a:r><a:rPr /><a:t>case,</a:t></a:r><a:r><a:rPr /><a:t> </a:t></a:r><a:r><a:rPr /><a:t>data</a:t></a:r><a:r><a:rPr /><a:t> </a:t></a:r><a:r><a:rPr /><a:t>for</a:t></a:r><a:r><a:rPr /><a:t> </a:t></a:r><a:r><a:rPr /><a:t>at</a:t></a:r><a:r><a:rPr /><a:t> </a:t></a:r><a:r><a:rPr /><a:t>least</a:t></a:r><a:r><a:rPr /><a:t> </a:t></a:r><a:r><a:rPr /><a:t>one</a:t></a:r><a:r><a:rPr /><a:t> </a:t></a:r><a:r><a:rPr /><a:t>key</a:t></a:r><a:r><a:rPr /><a:t> </a:t></a:r><a:r><a:rPr /><a:t>outcome</a:t></a:r><a:r><a:rPr /><a:t> </a:t></a:r><a:r><a:rPr /><a:t>was</a:t></a:r><a:r><a:rPr /><a:t> </a:t></a:r><a:r><a:rPr /><a:t>analysed</a:t></a:r><a:r><a:rPr /><a:t> </a:t></a:r><a:r><a:rPr /><a:t>by</a:t></a:r><a:r><a:rPr /><a:t> </a:t></a:r><a:r><a:rPr /><a:t>“</a:t></a:r><a:r><a:rPr /><a:t>intention</a:t></a:r><a:r><a:rPr /><a:t> </a:t></a:r><a:r><a:rPr /><a:t>to</a:t></a:r><a:r><a:rPr /><a:t> </a:t></a:r><a:r><a:rPr /><a:t>treat</a:t></a:r><a:r><a:rPr /><a:t>”</a:t></a:r><a:r><a:rPr /><a:t> </a:t></a:r><a:r><a:rPr /><a:t>no</a:t></a:r><a:r><a:rPr /><a:t> </a:t></a:r><a:r><a:rPr /><a:t>&#1;</a:t></a:r><a:r><a:rPr /><a:t> </a:t></a:r><a:r><a:rPr /><a:t>yes</a:t></a:r><a:r><a:rPr /><a:t> </a:t></a:r><a:r><a:rPr /><a:t>&#1;</a:t></a:r><a:r><a:rPr /><a:t> </a:t></a:r><a:r><a:rPr /><a:t>where:</a:t></a:r></a:p><a:p><a:pPr lvl="0" marL="0" indent="0"><a:buNone /></a:pPr></a:p><a:p><a:pPr lvl="1"><a:buAutoNum type="arabicPeriod" /></a:pPr><a:r><a:rPr /><a:t>the</a:t></a:r><a:r><a:rPr /><a:t> </a:t></a:r><a:r><a:rPr /><a:t>results</a:t></a:r><a:r><a:rPr /><a:t> </a:t></a:r><a:r><a:rPr /><a:t>of</a:t></a:r><a:r><a:rPr /><a:t> </a:t></a:r><a:r><a:rPr /><a:t>between-group</a:t></a:r><a:r><a:rPr /><a:t> </a:t></a:r><a:r><a:rPr /><a:t>statistical</a:t></a:r><a:r><a:rPr /><a:t> </a:t></a:r><a:r><a:rPr /><a:t>comparisons</a:t></a:r><a:r><a:rPr /><a:t> </a:t></a:r><a:r><a:rPr /><a:t>are</a:t></a:r><a:r><a:rPr /><a:t> </a:t></a:r><a:r><a:rPr /><a:t>reported</a:t></a:r><a:r><a:rPr /><a:t> </a:t></a:r><a:r><a:rPr /><a:t>for</a:t></a:r><a:r><a:rPr /><a:t> </a:t></a:r><a:r><a:rPr /><a:t>at</a:t></a:r><a:r><a:rPr /><a:t> </a:t></a:r><a:r><a:rPr /><a:t>least</a:t></a:r><a:r><a:rPr /><a:t> </a:t></a:r><a:r><a:rPr /><a:t>one</a:t></a:r><a:r><a:rPr /><a:t> </a:t></a:r><a:r><a:rPr /><a:t>key</a:t></a:r><a:r><a:rPr /><a:t> </a:t></a:r><a:r><a:rPr /><a:t>outcome</a:t></a:r><a:r><a:rPr /><a:t> </a:t></a:r><a:r><a:rPr /><a:t>no</a:t></a:r><a:r><a:rPr /><a:t> </a:t></a:r><a:r><a:rPr /><a:t>&#1;</a:t></a:r><a:r><a:rPr /><a:t> </a:t></a:r><a:r><a:rPr /><a:t>yes</a:t></a:r><a:r><a:rPr /><a:t> </a:t></a:r><a:r><a:rPr /><a:t>&#1;</a:t></a:r><a:r><a:rPr /><a:t> </a:t></a:r><a:r><a:rPr /><a:t>where:</a:t></a:r></a:p><a:p><a:pPr lvl="0" marL="0" indent="0"><a:buNone /></a:pPr></a:p><a:p><a:pPr lvl="1"><a:buAutoNum type="arabicPeriod" /></a:pPr><a:r><a:rPr /><a:t>the</a:t></a:r><a:r><a:rPr /><a:t> </a:t></a:r><a:r><a:rPr /><a:t>study</a:t></a:r><a:r><a:rPr /><a:t> </a:t></a:r><a:r><a:rPr /><a:t>provides</a:t></a:r><a:r><a:rPr /><a:t> </a:t></a:r><a:r><a:rPr /><a:t>both</a:t></a:r><a:r><a:rPr /><a:t> </a:t></a:r><a:r><a:rPr /><a:t>point</a:t></a:r><a:r><a:rPr /><a:t> </a:t></a:r><a:r><a:rPr /><a:t>measures</a:t></a:r><a:r><a:rPr /><a:t> </a:t></a:r><a:r><a:rPr /><a:t>and</a:t></a:r><a:r><a:rPr /><a:t> </a:t></a:r><a:r><a:rPr /><a:t>measures</a:t></a:r><a:r><a:rPr /><a:t> </a:t></a:r><a:r><a:rPr /><a:t>of</a:t></a:r><a:r><a:rPr /><a:t> </a:t></a:r><a:r><a:rPr /><a:t>variability</a:t></a:r><a:r><a:rPr /><a:t> </a:t></a:r><a:r><a:rPr /><a:t>for</a:t></a:r><a:r><a:rPr /><a:t> </a:t></a:r><a:r><a:rPr /><a:t>at</a:t></a:r><a:r><a:rPr /><a:t> </a:t></a:r><a:r><a:rPr /><a:t>least</a:t></a:r><a:r><a:rPr /><a:t> </a:t></a:r><a:r><a:rPr /><a:t>one</a:t></a:r><a:r><a:rPr /><a:t> </a:t></a:r><a:r><a:rPr /><a:t>key</a:t></a:r><a:r><a:rPr /><a:t> </a:t></a:r><a:r><a:rPr /><a:t>outcome</a:t></a:r><a:r><a:rPr /><a:t> </a:t></a:r><a:r><a:rPr /><a:t>no</a:t></a:r><a:r><a:rPr /><a:t> </a:t></a:r><a:r><a:rPr /><a:t>&#1;</a:t></a:r><a:r><a:rPr /><a:t> </a:t></a:r><a:r><a:rPr /><a:t>yes</a:t></a:r><a:r><a:rPr /><a:t> </a:t></a:r><a:r><a:rPr /><a:t>&#1;</a:t></a:r><a:r><a:rPr /><a:t> </a:t></a:r><a:r><a:rPr /><a:t>where:</a:t></a:r></a:p></p:txBody></p:sp><p:sp><p:nvSpPr><p:cNvPr id="4" name="Slide Number Placeholder 3" /><p:cNvSpPr><a:spLocks noGrp="1" /></p:cNvSpPr><p:nvPr><p:ph type="sldNum" sz="quarter" idx="10" /></p:nvPr></p:nvSpPr><p:spPr /><p:txBody><a:bodyPr /><a:lstStyle /><a:p><a:fld id="{18BDFEC3-8487-43E8-A154-7C12CBC1FFF2}" type="slidenum"><a:rPr lang="en-US" /><a:t>14</a:t></a:fld><a:endParaRPr lang="en-US" /></a:p></p:txBody></p:sp></p:spTree></p:cSld></p:notes>
 </file>
 
 <file path=ppt/notesSlides/notesSlide14.xml><?xml version="1.0" encoding="utf-8"?>
@@ -22462,18 +21922,16 @@
                   <m:oMath xmlns:m="http://schemas.openxmlformats.org/officeDocument/2006/math">
                     <m:sSub>
                       <m:e>
-                        <m:groupChr>
-                          <m:groupChrPr>
+                        <m:acc>
+                          <m:accPr>
                             <m:chr m:val="̂"/>
-                            <m:pos m:val="top"/>
-                            <m:vertJc m:val="bot"/>
-                          </m:groupChrPr>
+                          </m:accPr>
                           <m:e>
                             <m:r>
                               <m:t>θ</m:t>
                             </m:r>
                           </m:e>
-                        </m:groupChr>
+                        </m:acc>
                       </m:e>
                       <m:sub>
                         <m:r>
@@ -22638,18 +22096,16 @@
                   <m:oMath xmlns:m="http://schemas.openxmlformats.org/officeDocument/2006/math">
                     <m:sSub>
                       <m:e>
-                        <m:groupChr>
-                          <m:groupChrPr>
+                        <m:acc>
+                          <m:accPr>
                             <m:chr m:val="̂"/>
-                            <m:pos m:val="top"/>
-                            <m:vertJc m:val="bot"/>
-                          </m:groupChrPr>
+                          </m:accPr>
                           <m:e>
                             <m:r>
                               <m:t>θ</m:t>
                             </m:r>
                           </m:e>
-                        </m:groupChr>
+                        </m:acc>
                       </m:e>
                       <m:sub>
                         <m:r>
@@ -23630,18 +23086,16 @@
                         <m:r>
                           <m:t>2</m:t>
                         </m:r>
-                        <m:groupChr>
-                          <m:groupChrPr>
+                        <m:acc>
+                          <m:accPr>
                             <m:chr m:val="̂"/>
-                            <m:pos m:val="top"/>
-                            <m:vertJc m:val="bot"/>
-                          </m:groupChrPr>
+                          </m:accPr>
                           <m:e>
                             <m:r>
                               <m:t>ρ</m:t>
                             </m:r>
                           </m:e>
-                        </m:groupChr>
+                        </m:acc>
                         <m:sSub>
                           <m:e>
                             <m:r>
@@ -24723,10 +24177,110 @@
                 <a:pPr lvl="0" marL="0" indent="0">
                   <a:buNone/>
                 </a:pPr>
-                <a:r>
-                  <a:rPr/>
-                  <a:t>$V(_i) +;(SMD)</a:t>
-                </a:r>
+                <a14:m>
+                  <m:oMath xmlns:m="http://schemas.openxmlformats.org/officeDocument/2006/math">
+                    <m:r>
+                      <m:t>V</m:t>
+                    </m:r>
+                    <m:r>
+                      <m:t>(</m:t>
+                    </m:r>
+                    <m:sSub>
+                      <m:e>
+                        <m:acc>
+                          <m:accPr>
+                            <m:chr m:val="̂"/>
+                          </m:accPr>
+                          <m:e>
+                            <m:r>
+                              <m:t>θ</m:t>
+                            </m:r>
+                          </m:e>
+                        </m:acc>
+                      </m:e>
+                      <m:sub>
+                        <m:r>
+                          <m:t>i</m:t>
+                        </m:r>
+                      </m:sub>
+                    </m:sSub>
+                    <m:r>
+                      <m:t>)</m:t>
+                    </m:r>
+                    <m:r>
+                      <m:t>≈</m:t>
+                    </m:r>
+                    <m:f>
+                      <m:fPr>
+                        <m:type m:val="bar"/>
+                      </m:fPr>
+                      <m:num>
+                        <m:r>
+                          <m:t>1</m:t>
+                        </m:r>
+                      </m:num>
+                      <m:den>
+                        <m:sSub>
+                          <m:e>
+                            <m:r>
+                              <m:t>n</m:t>
+                            </m:r>
+                          </m:e>
+                          <m:sub>
+                            <m:r>
+                              <m:t>T</m:t>
+                            </m:r>
+                          </m:sub>
+                        </m:sSub>
+                      </m:den>
+                    </m:f>
+                    <m:r>
+                      <m:t>+</m:t>
+                    </m:r>
+                    <m:f>
+                      <m:fPr>
+                        <m:type m:val="bar"/>
+                      </m:fPr>
+                      <m:num>
+                        <m:r>
+                          <m:t>1</m:t>
+                        </m:r>
+                      </m:num>
+                      <m:den>
+                        <m:sSub>
+                          <m:e>
+                            <m:r>
+                              <m:t>n</m:t>
+                            </m:r>
+                          </m:e>
+                          <m:sub>
+                            <m:r>
+                              <m:t>C</m:t>
+                            </m:r>
+                          </m:sub>
+                        </m:sSub>
+                      </m:den>
+                    </m:f>
+                    <m:r>
+                      <m:t> </m:t>
+                    </m:r>
+                    <m:r>
+                      <m:t>(</m:t>
+                    </m:r>
+                    <m:r>
+                      <m:t>S</m:t>
+                    </m:r>
+                    <m:r>
+                      <m:t>M</m:t>
+                    </m:r>
+                    <m:r>
+                      <m:t>D</m:t>
+                    </m:r>
+                    <m:r>
+                      <m:t>)</m:t>
+                    </m:r>
+                  </m:oMath>
+                </a14:m>
               </a:p>
               <a:p>
                 <a:pPr lvl="0" marL="0" indent="0">
@@ -24776,18 +24330,16 @@
                         </m:r>
                         <m:sSub>
                           <m:e>
-                            <m:groupChr>
-                              <m:groupChrPr>
+                            <m:acc>
+                              <m:accPr>
                                 <m:chr m:val="̂"/>
-                                <m:pos m:val="top"/>
-                                <m:vertJc m:val="bot"/>
-                              </m:groupChrPr>
+                              </m:accPr>
                               <m:e>
                                 <m:r>
                                   <m:t>θ</m:t>
                                 </m:r>
                               </m:e>
-                            </m:groupChr>
+                            </m:acc>
                           </m:e>
                           <m:sub>
                             <m:r>
@@ -24900,18 +24452,16 @@
                 </a:pPr>
                 <a14:m>
                   <m:oMath xmlns:m="http://schemas.openxmlformats.org/officeDocument/2006/math">
-                    <m:groupChr>
-                      <m:groupChrPr>
+                    <m:acc>
+                      <m:accPr>
                         <m:chr m:val="̂"/>
-                        <m:pos m:val="top"/>
-                        <m:vertJc m:val="bot"/>
-                      </m:groupChrPr>
+                      </m:accPr>
                       <m:e>
                         <m:r>
                           <m:t>θ</m:t>
                         </m:r>
                       </m:e>
-                    </m:groupChr>
+                    </m:acc>
                     <m:r>
                       <m:t>=</m:t>
                     </m:r>
@@ -24937,18 +24487,16 @@
                         </m:sSub>
                         <m:sSub>
                           <m:e>
-                            <m:groupChr>
-                              <m:groupChrPr>
+                            <m:acc>
+                              <m:accPr>
                                 <m:chr m:val="̂"/>
-                                <m:pos m:val="top"/>
-                                <m:vertJc m:val="bot"/>
-                              </m:groupChrPr>
+                              </m:accPr>
                               <m:e>
                                 <m:r>
                                   <m:t>θ</m:t>
                                 </m:r>
                               </m:e>
-                            </m:groupChr>
+                            </m:acc>
                           </m:e>
                           <m:sub>
                             <m:r>
@@ -24990,18 +24538,16 @@
                     <m:r>
                       <m:t>(</m:t>
                     </m:r>
-                    <m:groupChr>
-                      <m:groupChrPr>
+                    <m:acc>
+                      <m:accPr>
                         <m:chr m:val="̂"/>
-                        <m:pos m:val="top"/>
-                        <m:vertJc m:val="bot"/>
-                      </m:groupChrPr>
+                      </m:accPr>
                       <m:e>
                         <m:r>
                           <m:t>θ</m:t>
                         </m:r>
                       </m:e>
-                    </m:groupChr>
+                    </m:acc>
                     <m:r>
                       <m:t>)</m:t>
                     </m:r>
@@ -25051,18 +24597,16 @@
                       <m:num>
                         <m:sSup>
                           <m:e>
-                            <m:groupChr>
-                              <m:groupChrPr>
+                            <m:acc>
+                              <m:accPr>
                                 <m:chr m:val="̂"/>
-                                <m:pos m:val="top"/>
-                                <m:vertJc m:val="bot"/>
-                              </m:groupChrPr>
+                              </m:accPr>
                               <m:e>
                                 <m:r>
                                   <m:t>θ</m:t>
                                 </m:r>
                               </m:e>
-                            </m:groupChr>
+                            </m:acc>
                           </m:e>
                           <m:sup>
                             <m:r>
@@ -25078,18 +24622,16 @@
                         <m:r>
                           <m:t>(</m:t>
                         </m:r>
-                        <m:groupChr>
-                          <m:groupChrPr>
+                        <m:acc>
+                          <m:accPr>
                             <m:chr m:val="̂"/>
-                            <m:pos m:val="top"/>
-                            <m:vertJc m:val="bot"/>
-                          </m:groupChrPr>
+                          </m:accPr>
                           <m:e>
                             <m:r>
                               <m:t>θ</m:t>
                             </m:r>
                           </m:e>
-                        </m:groupChr>
+                        </m:acc>
                         <m:r>
                           <m:t>)</m:t>
                         </m:r>
@@ -25238,18 +24780,16 @@
                     </m:r>
                     <m:sSub>
                       <m:e>
-                        <m:groupChr>
-                          <m:groupChrPr>
+                        <m:acc>
+                          <m:accPr>
                             <m:chr m:val="̂"/>
-                            <m:pos m:val="top"/>
-                            <m:vertJc m:val="bot"/>
-                          </m:groupChrPr>
+                          </m:accPr>
                           <m:e>
                             <m:r>
                               <m:t>θ</m:t>
                             </m:r>
                           </m:e>
-                        </m:groupChr>
+                        </m:acc>
                       </m:e>
                       <m:sub>
                         <m:r>
@@ -25260,18 +24800,16 @@
                     <m:r>
                       <m:t>−</m:t>
                     </m:r>
-                    <m:groupChr>
-                      <m:groupChrPr>
+                    <m:acc>
+                      <m:accPr>
                         <m:chr m:val="̂"/>
-                        <m:pos m:val="top"/>
-                        <m:vertJc m:val="bot"/>
-                      </m:groupChrPr>
+                      </m:accPr>
                       <m:e>
                         <m:r>
                           <m:t>θ</m:t>
                         </m:r>
                       </m:e>
-                    </m:groupChr>
+                    </m:acc>
                     <m:sSup>
                       <m:e>
                         <m:r>
@@ -25489,18 +25027,16 @@
                   <m:oMath xmlns:m="http://schemas.openxmlformats.org/officeDocument/2006/math">
                     <m:sSup>
                       <m:e>
-                        <m:groupChr>
-                          <m:groupChrPr>
+                        <m:acc>
+                          <m:accPr>
                             <m:chr m:val="̂"/>
-                            <m:pos m:val="top"/>
-                            <m:vertJc m:val="bot"/>
-                          </m:groupChrPr>
+                          </m:accPr>
                           <m:e>
                             <m:r>
                               <m:t>τ</m:t>
                             </m:r>
                           </m:e>
-                        </m:groupChr>
+                        </m:acc>
                       </m:e>
                       <m:sup>
                         <m:r>
@@ -25600,18 +25136,16 @@
                         </m:r>
                         <m:sSub>
                           <m:e>
-                            <m:groupChr>
-                              <m:groupChrPr>
+                            <m:acc>
+                              <m:accPr>
                                 <m:chr m:val="̂"/>
-                                <m:pos m:val="top"/>
-                                <m:vertJc m:val="bot"/>
-                              </m:groupChrPr>
+                              </m:accPr>
                               <m:e>
                                 <m:r>
                                   <m:t>θ</m:t>
                                 </m:r>
                               </m:e>
-                            </m:groupChr>
+                            </m:acc>
                           </m:e>
                           <m:sub>
                             <m:r>
@@ -25627,18 +25161,16 @@
                         </m:r>
                         <m:sSup>
                           <m:e>
-                            <m:groupChr>
-                              <m:groupChrPr>
+                            <m:acc>
+                              <m:accPr>
                                 <m:chr m:val="̂"/>
-                                <m:pos m:val="top"/>
-                                <m:vertJc m:val="bot"/>
-                              </m:groupChrPr>
+                              </m:accPr>
                               <m:e>
                                 <m:r>
                                   <m:t>τ</m:t>
                                 </m:r>
                               </m:e>
-                            </m:groupChr>
+                            </m:acc>
                           </m:e>
                           <m:sup>
                             <m:r>

--- a/src/intro.pptx
+++ b/src/intro.pptx
@@ -24261,24 +24261,6 @@
                         </m:sSub>
                       </m:den>
                     </m:f>
-                    <m:r>
-                      <m:t> </m:t>
-                    </m:r>
-                    <m:r>
-                      <m:t>(</m:t>
-                    </m:r>
-                    <m:r>
-                      <m:t>S</m:t>
-                    </m:r>
-                    <m:r>
-                      <m:t>M</m:t>
-                    </m:r>
-                    <m:r>
-                      <m:t>D</m:t>
-                    </m:r>
-                    <m:r>
-                      <m:t>)</m:t>
-                    </m:r>
                   </m:oMath>
                 </a14:m>
               </a:p>
@@ -24286,10 +24268,118 @@
                 <a:pPr lvl="0" marL="0" indent="0">
                   <a:buNone/>
                 </a:pPr>
-                <a:r>
-                  <a:rPr/>
-                  <a:t>$  +  +  + ;(log;OR)$</a:t>
-                </a:r>
+                <a14:m>
+                  <m:oMath xmlns:m="http://schemas.openxmlformats.org/officeDocument/2006/math">
+                    <m:r>
+                      <m:t>≈</m:t>
+                    </m:r>
+                    <m:f>
+                      <m:fPr>
+                        <m:type m:val="bar"/>
+                      </m:fPr>
+                      <m:num>
+                        <m:r>
+                          <m:t>1</m:t>
+                        </m:r>
+                      </m:num>
+                      <m:den>
+                        <m:sSub>
+                          <m:e>
+                            <m:r>
+                              <m:t>n</m:t>
+                            </m:r>
+                          </m:e>
+                          <m:sub>
+                            <m:r>
+                              <m:t>11</m:t>
+                            </m:r>
+                          </m:sub>
+                        </m:sSub>
+                      </m:den>
+                    </m:f>
+                    <m:r>
+                      <m:t>+</m:t>
+                    </m:r>
+                    <m:f>
+                      <m:fPr>
+                        <m:type m:val="bar"/>
+                      </m:fPr>
+                      <m:num>
+                        <m:r>
+                          <m:t>1</m:t>
+                        </m:r>
+                      </m:num>
+                      <m:den>
+                        <m:sSub>
+                          <m:e>
+                            <m:r>
+                              <m:t>n</m:t>
+                            </m:r>
+                          </m:e>
+                          <m:sub>
+                            <m:r>
+                              <m:t>12</m:t>
+                            </m:r>
+                          </m:sub>
+                        </m:sSub>
+                      </m:den>
+                    </m:f>
+                    <m:r>
+                      <m:t>+</m:t>
+                    </m:r>
+                    <m:f>
+                      <m:fPr>
+                        <m:type m:val="bar"/>
+                      </m:fPr>
+                      <m:num>
+                        <m:r>
+                          <m:t>1</m:t>
+                        </m:r>
+                      </m:num>
+                      <m:den>
+                        <m:sSub>
+                          <m:e>
+                            <m:r>
+                              <m:t>n</m:t>
+                            </m:r>
+                          </m:e>
+                          <m:sub>
+                            <m:r>
+                              <m:t>21</m:t>
+                            </m:r>
+                          </m:sub>
+                        </m:sSub>
+                      </m:den>
+                    </m:f>
+                    <m:r>
+                      <m:t>+</m:t>
+                    </m:r>
+                    <m:f>
+                      <m:fPr>
+                        <m:type m:val="bar"/>
+                      </m:fPr>
+                      <m:num>
+                        <m:r>
+                          <m:t>1</m:t>
+                        </m:r>
+                      </m:num>
+                      <m:den>
+                        <m:sSub>
+                          <m:e>
+                            <m:r>
+                              <m:t>n</m:t>
+                            </m:r>
+                          </m:e>
+                          <m:sub>
+                            <m:r>
+                              <m:t>22</m:t>
+                            </m:r>
+                          </m:sub>
+                        </m:sSub>
+                      </m:den>
+                    </m:f>
+                  </m:oMath>
+                </a14:m>
               </a:p>
               <a:p>
                 <a:pPr lvl="0" marL="0" indent="0">

--- a/src/intro.pptx
+++ b/src/intro.pptx
@@ -2638,8 +2638,3232 @@
 </p:notes>
 </file>
 
-<file path=ppt/notesSlides/notesSlide13.xml><?xml version="1.0" encoding="UTF-8"?>
-<p:notes xmlns:a="http://schemas.openxmlformats.org/drawingml/2006/main" xmlns:r="http://schemas.openxmlformats.org/officeDocument/2006/relationships" xmlns:p="http://schemas.openxmlformats.org/presentationml/2006/main"><p:cSld><p:spTree><p:nvGrpSpPr><p:cNvPr id="1" name="" /><p:cNvGrpSpPr /><p:nvPr /></p:nvGrpSpPr><p:grpSpPr><a:xfrm><a:off x="0" y="0" /><a:ext cx="0" cy="0" /><a:chOff x="0" y="0" /><a:chExt cx="0" cy="0" /></a:xfrm></p:grpSpPr><p:sp><p:nvSpPr><p:cNvPr id="2" name="Slide Image Placeholder 1" /><p:cNvSpPr><a:spLocks noGrp="1" noRot="1" noChangeAspect="1" /></p:cNvSpPr><p:nvPr><p:ph type="sldImg" /></p:nvPr></p:nvSpPr><p:spPr /></p:sp><p:sp><p:nvSpPr><p:cNvPr id="3" name="Notes Placeholder 2" /><p:cNvSpPr><a:spLocks noGrp="1" /></p:cNvSpPr><p:nvPr><p:ph type="body" idx="1" /></p:nvPr></p:nvSpPr><p:spPr /><p:txBody><a:bodyPr /><a:lstStyle /><a:p><a:pPr lvl="0" marL="0" indent="0"><a:buNone /></a:pPr><a:r><a:rPr /><a:t>Meta-analysis</a:t></a:r><a:r><a:rPr /><a:t> </a:t></a:r><a:r><a:rPr /><a:t>cannot</a:t></a:r><a:r><a:rPr /><a:t> </a:t></a:r><a:r><a:rPr /><a:t>remove</a:t></a:r><a:r><a:rPr /><a:t> </a:t></a:r><a:r><a:rPr /><a:t>the</a:t></a:r><a:r><a:rPr /><a:t> </a:t></a:r><a:r><a:rPr /><a:t>biases</a:t></a:r><a:r><a:rPr /><a:t> </a:t></a:r><a:r><a:rPr /><a:t>and</a:t></a:r><a:r><a:rPr /><a:t> </a:t></a:r><a:r><a:rPr /><a:t>imprecision</a:t></a:r><a:r><a:rPr /><a:t> </a:t></a:r><a:r><a:rPr /><a:t>associated</a:t></a:r><a:r><a:rPr /><a:t> </a:t></a:r><a:r><a:rPr /><a:t>with</a:t></a:r><a:r><a:rPr /><a:t> </a:t></a:r><a:r><a:rPr /><a:t>poor</a:t></a:r><a:r><a:rPr /><a:t> </a:t></a:r><a:r><a:rPr /><a:t>research</a:t></a:r><a:r><a:rPr /><a:t> </a:t></a:r><a:r><a:rPr /><a:t>methodologies.</a:t></a:r><a:r><a:rPr /><a:t> </a:t></a:r><a:r><a:rPr /><a:t>If</a:t></a:r><a:r><a:rPr /><a:t> </a:t></a:r><a:r><a:rPr /><a:t>all</a:t></a:r><a:r><a:rPr /><a:t> </a:t></a:r><a:r><a:rPr /><a:t>of</a:t></a:r><a:r><a:rPr /><a:t> </a:t></a:r><a:r><a:rPr /><a:t>the</a:t></a:r><a:r><a:rPr /><a:t> </a:t></a:r><a:r><a:rPr /><a:t>studies</a:t></a:r><a:r><a:rPr /><a:t> </a:t></a:r><a:r><a:rPr /><a:t>have</a:t></a:r><a:r><a:rPr /><a:t> </a:t></a:r><a:r><a:rPr /><a:t>“</a:t></a:r><a:r><a:rPr /><a:t>issues</a:t></a:r><a:r><a:rPr /><a:t>”</a:t></a:r><a:r><a:rPr /><a:t> </a:t></a:r><a:r><a:rPr /><a:t>then</a:t></a:r><a:r><a:rPr /><a:t> </a:t></a:r><a:r><a:rPr /><a:t>a</a:t></a:r><a:r><a:rPr /><a:t> </a:t></a:r><a:r><a:rPr /><a:t>meta-analysis</a:t></a:r><a:r><a:rPr /><a:t> </a:t></a:r><a:r><a:rPr /><a:t>will</a:t></a:r><a:r><a:rPr /><a:t> </a:t></a:r><a:r><a:rPr /><a:t>amplify</a:t></a:r><a:r><a:rPr /><a:t> </a:t></a:r><a:r><a:rPr /><a:t>those</a:t></a:r><a:r><a:rPr /><a:t> </a:t></a:r><a:r><a:rPr /><a:t>issues.</a:t></a:r></a:p><a:p><a:pPr lvl="0" marL="0" indent="0"><a:buNone /></a:pPr></a:p><a:p><a:pPr lvl="0" marL="0" indent="0"><a:buNone /></a:pPr><a:r><a:rPr /><a:t>You</a:t></a:r><a:r><a:rPr /><a:t> </a:t></a:r><a:r><a:rPr /><a:t>can</a:t></a:r><a:r><a:rPr /><a:t> </a:t></a:r><a:r><a:rPr /><a:t>assess</a:t></a:r><a:r><a:rPr /><a:t> </a:t></a:r><a:r><a:rPr /><a:t>quality</a:t></a:r><a:r><a:rPr /><a:t> </a:t></a:r><a:r><a:rPr /><a:t>issues</a:t></a:r><a:r><a:rPr /><a:t> </a:t></a:r><a:r><a:rPr /><a:t>by</a:t></a:r><a:r><a:rPr /><a:t> </a:t></a:r><a:r><a:rPr /><a:t>limiting</a:t></a:r><a:r><a:rPr /><a:t> </a:t></a:r><a:r><a:rPr /><a:t>studies</a:t></a:r><a:r><a:rPr /><a:t> </a:t></a:r><a:r><a:rPr /><a:t>based</a:t></a:r><a:r><a:rPr /><a:t> </a:t></a:r><a:r><a:rPr /><a:t>on</a:t></a:r><a:r><a:rPr /><a:t> </a:t></a:r><a:r><a:rPr /><a:t>scoring</a:t></a:r><a:r><a:rPr /><a:t> </a:t></a:r><a:r><a:rPr /><a:t>systems</a:t></a:r><a:r><a:rPr /><a:t> </a:t></a:r><a:r><a:rPr /><a:t>like</a:t></a:r><a:r><a:rPr /><a:t> </a:t></a:r><a:r><a:rPr /><a:t>Jadad</a:t></a:r><a:r><a:rPr /><a:t> </a:t></a:r><a:r><a:rPr /><a:t>or</a:t></a:r><a:r><a:rPr /><a:t> </a:t></a:r><a:r><a:rPr /><a:t>PEDro</a:t></a:r><a:r><a:rPr /><a:t> </a:t></a:r><a:r><a:rPr /><a:t>or</a:t></a:r><a:r><a:rPr /><a:t> </a:t></a:r><a:r><a:rPr /><a:t>by</a:t></a:r><a:r><a:rPr /><a:t> </a:t></a:r><a:r><a:rPr /><a:t>weighting</a:t></a:r><a:r><a:rPr /><a:t> </a:t></a:r><a:r><a:rPr /><a:t>studies</a:t></a:r><a:r><a:rPr /><a:t> </a:t></a:r><a:r><a:rPr /><a:t>based</a:t></a:r><a:r><a:rPr /><a:t> </a:t></a:r><a:r><a:rPr /><a:t>on</a:t></a:r><a:r><a:rPr /><a:t> </a:t></a:r><a:r><a:rPr /><a:t>these</a:t></a:r><a:r><a:rPr /><a:t> </a:t></a:r><a:r><a:rPr /><a:t>scores.</a:t></a:r><a:r><a:rPr /><a:t> </a:t></a:r><a:r><a:rPr /><a:t>We’ll</a:t></a:r><a:r><a:rPr /><a:t> </a:t></a:r><a:r><a:rPr /><a:t>talk</a:t></a:r><a:r><a:rPr /><a:t> </a:t></a:r><a:r><a:rPr /><a:t>about</a:t></a:r><a:r><a:rPr /><a:t> </a:t></a:r><a:r><a:rPr /><a:t>this</a:t></a:r><a:r><a:rPr /><a:t> </a:t></a:r><a:r><a:rPr /><a:t>a</a:t></a:r><a:r><a:rPr /><a:t> </a:t></a:r><a:r><a:rPr /><a:t>bit</a:t></a:r><a:r><a:rPr /><a:t> </a:t></a:r><a:r><a:rPr /><a:t>later.</a:t></a:r></a:p><a:p><a:pPr lvl="0" marL="0" indent="0"><a:buNone /></a:pPr></a:p><a:p><a:pPr lvl="1"><a:buAutoNum type="arabicPeriod" /></a:pPr><a:r><a:rPr /><a:t>Was</a:t></a:r><a:r><a:rPr /><a:t> </a:t></a:r><a:r><a:rPr /><a:t>the</a:t></a:r><a:r><a:rPr /><a:t> </a:t></a:r><a:r><a:rPr /><a:t>study</a:t></a:r><a:r><a:rPr /><a:t> </a:t></a:r><a:r><a:rPr /><a:t>described</a:t></a:r><a:r><a:rPr /><a:t> </a:t></a:r><a:r><a:rPr /><a:t>as</a:t></a:r><a:r><a:rPr /><a:t> </a:t></a:r><a:r><a:rPr /><a:t>randomized</a:t></a:r><a:r><a:rPr /><a:t> </a:t></a:r><a:r><a:rPr /><a:t>(this</a:t></a:r><a:r><a:rPr /><a:t> </a:t></a:r><a:r><a:rPr /><a:t>includes</a:t></a:r><a:r><a:rPr /><a:t> </a:t></a:r><a:r><a:rPr /><a:t>words</a:t></a:r><a:r><a:rPr /><a:t> </a:t></a:r><a:r><a:rPr /><a:t>such</a:t></a:r><a:r><a:rPr /><a:t> </a:t></a:r><a:r><a:rPr /><a:t>as</a:t></a:r><a:r><a:rPr /><a:t> </a:t></a:r><a:r><a:rPr /><a:t>randomly,</a:t></a:r><a:r><a:rPr /><a:t> </a:t></a:r><a:r><a:rPr /><a:t>random,</a:t></a:r><a:r><a:rPr /><a:t> </a:t></a:r><a:r><a:rPr /><a:t>and</a:t></a:r><a:r><a:rPr /><a:t> </a:t></a:r><a:r><a:rPr /><a:t>randomisation)?</a:t></a:r><a:r><a:rPr /><a:t> </a:t></a:r><a:r><a:rPr /><a:t>(+1</a:t></a:r><a:r><a:rPr /><a:t> </a:t></a:r><a:r><a:rPr /><a:t>Point)</a:t></a:r></a:p><a:p><a:pPr lvl="0" marL="0" indent="0"><a:buNone /></a:pPr></a:p><a:p><a:pPr lvl="1"><a:buAutoNum type="arabicPeriod" /></a:pPr><a:r><a:rPr /><a:t>Was</a:t></a:r><a:r><a:rPr /><a:t> </a:t></a:r><a:r><a:rPr /><a:t>the</a:t></a:r><a:r><a:rPr /><a:t> </a:t></a:r><a:r><a:rPr /><a:t>method</a:t></a:r><a:r><a:rPr /><a:t> </a:t></a:r><a:r><a:rPr /><a:t>used</a:t></a:r><a:r><a:rPr /><a:t> </a:t></a:r><a:r><a:rPr /><a:t>to</a:t></a:r><a:r><a:rPr /><a:t> </a:t></a:r><a:r><a:rPr /><a:t>generate</a:t></a:r><a:r><a:rPr /><a:t> </a:t></a:r><a:r><a:rPr /><a:t>the</a:t></a:r><a:r><a:rPr /><a:t> </a:t></a:r><a:r><a:rPr /><a:t>sequence</a:t></a:r><a:r><a:rPr /><a:t> </a:t></a:r><a:r><a:rPr /><a:t>of</a:t></a:r><a:r><a:rPr /><a:t> </a:t></a:r><a:r><a:rPr /><a:t>randomisation</a:t></a:r><a:r><a:rPr /><a:t> </a:t></a:r><a:r><a:rPr /><a:t>described</a:t></a:r><a:r><a:rPr /><a:t> </a:t></a:r><a:r><a:rPr /><a:t>and</a:t></a:r><a:r><a:rPr /><a:t> </a:t></a:r><a:r><a:rPr /><a:t>appropriate</a:t></a:r><a:r><a:rPr /><a:t> </a:t></a:r><a:r><a:rPr /><a:t>(table</a:t></a:r><a:r><a:rPr /><a:t> </a:t></a:r><a:r><a:rPr /><a:t>of</a:t></a:r><a:r><a:rPr /><a:t> </a:t></a:r><a:r><a:rPr /><a:t>random</a:t></a:r><a:r><a:rPr /><a:t> </a:t></a:r><a:r><a:rPr /><a:t>numbers,</a:t></a:r><a:r><a:rPr /><a:t> </a:t></a:r><a:r><a:rPr /><a:t>computer-generated,</a:t></a:r><a:r><a:rPr /><a:t> </a:t></a:r><a:r><a:rPr /><a:t>etc)?</a:t></a:r><a:r><a:rPr /><a:t> </a:t></a:r><a:r><a:rPr /><a:t>(+1</a:t></a:r><a:r><a:rPr /><a:t> </a:t></a:r><a:r><a:rPr /><a:t>Point)</a:t></a:r></a:p><a:p><a:pPr lvl="0" marL="0" indent="0"><a:buNone /></a:pPr></a:p><a:p><a:pPr lvl="1"><a:buAutoNum type="arabicPeriod" /></a:pPr><a:r><a:rPr /><a:t>Was</a:t></a:r><a:r><a:rPr /><a:t> </a:t></a:r><a:r><a:rPr /><a:t>the</a:t></a:r><a:r><a:rPr /><a:t> </a:t></a:r><a:r><a:rPr /><a:t>study</a:t></a:r><a:r><a:rPr /><a:t> </a:t></a:r><a:r><a:rPr /><a:t>described</a:t></a:r><a:r><a:rPr /><a:t> </a:t></a:r><a:r><a:rPr /><a:t>as</a:t></a:r><a:r><a:rPr /><a:t> </a:t></a:r><a:r><a:rPr /><a:t>double</a:t></a:r><a:r><a:rPr /><a:t> </a:t></a:r><a:r><a:rPr /><a:t>blind?</a:t></a:r><a:r><a:rPr /><a:t> </a:t></a:r><a:r><a:rPr /><a:t>(+1</a:t></a:r><a:r><a:rPr /><a:t> </a:t></a:r><a:r><a:rPr /><a:t>Point)</a:t></a:r></a:p><a:p><a:pPr lvl="0" marL="0" indent="0"><a:buNone /></a:pPr></a:p><a:p><a:pPr lvl="1"><a:buAutoNum type="arabicPeriod" /></a:pPr><a:r><a:rPr /><a:t>Was</a:t></a:r><a:r><a:rPr /><a:t> </a:t></a:r><a:r><a:rPr /><a:t>the</a:t></a:r><a:r><a:rPr /><a:t> </a:t></a:r><a:r><a:rPr /><a:t>method</a:t></a:r><a:r><a:rPr /><a:t> </a:t></a:r><a:r><a:rPr /><a:t>of</a:t></a:r><a:r><a:rPr /><a:t> </a:t></a:r><a:r><a:rPr /><a:t>double</a:t></a:r><a:r><a:rPr /><a:t> </a:t></a:r><a:r><a:rPr /><a:t>blinding</a:t></a:r><a:r><a:rPr /><a:t> </a:t></a:r><a:r><a:rPr /><a:t>described</a:t></a:r><a:r><a:rPr /><a:t> </a:t></a:r><a:r><a:rPr /><a:t>and</a:t></a:r><a:r><a:rPr /><a:t> </a:t></a:r><a:r><a:rPr /><a:t>appropriate</a:t></a:r><a:r><a:rPr /><a:t> </a:t></a:r><a:r><a:rPr /><a:t>(identical</a:t></a:r><a:r><a:rPr /><a:t> </a:t></a:r><a:r><a:rPr /><a:t>placebo,</a:t></a:r><a:r><a:rPr /><a:t> </a:t></a:r><a:r><a:rPr /><a:t>active</a:t></a:r><a:r><a:rPr /><a:t> </a:t></a:r><a:r><a:rPr /><a:t>placebo,</a:t></a:r><a:r><a:rPr /><a:t> </a:t></a:r><a:r><a:rPr /><a:t>dummy,</a:t></a:r><a:r><a:rPr /><a:t> </a:t></a:r><a:r><a:rPr /><a:t>etc)?</a:t></a:r><a:r><a:rPr /><a:t> </a:t></a:r><a:r><a:rPr /><a:t>(+1</a:t></a:r><a:r><a:rPr /><a:t> </a:t></a:r><a:r><a:rPr /><a:t>Point)</a:t></a:r></a:p><a:p><a:pPr lvl="0" marL="0" indent="0"><a:buNone /></a:pPr></a:p><a:p><a:pPr lvl="1"><a:buAutoNum type="arabicPeriod" /></a:pPr><a:r><a:rPr /><a:t>Was</a:t></a:r><a:r><a:rPr /><a:t> </a:t></a:r><a:r><a:rPr /><a:t>there</a:t></a:r><a:r><a:rPr /><a:t> </a:t></a:r><a:r><a:rPr /><a:t>a</a:t></a:r><a:r><a:rPr /><a:t> </a:t></a:r><a:r><a:rPr /><a:t>description</a:t></a:r><a:r><a:rPr /><a:t> </a:t></a:r><a:r><a:rPr /><a:t>of</a:t></a:r><a:r><a:rPr /><a:t> </a:t></a:r><a:r><a:rPr /><a:t>withdrawals</a:t></a:r><a:r><a:rPr /><a:t> </a:t></a:r><a:r><a:rPr /><a:t>and</a:t></a:r><a:r><a:rPr /><a:t> </a:t></a:r><a:r><a:rPr /><a:t>dropouts?</a:t></a:r><a:r><a:rPr /><a:t> </a:t></a:r><a:r><a:rPr /><a:t>(+1</a:t></a:r><a:r><a:rPr /><a:t> </a:t></a:r><a:r><a:rPr /><a:t>Point)</a:t></a:r></a:p><a:p><a:pPr lvl="0" marL="0" indent="0"><a:buNone /></a:pPr></a:p><a:p><a:pPr lvl="1"><a:buAutoNum type="arabicPeriod" /></a:pPr><a:r><a:rPr /><a:t>Deduct</a:t></a:r><a:r><a:rPr /><a:t> </a:t></a:r><a:r><a:rPr /><a:t>one</a:t></a:r><a:r><a:rPr /><a:t> </a:t></a:r><a:r><a:rPr /><a:t>point</a:t></a:r><a:r><a:rPr /><a:t> </a:t></a:r><a:r><a:rPr /><a:t>if</a:t></a:r><a:r><a:rPr /><a:t> </a:t></a:r><a:r><a:rPr /><a:t>the</a:t></a:r><a:r><a:rPr /><a:t> </a:t></a:r><a:r><a:rPr /><a:t>method</a:t></a:r><a:r><a:rPr /><a:t> </a:t></a:r><a:r><a:rPr /><a:t>used</a:t></a:r><a:r><a:rPr /><a:t> </a:t></a:r><a:r><a:rPr /><a:t>to</a:t></a:r><a:r><a:rPr /><a:t> </a:t></a:r><a:r><a:rPr /><a:t>generate</a:t></a:r><a:r><a:rPr /><a:t> </a:t></a:r><a:r><a:rPr /><a:t>the</a:t></a:r><a:r><a:rPr /><a:t> </a:t></a:r><a:r><a:rPr /><a:t>sequence</a:t></a:r><a:r><a:rPr /><a:t> </a:t></a:r><a:r><a:rPr /><a:t>of</a:t></a:r><a:r><a:rPr /><a:t> </a:t></a:r><a:r><a:rPr /><a:t>randomisation</a:t></a:r><a:r><a:rPr /><a:t> </a:t></a:r><a:r><a:rPr /><a:t>was</a:t></a:r><a:r><a:rPr /><a:t> </a:t></a:r><a:r><a:rPr /><a:t>described</a:t></a:r><a:r><a:rPr /><a:t> </a:t></a:r><a:r><a:rPr /><a:t>and</a:t></a:r><a:r><a:rPr /><a:t> </a:t></a:r><a:r><a:rPr /><a:t>it</a:t></a:r><a:r><a:rPr /><a:t> </a:t></a:r><a:r><a:rPr /><a:t>was</a:t></a:r><a:r><a:rPr /><a:t> </a:t></a:r><a:r><a:rPr /><a:t>inappropriate</a:t></a:r><a:r><a:rPr /><a:t> </a:t></a:r><a:r><a:rPr /><a:t>(patients</a:t></a:r><a:r><a:rPr /><a:t> </a:t></a:r><a:r><a:rPr /><a:t>were</a:t></a:r><a:r><a:rPr /><a:t> </a:t></a:r><a:r><a:rPr /><a:t>allocated</a:t></a:r><a:r><a:rPr /><a:t> </a:t></a:r><a:r><a:rPr /><a:t>alternately,</a:t></a:r><a:r><a:rPr /><a:t> </a:t></a:r><a:r><a:rPr /><a:t>or</a:t></a:r><a:r><a:rPr /><a:t> </a:t></a:r><a:r><a:rPr /><a:t>according</a:t></a:r><a:r><a:rPr /><a:t> </a:t></a:r><a:r><a:rPr /><a:t>to</a:t></a:r><a:r><a:rPr /><a:t> </a:t></a:r><a:r><a:rPr /><a:t>date</a:t></a:r><a:r><a:rPr /><a:t> </a:t></a:r><a:r><a:rPr /><a:t>of</a:t></a:r><a:r><a:rPr /><a:t> </a:t></a:r><a:r><a:rPr /><a:t>birth,</a:t></a:r><a:r><a:rPr /><a:t> </a:t></a:r><a:r><a:rPr /><a:t>hospital</a:t></a:r><a:r><a:rPr /><a:t> </a:t></a:r><a:r><a:rPr /><a:t>number,</a:t></a:r><a:r><a:rPr /><a:t> </a:t></a:r><a:r><a:rPr /><a:t>etc)</a:t></a:r></a:p><a:p><a:pPr lvl="0" marL="0" indent="0"><a:buNone /></a:pPr></a:p><a:p><a:pPr lvl="1"><a:buAutoNum type="arabicPeriod" /></a:pPr><a:r><a:rPr /><a:t>Deduct</a:t></a:r><a:r><a:rPr /><a:t> </a:t></a:r><a:r><a:rPr /><a:t>one</a:t></a:r><a:r><a:rPr /><a:t> </a:t></a:r><a:r><a:rPr /><a:t>point</a:t></a:r><a:r><a:rPr /><a:t> </a:t></a:r><a:r><a:rPr /><a:t>if</a:t></a:r><a:r><a:rPr /><a:t> </a:t></a:r><a:r><a:rPr /><a:t>the</a:t></a:r><a:r><a:rPr /><a:t> </a:t></a:r><a:r><a:rPr /><a:t>study</a:t></a:r><a:r><a:rPr /><a:t> </a:t></a:r><a:r><a:rPr /><a:t>was</a:t></a:r><a:r><a:rPr /><a:t> </a:t></a:r><a:r><a:rPr /><a:t>described</a:t></a:r><a:r><a:rPr /><a:t> </a:t></a:r><a:r><a:rPr /><a:t>as</a:t></a:r><a:r><a:rPr /><a:t> </a:t></a:r><a:r><a:rPr /><a:t>double</a:t></a:r><a:r><a:rPr /><a:t> </a:t></a:r><a:r><a:rPr /><a:t>blind</a:t></a:r><a:r><a:rPr /><a:t> </a:t></a:r><a:r><a:rPr /><a:t>but</a:t></a:r><a:r><a:rPr /><a:t> </a:t></a:r><a:r><a:rPr /><a:t>the</a:t></a:r><a:r><a:rPr /><a:t> </a:t></a:r><a:r><a:rPr /><a:t>method</a:t></a:r><a:r><a:rPr /><a:t> </a:t></a:r><a:r><a:rPr /><a:t>of</a:t></a:r><a:r><a:rPr /><a:t> </a:t></a:r><a:r><a:rPr /><a:t>blinding</a:t></a:r><a:r><a:rPr /><a:t> </a:t></a:r><a:r><a:rPr /><a:t>was</a:t></a:r><a:r><a:rPr /><a:t> </a:t></a:r><a:r><a:rPr /><a:t>inappropriate</a:t></a:r><a:r><a:rPr /><a:t> </a:t></a:r><a:r><a:rPr /><a:t>(e.g.,</a:t></a:r><a:r><a:rPr /><a:t> </a:t></a:r><a:r><a:rPr /><a:t>comparison</a:t></a:r><a:r><a:rPr /><a:t> </a:t></a:r><a:r><a:rPr /><a:t>of</a:t></a:r><a:r><a:rPr /><a:t> </a:t></a:r><a:r><a:rPr /><a:t>tablet</a:t></a:r><a:r><a:rPr /><a:t> </a:t></a:r><a:r><a:rPr /><a:t>vs. injection</a:t></a:r><a:r><a:rPr /><a:t> </a:t></a:r><a:r><a:rPr /><a:t>with</a:t></a:r><a:r><a:rPr /><a:t> </a:t></a:r><a:r><a:rPr /><a:t>no</a:t></a:r><a:r><a:rPr /><a:t> </a:t></a:r><a:r><a:rPr /><a:t>double</a:t></a:r><a:r><a:rPr /><a:t> </a:t></a:r><a:r><a:rPr /><a:t>dummy).</a:t></a:r></a:p><a:p><a:pPr lvl="0" marL="0" indent="0"><a:buNone /></a:pPr></a:p><a:p><a:pPr lvl="1"><a:buAutoNum type="arabicPeriod" /></a:pPr><a:r><a:rPr /><a:t>eligibility</a:t></a:r><a:r><a:rPr /><a:t> </a:t></a:r><a:r><a:rPr /><a:t>criteria</a:t></a:r><a:r><a:rPr /><a:t> </a:t></a:r><a:r><a:rPr /><a:t>were</a:t></a:r><a:r><a:rPr /><a:t> </a:t></a:r><a:r><a:rPr /><a:t>specified</a:t></a:r><a:r><a:rPr /><a:t> </a:t></a:r><a:r><a:rPr /><a:t>no</a:t></a:r><a:r><a:rPr /><a:t> </a:t></a:r><a:r><a:rPr /><a:t>&#1;</a:t></a:r><a:r><a:rPr /><a:t> </a:t></a:r><a:r><a:rPr /><a:t>yes</a:t></a:r><a:r><a:rPr /><a:t> </a:t></a:r><a:r><a:rPr /><a:t>&#1;</a:t></a:r><a:r><a:rPr /><a:t> </a:t></a:r><a:r><a:rPr /><a:t>where:</a:t></a:r></a:p><a:p><a:pPr lvl="0" marL="0" indent="0"><a:buNone /></a:pPr></a:p><a:p><a:pPr lvl="1"><a:buAutoNum type="arabicPeriod" /></a:pPr><a:r><a:rPr /><a:t>subjects</a:t></a:r><a:r><a:rPr /><a:t> </a:t></a:r><a:r><a:rPr /><a:t>were</a:t></a:r><a:r><a:rPr /><a:t> </a:t></a:r><a:r><a:rPr /><a:t>randomly</a:t></a:r><a:r><a:rPr /><a:t> </a:t></a:r><a:r><a:rPr /><a:t>allocated</a:t></a:r><a:r><a:rPr /><a:t> </a:t></a:r><a:r><a:rPr /><a:t>to</a:t></a:r><a:r><a:rPr /><a:t> </a:t></a:r><a:r><a:rPr /><a:t>groups</a:t></a:r><a:r><a:rPr /><a:t> </a:t></a:r><a:r><a:rPr /><a:t>(in</a:t></a:r><a:r><a:rPr /><a:t> </a:t></a:r><a:r><a:rPr /><a:t>a</a:t></a:r><a:r><a:rPr /><a:t> </a:t></a:r><a:r><a:rPr /><a:t>crossover</a:t></a:r><a:r><a:rPr /><a:t> </a:t></a:r><a:r><a:rPr /><a:t>study,</a:t></a:r><a:r><a:rPr /><a:t> </a:t></a:r><a:r><a:rPr /><a:t>subjects</a:t></a:r><a:r><a:rPr /><a:t> </a:t></a:r><a:r><a:rPr /><a:t>were</a:t></a:r><a:r><a:rPr /><a:t> </a:t></a:r><a:r><a:rPr /><a:t>randomly</a:t></a:r><a:r><a:rPr /><a:t> </a:t></a:r><a:r><a:rPr /><a:t>allocated</a:t></a:r><a:r><a:rPr /><a:t> </a:t></a:r><a:r><a:rPr /><a:t>an</a:t></a:r><a:r><a:rPr /><a:t> </a:t></a:r><a:r><a:rPr /><a:t>order</a:t></a:r><a:r><a:rPr /><a:t> </a:t></a:r><a:r><a:rPr /><a:t>in</a:t></a:r><a:r><a:rPr /><a:t> </a:t></a:r><a:r><a:rPr /><a:t>which</a:t></a:r><a:r><a:rPr /><a:t> </a:t></a:r><a:r><a:rPr /><a:t>treatments</a:t></a:r><a:r><a:rPr /><a:t> </a:t></a:r><a:r><a:rPr /><a:t>were</a:t></a:r><a:r><a:rPr /><a:t> </a:t></a:r><a:r><a:rPr /><a:t>received)</a:t></a:r><a:r><a:rPr /><a:t> </a:t></a:r><a:r><a:rPr /><a:t>no</a:t></a:r><a:r><a:rPr /><a:t> </a:t></a:r><a:r><a:rPr /><a:t>&#1;</a:t></a:r><a:r><a:rPr /><a:t> </a:t></a:r><a:r><a:rPr /><a:t>yes</a:t></a:r><a:r><a:rPr /><a:t> </a:t></a:r><a:r><a:rPr /><a:t>&#1;</a:t></a:r><a:r><a:rPr /><a:t> </a:t></a:r><a:r><a:rPr /><a:t>where:</a:t></a:r></a:p><a:p><a:pPr lvl="0" marL="0" indent="0"><a:buNone /></a:pPr></a:p><a:p><a:pPr lvl="1"><a:buAutoNum type="arabicPeriod" /></a:pPr><a:r><a:rPr /><a:t>allocation</a:t></a:r><a:r><a:rPr /><a:t> </a:t></a:r><a:r><a:rPr /><a:t>was</a:t></a:r><a:r><a:rPr /><a:t> </a:t></a:r><a:r><a:rPr /><a:t>concealed</a:t></a:r><a:r><a:rPr /><a:t> </a:t></a:r><a:r><a:rPr /><a:t>no</a:t></a:r><a:r><a:rPr /><a:t> </a:t></a:r><a:r><a:rPr /><a:t>&#1;</a:t></a:r><a:r><a:rPr /><a:t> </a:t></a:r><a:r><a:rPr /><a:t>yes</a:t></a:r><a:r><a:rPr /><a:t> </a:t></a:r><a:r><a:rPr /><a:t>&#1;</a:t></a:r><a:r><a:rPr /><a:t> </a:t></a:r><a:r><a:rPr /><a:t>where:</a:t></a:r></a:p><a:p><a:pPr lvl="0" marL="0" indent="0"><a:buNone /></a:pPr></a:p><a:p><a:pPr lvl="1"><a:buAutoNum type="arabicPeriod" /></a:pPr><a:r><a:rPr /><a:t>the</a:t></a:r><a:r><a:rPr /><a:t> </a:t></a:r><a:r><a:rPr /><a:t>groups</a:t></a:r><a:r><a:rPr /><a:t> </a:t></a:r><a:r><a:rPr /><a:t>were</a:t></a:r><a:r><a:rPr /><a:t> </a:t></a:r><a:r><a:rPr /><a:t>similar</a:t></a:r><a:r><a:rPr /><a:t> </a:t></a:r><a:r><a:rPr /><a:t>at</a:t></a:r><a:r><a:rPr /><a:t> </a:t></a:r><a:r><a:rPr /><a:t>baseline</a:t></a:r><a:r><a:rPr /><a:t> </a:t></a:r><a:r><a:rPr /><a:t>regarding</a:t></a:r><a:r><a:rPr /><a:t> </a:t></a:r><a:r><a:rPr /><a:t>the</a:t></a:r><a:r><a:rPr /><a:t> </a:t></a:r><a:r><a:rPr /><a:t>most</a:t></a:r><a:r><a:rPr /><a:t> </a:t></a:r><a:r><a:rPr /><a:t>important</a:t></a:r><a:r><a:rPr /><a:t> </a:t></a:r><a:r><a:rPr /><a:t>prognostic</a:t></a:r><a:r><a:rPr /><a:t> </a:t></a:r><a:r><a:rPr /><a:t>indicators</a:t></a:r><a:r><a:rPr /><a:t> </a:t></a:r><a:r><a:rPr /><a:t>no</a:t></a:r><a:r><a:rPr /><a:t> </a:t></a:r><a:r><a:rPr /><a:t>&#1;</a:t></a:r><a:r><a:rPr /><a:t> </a:t></a:r><a:r><a:rPr /><a:t>yes</a:t></a:r><a:r><a:rPr /><a:t> </a:t></a:r><a:r><a:rPr /><a:t>&#1;</a:t></a:r><a:r><a:rPr /><a:t> </a:t></a:r><a:r><a:rPr /><a:t>where:</a:t></a:r></a:p><a:p><a:pPr lvl="0" marL="0" indent="0"><a:buNone /></a:pPr></a:p><a:p><a:pPr lvl="1"><a:buAutoNum type="arabicPeriod" /></a:pPr><a:r><a:rPr /><a:t>there</a:t></a:r><a:r><a:rPr /><a:t> </a:t></a:r><a:r><a:rPr /><a:t>was</a:t></a:r><a:r><a:rPr /><a:t> </a:t></a:r><a:r><a:rPr /><a:t>blinding</a:t></a:r><a:r><a:rPr /><a:t> </a:t></a:r><a:r><a:rPr /><a:t>of</a:t></a:r><a:r><a:rPr /><a:t> </a:t></a:r><a:r><a:rPr /><a:t>all</a:t></a:r><a:r><a:rPr /><a:t> </a:t></a:r><a:r><a:rPr /><a:t>subjects</a:t></a:r><a:r><a:rPr /><a:t> </a:t></a:r><a:r><a:rPr /><a:t>no</a:t></a:r><a:r><a:rPr /><a:t> </a:t></a:r><a:r><a:rPr /><a:t>&#1;</a:t></a:r><a:r><a:rPr /><a:t> </a:t></a:r><a:r><a:rPr /><a:t>yes</a:t></a:r><a:r><a:rPr /><a:t> </a:t></a:r><a:r><a:rPr /><a:t>&#1;</a:t></a:r><a:r><a:rPr /><a:t> </a:t></a:r><a:r><a:rPr /><a:t>where:</a:t></a:r></a:p><a:p><a:pPr lvl="0" marL="0" indent="0"><a:buNone /></a:pPr></a:p><a:p><a:pPr lvl="1"><a:buAutoNum type="arabicPeriod" /></a:pPr><a:r><a:rPr /><a:t>there</a:t></a:r><a:r><a:rPr /><a:t> </a:t></a:r><a:r><a:rPr /><a:t>was</a:t></a:r><a:r><a:rPr /><a:t> </a:t></a:r><a:r><a:rPr /><a:t>blinding</a:t></a:r><a:r><a:rPr /><a:t> </a:t></a:r><a:r><a:rPr /><a:t>of</a:t></a:r><a:r><a:rPr /><a:t> </a:t></a:r><a:r><a:rPr /><a:t>all</a:t></a:r><a:r><a:rPr /><a:t> </a:t></a:r><a:r><a:rPr /><a:t>therapists</a:t></a:r><a:r><a:rPr /><a:t> </a:t></a:r><a:r><a:rPr /><a:t>who</a:t></a:r><a:r><a:rPr /><a:t> </a:t></a:r><a:r><a:rPr /><a:t>administered</a:t></a:r><a:r><a:rPr /><a:t> </a:t></a:r><a:r><a:rPr /><a:t>the</a:t></a:r><a:r><a:rPr /><a:t> </a:t></a:r><a:r><a:rPr /><a:t>therapy</a:t></a:r><a:r><a:rPr /><a:t> </a:t></a:r><a:r><a:rPr /><a:t>no</a:t></a:r><a:r><a:rPr /><a:t> </a:t></a:r><a:r><a:rPr /><a:t>&#1;</a:t></a:r><a:r><a:rPr /><a:t> </a:t></a:r><a:r><a:rPr /><a:t>yes</a:t></a:r><a:r><a:rPr /><a:t> </a:t></a:r><a:r><a:rPr /><a:t>&#1;</a:t></a:r><a:r><a:rPr /><a:t> </a:t></a:r><a:r><a:rPr /><a:t>where:</a:t></a:r></a:p><a:p><a:pPr lvl="0" marL="0" indent="0"><a:buNone /></a:pPr></a:p><a:p><a:pPr lvl="1"><a:buAutoNum type="arabicPeriod" /></a:pPr><a:r><a:rPr /><a:t>there</a:t></a:r><a:r><a:rPr /><a:t> </a:t></a:r><a:r><a:rPr /><a:t>was</a:t></a:r><a:r><a:rPr /><a:t> </a:t></a:r><a:r><a:rPr /><a:t>blinding</a:t></a:r><a:r><a:rPr /><a:t> </a:t></a:r><a:r><a:rPr /><a:t>of</a:t></a:r><a:r><a:rPr /><a:t> </a:t></a:r><a:r><a:rPr /><a:t>all</a:t></a:r><a:r><a:rPr /><a:t> </a:t></a:r><a:r><a:rPr /><a:t>assessors</a:t></a:r><a:r><a:rPr /><a:t> </a:t></a:r><a:r><a:rPr /><a:t>who</a:t></a:r><a:r><a:rPr /><a:t> </a:t></a:r><a:r><a:rPr /><a:t>measured</a:t></a:r><a:r><a:rPr /><a:t> </a:t></a:r><a:r><a:rPr /><a:t>at</a:t></a:r><a:r><a:rPr /><a:t> </a:t></a:r><a:r><a:rPr /><a:t>least</a:t></a:r><a:r><a:rPr /><a:t> </a:t></a:r><a:r><a:rPr /><a:t>one</a:t></a:r><a:r><a:rPr /><a:t> </a:t></a:r><a:r><a:rPr /><a:t>key</a:t></a:r><a:r><a:rPr /><a:t> </a:t></a:r><a:r><a:rPr /><a:t>outcome</a:t></a:r><a:r><a:rPr /><a:t> </a:t></a:r><a:r><a:rPr /><a:t>no</a:t></a:r><a:r><a:rPr /><a:t> </a:t></a:r><a:r><a:rPr /><a:t>&#1;</a:t></a:r><a:r><a:rPr /><a:t> </a:t></a:r><a:r><a:rPr /><a:t>yes</a:t></a:r><a:r><a:rPr /><a:t> </a:t></a:r><a:r><a:rPr /><a:t>&#1;</a:t></a:r><a:r><a:rPr /><a:t> </a:t></a:r><a:r><a:rPr /><a:t>where:</a:t></a:r></a:p><a:p><a:pPr lvl="0" marL="0" indent="0"><a:buNone /></a:pPr></a:p><a:p><a:pPr lvl="1"><a:buAutoNum type="arabicPeriod" /></a:pPr><a:r><a:rPr /><a:t>measures</a:t></a:r><a:r><a:rPr /><a:t> </a:t></a:r><a:r><a:rPr /><a:t>of</a:t></a:r><a:r><a:rPr /><a:t> </a:t></a:r><a:r><a:rPr /><a:t>at</a:t></a:r><a:r><a:rPr /><a:t> </a:t></a:r><a:r><a:rPr /><a:t>least</a:t></a:r><a:r><a:rPr /><a:t> </a:t></a:r><a:r><a:rPr /><a:t>one</a:t></a:r><a:r><a:rPr /><a:t> </a:t></a:r><a:r><a:rPr /><a:t>key</a:t></a:r><a:r><a:rPr /><a:t> </a:t></a:r><a:r><a:rPr /><a:t>outcome</a:t></a:r><a:r><a:rPr /><a:t> </a:t></a:r><a:r><a:rPr /><a:t>were</a:t></a:r><a:r><a:rPr /><a:t> </a:t></a:r><a:r><a:rPr /><a:t>obtained</a:t></a:r><a:r><a:rPr /><a:t> </a:t></a:r><a:r><a:rPr /><a:t>from</a:t></a:r><a:r><a:rPr /><a:t> </a:t></a:r><a:r><a:rPr /><a:t>more</a:t></a:r><a:r><a:rPr /><a:t> </a:t></a:r><a:r><a:rPr /><a:t>than</a:t></a:r><a:r><a:rPr /><a:t> </a:t></a:r><a:r><a:rPr /><a:t>85%</a:t></a:r><a:r><a:rPr /><a:t> </a:t></a:r><a:r><a:rPr /><a:t>of</a:t></a:r><a:r><a:rPr /><a:t> </a:t></a:r><a:r><a:rPr /><a:t>the</a:t></a:r><a:r><a:rPr /><a:t> </a:t></a:r><a:r><a:rPr /><a:t>subjects</a:t></a:r><a:r><a:rPr /><a:t> </a:t></a:r><a:r><a:rPr /><a:t>initially</a:t></a:r><a:r><a:rPr /><a:t> </a:t></a:r><a:r><a:rPr /><a:t>allocated</a:t></a:r><a:r><a:rPr /><a:t> </a:t></a:r><a:r><a:rPr /><a:t>to</a:t></a:r><a:r><a:rPr /><a:t> </a:t></a:r><a:r><a:rPr /><a:t>groups</a:t></a:r><a:r><a:rPr /><a:t> </a:t></a:r><a:r><a:rPr /><a:t>no</a:t></a:r><a:r><a:rPr /><a:t> </a:t></a:r><a:r><a:rPr /><a:t>&#1;</a:t></a:r><a:r><a:rPr /><a:t> </a:t></a:r><a:r><a:rPr /><a:t>yes</a:t></a:r><a:r><a:rPr /><a:t> </a:t></a:r><a:r><a:rPr /><a:t>&#1;</a:t></a:r><a:r><a:rPr /><a:t> </a:t></a:r><a:r><a:rPr /><a:t>where:</a:t></a:r></a:p><a:p><a:pPr lvl="0" marL="0" indent="0"><a:buNone /></a:pPr></a:p><a:p><a:pPr lvl="1"><a:buAutoNum type="arabicPeriod" /></a:pPr><a:r><a:rPr /><a:t>all</a:t></a:r><a:r><a:rPr /><a:t> </a:t></a:r><a:r><a:rPr /><a:t>subjects</a:t></a:r><a:r><a:rPr /><a:t> </a:t></a:r><a:r><a:rPr /><a:t>for</a:t></a:r><a:r><a:rPr /><a:t> </a:t></a:r><a:r><a:rPr /><a:t>whom</a:t></a:r><a:r><a:rPr /><a:t> </a:t></a:r><a:r><a:rPr /><a:t>outcome</a:t></a:r><a:r><a:rPr /><a:t> </a:t></a:r><a:r><a:rPr /><a:t>measures</a:t></a:r><a:r><a:rPr /><a:t> </a:t></a:r><a:r><a:rPr /><a:t>were</a:t></a:r><a:r><a:rPr /><a:t> </a:t></a:r><a:r><a:rPr /><a:t>available</a:t></a:r><a:r><a:rPr /><a:t> </a:t></a:r><a:r><a:rPr /><a:t>received</a:t></a:r><a:r><a:rPr /><a:t> </a:t></a:r><a:r><a:rPr /><a:t>the</a:t></a:r><a:r><a:rPr /><a:t> </a:t></a:r><a:r><a:rPr /><a:t>treatment</a:t></a:r><a:r><a:rPr /><a:t> </a:t></a:r><a:r><a:rPr /><a:t>or</a:t></a:r><a:r><a:rPr /><a:t> </a:t></a:r><a:r><a:rPr /><a:t>control</a:t></a:r><a:r><a:rPr /><a:t> </a:t></a:r><a:r><a:rPr /><a:t>condition</a:t></a:r><a:r><a:rPr /><a:t> </a:t></a:r><a:r><a:rPr /><a:t>as</a:t></a:r><a:r><a:rPr /><a:t> </a:t></a:r><a:r><a:rPr /><a:t>allocated</a:t></a:r><a:r><a:rPr /><a:t> </a:t></a:r><a:r><a:rPr /><a:t>or,</a:t></a:r><a:r><a:rPr /><a:t> </a:t></a:r><a:r><a:rPr /><a:t>where</a:t></a:r><a:r><a:rPr /><a:t> </a:t></a:r><a:r><a:rPr /><a:t>this</a:t></a:r><a:r><a:rPr /><a:t> </a:t></a:r><a:r><a:rPr /><a:t>was</a:t></a:r><a:r><a:rPr /><a:t> </a:t></a:r><a:r><a:rPr /><a:t>not</a:t></a:r><a:r><a:rPr /><a:t> </a:t></a:r><a:r><a:rPr /><a:t>the</a:t></a:r><a:r><a:rPr /><a:t> </a:t></a:r><a:r><a:rPr /><a:t>case,</a:t></a:r><a:r><a:rPr /><a:t> </a:t></a:r><a:r><a:rPr /><a:t>data</a:t></a:r><a:r><a:rPr /><a:t> </a:t></a:r><a:r><a:rPr /><a:t>for</a:t></a:r><a:r><a:rPr /><a:t> </a:t></a:r><a:r><a:rPr /><a:t>at</a:t></a:r><a:r><a:rPr /><a:t> </a:t></a:r><a:r><a:rPr /><a:t>least</a:t></a:r><a:r><a:rPr /><a:t> </a:t></a:r><a:r><a:rPr /><a:t>one</a:t></a:r><a:r><a:rPr /><a:t> </a:t></a:r><a:r><a:rPr /><a:t>key</a:t></a:r><a:r><a:rPr /><a:t> </a:t></a:r><a:r><a:rPr /><a:t>outcome</a:t></a:r><a:r><a:rPr /><a:t> </a:t></a:r><a:r><a:rPr /><a:t>was</a:t></a:r><a:r><a:rPr /><a:t> </a:t></a:r><a:r><a:rPr /><a:t>analysed</a:t></a:r><a:r><a:rPr /><a:t> </a:t></a:r><a:r><a:rPr /><a:t>by</a:t></a:r><a:r><a:rPr /><a:t> </a:t></a:r><a:r><a:rPr /><a:t>“</a:t></a:r><a:r><a:rPr /><a:t>intention</a:t></a:r><a:r><a:rPr /><a:t> </a:t></a:r><a:r><a:rPr /><a:t>to</a:t></a:r><a:r><a:rPr /><a:t> </a:t></a:r><a:r><a:rPr /><a:t>treat</a:t></a:r><a:r><a:rPr /><a:t>”</a:t></a:r><a:r><a:rPr /><a:t> </a:t></a:r><a:r><a:rPr /><a:t>no</a:t></a:r><a:r><a:rPr /><a:t> </a:t></a:r><a:r><a:rPr /><a:t>&#1;</a:t></a:r><a:r><a:rPr /><a:t> </a:t></a:r><a:r><a:rPr /><a:t>yes</a:t></a:r><a:r><a:rPr /><a:t> </a:t></a:r><a:r><a:rPr /><a:t>&#1;</a:t></a:r><a:r><a:rPr /><a:t> </a:t></a:r><a:r><a:rPr /><a:t>where:</a:t></a:r></a:p><a:p><a:pPr lvl="0" marL="0" indent="0"><a:buNone /></a:pPr></a:p><a:p><a:pPr lvl="1"><a:buAutoNum type="arabicPeriod" /></a:pPr><a:r><a:rPr /><a:t>the</a:t></a:r><a:r><a:rPr /><a:t> </a:t></a:r><a:r><a:rPr /><a:t>results</a:t></a:r><a:r><a:rPr /><a:t> </a:t></a:r><a:r><a:rPr /><a:t>of</a:t></a:r><a:r><a:rPr /><a:t> </a:t></a:r><a:r><a:rPr /><a:t>between-group</a:t></a:r><a:r><a:rPr /><a:t> </a:t></a:r><a:r><a:rPr /><a:t>statistical</a:t></a:r><a:r><a:rPr /><a:t> </a:t></a:r><a:r><a:rPr /><a:t>comparisons</a:t></a:r><a:r><a:rPr /><a:t> </a:t></a:r><a:r><a:rPr /><a:t>are</a:t></a:r><a:r><a:rPr /><a:t> </a:t></a:r><a:r><a:rPr /><a:t>reported</a:t></a:r><a:r><a:rPr /><a:t> </a:t></a:r><a:r><a:rPr /><a:t>for</a:t></a:r><a:r><a:rPr /><a:t> </a:t></a:r><a:r><a:rPr /><a:t>at</a:t></a:r><a:r><a:rPr /><a:t> </a:t></a:r><a:r><a:rPr /><a:t>least</a:t></a:r><a:r><a:rPr /><a:t> </a:t></a:r><a:r><a:rPr /><a:t>one</a:t></a:r><a:r><a:rPr /><a:t> </a:t></a:r><a:r><a:rPr /><a:t>key</a:t></a:r><a:r><a:rPr /><a:t> </a:t></a:r><a:r><a:rPr /><a:t>outcome</a:t></a:r><a:r><a:rPr /><a:t> </a:t></a:r><a:r><a:rPr /><a:t>no</a:t></a:r><a:r><a:rPr /><a:t> </a:t></a:r><a:r><a:rPr /><a:t>&#1;</a:t></a:r><a:r><a:rPr /><a:t> </a:t></a:r><a:r><a:rPr /><a:t>yes</a:t></a:r><a:r><a:rPr /><a:t> </a:t></a:r><a:r><a:rPr /><a:t>&#1;</a:t></a:r><a:r><a:rPr /><a:t> </a:t></a:r><a:r><a:rPr /><a:t>where:</a:t></a:r></a:p><a:p><a:pPr lvl="0" marL="0" indent="0"><a:buNone /></a:pPr></a:p><a:p><a:pPr lvl="1"><a:buAutoNum type="arabicPeriod" /></a:pPr><a:r><a:rPr /><a:t>the</a:t></a:r><a:r><a:rPr /><a:t> </a:t></a:r><a:r><a:rPr /><a:t>study</a:t></a:r><a:r><a:rPr /><a:t> </a:t></a:r><a:r><a:rPr /><a:t>provides</a:t></a:r><a:r><a:rPr /><a:t> </a:t></a:r><a:r><a:rPr /><a:t>both</a:t></a:r><a:r><a:rPr /><a:t> </a:t></a:r><a:r><a:rPr /><a:t>point</a:t></a:r><a:r><a:rPr /><a:t> </a:t></a:r><a:r><a:rPr /><a:t>measures</a:t></a:r><a:r><a:rPr /><a:t> </a:t></a:r><a:r><a:rPr /><a:t>and</a:t></a:r><a:r><a:rPr /><a:t> </a:t></a:r><a:r><a:rPr /><a:t>measures</a:t></a:r><a:r><a:rPr /><a:t> </a:t></a:r><a:r><a:rPr /><a:t>of</a:t></a:r><a:r><a:rPr /><a:t> </a:t></a:r><a:r><a:rPr /><a:t>variability</a:t></a:r><a:r><a:rPr /><a:t> </a:t></a:r><a:r><a:rPr /><a:t>for</a:t></a:r><a:r><a:rPr /><a:t> </a:t></a:r><a:r><a:rPr /><a:t>at</a:t></a:r><a:r><a:rPr /><a:t> </a:t></a:r><a:r><a:rPr /><a:t>least</a:t></a:r><a:r><a:rPr /><a:t> </a:t></a:r><a:r><a:rPr /><a:t>one</a:t></a:r><a:r><a:rPr /><a:t> </a:t></a:r><a:r><a:rPr /><a:t>key</a:t></a:r><a:r><a:rPr /><a:t> </a:t></a:r><a:r><a:rPr /><a:t>outcome</a:t></a:r><a:r><a:rPr /><a:t> </a:t></a:r><a:r><a:rPr /><a:t>no</a:t></a:r><a:r><a:rPr /><a:t> </a:t></a:r><a:r><a:rPr /><a:t>&#1;</a:t></a:r><a:r><a:rPr /><a:t> </a:t></a:r><a:r><a:rPr /><a:t>yes</a:t></a:r><a:r><a:rPr /><a:t> </a:t></a:r><a:r><a:rPr /><a:t>&#1;</a:t></a:r><a:r><a:rPr /><a:t> </a:t></a:r><a:r><a:rPr /><a:t>where:</a:t></a:r></a:p></p:txBody></p:sp><p:sp><p:nvSpPr><p:cNvPr id="4" name="Slide Number Placeholder 3" /><p:cNvSpPr><a:spLocks noGrp="1" /></p:cNvSpPr><p:nvPr><p:ph type="sldNum" sz="quarter" idx="10" /></p:nvPr></p:nvSpPr><p:spPr /><p:txBody><a:bodyPr /><a:lstStyle /><a:p><a:fld id="{18BDFEC3-8487-43E8-A154-7C12CBC1FFF2}" type="slidenum"><a:rPr lang="en-US" /><a:t>14</a:t></a:fld><a:endParaRPr lang="en-US" /></a:p></p:txBody></p:sp></p:spTree></p:cSld></p:notes>
+<file path=ppt/notesSlides/notesSlide13.xml><?xml version="1.0" encoding="utf-8"?>
+<p:notes xmlns:a="http://schemas.openxmlformats.org/drawingml/2006/main" xmlns:r="http://schemas.openxmlformats.org/officeDocument/2006/relationships" xmlns:p="http://schemas.openxmlformats.org/presentationml/2006/main">
+  <p:cSld>
+    <p:spTree>
+      <p:nvGrpSpPr>
+        <p:cNvPr id="1" name=""/>
+        <p:cNvGrpSpPr/>
+        <p:nvPr/>
+      </p:nvGrpSpPr>
+      <p:grpSpPr>
+        <a:xfrm>
+          <a:off x="0" y="0"/>
+          <a:ext cx="0" cy="0"/>
+          <a:chOff x="0" y="0"/>
+          <a:chExt cx="0" cy="0"/>
+        </a:xfrm>
+      </p:grpSpPr>
+      <p:sp>
+        <p:nvSpPr>
+          <p:cNvPr id="2" name="Slide Image Placeholder 1"/>
+          <p:cNvSpPr>
+            <a:spLocks noGrp="1" noRot="1" noChangeAspect="1"/>
+          </p:cNvSpPr>
+          <p:nvPr>
+            <p:ph type="sldImg"/>
+          </p:nvPr>
+        </p:nvSpPr>
+        <p:spPr/>
+      </p:sp>
+      <p:sp>
+        <p:nvSpPr>
+          <p:cNvPr id="3" name="Notes Placeholder 2"/>
+          <p:cNvSpPr>
+            <a:spLocks noGrp="1"/>
+          </p:cNvSpPr>
+          <p:nvPr>
+            <p:ph type="body" idx="1"/>
+          </p:nvPr>
+        </p:nvSpPr>
+        <p:spPr/>
+        <p:txBody>
+          <a:bodyPr/>
+          <a:lstStyle/>
+          <a:p>
+            <a:pPr lvl="0" marL="0" indent="0">
+              <a:buNone/>
+            </a:pPr>
+            <a:r>
+              <a:rPr/>
+              <a:t>Meta-analysis</a:t>
+            </a:r>
+            <a:r>
+              <a:rPr/>
+              <a:t> </a:t>
+            </a:r>
+            <a:r>
+              <a:rPr/>
+              <a:t>cannot</a:t>
+            </a:r>
+            <a:r>
+              <a:rPr/>
+              <a:t> </a:t>
+            </a:r>
+            <a:r>
+              <a:rPr/>
+              <a:t>remove</a:t>
+            </a:r>
+            <a:r>
+              <a:rPr/>
+              <a:t> </a:t>
+            </a:r>
+            <a:r>
+              <a:rPr/>
+              <a:t>the</a:t>
+            </a:r>
+            <a:r>
+              <a:rPr/>
+              <a:t> </a:t>
+            </a:r>
+            <a:r>
+              <a:rPr/>
+              <a:t>biases</a:t>
+            </a:r>
+            <a:r>
+              <a:rPr/>
+              <a:t> </a:t>
+            </a:r>
+            <a:r>
+              <a:rPr/>
+              <a:t>and</a:t>
+            </a:r>
+            <a:r>
+              <a:rPr/>
+              <a:t> </a:t>
+            </a:r>
+            <a:r>
+              <a:rPr/>
+              <a:t>imprecision</a:t>
+            </a:r>
+            <a:r>
+              <a:rPr/>
+              <a:t> </a:t>
+            </a:r>
+            <a:r>
+              <a:rPr/>
+              <a:t>associated</a:t>
+            </a:r>
+            <a:r>
+              <a:rPr/>
+              <a:t> </a:t>
+            </a:r>
+            <a:r>
+              <a:rPr/>
+              <a:t>with</a:t>
+            </a:r>
+            <a:r>
+              <a:rPr/>
+              <a:t> </a:t>
+            </a:r>
+            <a:r>
+              <a:rPr/>
+              <a:t>poor</a:t>
+            </a:r>
+            <a:r>
+              <a:rPr/>
+              <a:t> </a:t>
+            </a:r>
+            <a:r>
+              <a:rPr/>
+              <a:t>research</a:t>
+            </a:r>
+            <a:r>
+              <a:rPr/>
+              <a:t> </a:t>
+            </a:r>
+            <a:r>
+              <a:rPr/>
+              <a:t>methodologies.</a:t>
+            </a:r>
+            <a:r>
+              <a:rPr/>
+              <a:t> </a:t>
+            </a:r>
+            <a:r>
+              <a:rPr/>
+              <a:t>If</a:t>
+            </a:r>
+            <a:r>
+              <a:rPr/>
+              <a:t> </a:t>
+            </a:r>
+            <a:r>
+              <a:rPr/>
+              <a:t>all</a:t>
+            </a:r>
+            <a:r>
+              <a:rPr/>
+              <a:t> </a:t>
+            </a:r>
+            <a:r>
+              <a:rPr/>
+              <a:t>of</a:t>
+            </a:r>
+            <a:r>
+              <a:rPr/>
+              <a:t> </a:t>
+            </a:r>
+            <a:r>
+              <a:rPr/>
+              <a:t>the</a:t>
+            </a:r>
+            <a:r>
+              <a:rPr/>
+              <a:t> </a:t>
+            </a:r>
+            <a:r>
+              <a:rPr/>
+              <a:t>studies</a:t>
+            </a:r>
+            <a:r>
+              <a:rPr/>
+              <a:t> </a:t>
+            </a:r>
+            <a:r>
+              <a:rPr/>
+              <a:t>have</a:t>
+            </a:r>
+            <a:r>
+              <a:rPr/>
+              <a:t> </a:t>
+            </a:r>
+            <a:r>
+              <a:rPr/>
+              <a:t>“</a:t>
+            </a:r>
+            <a:r>
+              <a:rPr/>
+              <a:t>issues</a:t>
+            </a:r>
+            <a:r>
+              <a:rPr/>
+              <a:t>”</a:t>
+            </a:r>
+            <a:r>
+              <a:rPr/>
+              <a:t> </a:t>
+            </a:r>
+            <a:r>
+              <a:rPr/>
+              <a:t>then</a:t>
+            </a:r>
+            <a:r>
+              <a:rPr/>
+              <a:t> </a:t>
+            </a:r>
+            <a:r>
+              <a:rPr/>
+              <a:t>a</a:t>
+            </a:r>
+            <a:r>
+              <a:rPr/>
+              <a:t> </a:t>
+            </a:r>
+            <a:r>
+              <a:rPr/>
+              <a:t>meta-analysis</a:t>
+            </a:r>
+            <a:r>
+              <a:rPr/>
+              <a:t> </a:t>
+            </a:r>
+            <a:r>
+              <a:rPr/>
+              <a:t>will</a:t>
+            </a:r>
+            <a:r>
+              <a:rPr/>
+              <a:t> </a:t>
+            </a:r>
+            <a:r>
+              <a:rPr/>
+              <a:t>amplify</a:t>
+            </a:r>
+            <a:r>
+              <a:rPr/>
+              <a:t> </a:t>
+            </a:r>
+            <a:r>
+              <a:rPr/>
+              <a:t>those</a:t>
+            </a:r>
+            <a:r>
+              <a:rPr/>
+              <a:t> </a:t>
+            </a:r>
+            <a:r>
+              <a:rPr/>
+              <a:t>issues.</a:t>
+            </a:r>
+          </a:p>
+          <a:p>
+            <a:pPr lvl="0" marL="0" indent="0">
+              <a:buNone/>
+            </a:pPr>
+          </a:p>
+          <a:p>
+            <a:pPr lvl="0" marL="0" indent="0">
+              <a:buNone/>
+            </a:pPr>
+            <a:r>
+              <a:rPr/>
+              <a:t>You</a:t>
+            </a:r>
+            <a:r>
+              <a:rPr/>
+              <a:t> </a:t>
+            </a:r>
+            <a:r>
+              <a:rPr/>
+              <a:t>can</a:t>
+            </a:r>
+            <a:r>
+              <a:rPr/>
+              <a:t> </a:t>
+            </a:r>
+            <a:r>
+              <a:rPr/>
+              <a:t>assess</a:t>
+            </a:r>
+            <a:r>
+              <a:rPr/>
+              <a:t> </a:t>
+            </a:r>
+            <a:r>
+              <a:rPr/>
+              <a:t>quality</a:t>
+            </a:r>
+            <a:r>
+              <a:rPr/>
+              <a:t> </a:t>
+            </a:r>
+            <a:r>
+              <a:rPr/>
+              <a:t>issues</a:t>
+            </a:r>
+            <a:r>
+              <a:rPr/>
+              <a:t> </a:t>
+            </a:r>
+            <a:r>
+              <a:rPr/>
+              <a:t>by</a:t>
+            </a:r>
+            <a:r>
+              <a:rPr/>
+              <a:t> </a:t>
+            </a:r>
+            <a:r>
+              <a:rPr/>
+              <a:t>limiting</a:t>
+            </a:r>
+            <a:r>
+              <a:rPr/>
+              <a:t> </a:t>
+            </a:r>
+            <a:r>
+              <a:rPr/>
+              <a:t>studies</a:t>
+            </a:r>
+            <a:r>
+              <a:rPr/>
+              <a:t> </a:t>
+            </a:r>
+            <a:r>
+              <a:rPr/>
+              <a:t>based</a:t>
+            </a:r>
+            <a:r>
+              <a:rPr/>
+              <a:t> </a:t>
+            </a:r>
+            <a:r>
+              <a:rPr/>
+              <a:t>on</a:t>
+            </a:r>
+            <a:r>
+              <a:rPr/>
+              <a:t> </a:t>
+            </a:r>
+            <a:r>
+              <a:rPr/>
+              <a:t>scoring</a:t>
+            </a:r>
+            <a:r>
+              <a:rPr/>
+              <a:t> </a:t>
+            </a:r>
+            <a:r>
+              <a:rPr/>
+              <a:t>systems</a:t>
+            </a:r>
+            <a:r>
+              <a:rPr/>
+              <a:t> </a:t>
+            </a:r>
+            <a:r>
+              <a:rPr/>
+              <a:t>like</a:t>
+            </a:r>
+            <a:r>
+              <a:rPr/>
+              <a:t> </a:t>
+            </a:r>
+            <a:r>
+              <a:rPr/>
+              <a:t>Jadad</a:t>
+            </a:r>
+            <a:r>
+              <a:rPr/>
+              <a:t> </a:t>
+            </a:r>
+            <a:r>
+              <a:rPr/>
+              <a:t>or</a:t>
+            </a:r>
+            <a:r>
+              <a:rPr/>
+              <a:t> </a:t>
+            </a:r>
+            <a:r>
+              <a:rPr/>
+              <a:t>PEDro</a:t>
+            </a:r>
+            <a:r>
+              <a:rPr/>
+              <a:t> </a:t>
+            </a:r>
+            <a:r>
+              <a:rPr/>
+              <a:t>or</a:t>
+            </a:r>
+            <a:r>
+              <a:rPr/>
+              <a:t> </a:t>
+            </a:r>
+            <a:r>
+              <a:rPr/>
+              <a:t>by</a:t>
+            </a:r>
+            <a:r>
+              <a:rPr/>
+              <a:t> </a:t>
+            </a:r>
+            <a:r>
+              <a:rPr/>
+              <a:t>weighting</a:t>
+            </a:r>
+            <a:r>
+              <a:rPr/>
+              <a:t> </a:t>
+            </a:r>
+            <a:r>
+              <a:rPr/>
+              <a:t>studies</a:t>
+            </a:r>
+            <a:r>
+              <a:rPr/>
+              <a:t> </a:t>
+            </a:r>
+            <a:r>
+              <a:rPr/>
+              <a:t>based</a:t>
+            </a:r>
+            <a:r>
+              <a:rPr/>
+              <a:t> </a:t>
+            </a:r>
+            <a:r>
+              <a:rPr/>
+              <a:t>on</a:t>
+            </a:r>
+            <a:r>
+              <a:rPr/>
+              <a:t> </a:t>
+            </a:r>
+            <a:r>
+              <a:rPr/>
+              <a:t>these</a:t>
+            </a:r>
+            <a:r>
+              <a:rPr/>
+              <a:t> </a:t>
+            </a:r>
+            <a:r>
+              <a:rPr/>
+              <a:t>scores.</a:t>
+            </a:r>
+            <a:r>
+              <a:rPr/>
+              <a:t> </a:t>
+            </a:r>
+            <a:r>
+              <a:rPr/>
+              <a:t>We’ll</a:t>
+            </a:r>
+            <a:r>
+              <a:rPr/>
+              <a:t> </a:t>
+            </a:r>
+            <a:r>
+              <a:rPr/>
+              <a:t>talk</a:t>
+            </a:r>
+            <a:r>
+              <a:rPr/>
+              <a:t> </a:t>
+            </a:r>
+            <a:r>
+              <a:rPr/>
+              <a:t>about</a:t>
+            </a:r>
+            <a:r>
+              <a:rPr/>
+              <a:t> </a:t>
+            </a:r>
+            <a:r>
+              <a:rPr/>
+              <a:t>this</a:t>
+            </a:r>
+            <a:r>
+              <a:rPr/>
+              <a:t> </a:t>
+            </a:r>
+            <a:r>
+              <a:rPr/>
+              <a:t>a</a:t>
+            </a:r>
+            <a:r>
+              <a:rPr/>
+              <a:t> </a:t>
+            </a:r>
+            <a:r>
+              <a:rPr/>
+              <a:t>bit</a:t>
+            </a:r>
+            <a:r>
+              <a:rPr/>
+              <a:t> </a:t>
+            </a:r>
+            <a:r>
+              <a:rPr/>
+              <a:t>later.</a:t>
+            </a:r>
+          </a:p>
+          <a:p>
+            <a:pPr lvl="0" marL="0" indent="0">
+              <a:buNone/>
+            </a:pPr>
+          </a:p>
+          <a:p>
+            <a:pPr lvl="1">
+              <a:buAutoNum type="arabicPeriod"/>
+            </a:pPr>
+            <a:r>
+              <a:rPr/>
+              <a:t>Was</a:t>
+            </a:r>
+            <a:r>
+              <a:rPr/>
+              <a:t> </a:t>
+            </a:r>
+            <a:r>
+              <a:rPr/>
+              <a:t>the</a:t>
+            </a:r>
+            <a:r>
+              <a:rPr/>
+              <a:t> </a:t>
+            </a:r>
+            <a:r>
+              <a:rPr/>
+              <a:t>study</a:t>
+            </a:r>
+            <a:r>
+              <a:rPr/>
+              <a:t> </a:t>
+            </a:r>
+            <a:r>
+              <a:rPr/>
+              <a:t>described</a:t>
+            </a:r>
+            <a:r>
+              <a:rPr/>
+              <a:t> </a:t>
+            </a:r>
+            <a:r>
+              <a:rPr/>
+              <a:t>as</a:t>
+            </a:r>
+            <a:r>
+              <a:rPr/>
+              <a:t> </a:t>
+            </a:r>
+            <a:r>
+              <a:rPr/>
+              <a:t>randomized</a:t>
+            </a:r>
+            <a:r>
+              <a:rPr/>
+              <a:t> </a:t>
+            </a:r>
+            <a:r>
+              <a:rPr/>
+              <a:t>(this</a:t>
+            </a:r>
+            <a:r>
+              <a:rPr/>
+              <a:t> </a:t>
+            </a:r>
+            <a:r>
+              <a:rPr/>
+              <a:t>includes</a:t>
+            </a:r>
+            <a:r>
+              <a:rPr/>
+              <a:t> </a:t>
+            </a:r>
+            <a:r>
+              <a:rPr/>
+              <a:t>words</a:t>
+            </a:r>
+            <a:r>
+              <a:rPr/>
+              <a:t> </a:t>
+            </a:r>
+            <a:r>
+              <a:rPr/>
+              <a:t>such</a:t>
+            </a:r>
+            <a:r>
+              <a:rPr/>
+              <a:t> </a:t>
+            </a:r>
+            <a:r>
+              <a:rPr/>
+              <a:t>as</a:t>
+            </a:r>
+            <a:r>
+              <a:rPr/>
+              <a:t> </a:t>
+            </a:r>
+            <a:r>
+              <a:rPr/>
+              <a:t>randomly,</a:t>
+            </a:r>
+            <a:r>
+              <a:rPr/>
+              <a:t> </a:t>
+            </a:r>
+            <a:r>
+              <a:rPr/>
+              <a:t>random,</a:t>
+            </a:r>
+            <a:r>
+              <a:rPr/>
+              <a:t> </a:t>
+            </a:r>
+            <a:r>
+              <a:rPr/>
+              <a:t>and</a:t>
+            </a:r>
+            <a:r>
+              <a:rPr/>
+              <a:t> </a:t>
+            </a:r>
+            <a:r>
+              <a:rPr/>
+              <a:t>randomisation)?</a:t>
+            </a:r>
+            <a:r>
+              <a:rPr/>
+              <a:t> </a:t>
+            </a:r>
+            <a:r>
+              <a:rPr/>
+              <a:t>(+1</a:t>
+            </a:r>
+            <a:r>
+              <a:rPr/>
+              <a:t> </a:t>
+            </a:r>
+            <a:r>
+              <a:rPr/>
+              <a:t>Point)</a:t>
+            </a:r>
+          </a:p>
+          <a:p>
+            <a:pPr lvl="0" marL="0" indent="0">
+              <a:buNone/>
+            </a:pPr>
+          </a:p>
+          <a:p>
+            <a:pPr lvl="1">
+              <a:buAutoNum type="arabicPeriod"/>
+            </a:pPr>
+            <a:r>
+              <a:rPr/>
+              <a:t>Was</a:t>
+            </a:r>
+            <a:r>
+              <a:rPr/>
+              <a:t> </a:t>
+            </a:r>
+            <a:r>
+              <a:rPr/>
+              <a:t>the</a:t>
+            </a:r>
+            <a:r>
+              <a:rPr/>
+              <a:t> </a:t>
+            </a:r>
+            <a:r>
+              <a:rPr/>
+              <a:t>method</a:t>
+            </a:r>
+            <a:r>
+              <a:rPr/>
+              <a:t> </a:t>
+            </a:r>
+            <a:r>
+              <a:rPr/>
+              <a:t>used</a:t>
+            </a:r>
+            <a:r>
+              <a:rPr/>
+              <a:t> </a:t>
+            </a:r>
+            <a:r>
+              <a:rPr/>
+              <a:t>to</a:t>
+            </a:r>
+            <a:r>
+              <a:rPr/>
+              <a:t> </a:t>
+            </a:r>
+            <a:r>
+              <a:rPr/>
+              <a:t>generate</a:t>
+            </a:r>
+            <a:r>
+              <a:rPr/>
+              <a:t> </a:t>
+            </a:r>
+            <a:r>
+              <a:rPr/>
+              <a:t>the</a:t>
+            </a:r>
+            <a:r>
+              <a:rPr/>
+              <a:t> </a:t>
+            </a:r>
+            <a:r>
+              <a:rPr/>
+              <a:t>sequence</a:t>
+            </a:r>
+            <a:r>
+              <a:rPr/>
+              <a:t> </a:t>
+            </a:r>
+            <a:r>
+              <a:rPr/>
+              <a:t>of</a:t>
+            </a:r>
+            <a:r>
+              <a:rPr/>
+              <a:t> </a:t>
+            </a:r>
+            <a:r>
+              <a:rPr/>
+              <a:t>randomisation</a:t>
+            </a:r>
+            <a:r>
+              <a:rPr/>
+              <a:t> </a:t>
+            </a:r>
+            <a:r>
+              <a:rPr/>
+              <a:t>described</a:t>
+            </a:r>
+            <a:r>
+              <a:rPr/>
+              <a:t> </a:t>
+            </a:r>
+            <a:r>
+              <a:rPr/>
+              <a:t>and</a:t>
+            </a:r>
+            <a:r>
+              <a:rPr/>
+              <a:t> </a:t>
+            </a:r>
+            <a:r>
+              <a:rPr/>
+              <a:t>appropriate</a:t>
+            </a:r>
+            <a:r>
+              <a:rPr/>
+              <a:t> </a:t>
+            </a:r>
+            <a:r>
+              <a:rPr/>
+              <a:t>(table</a:t>
+            </a:r>
+            <a:r>
+              <a:rPr/>
+              <a:t> </a:t>
+            </a:r>
+            <a:r>
+              <a:rPr/>
+              <a:t>of</a:t>
+            </a:r>
+            <a:r>
+              <a:rPr/>
+              <a:t> </a:t>
+            </a:r>
+            <a:r>
+              <a:rPr/>
+              <a:t>random</a:t>
+            </a:r>
+            <a:r>
+              <a:rPr/>
+              <a:t> </a:t>
+            </a:r>
+            <a:r>
+              <a:rPr/>
+              <a:t>numbers,</a:t>
+            </a:r>
+            <a:r>
+              <a:rPr/>
+              <a:t> </a:t>
+            </a:r>
+            <a:r>
+              <a:rPr/>
+              <a:t>computer-generated,</a:t>
+            </a:r>
+            <a:r>
+              <a:rPr/>
+              <a:t> </a:t>
+            </a:r>
+            <a:r>
+              <a:rPr/>
+              <a:t>etc)?</a:t>
+            </a:r>
+            <a:r>
+              <a:rPr/>
+              <a:t> </a:t>
+            </a:r>
+            <a:r>
+              <a:rPr/>
+              <a:t>(+1</a:t>
+            </a:r>
+            <a:r>
+              <a:rPr/>
+              <a:t> </a:t>
+            </a:r>
+            <a:r>
+              <a:rPr/>
+              <a:t>Point)</a:t>
+            </a:r>
+          </a:p>
+          <a:p>
+            <a:pPr lvl="0" marL="0" indent="0">
+              <a:buNone/>
+            </a:pPr>
+          </a:p>
+          <a:p>
+            <a:pPr lvl="1">
+              <a:buAutoNum type="arabicPeriod"/>
+            </a:pPr>
+            <a:r>
+              <a:rPr/>
+              <a:t>Was</a:t>
+            </a:r>
+            <a:r>
+              <a:rPr/>
+              <a:t> </a:t>
+            </a:r>
+            <a:r>
+              <a:rPr/>
+              <a:t>the</a:t>
+            </a:r>
+            <a:r>
+              <a:rPr/>
+              <a:t> </a:t>
+            </a:r>
+            <a:r>
+              <a:rPr/>
+              <a:t>study</a:t>
+            </a:r>
+            <a:r>
+              <a:rPr/>
+              <a:t> </a:t>
+            </a:r>
+            <a:r>
+              <a:rPr/>
+              <a:t>described</a:t>
+            </a:r>
+            <a:r>
+              <a:rPr/>
+              <a:t> </a:t>
+            </a:r>
+            <a:r>
+              <a:rPr/>
+              <a:t>as</a:t>
+            </a:r>
+            <a:r>
+              <a:rPr/>
+              <a:t> </a:t>
+            </a:r>
+            <a:r>
+              <a:rPr/>
+              <a:t>double</a:t>
+            </a:r>
+            <a:r>
+              <a:rPr/>
+              <a:t> </a:t>
+            </a:r>
+            <a:r>
+              <a:rPr/>
+              <a:t>blind?</a:t>
+            </a:r>
+            <a:r>
+              <a:rPr/>
+              <a:t> </a:t>
+            </a:r>
+            <a:r>
+              <a:rPr/>
+              <a:t>(+1</a:t>
+            </a:r>
+            <a:r>
+              <a:rPr/>
+              <a:t> </a:t>
+            </a:r>
+            <a:r>
+              <a:rPr/>
+              <a:t>Point)</a:t>
+            </a:r>
+          </a:p>
+          <a:p>
+            <a:pPr lvl="0" marL="0" indent="0">
+              <a:buNone/>
+            </a:pPr>
+          </a:p>
+          <a:p>
+            <a:pPr lvl="1">
+              <a:buAutoNum type="arabicPeriod"/>
+            </a:pPr>
+            <a:r>
+              <a:rPr/>
+              <a:t>Was</a:t>
+            </a:r>
+            <a:r>
+              <a:rPr/>
+              <a:t> </a:t>
+            </a:r>
+            <a:r>
+              <a:rPr/>
+              <a:t>the</a:t>
+            </a:r>
+            <a:r>
+              <a:rPr/>
+              <a:t> </a:t>
+            </a:r>
+            <a:r>
+              <a:rPr/>
+              <a:t>method</a:t>
+            </a:r>
+            <a:r>
+              <a:rPr/>
+              <a:t> </a:t>
+            </a:r>
+            <a:r>
+              <a:rPr/>
+              <a:t>of</a:t>
+            </a:r>
+            <a:r>
+              <a:rPr/>
+              <a:t> </a:t>
+            </a:r>
+            <a:r>
+              <a:rPr/>
+              <a:t>double</a:t>
+            </a:r>
+            <a:r>
+              <a:rPr/>
+              <a:t> </a:t>
+            </a:r>
+            <a:r>
+              <a:rPr/>
+              <a:t>blinding</a:t>
+            </a:r>
+            <a:r>
+              <a:rPr/>
+              <a:t> </a:t>
+            </a:r>
+            <a:r>
+              <a:rPr/>
+              <a:t>described</a:t>
+            </a:r>
+            <a:r>
+              <a:rPr/>
+              <a:t> </a:t>
+            </a:r>
+            <a:r>
+              <a:rPr/>
+              <a:t>and</a:t>
+            </a:r>
+            <a:r>
+              <a:rPr/>
+              <a:t> </a:t>
+            </a:r>
+            <a:r>
+              <a:rPr/>
+              <a:t>appropriate</a:t>
+            </a:r>
+            <a:r>
+              <a:rPr/>
+              <a:t> </a:t>
+            </a:r>
+            <a:r>
+              <a:rPr/>
+              <a:t>(identical</a:t>
+            </a:r>
+            <a:r>
+              <a:rPr/>
+              <a:t> </a:t>
+            </a:r>
+            <a:r>
+              <a:rPr/>
+              <a:t>placebo,</a:t>
+            </a:r>
+            <a:r>
+              <a:rPr/>
+              <a:t> </a:t>
+            </a:r>
+            <a:r>
+              <a:rPr/>
+              <a:t>active</a:t>
+            </a:r>
+            <a:r>
+              <a:rPr/>
+              <a:t> </a:t>
+            </a:r>
+            <a:r>
+              <a:rPr/>
+              <a:t>placebo,</a:t>
+            </a:r>
+            <a:r>
+              <a:rPr/>
+              <a:t> </a:t>
+            </a:r>
+            <a:r>
+              <a:rPr/>
+              <a:t>dummy,</a:t>
+            </a:r>
+            <a:r>
+              <a:rPr/>
+              <a:t> </a:t>
+            </a:r>
+            <a:r>
+              <a:rPr/>
+              <a:t>etc)?</a:t>
+            </a:r>
+            <a:r>
+              <a:rPr/>
+              <a:t> </a:t>
+            </a:r>
+            <a:r>
+              <a:rPr/>
+              <a:t>(+1</a:t>
+            </a:r>
+            <a:r>
+              <a:rPr/>
+              <a:t> </a:t>
+            </a:r>
+            <a:r>
+              <a:rPr/>
+              <a:t>Point)</a:t>
+            </a:r>
+          </a:p>
+          <a:p>
+            <a:pPr lvl="0" marL="0" indent="0">
+              <a:buNone/>
+            </a:pPr>
+          </a:p>
+          <a:p>
+            <a:pPr lvl="1">
+              <a:buAutoNum type="arabicPeriod"/>
+            </a:pPr>
+            <a:r>
+              <a:rPr/>
+              <a:t>Was</a:t>
+            </a:r>
+            <a:r>
+              <a:rPr/>
+              <a:t> </a:t>
+            </a:r>
+            <a:r>
+              <a:rPr/>
+              <a:t>there</a:t>
+            </a:r>
+            <a:r>
+              <a:rPr/>
+              <a:t> </a:t>
+            </a:r>
+            <a:r>
+              <a:rPr/>
+              <a:t>a</a:t>
+            </a:r>
+            <a:r>
+              <a:rPr/>
+              <a:t> </a:t>
+            </a:r>
+            <a:r>
+              <a:rPr/>
+              <a:t>description</a:t>
+            </a:r>
+            <a:r>
+              <a:rPr/>
+              <a:t> </a:t>
+            </a:r>
+            <a:r>
+              <a:rPr/>
+              <a:t>of</a:t>
+            </a:r>
+            <a:r>
+              <a:rPr/>
+              <a:t> </a:t>
+            </a:r>
+            <a:r>
+              <a:rPr/>
+              <a:t>withdrawals</a:t>
+            </a:r>
+            <a:r>
+              <a:rPr/>
+              <a:t> </a:t>
+            </a:r>
+            <a:r>
+              <a:rPr/>
+              <a:t>and</a:t>
+            </a:r>
+            <a:r>
+              <a:rPr/>
+              <a:t> </a:t>
+            </a:r>
+            <a:r>
+              <a:rPr/>
+              <a:t>dropouts?</a:t>
+            </a:r>
+            <a:r>
+              <a:rPr/>
+              <a:t> </a:t>
+            </a:r>
+            <a:r>
+              <a:rPr/>
+              <a:t>(+1</a:t>
+            </a:r>
+            <a:r>
+              <a:rPr/>
+              <a:t> </a:t>
+            </a:r>
+            <a:r>
+              <a:rPr/>
+              <a:t>Point)</a:t>
+            </a:r>
+          </a:p>
+          <a:p>
+            <a:pPr lvl="0" marL="0" indent="0">
+              <a:buNone/>
+            </a:pPr>
+          </a:p>
+          <a:p>
+            <a:pPr lvl="1">
+              <a:buAutoNum type="arabicPeriod"/>
+            </a:pPr>
+            <a:r>
+              <a:rPr/>
+              <a:t>Deduct</a:t>
+            </a:r>
+            <a:r>
+              <a:rPr/>
+              <a:t> </a:t>
+            </a:r>
+            <a:r>
+              <a:rPr/>
+              <a:t>one</a:t>
+            </a:r>
+            <a:r>
+              <a:rPr/>
+              <a:t> </a:t>
+            </a:r>
+            <a:r>
+              <a:rPr/>
+              <a:t>point</a:t>
+            </a:r>
+            <a:r>
+              <a:rPr/>
+              <a:t> </a:t>
+            </a:r>
+            <a:r>
+              <a:rPr/>
+              <a:t>if</a:t>
+            </a:r>
+            <a:r>
+              <a:rPr/>
+              <a:t> </a:t>
+            </a:r>
+            <a:r>
+              <a:rPr/>
+              <a:t>the</a:t>
+            </a:r>
+            <a:r>
+              <a:rPr/>
+              <a:t> </a:t>
+            </a:r>
+            <a:r>
+              <a:rPr/>
+              <a:t>method</a:t>
+            </a:r>
+            <a:r>
+              <a:rPr/>
+              <a:t> </a:t>
+            </a:r>
+            <a:r>
+              <a:rPr/>
+              <a:t>used</a:t>
+            </a:r>
+            <a:r>
+              <a:rPr/>
+              <a:t> </a:t>
+            </a:r>
+            <a:r>
+              <a:rPr/>
+              <a:t>to</a:t>
+            </a:r>
+            <a:r>
+              <a:rPr/>
+              <a:t> </a:t>
+            </a:r>
+            <a:r>
+              <a:rPr/>
+              <a:t>generate</a:t>
+            </a:r>
+            <a:r>
+              <a:rPr/>
+              <a:t> </a:t>
+            </a:r>
+            <a:r>
+              <a:rPr/>
+              <a:t>the</a:t>
+            </a:r>
+            <a:r>
+              <a:rPr/>
+              <a:t> </a:t>
+            </a:r>
+            <a:r>
+              <a:rPr/>
+              <a:t>sequence</a:t>
+            </a:r>
+            <a:r>
+              <a:rPr/>
+              <a:t> </a:t>
+            </a:r>
+            <a:r>
+              <a:rPr/>
+              <a:t>of</a:t>
+            </a:r>
+            <a:r>
+              <a:rPr/>
+              <a:t> </a:t>
+            </a:r>
+            <a:r>
+              <a:rPr/>
+              <a:t>randomisation</a:t>
+            </a:r>
+            <a:r>
+              <a:rPr/>
+              <a:t> </a:t>
+            </a:r>
+            <a:r>
+              <a:rPr/>
+              <a:t>was</a:t>
+            </a:r>
+            <a:r>
+              <a:rPr/>
+              <a:t> </a:t>
+            </a:r>
+            <a:r>
+              <a:rPr/>
+              <a:t>described</a:t>
+            </a:r>
+            <a:r>
+              <a:rPr/>
+              <a:t> </a:t>
+            </a:r>
+            <a:r>
+              <a:rPr/>
+              <a:t>and</a:t>
+            </a:r>
+            <a:r>
+              <a:rPr/>
+              <a:t> </a:t>
+            </a:r>
+            <a:r>
+              <a:rPr/>
+              <a:t>it</a:t>
+            </a:r>
+            <a:r>
+              <a:rPr/>
+              <a:t> </a:t>
+            </a:r>
+            <a:r>
+              <a:rPr/>
+              <a:t>was</a:t>
+            </a:r>
+            <a:r>
+              <a:rPr/>
+              <a:t> </a:t>
+            </a:r>
+            <a:r>
+              <a:rPr/>
+              <a:t>inappropriate</a:t>
+            </a:r>
+            <a:r>
+              <a:rPr/>
+              <a:t> </a:t>
+            </a:r>
+            <a:r>
+              <a:rPr/>
+              <a:t>(patients</a:t>
+            </a:r>
+            <a:r>
+              <a:rPr/>
+              <a:t> </a:t>
+            </a:r>
+            <a:r>
+              <a:rPr/>
+              <a:t>were</a:t>
+            </a:r>
+            <a:r>
+              <a:rPr/>
+              <a:t> </a:t>
+            </a:r>
+            <a:r>
+              <a:rPr/>
+              <a:t>allocated</a:t>
+            </a:r>
+            <a:r>
+              <a:rPr/>
+              <a:t> </a:t>
+            </a:r>
+            <a:r>
+              <a:rPr/>
+              <a:t>alternately,</a:t>
+            </a:r>
+            <a:r>
+              <a:rPr/>
+              <a:t> </a:t>
+            </a:r>
+            <a:r>
+              <a:rPr/>
+              <a:t>or</a:t>
+            </a:r>
+            <a:r>
+              <a:rPr/>
+              <a:t> </a:t>
+            </a:r>
+            <a:r>
+              <a:rPr/>
+              <a:t>according</a:t>
+            </a:r>
+            <a:r>
+              <a:rPr/>
+              <a:t> </a:t>
+            </a:r>
+            <a:r>
+              <a:rPr/>
+              <a:t>to</a:t>
+            </a:r>
+            <a:r>
+              <a:rPr/>
+              <a:t> </a:t>
+            </a:r>
+            <a:r>
+              <a:rPr/>
+              <a:t>date</a:t>
+            </a:r>
+            <a:r>
+              <a:rPr/>
+              <a:t> </a:t>
+            </a:r>
+            <a:r>
+              <a:rPr/>
+              <a:t>of</a:t>
+            </a:r>
+            <a:r>
+              <a:rPr/>
+              <a:t> </a:t>
+            </a:r>
+            <a:r>
+              <a:rPr/>
+              <a:t>birth,</a:t>
+            </a:r>
+            <a:r>
+              <a:rPr/>
+              <a:t> </a:t>
+            </a:r>
+            <a:r>
+              <a:rPr/>
+              <a:t>hospital</a:t>
+            </a:r>
+            <a:r>
+              <a:rPr/>
+              <a:t> </a:t>
+            </a:r>
+            <a:r>
+              <a:rPr/>
+              <a:t>number,</a:t>
+            </a:r>
+            <a:r>
+              <a:rPr/>
+              <a:t> </a:t>
+            </a:r>
+            <a:r>
+              <a:rPr/>
+              <a:t>etc)</a:t>
+            </a:r>
+          </a:p>
+          <a:p>
+            <a:pPr lvl="0" marL="0" indent="0">
+              <a:buNone/>
+            </a:pPr>
+          </a:p>
+          <a:p>
+            <a:pPr lvl="1">
+              <a:buAutoNum type="arabicPeriod"/>
+            </a:pPr>
+            <a:r>
+              <a:rPr/>
+              <a:t>Deduct</a:t>
+            </a:r>
+            <a:r>
+              <a:rPr/>
+              <a:t> </a:t>
+            </a:r>
+            <a:r>
+              <a:rPr/>
+              <a:t>one</a:t>
+            </a:r>
+            <a:r>
+              <a:rPr/>
+              <a:t> </a:t>
+            </a:r>
+            <a:r>
+              <a:rPr/>
+              <a:t>point</a:t>
+            </a:r>
+            <a:r>
+              <a:rPr/>
+              <a:t> </a:t>
+            </a:r>
+            <a:r>
+              <a:rPr/>
+              <a:t>if</a:t>
+            </a:r>
+            <a:r>
+              <a:rPr/>
+              <a:t> </a:t>
+            </a:r>
+            <a:r>
+              <a:rPr/>
+              <a:t>the</a:t>
+            </a:r>
+            <a:r>
+              <a:rPr/>
+              <a:t> </a:t>
+            </a:r>
+            <a:r>
+              <a:rPr/>
+              <a:t>study</a:t>
+            </a:r>
+            <a:r>
+              <a:rPr/>
+              <a:t> </a:t>
+            </a:r>
+            <a:r>
+              <a:rPr/>
+              <a:t>was</a:t>
+            </a:r>
+            <a:r>
+              <a:rPr/>
+              <a:t> </a:t>
+            </a:r>
+            <a:r>
+              <a:rPr/>
+              <a:t>described</a:t>
+            </a:r>
+            <a:r>
+              <a:rPr/>
+              <a:t> </a:t>
+            </a:r>
+            <a:r>
+              <a:rPr/>
+              <a:t>as</a:t>
+            </a:r>
+            <a:r>
+              <a:rPr/>
+              <a:t> </a:t>
+            </a:r>
+            <a:r>
+              <a:rPr/>
+              <a:t>double</a:t>
+            </a:r>
+            <a:r>
+              <a:rPr/>
+              <a:t> </a:t>
+            </a:r>
+            <a:r>
+              <a:rPr/>
+              <a:t>blind</a:t>
+            </a:r>
+            <a:r>
+              <a:rPr/>
+              <a:t> </a:t>
+            </a:r>
+            <a:r>
+              <a:rPr/>
+              <a:t>but</a:t>
+            </a:r>
+            <a:r>
+              <a:rPr/>
+              <a:t> </a:t>
+            </a:r>
+            <a:r>
+              <a:rPr/>
+              <a:t>the</a:t>
+            </a:r>
+            <a:r>
+              <a:rPr/>
+              <a:t> </a:t>
+            </a:r>
+            <a:r>
+              <a:rPr/>
+              <a:t>method</a:t>
+            </a:r>
+            <a:r>
+              <a:rPr/>
+              <a:t> </a:t>
+            </a:r>
+            <a:r>
+              <a:rPr/>
+              <a:t>of</a:t>
+            </a:r>
+            <a:r>
+              <a:rPr/>
+              <a:t> </a:t>
+            </a:r>
+            <a:r>
+              <a:rPr/>
+              <a:t>blinding</a:t>
+            </a:r>
+            <a:r>
+              <a:rPr/>
+              <a:t> </a:t>
+            </a:r>
+            <a:r>
+              <a:rPr/>
+              <a:t>was</a:t>
+            </a:r>
+            <a:r>
+              <a:rPr/>
+              <a:t> </a:t>
+            </a:r>
+            <a:r>
+              <a:rPr/>
+              <a:t>inappropriate</a:t>
+            </a:r>
+            <a:r>
+              <a:rPr/>
+              <a:t> </a:t>
+            </a:r>
+            <a:r>
+              <a:rPr/>
+              <a:t>(e.g.,</a:t>
+            </a:r>
+            <a:r>
+              <a:rPr/>
+              <a:t> </a:t>
+            </a:r>
+            <a:r>
+              <a:rPr/>
+              <a:t>comparison</a:t>
+            </a:r>
+            <a:r>
+              <a:rPr/>
+              <a:t> </a:t>
+            </a:r>
+            <a:r>
+              <a:rPr/>
+              <a:t>of</a:t>
+            </a:r>
+            <a:r>
+              <a:rPr/>
+              <a:t> </a:t>
+            </a:r>
+            <a:r>
+              <a:rPr/>
+              <a:t>tablet</a:t>
+            </a:r>
+            <a:r>
+              <a:rPr/>
+              <a:t> </a:t>
+            </a:r>
+            <a:r>
+              <a:rPr/>
+              <a:t>vs. injection</a:t>
+            </a:r>
+            <a:r>
+              <a:rPr/>
+              <a:t> </a:t>
+            </a:r>
+            <a:r>
+              <a:rPr/>
+              <a:t>with</a:t>
+            </a:r>
+            <a:r>
+              <a:rPr/>
+              <a:t> </a:t>
+            </a:r>
+            <a:r>
+              <a:rPr/>
+              <a:t>no</a:t>
+            </a:r>
+            <a:r>
+              <a:rPr/>
+              <a:t> </a:t>
+            </a:r>
+            <a:r>
+              <a:rPr/>
+              <a:t>double</a:t>
+            </a:r>
+            <a:r>
+              <a:rPr/>
+              <a:t> </a:t>
+            </a:r>
+            <a:r>
+              <a:rPr/>
+              <a:t>dummy).</a:t>
+            </a:r>
+          </a:p>
+          <a:p>
+            <a:pPr lvl="0" marL="0" indent="0">
+              <a:buNone/>
+            </a:pPr>
+          </a:p>
+          <a:p>
+            <a:pPr lvl="1">
+              <a:buAutoNum type="arabicPeriod"/>
+            </a:pPr>
+            <a:r>
+              <a:rPr/>
+              <a:t>eligibility</a:t>
+            </a:r>
+            <a:r>
+              <a:rPr/>
+              <a:t> </a:t>
+            </a:r>
+            <a:r>
+              <a:rPr/>
+              <a:t>criteria</a:t>
+            </a:r>
+            <a:r>
+              <a:rPr/>
+              <a:t> </a:t>
+            </a:r>
+            <a:r>
+              <a:rPr/>
+              <a:t>were</a:t>
+            </a:r>
+            <a:r>
+              <a:rPr/>
+              <a:t> </a:t>
+            </a:r>
+            <a:r>
+              <a:rPr/>
+              <a:t>specified</a:t>
+            </a:r>
+            <a:r>
+              <a:rPr/>
+              <a:t> </a:t>
+            </a:r>
+            <a:r>
+              <a:rPr/>
+              <a:t>no,</a:t>
+            </a:r>
+            <a:r>
+              <a:rPr/>
+              <a:t> </a:t>
+            </a:r>
+            <a:r>
+              <a:rPr/>
+              <a:t>yes</a:t>
+            </a:r>
+            <a:r>
+              <a:rPr/>
+              <a:t> </a:t>
+            </a:r>
+            <a:r>
+              <a:rPr/>
+              <a:t>where:</a:t>
+            </a:r>
+          </a:p>
+          <a:p>
+            <a:pPr lvl="0" marL="0" indent="0">
+              <a:buNone/>
+            </a:pPr>
+          </a:p>
+          <a:p>
+            <a:pPr lvl="1">
+              <a:buAutoNum type="arabicPeriod"/>
+            </a:pPr>
+            <a:r>
+              <a:rPr/>
+              <a:t>subjects</a:t>
+            </a:r>
+            <a:r>
+              <a:rPr/>
+              <a:t> </a:t>
+            </a:r>
+            <a:r>
+              <a:rPr/>
+              <a:t>were</a:t>
+            </a:r>
+            <a:r>
+              <a:rPr/>
+              <a:t> </a:t>
+            </a:r>
+            <a:r>
+              <a:rPr/>
+              <a:t>randomly</a:t>
+            </a:r>
+            <a:r>
+              <a:rPr/>
+              <a:t> </a:t>
+            </a:r>
+            <a:r>
+              <a:rPr/>
+              <a:t>allocated</a:t>
+            </a:r>
+            <a:r>
+              <a:rPr/>
+              <a:t> </a:t>
+            </a:r>
+            <a:r>
+              <a:rPr/>
+              <a:t>to</a:t>
+            </a:r>
+            <a:r>
+              <a:rPr/>
+              <a:t> </a:t>
+            </a:r>
+            <a:r>
+              <a:rPr/>
+              <a:t>groups</a:t>
+            </a:r>
+            <a:r>
+              <a:rPr/>
+              <a:t> </a:t>
+            </a:r>
+            <a:r>
+              <a:rPr/>
+              <a:t>(in</a:t>
+            </a:r>
+            <a:r>
+              <a:rPr/>
+              <a:t> </a:t>
+            </a:r>
+            <a:r>
+              <a:rPr/>
+              <a:t>a</a:t>
+            </a:r>
+            <a:r>
+              <a:rPr/>
+              <a:t> </a:t>
+            </a:r>
+            <a:r>
+              <a:rPr/>
+              <a:t>crossover</a:t>
+            </a:r>
+            <a:r>
+              <a:rPr/>
+              <a:t> </a:t>
+            </a:r>
+            <a:r>
+              <a:rPr/>
+              <a:t>study,</a:t>
+            </a:r>
+            <a:r>
+              <a:rPr/>
+              <a:t> </a:t>
+            </a:r>
+            <a:r>
+              <a:rPr/>
+              <a:t>subjects</a:t>
+            </a:r>
+            <a:r>
+              <a:rPr/>
+              <a:t> </a:t>
+            </a:r>
+            <a:r>
+              <a:rPr/>
+              <a:t>were</a:t>
+            </a:r>
+            <a:r>
+              <a:rPr/>
+              <a:t> </a:t>
+            </a:r>
+            <a:r>
+              <a:rPr/>
+              <a:t>randomly</a:t>
+            </a:r>
+            <a:r>
+              <a:rPr/>
+              <a:t> </a:t>
+            </a:r>
+            <a:r>
+              <a:rPr/>
+              <a:t>allocated</a:t>
+            </a:r>
+            <a:r>
+              <a:rPr/>
+              <a:t> </a:t>
+            </a:r>
+            <a:r>
+              <a:rPr/>
+              <a:t>an</a:t>
+            </a:r>
+            <a:r>
+              <a:rPr/>
+              <a:t> </a:t>
+            </a:r>
+            <a:r>
+              <a:rPr/>
+              <a:t>order</a:t>
+            </a:r>
+            <a:r>
+              <a:rPr/>
+              <a:t> </a:t>
+            </a:r>
+            <a:r>
+              <a:rPr/>
+              <a:t>in</a:t>
+            </a:r>
+            <a:r>
+              <a:rPr/>
+              <a:t> </a:t>
+            </a:r>
+            <a:r>
+              <a:rPr/>
+              <a:t>which</a:t>
+            </a:r>
+            <a:r>
+              <a:rPr/>
+              <a:t> </a:t>
+            </a:r>
+            <a:r>
+              <a:rPr/>
+              <a:t>treatments</a:t>
+            </a:r>
+            <a:r>
+              <a:rPr/>
+              <a:t> </a:t>
+            </a:r>
+            <a:r>
+              <a:rPr/>
+              <a:t>were</a:t>
+            </a:r>
+            <a:r>
+              <a:rPr/>
+              <a:t> </a:t>
+            </a:r>
+            <a:r>
+              <a:rPr/>
+              <a:t>received)</a:t>
+            </a:r>
+            <a:r>
+              <a:rPr/>
+              <a:t> </a:t>
+            </a:r>
+            <a:r>
+              <a:rPr/>
+              <a:t>no,</a:t>
+            </a:r>
+            <a:r>
+              <a:rPr/>
+              <a:t> </a:t>
+            </a:r>
+            <a:r>
+              <a:rPr/>
+              <a:t>yes</a:t>
+            </a:r>
+            <a:r>
+              <a:rPr/>
+              <a:t> </a:t>
+            </a:r>
+            <a:r>
+              <a:rPr/>
+              <a:t>where:</a:t>
+            </a:r>
+          </a:p>
+          <a:p>
+            <a:pPr lvl="0" marL="0" indent="0">
+              <a:buNone/>
+            </a:pPr>
+          </a:p>
+          <a:p>
+            <a:pPr lvl="1">
+              <a:buAutoNum type="arabicPeriod"/>
+            </a:pPr>
+            <a:r>
+              <a:rPr/>
+              <a:t>allocation</a:t>
+            </a:r>
+            <a:r>
+              <a:rPr/>
+              <a:t> </a:t>
+            </a:r>
+            <a:r>
+              <a:rPr/>
+              <a:t>was</a:t>
+            </a:r>
+            <a:r>
+              <a:rPr/>
+              <a:t> </a:t>
+            </a:r>
+            <a:r>
+              <a:rPr/>
+              <a:t>concealed</a:t>
+            </a:r>
+            <a:r>
+              <a:rPr/>
+              <a:t> </a:t>
+            </a:r>
+            <a:r>
+              <a:rPr/>
+              <a:t>no,</a:t>
+            </a:r>
+            <a:r>
+              <a:rPr/>
+              <a:t> </a:t>
+            </a:r>
+            <a:r>
+              <a:rPr/>
+              <a:t>yes</a:t>
+            </a:r>
+            <a:r>
+              <a:rPr/>
+              <a:t> </a:t>
+            </a:r>
+            <a:r>
+              <a:rPr/>
+              <a:t>where:</a:t>
+            </a:r>
+          </a:p>
+          <a:p>
+            <a:pPr lvl="0" marL="0" indent="0">
+              <a:buNone/>
+            </a:pPr>
+          </a:p>
+          <a:p>
+            <a:pPr lvl="1">
+              <a:buAutoNum type="arabicPeriod"/>
+            </a:pPr>
+            <a:r>
+              <a:rPr/>
+              <a:t>the</a:t>
+            </a:r>
+            <a:r>
+              <a:rPr/>
+              <a:t> </a:t>
+            </a:r>
+            <a:r>
+              <a:rPr/>
+              <a:t>groups</a:t>
+            </a:r>
+            <a:r>
+              <a:rPr/>
+              <a:t> </a:t>
+            </a:r>
+            <a:r>
+              <a:rPr/>
+              <a:t>were</a:t>
+            </a:r>
+            <a:r>
+              <a:rPr/>
+              <a:t> </a:t>
+            </a:r>
+            <a:r>
+              <a:rPr/>
+              <a:t>similar</a:t>
+            </a:r>
+            <a:r>
+              <a:rPr/>
+              <a:t> </a:t>
+            </a:r>
+            <a:r>
+              <a:rPr/>
+              <a:t>at</a:t>
+            </a:r>
+            <a:r>
+              <a:rPr/>
+              <a:t> </a:t>
+            </a:r>
+            <a:r>
+              <a:rPr/>
+              <a:t>baseline</a:t>
+            </a:r>
+            <a:r>
+              <a:rPr/>
+              <a:t> </a:t>
+            </a:r>
+            <a:r>
+              <a:rPr/>
+              <a:t>regarding</a:t>
+            </a:r>
+            <a:r>
+              <a:rPr/>
+              <a:t> </a:t>
+            </a:r>
+            <a:r>
+              <a:rPr/>
+              <a:t>the</a:t>
+            </a:r>
+            <a:r>
+              <a:rPr/>
+              <a:t> </a:t>
+            </a:r>
+            <a:r>
+              <a:rPr/>
+              <a:t>most</a:t>
+            </a:r>
+            <a:r>
+              <a:rPr/>
+              <a:t> </a:t>
+            </a:r>
+            <a:r>
+              <a:rPr/>
+              <a:t>important</a:t>
+            </a:r>
+            <a:r>
+              <a:rPr/>
+              <a:t> </a:t>
+            </a:r>
+            <a:r>
+              <a:rPr/>
+              <a:t>prognostic</a:t>
+            </a:r>
+            <a:r>
+              <a:rPr/>
+              <a:t> </a:t>
+            </a:r>
+            <a:r>
+              <a:rPr/>
+              <a:t>indicators</a:t>
+            </a:r>
+            <a:r>
+              <a:rPr/>
+              <a:t> </a:t>
+            </a:r>
+            <a:r>
+              <a:rPr/>
+              <a:t>no,</a:t>
+            </a:r>
+            <a:r>
+              <a:rPr/>
+              <a:t> </a:t>
+            </a:r>
+            <a:r>
+              <a:rPr/>
+              <a:t>yes</a:t>
+            </a:r>
+            <a:r>
+              <a:rPr/>
+              <a:t> </a:t>
+            </a:r>
+            <a:r>
+              <a:rPr/>
+              <a:t>where:</a:t>
+            </a:r>
+          </a:p>
+          <a:p>
+            <a:pPr lvl="0" marL="0" indent="0">
+              <a:buNone/>
+            </a:pPr>
+          </a:p>
+          <a:p>
+            <a:pPr lvl="1">
+              <a:buAutoNum type="arabicPeriod"/>
+            </a:pPr>
+            <a:r>
+              <a:rPr/>
+              <a:t>there</a:t>
+            </a:r>
+            <a:r>
+              <a:rPr/>
+              <a:t> </a:t>
+            </a:r>
+            <a:r>
+              <a:rPr/>
+              <a:t>was</a:t>
+            </a:r>
+            <a:r>
+              <a:rPr/>
+              <a:t> </a:t>
+            </a:r>
+            <a:r>
+              <a:rPr/>
+              <a:t>blinding</a:t>
+            </a:r>
+            <a:r>
+              <a:rPr/>
+              <a:t> </a:t>
+            </a:r>
+            <a:r>
+              <a:rPr/>
+              <a:t>of</a:t>
+            </a:r>
+            <a:r>
+              <a:rPr/>
+              <a:t> </a:t>
+            </a:r>
+            <a:r>
+              <a:rPr/>
+              <a:t>all</a:t>
+            </a:r>
+            <a:r>
+              <a:rPr/>
+              <a:t> </a:t>
+            </a:r>
+            <a:r>
+              <a:rPr/>
+              <a:t>subjects</a:t>
+            </a:r>
+            <a:r>
+              <a:rPr/>
+              <a:t> </a:t>
+            </a:r>
+            <a:r>
+              <a:rPr/>
+              <a:t>no,</a:t>
+            </a:r>
+            <a:r>
+              <a:rPr/>
+              <a:t> </a:t>
+            </a:r>
+            <a:r>
+              <a:rPr/>
+              <a:t>yes</a:t>
+            </a:r>
+            <a:r>
+              <a:rPr/>
+              <a:t> </a:t>
+            </a:r>
+            <a:r>
+              <a:rPr/>
+              <a:t>where:</a:t>
+            </a:r>
+          </a:p>
+          <a:p>
+            <a:pPr lvl="0" marL="0" indent="0">
+              <a:buNone/>
+            </a:pPr>
+          </a:p>
+          <a:p>
+            <a:pPr lvl="1">
+              <a:buAutoNum type="arabicPeriod"/>
+            </a:pPr>
+            <a:r>
+              <a:rPr/>
+              <a:t>there</a:t>
+            </a:r>
+            <a:r>
+              <a:rPr/>
+              <a:t> </a:t>
+            </a:r>
+            <a:r>
+              <a:rPr/>
+              <a:t>was</a:t>
+            </a:r>
+            <a:r>
+              <a:rPr/>
+              <a:t> </a:t>
+            </a:r>
+            <a:r>
+              <a:rPr/>
+              <a:t>blinding</a:t>
+            </a:r>
+            <a:r>
+              <a:rPr/>
+              <a:t> </a:t>
+            </a:r>
+            <a:r>
+              <a:rPr/>
+              <a:t>of</a:t>
+            </a:r>
+            <a:r>
+              <a:rPr/>
+              <a:t> </a:t>
+            </a:r>
+            <a:r>
+              <a:rPr/>
+              <a:t>all</a:t>
+            </a:r>
+            <a:r>
+              <a:rPr/>
+              <a:t> </a:t>
+            </a:r>
+            <a:r>
+              <a:rPr/>
+              <a:t>therapists</a:t>
+            </a:r>
+            <a:r>
+              <a:rPr/>
+              <a:t> </a:t>
+            </a:r>
+            <a:r>
+              <a:rPr/>
+              <a:t>who</a:t>
+            </a:r>
+            <a:r>
+              <a:rPr/>
+              <a:t> </a:t>
+            </a:r>
+            <a:r>
+              <a:rPr/>
+              <a:t>administered</a:t>
+            </a:r>
+            <a:r>
+              <a:rPr/>
+              <a:t> </a:t>
+            </a:r>
+            <a:r>
+              <a:rPr/>
+              <a:t>the</a:t>
+            </a:r>
+            <a:r>
+              <a:rPr/>
+              <a:t> </a:t>
+            </a:r>
+            <a:r>
+              <a:rPr/>
+              <a:t>therapy</a:t>
+            </a:r>
+            <a:r>
+              <a:rPr/>
+              <a:t> </a:t>
+            </a:r>
+            <a:r>
+              <a:rPr/>
+              <a:t>no,</a:t>
+            </a:r>
+            <a:r>
+              <a:rPr/>
+              <a:t> </a:t>
+            </a:r>
+            <a:r>
+              <a:rPr/>
+              <a:t>yes</a:t>
+            </a:r>
+            <a:r>
+              <a:rPr/>
+              <a:t> </a:t>
+            </a:r>
+            <a:r>
+              <a:rPr/>
+              <a:t>where:</a:t>
+            </a:r>
+          </a:p>
+          <a:p>
+            <a:pPr lvl="0" marL="0" indent="0">
+              <a:buNone/>
+            </a:pPr>
+          </a:p>
+          <a:p>
+            <a:pPr lvl="1">
+              <a:buAutoNum type="arabicPeriod"/>
+            </a:pPr>
+            <a:r>
+              <a:rPr/>
+              <a:t>there</a:t>
+            </a:r>
+            <a:r>
+              <a:rPr/>
+              <a:t> </a:t>
+            </a:r>
+            <a:r>
+              <a:rPr/>
+              <a:t>was</a:t>
+            </a:r>
+            <a:r>
+              <a:rPr/>
+              <a:t> </a:t>
+            </a:r>
+            <a:r>
+              <a:rPr/>
+              <a:t>blinding</a:t>
+            </a:r>
+            <a:r>
+              <a:rPr/>
+              <a:t> </a:t>
+            </a:r>
+            <a:r>
+              <a:rPr/>
+              <a:t>of</a:t>
+            </a:r>
+            <a:r>
+              <a:rPr/>
+              <a:t> </a:t>
+            </a:r>
+            <a:r>
+              <a:rPr/>
+              <a:t>all</a:t>
+            </a:r>
+            <a:r>
+              <a:rPr/>
+              <a:t> </a:t>
+            </a:r>
+            <a:r>
+              <a:rPr/>
+              <a:t>assessors</a:t>
+            </a:r>
+            <a:r>
+              <a:rPr/>
+              <a:t> </a:t>
+            </a:r>
+            <a:r>
+              <a:rPr/>
+              <a:t>who</a:t>
+            </a:r>
+            <a:r>
+              <a:rPr/>
+              <a:t> </a:t>
+            </a:r>
+            <a:r>
+              <a:rPr/>
+              <a:t>measured</a:t>
+            </a:r>
+            <a:r>
+              <a:rPr/>
+              <a:t> </a:t>
+            </a:r>
+            <a:r>
+              <a:rPr/>
+              <a:t>at</a:t>
+            </a:r>
+            <a:r>
+              <a:rPr/>
+              <a:t> </a:t>
+            </a:r>
+            <a:r>
+              <a:rPr/>
+              <a:t>least</a:t>
+            </a:r>
+            <a:r>
+              <a:rPr/>
+              <a:t> </a:t>
+            </a:r>
+            <a:r>
+              <a:rPr/>
+              <a:t>one</a:t>
+            </a:r>
+            <a:r>
+              <a:rPr/>
+              <a:t> </a:t>
+            </a:r>
+            <a:r>
+              <a:rPr/>
+              <a:t>key</a:t>
+            </a:r>
+            <a:r>
+              <a:rPr/>
+              <a:t> </a:t>
+            </a:r>
+            <a:r>
+              <a:rPr/>
+              <a:t>outcome</a:t>
+            </a:r>
+            <a:r>
+              <a:rPr/>
+              <a:t> </a:t>
+            </a:r>
+            <a:r>
+              <a:rPr/>
+              <a:t>no,</a:t>
+            </a:r>
+            <a:r>
+              <a:rPr/>
+              <a:t> </a:t>
+            </a:r>
+            <a:r>
+              <a:rPr/>
+              <a:t>yes</a:t>
+            </a:r>
+            <a:r>
+              <a:rPr/>
+              <a:t> </a:t>
+            </a:r>
+            <a:r>
+              <a:rPr/>
+              <a:t>where:</a:t>
+            </a:r>
+          </a:p>
+          <a:p>
+            <a:pPr lvl="0" marL="0" indent="0">
+              <a:buNone/>
+            </a:pPr>
+          </a:p>
+          <a:p>
+            <a:pPr lvl="1">
+              <a:buAutoNum type="arabicPeriod"/>
+            </a:pPr>
+            <a:r>
+              <a:rPr/>
+              <a:t>measures</a:t>
+            </a:r>
+            <a:r>
+              <a:rPr/>
+              <a:t> </a:t>
+            </a:r>
+            <a:r>
+              <a:rPr/>
+              <a:t>of</a:t>
+            </a:r>
+            <a:r>
+              <a:rPr/>
+              <a:t> </a:t>
+            </a:r>
+            <a:r>
+              <a:rPr/>
+              <a:t>at</a:t>
+            </a:r>
+            <a:r>
+              <a:rPr/>
+              <a:t> </a:t>
+            </a:r>
+            <a:r>
+              <a:rPr/>
+              <a:t>least</a:t>
+            </a:r>
+            <a:r>
+              <a:rPr/>
+              <a:t> </a:t>
+            </a:r>
+            <a:r>
+              <a:rPr/>
+              <a:t>one</a:t>
+            </a:r>
+            <a:r>
+              <a:rPr/>
+              <a:t> </a:t>
+            </a:r>
+            <a:r>
+              <a:rPr/>
+              <a:t>key</a:t>
+            </a:r>
+            <a:r>
+              <a:rPr/>
+              <a:t> </a:t>
+            </a:r>
+            <a:r>
+              <a:rPr/>
+              <a:t>outcome</a:t>
+            </a:r>
+            <a:r>
+              <a:rPr/>
+              <a:t> </a:t>
+            </a:r>
+            <a:r>
+              <a:rPr/>
+              <a:t>were</a:t>
+            </a:r>
+            <a:r>
+              <a:rPr/>
+              <a:t> </a:t>
+            </a:r>
+            <a:r>
+              <a:rPr/>
+              <a:t>obtained</a:t>
+            </a:r>
+            <a:r>
+              <a:rPr/>
+              <a:t> </a:t>
+            </a:r>
+            <a:r>
+              <a:rPr/>
+              <a:t>from</a:t>
+            </a:r>
+            <a:r>
+              <a:rPr/>
+              <a:t> </a:t>
+            </a:r>
+            <a:r>
+              <a:rPr/>
+              <a:t>more</a:t>
+            </a:r>
+            <a:r>
+              <a:rPr/>
+              <a:t> </a:t>
+            </a:r>
+            <a:r>
+              <a:rPr/>
+              <a:t>than</a:t>
+            </a:r>
+            <a:r>
+              <a:rPr/>
+              <a:t> </a:t>
+            </a:r>
+            <a:r>
+              <a:rPr/>
+              <a:t>85%</a:t>
+            </a:r>
+            <a:r>
+              <a:rPr/>
+              <a:t> </a:t>
+            </a:r>
+            <a:r>
+              <a:rPr/>
+              <a:t>of</a:t>
+            </a:r>
+            <a:r>
+              <a:rPr/>
+              <a:t> </a:t>
+            </a:r>
+            <a:r>
+              <a:rPr/>
+              <a:t>the</a:t>
+            </a:r>
+            <a:r>
+              <a:rPr/>
+              <a:t> </a:t>
+            </a:r>
+            <a:r>
+              <a:rPr/>
+              <a:t>subjects</a:t>
+            </a:r>
+            <a:r>
+              <a:rPr/>
+              <a:t> </a:t>
+            </a:r>
+            <a:r>
+              <a:rPr/>
+              <a:t>initially</a:t>
+            </a:r>
+            <a:r>
+              <a:rPr/>
+              <a:t> </a:t>
+            </a:r>
+            <a:r>
+              <a:rPr/>
+              <a:t>allocated</a:t>
+            </a:r>
+            <a:r>
+              <a:rPr/>
+              <a:t> </a:t>
+            </a:r>
+            <a:r>
+              <a:rPr/>
+              <a:t>to</a:t>
+            </a:r>
+            <a:r>
+              <a:rPr/>
+              <a:t> </a:t>
+            </a:r>
+            <a:r>
+              <a:rPr/>
+              <a:t>groups</a:t>
+            </a:r>
+            <a:r>
+              <a:rPr/>
+              <a:t> </a:t>
+            </a:r>
+            <a:r>
+              <a:rPr/>
+              <a:t>no,</a:t>
+            </a:r>
+            <a:r>
+              <a:rPr/>
+              <a:t> </a:t>
+            </a:r>
+            <a:r>
+              <a:rPr/>
+              <a:t>yes</a:t>
+            </a:r>
+            <a:r>
+              <a:rPr/>
+              <a:t> </a:t>
+            </a:r>
+            <a:r>
+              <a:rPr/>
+              <a:t>where:</a:t>
+            </a:r>
+          </a:p>
+          <a:p>
+            <a:pPr lvl="0" marL="0" indent="0">
+              <a:buNone/>
+            </a:pPr>
+          </a:p>
+          <a:p>
+            <a:pPr lvl="1">
+              <a:buAutoNum type="arabicPeriod"/>
+            </a:pPr>
+            <a:r>
+              <a:rPr/>
+              <a:t>all</a:t>
+            </a:r>
+            <a:r>
+              <a:rPr/>
+              <a:t> </a:t>
+            </a:r>
+            <a:r>
+              <a:rPr/>
+              <a:t>subjects</a:t>
+            </a:r>
+            <a:r>
+              <a:rPr/>
+              <a:t> </a:t>
+            </a:r>
+            <a:r>
+              <a:rPr/>
+              <a:t>for</a:t>
+            </a:r>
+            <a:r>
+              <a:rPr/>
+              <a:t> </a:t>
+            </a:r>
+            <a:r>
+              <a:rPr/>
+              <a:t>whom</a:t>
+            </a:r>
+            <a:r>
+              <a:rPr/>
+              <a:t> </a:t>
+            </a:r>
+            <a:r>
+              <a:rPr/>
+              <a:t>outcome</a:t>
+            </a:r>
+            <a:r>
+              <a:rPr/>
+              <a:t> </a:t>
+            </a:r>
+            <a:r>
+              <a:rPr/>
+              <a:t>measures</a:t>
+            </a:r>
+            <a:r>
+              <a:rPr/>
+              <a:t> </a:t>
+            </a:r>
+            <a:r>
+              <a:rPr/>
+              <a:t>were</a:t>
+            </a:r>
+            <a:r>
+              <a:rPr/>
+              <a:t> </a:t>
+            </a:r>
+            <a:r>
+              <a:rPr/>
+              <a:t>available</a:t>
+            </a:r>
+            <a:r>
+              <a:rPr/>
+              <a:t> </a:t>
+            </a:r>
+            <a:r>
+              <a:rPr/>
+              <a:t>received</a:t>
+            </a:r>
+            <a:r>
+              <a:rPr/>
+              <a:t> </a:t>
+            </a:r>
+            <a:r>
+              <a:rPr/>
+              <a:t>the</a:t>
+            </a:r>
+            <a:r>
+              <a:rPr/>
+              <a:t> </a:t>
+            </a:r>
+            <a:r>
+              <a:rPr/>
+              <a:t>treatment</a:t>
+            </a:r>
+            <a:r>
+              <a:rPr/>
+              <a:t> </a:t>
+            </a:r>
+            <a:r>
+              <a:rPr/>
+              <a:t>or</a:t>
+            </a:r>
+            <a:r>
+              <a:rPr/>
+              <a:t> </a:t>
+            </a:r>
+            <a:r>
+              <a:rPr/>
+              <a:t>control</a:t>
+            </a:r>
+            <a:r>
+              <a:rPr/>
+              <a:t> </a:t>
+            </a:r>
+            <a:r>
+              <a:rPr/>
+              <a:t>condition</a:t>
+            </a:r>
+            <a:r>
+              <a:rPr/>
+              <a:t> </a:t>
+            </a:r>
+            <a:r>
+              <a:rPr/>
+              <a:t>as</a:t>
+            </a:r>
+            <a:r>
+              <a:rPr/>
+              <a:t> </a:t>
+            </a:r>
+            <a:r>
+              <a:rPr/>
+              <a:t>allocated</a:t>
+            </a:r>
+            <a:r>
+              <a:rPr/>
+              <a:t> </a:t>
+            </a:r>
+            <a:r>
+              <a:rPr/>
+              <a:t>or,</a:t>
+            </a:r>
+            <a:r>
+              <a:rPr/>
+              <a:t> </a:t>
+            </a:r>
+            <a:r>
+              <a:rPr/>
+              <a:t>where</a:t>
+            </a:r>
+            <a:r>
+              <a:rPr/>
+              <a:t> </a:t>
+            </a:r>
+            <a:r>
+              <a:rPr/>
+              <a:t>this</a:t>
+            </a:r>
+            <a:r>
+              <a:rPr/>
+              <a:t> </a:t>
+            </a:r>
+            <a:r>
+              <a:rPr/>
+              <a:t>was</a:t>
+            </a:r>
+            <a:r>
+              <a:rPr/>
+              <a:t> </a:t>
+            </a:r>
+            <a:r>
+              <a:rPr/>
+              <a:t>not</a:t>
+            </a:r>
+            <a:r>
+              <a:rPr/>
+              <a:t> </a:t>
+            </a:r>
+            <a:r>
+              <a:rPr/>
+              <a:t>the</a:t>
+            </a:r>
+            <a:r>
+              <a:rPr/>
+              <a:t> </a:t>
+            </a:r>
+            <a:r>
+              <a:rPr/>
+              <a:t>case,</a:t>
+            </a:r>
+            <a:r>
+              <a:rPr/>
+              <a:t> </a:t>
+            </a:r>
+            <a:r>
+              <a:rPr/>
+              <a:t>data</a:t>
+            </a:r>
+            <a:r>
+              <a:rPr/>
+              <a:t> </a:t>
+            </a:r>
+            <a:r>
+              <a:rPr/>
+              <a:t>for</a:t>
+            </a:r>
+            <a:r>
+              <a:rPr/>
+              <a:t> </a:t>
+            </a:r>
+            <a:r>
+              <a:rPr/>
+              <a:t>at</a:t>
+            </a:r>
+            <a:r>
+              <a:rPr/>
+              <a:t> </a:t>
+            </a:r>
+            <a:r>
+              <a:rPr/>
+              <a:t>least</a:t>
+            </a:r>
+            <a:r>
+              <a:rPr/>
+              <a:t> </a:t>
+            </a:r>
+            <a:r>
+              <a:rPr/>
+              <a:t>one</a:t>
+            </a:r>
+            <a:r>
+              <a:rPr/>
+              <a:t> </a:t>
+            </a:r>
+            <a:r>
+              <a:rPr/>
+              <a:t>key</a:t>
+            </a:r>
+            <a:r>
+              <a:rPr/>
+              <a:t> </a:t>
+            </a:r>
+            <a:r>
+              <a:rPr/>
+              <a:t>outcome</a:t>
+            </a:r>
+            <a:r>
+              <a:rPr/>
+              <a:t> </a:t>
+            </a:r>
+            <a:r>
+              <a:rPr/>
+              <a:t>was</a:t>
+            </a:r>
+            <a:r>
+              <a:rPr/>
+              <a:t> </a:t>
+            </a:r>
+            <a:r>
+              <a:rPr/>
+              <a:t>analysed</a:t>
+            </a:r>
+            <a:r>
+              <a:rPr/>
+              <a:t> </a:t>
+            </a:r>
+            <a:r>
+              <a:rPr/>
+              <a:t>by</a:t>
+            </a:r>
+            <a:r>
+              <a:rPr/>
+              <a:t> </a:t>
+            </a:r>
+            <a:r>
+              <a:rPr/>
+              <a:t>“</a:t>
+            </a:r>
+            <a:r>
+              <a:rPr/>
+              <a:t>intention</a:t>
+            </a:r>
+            <a:r>
+              <a:rPr/>
+              <a:t> </a:t>
+            </a:r>
+            <a:r>
+              <a:rPr/>
+              <a:t>to</a:t>
+            </a:r>
+            <a:r>
+              <a:rPr/>
+              <a:t> </a:t>
+            </a:r>
+            <a:r>
+              <a:rPr/>
+              <a:t>treat</a:t>
+            </a:r>
+            <a:r>
+              <a:rPr/>
+              <a:t>”</a:t>
+            </a:r>
+            <a:r>
+              <a:rPr/>
+              <a:t> </a:t>
+            </a:r>
+            <a:r>
+              <a:rPr/>
+              <a:t>no,</a:t>
+            </a:r>
+            <a:r>
+              <a:rPr/>
+              <a:t> </a:t>
+            </a:r>
+            <a:r>
+              <a:rPr/>
+              <a:t>yes</a:t>
+            </a:r>
+            <a:r>
+              <a:rPr/>
+              <a:t> </a:t>
+            </a:r>
+            <a:r>
+              <a:rPr/>
+              <a:t>where:</a:t>
+            </a:r>
+          </a:p>
+          <a:p>
+            <a:pPr lvl="0" marL="0" indent="0">
+              <a:buNone/>
+            </a:pPr>
+          </a:p>
+          <a:p>
+            <a:pPr lvl="1">
+              <a:buAutoNum type="arabicPeriod"/>
+            </a:pPr>
+            <a:r>
+              <a:rPr/>
+              <a:t>the</a:t>
+            </a:r>
+            <a:r>
+              <a:rPr/>
+              <a:t> </a:t>
+            </a:r>
+            <a:r>
+              <a:rPr/>
+              <a:t>results</a:t>
+            </a:r>
+            <a:r>
+              <a:rPr/>
+              <a:t> </a:t>
+            </a:r>
+            <a:r>
+              <a:rPr/>
+              <a:t>of</a:t>
+            </a:r>
+            <a:r>
+              <a:rPr/>
+              <a:t> </a:t>
+            </a:r>
+            <a:r>
+              <a:rPr/>
+              <a:t>between-group</a:t>
+            </a:r>
+            <a:r>
+              <a:rPr/>
+              <a:t> </a:t>
+            </a:r>
+            <a:r>
+              <a:rPr/>
+              <a:t>statistical</a:t>
+            </a:r>
+            <a:r>
+              <a:rPr/>
+              <a:t> </a:t>
+            </a:r>
+            <a:r>
+              <a:rPr/>
+              <a:t>comparisons</a:t>
+            </a:r>
+            <a:r>
+              <a:rPr/>
+              <a:t> </a:t>
+            </a:r>
+            <a:r>
+              <a:rPr/>
+              <a:t>are</a:t>
+            </a:r>
+            <a:r>
+              <a:rPr/>
+              <a:t> </a:t>
+            </a:r>
+            <a:r>
+              <a:rPr/>
+              <a:t>reported</a:t>
+            </a:r>
+            <a:r>
+              <a:rPr/>
+              <a:t> </a:t>
+            </a:r>
+            <a:r>
+              <a:rPr/>
+              <a:t>for</a:t>
+            </a:r>
+            <a:r>
+              <a:rPr/>
+              <a:t> </a:t>
+            </a:r>
+            <a:r>
+              <a:rPr/>
+              <a:t>at</a:t>
+            </a:r>
+            <a:r>
+              <a:rPr/>
+              <a:t> </a:t>
+            </a:r>
+            <a:r>
+              <a:rPr/>
+              <a:t>least</a:t>
+            </a:r>
+            <a:r>
+              <a:rPr/>
+              <a:t> </a:t>
+            </a:r>
+            <a:r>
+              <a:rPr/>
+              <a:t>one</a:t>
+            </a:r>
+            <a:r>
+              <a:rPr/>
+              <a:t> </a:t>
+            </a:r>
+            <a:r>
+              <a:rPr/>
+              <a:t>key</a:t>
+            </a:r>
+            <a:r>
+              <a:rPr/>
+              <a:t> </a:t>
+            </a:r>
+            <a:r>
+              <a:rPr/>
+              <a:t>outcome</a:t>
+            </a:r>
+            <a:r>
+              <a:rPr/>
+              <a:t> </a:t>
+            </a:r>
+            <a:r>
+              <a:rPr/>
+              <a:t>no,</a:t>
+            </a:r>
+            <a:r>
+              <a:rPr/>
+              <a:t> </a:t>
+            </a:r>
+            <a:r>
+              <a:rPr/>
+              <a:t>yes</a:t>
+            </a:r>
+            <a:r>
+              <a:rPr/>
+              <a:t> </a:t>
+            </a:r>
+            <a:r>
+              <a:rPr/>
+              <a:t>where:</a:t>
+            </a:r>
+          </a:p>
+          <a:p>
+            <a:pPr lvl="0" marL="0" indent="0">
+              <a:buNone/>
+            </a:pPr>
+          </a:p>
+          <a:p>
+            <a:pPr lvl="1">
+              <a:buAutoNum type="arabicPeriod"/>
+            </a:pPr>
+            <a:r>
+              <a:rPr/>
+              <a:t>the</a:t>
+            </a:r>
+            <a:r>
+              <a:rPr/>
+              <a:t> </a:t>
+            </a:r>
+            <a:r>
+              <a:rPr/>
+              <a:t>study</a:t>
+            </a:r>
+            <a:r>
+              <a:rPr/>
+              <a:t> </a:t>
+            </a:r>
+            <a:r>
+              <a:rPr/>
+              <a:t>provides</a:t>
+            </a:r>
+            <a:r>
+              <a:rPr/>
+              <a:t> </a:t>
+            </a:r>
+            <a:r>
+              <a:rPr/>
+              <a:t>both</a:t>
+            </a:r>
+            <a:r>
+              <a:rPr/>
+              <a:t> </a:t>
+            </a:r>
+            <a:r>
+              <a:rPr/>
+              <a:t>point</a:t>
+            </a:r>
+            <a:r>
+              <a:rPr/>
+              <a:t> </a:t>
+            </a:r>
+            <a:r>
+              <a:rPr/>
+              <a:t>measures</a:t>
+            </a:r>
+            <a:r>
+              <a:rPr/>
+              <a:t> </a:t>
+            </a:r>
+            <a:r>
+              <a:rPr/>
+              <a:t>and</a:t>
+            </a:r>
+            <a:r>
+              <a:rPr/>
+              <a:t> </a:t>
+            </a:r>
+            <a:r>
+              <a:rPr/>
+              <a:t>measures</a:t>
+            </a:r>
+            <a:r>
+              <a:rPr/>
+              <a:t> </a:t>
+            </a:r>
+            <a:r>
+              <a:rPr/>
+              <a:t>of</a:t>
+            </a:r>
+            <a:r>
+              <a:rPr/>
+              <a:t> </a:t>
+            </a:r>
+            <a:r>
+              <a:rPr/>
+              <a:t>variability</a:t>
+            </a:r>
+            <a:r>
+              <a:rPr/>
+              <a:t> </a:t>
+            </a:r>
+            <a:r>
+              <a:rPr/>
+              <a:t>for</a:t>
+            </a:r>
+            <a:r>
+              <a:rPr/>
+              <a:t> </a:t>
+            </a:r>
+            <a:r>
+              <a:rPr/>
+              <a:t>at</a:t>
+            </a:r>
+            <a:r>
+              <a:rPr/>
+              <a:t> </a:t>
+            </a:r>
+            <a:r>
+              <a:rPr/>
+              <a:t>least</a:t>
+            </a:r>
+            <a:r>
+              <a:rPr/>
+              <a:t> </a:t>
+            </a:r>
+            <a:r>
+              <a:rPr/>
+              <a:t>one</a:t>
+            </a:r>
+            <a:r>
+              <a:rPr/>
+              <a:t> </a:t>
+            </a:r>
+            <a:r>
+              <a:rPr/>
+              <a:t>key</a:t>
+            </a:r>
+            <a:r>
+              <a:rPr/>
+              <a:t> </a:t>
+            </a:r>
+            <a:r>
+              <a:rPr/>
+              <a:t>outcome</a:t>
+            </a:r>
+            <a:r>
+              <a:rPr/>
+              <a:t> </a:t>
+            </a:r>
+            <a:r>
+              <a:rPr/>
+              <a:t>no,</a:t>
+            </a:r>
+            <a:r>
+              <a:rPr/>
+              <a:t> </a:t>
+            </a:r>
+            <a:r>
+              <a:rPr/>
+              <a:t>yes</a:t>
+            </a:r>
+            <a:r>
+              <a:rPr/>
+              <a:t> </a:t>
+            </a:r>
+            <a:r>
+              <a:rPr/>
+              <a:t>where:</a:t>
+            </a:r>
+          </a:p>
+        </p:txBody>
+      </p:sp>
+      <p:sp>
+        <p:nvSpPr>
+          <p:cNvPr id="4" name="Slide Number Placeholder 3"/>
+          <p:cNvSpPr>
+            <a:spLocks noGrp="1"/>
+          </p:cNvSpPr>
+          <p:nvPr>
+            <p:ph type="sldNum" sz="quarter" idx="10"/>
+          </p:nvPr>
+        </p:nvSpPr>
+        <p:spPr/>
+        <p:txBody>
+          <a:bodyPr/>
+          <a:lstStyle/>
+          <a:p>
+            <a:fld id="{18BDFEC3-8487-43E8-A154-7C12CBC1FFF2}" type="slidenum">
+              <a:rPr lang="en-US"/>
+              <a:t>14</a:t>
+            </a:fld>
+            <a:endParaRPr lang="en-US"/>
+          </a:p>
+        </p:txBody>
+      </p:sp>
+    </p:spTree>
+  </p:cSld>
+</p:notes>
 </file>
 
 <file path=ppt/notesSlides/notesSlide14.xml><?xml version="1.0" encoding="utf-8"?>
@@ -5359,15 +8583,7 @@
             </a:r>
             <a:r>
               <a:rPr/>
-              <a:t>d.</a:t>
-            </a:r>
-            <a:r>
-              <a:rPr/>
-              <a:t> </a:t>
-            </a:r>
-            <a:r>
-              <a:rPr/>
-              <a:t>This</a:t>
+              <a:t>d. This</a:t>
             </a:r>
             <a:r>
               <a:rPr/>
@@ -6197,15 +9413,7 @@
             </a:r>
             <a:r>
               <a:rPr/>
-              <a:t>d.</a:t>
-            </a:r>
-            <a:r>
-              <a:rPr/>
-              <a:t> </a:t>
-            </a:r>
-            <a:r>
-              <a:rPr/>
-              <a:t>But</a:t>
+              <a:t>d. But</a:t>
             </a:r>
             <a:r>
               <a:rPr/>
